--- a/presentations/05_Monitoring_Pricing.pptx
+++ b/presentations/05_Monitoring_Pricing.pptx
@@ -66,14 +66,14 @@
     <p:sldId id="331" r:id="rId57"/>
     <p:sldId id="371" r:id="rId58"/>
     <p:sldId id="372" r:id="rId59"/>
-    <p:sldId id="339" r:id="rId60"/>
-    <p:sldId id="345" r:id="rId61"/>
-    <p:sldId id="340" r:id="rId62"/>
-    <p:sldId id="341" r:id="rId63"/>
-    <p:sldId id="342" r:id="rId64"/>
-    <p:sldId id="343" r:id="rId65"/>
-    <p:sldId id="314" r:id="rId66"/>
-    <p:sldId id="332" r:id="rId67"/>
+    <p:sldId id="373" r:id="rId60"/>
+    <p:sldId id="339" r:id="rId61"/>
+    <p:sldId id="345" r:id="rId62"/>
+    <p:sldId id="340" r:id="rId63"/>
+    <p:sldId id="341" r:id="rId64"/>
+    <p:sldId id="342" r:id="rId65"/>
+    <p:sldId id="343" r:id="rId66"/>
+    <p:sldId id="314" r:id="rId67"/>
     <p:sldId id="295" r:id="rId68"/>
     <p:sldId id="336" r:id="rId69"/>
     <p:sldId id="337" r:id="rId70"/>
@@ -275,7 +275,7 @@
           <a:p>
             <a:fld id="{5B3CF26E-0687-4C54-85B5-9144DF51ABD2}" type="datetimeFigureOut">
               <a:rPr lang="en-US" smtClean="0"/>
-              <a:t>24-Jul-21</a:t>
+              <a:t>30-Jul-21</a:t>
             </a:fld>
             <a:endParaRPr lang="en-US"/>
           </a:p>
@@ -4979,7 +4979,7 @@
     </p:spTree>
     <p:extLst>
       <p:ext uri="{BB962C8B-B14F-4D97-AF65-F5344CB8AC3E}">
-        <p14:creationId xmlns:p14="http://schemas.microsoft.com/office/powerpoint/2010/main" val="1456486479"/>
+        <p14:creationId xmlns:p14="http://schemas.microsoft.com/office/powerpoint/2010/main" val="2939417753"/>
       </p:ext>
     </p:extLst>
   </p:cSld>
@@ -5063,7 +5063,7 @@
     </p:spTree>
     <p:extLst>
       <p:ext uri="{BB962C8B-B14F-4D97-AF65-F5344CB8AC3E}">
-        <p14:creationId xmlns:p14="http://schemas.microsoft.com/office/powerpoint/2010/main" val="2802765822"/>
+        <p14:creationId xmlns:p14="http://schemas.microsoft.com/office/powerpoint/2010/main" val="1456486479"/>
       </p:ext>
     </p:extLst>
   </p:cSld>
@@ -5147,7 +5147,7 @@
     </p:spTree>
     <p:extLst>
       <p:ext uri="{BB962C8B-B14F-4D97-AF65-F5344CB8AC3E}">
-        <p14:creationId xmlns:p14="http://schemas.microsoft.com/office/powerpoint/2010/main" val="2347560151"/>
+        <p14:creationId xmlns:p14="http://schemas.microsoft.com/office/powerpoint/2010/main" val="2802765822"/>
       </p:ext>
     </p:extLst>
   </p:cSld>
@@ -5231,7 +5231,7 @@
     </p:spTree>
     <p:extLst>
       <p:ext uri="{BB962C8B-B14F-4D97-AF65-F5344CB8AC3E}">
-        <p14:creationId xmlns:p14="http://schemas.microsoft.com/office/powerpoint/2010/main" val="2546882102"/>
+        <p14:creationId xmlns:p14="http://schemas.microsoft.com/office/powerpoint/2010/main" val="2347560151"/>
       </p:ext>
     </p:extLst>
   </p:cSld>
@@ -5399,7 +5399,7 @@
     </p:spTree>
     <p:extLst>
       <p:ext uri="{BB962C8B-B14F-4D97-AF65-F5344CB8AC3E}">
-        <p14:creationId xmlns:p14="http://schemas.microsoft.com/office/powerpoint/2010/main" val="1744740517"/>
+        <p14:creationId xmlns:p14="http://schemas.microsoft.com/office/powerpoint/2010/main" val="2546882102"/>
       </p:ext>
     </p:extLst>
   </p:cSld>
@@ -5483,7 +5483,7 @@
     </p:spTree>
     <p:extLst>
       <p:ext uri="{BB962C8B-B14F-4D97-AF65-F5344CB8AC3E}">
-        <p14:creationId xmlns:p14="http://schemas.microsoft.com/office/powerpoint/2010/main" val="241862955"/>
+        <p14:creationId xmlns:p14="http://schemas.microsoft.com/office/powerpoint/2010/main" val="1744740517"/>
       </p:ext>
     </p:extLst>
   </p:cSld>
@@ -5537,10 +5537,7 @@
           <a:bodyPr/>
           <a:lstStyle/>
           <a:p>
-            <a:r>
-              <a:rPr lang="en-US" dirty="0"/>
-              <a:t>If you want to start a new company around an o11y product, you’d better to choose another area unless you 100% SURE what and why are you doing</a:t>
-            </a:r>
+            <a:endParaRPr lang="en-US" dirty="0"/>
           </a:p>
         </p:txBody>
       </p:sp>
@@ -5570,7 +5567,7 @@
     </p:spTree>
     <p:extLst>
       <p:ext uri="{BB962C8B-B14F-4D97-AF65-F5344CB8AC3E}">
-        <p14:creationId xmlns:p14="http://schemas.microsoft.com/office/powerpoint/2010/main" val="4125430649"/>
+        <p14:creationId xmlns:p14="http://schemas.microsoft.com/office/powerpoint/2010/main" val="241862955"/>
       </p:ext>
     </p:extLst>
   </p:cSld>
@@ -5624,7 +5621,10 @@
           <a:bodyPr/>
           <a:lstStyle/>
           <a:p>
-            <a:endParaRPr lang="en-US" dirty="0"/>
+            <a:r>
+              <a:rPr lang="en-US" dirty="0"/>
+              <a:t>If you want to start a new company around an o11y product, you’d better to choose another area unless you 100% SURE what and why are you doing</a:t>
+            </a:r>
           </a:p>
         </p:txBody>
       </p:sp>
@@ -5654,7 +5654,7 @@
     </p:spTree>
     <p:extLst>
       <p:ext uri="{BB962C8B-B14F-4D97-AF65-F5344CB8AC3E}">
-        <p14:creationId xmlns:p14="http://schemas.microsoft.com/office/powerpoint/2010/main" val="534566477"/>
+        <p14:creationId xmlns:p14="http://schemas.microsoft.com/office/powerpoint/2010/main" val="4125430649"/>
       </p:ext>
     </p:extLst>
   </p:cSld>
@@ -6483,7 +6483,7 @@
           <a:p>
             <a:fld id="{8BBDE38F-7EFF-44D7-A4FC-86F4469E67EF}" type="datetimeFigureOut">
               <a:rPr lang="en-US" smtClean="0"/>
-              <a:t>24-Jul-21</a:t>
+              <a:t>30-Jul-21</a:t>
             </a:fld>
             <a:endParaRPr lang="en-US"/>
           </a:p>
@@ -6681,7 +6681,7 @@
           <a:p>
             <a:fld id="{8BBDE38F-7EFF-44D7-A4FC-86F4469E67EF}" type="datetimeFigureOut">
               <a:rPr lang="en-US" smtClean="0"/>
-              <a:t>24-Jul-21</a:t>
+              <a:t>30-Jul-21</a:t>
             </a:fld>
             <a:endParaRPr lang="en-US"/>
           </a:p>
@@ -6889,7 +6889,7 @@
           <a:p>
             <a:fld id="{8BBDE38F-7EFF-44D7-A4FC-86F4469E67EF}" type="datetimeFigureOut">
               <a:rPr lang="en-US" smtClean="0"/>
-              <a:t>24-Jul-21</a:t>
+              <a:t>30-Jul-21</a:t>
             </a:fld>
             <a:endParaRPr lang="en-US"/>
           </a:p>
@@ -7087,7 +7087,7 @@
           <a:p>
             <a:fld id="{8BBDE38F-7EFF-44D7-A4FC-86F4469E67EF}" type="datetimeFigureOut">
               <a:rPr lang="en-US" smtClean="0"/>
-              <a:t>24-Jul-21</a:t>
+              <a:t>30-Jul-21</a:t>
             </a:fld>
             <a:endParaRPr lang="en-US"/>
           </a:p>
@@ -7362,7 +7362,7 @@
           <a:p>
             <a:fld id="{8BBDE38F-7EFF-44D7-A4FC-86F4469E67EF}" type="datetimeFigureOut">
               <a:rPr lang="en-US" smtClean="0"/>
-              <a:t>24-Jul-21</a:t>
+              <a:t>30-Jul-21</a:t>
             </a:fld>
             <a:endParaRPr lang="en-US"/>
           </a:p>
@@ -7627,7 +7627,7 @@
           <a:p>
             <a:fld id="{8BBDE38F-7EFF-44D7-A4FC-86F4469E67EF}" type="datetimeFigureOut">
               <a:rPr lang="en-US" smtClean="0"/>
-              <a:t>24-Jul-21</a:t>
+              <a:t>30-Jul-21</a:t>
             </a:fld>
             <a:endParaRPr lang="en-US"/>
           </a:p>
@@ -8039,7 +8039,7 @@
           <a:p>
             <a:fld id="{8BBDE38F-7EFF-44D7-A4FC-86F4469E67EF}" type="datetimeFigureOut">
               <a:rPr lang="en-US" smtClean="0"/>
-              <a:t>24-Jul-21</a:t>
+              <a:t>30-Jul-21</a:t>
             </a:fld>
             <a:endParaRPr lang="en-US"/>
           </a:p>
@@ -8180,7 +8180,7 @@
           <a:p>
             <a:fld id="{8BBDE38F-7EFF-44D7-A4FC-86F4469E67EF}" type="datetimeFigureOut">
               <a:rPr lang="en-US" smtClean="0"/>
-              <a:t>24-Jul-21</a:t>
+              <a:t>30-Jul-21</a:t>
             </a:fld>
             <a:endParaRPr lang="en-US"/>
           </a:p>
@@ -8293,7 +8293,7 @@
           <a:p>
             <a:fld id="{8BBDE38F-7EFF-44D7-A4FC-86F4469E67EF}" type="datetimeFigureOut">
               <a:rPr lang="en-US" smtClean="0"/>
-              <a:t>24-Jul-21</a:t>
+              <a:t>30-Jul-21</a:t>
             </a:fld>
             <a:endParaRPr lang="en-US"/>
           </a:p>
@@ -8604,7 +8604,7 @@
           <a:p>
             <a:fld id="{8BBDE38F-7EFF-44D7-A4FC-86F4469E67EF}" type="datetimeFigureOut">
               <a:rPr lang="en-US" smtClean="0"/>
-              <a:t>24-Jul-21</a:t>
+              <a:t>30-Jul-21</a:t>
             </a:fld>
             <a:endParaRPr lang="en-US"/>
           </a:p>
@@ -8892,7 +8892,7 @@
           <a:p>
             <a:fld id="{8BBDE38F-7EFF-44D7-A4FC-86F4469E67EF}" type="datetimeFigureOut">
               <a:rPr lang="en-US" smtClean="0"/>
-              <a:t>24-Jul-21</a:t>
+              <a:t>30-Jul-21</a:t>
             </a:fld>
             <a:endParaRPr lang="en-US"/>
           </a:p>
@@ -9133,7 +9133,7 @@
           <a:p>
             <a:fld id="{8BBDE38F-7EFF-44D7-A4FC-86F4469E67EF}" type="datetimeFigureOut">
               <a:rPr lang="en-US" smtClean="0"/>
-              <a:t>24-Jul-21</a:t>
+              <a:t>30-Jul-21</a:t>
             </a:fld>
             <a:endParaRPr lang="en-US"/>
           </a:p>
@@ -12149,7 +12149,7 @@
             </a:pPr>
             <a:r>
               <a:rPr lang="en-US" dirty="0"/>
-              <a:t>Often you pay not for what you use, but for what you forgot to turn off</a:t>
+              <a:t>Sometimes you pay not for what you use, but for what you forgot to turn off</a:t>
             </a:r>
           </a:p>
           <a:p>
@@ -13488,12 +13488,6 @@
             <a:r>
               <a:rPr lang="en-US" dirty="0"/>
               <a:t>Pay-as-you-go vs pre-paid vs spot instances</a:t>
-            </a:r>
-          </a:p>
-          <a:p>
-            <a:r>
-              <a:rPr lang="en-US" dirty="0"/>
-              <a:t>Consumption pricing</a:t>
             </a:r>
           </a:p>
           <a:p>
@@ -16053,7 +16047,7 @@
           <a:p>
             <a:r>
               <a:rPr lang="en-US" dirty="0"/>
-              <a:t>Monitoring and Observability: Alerts</a:t>
+              <a:t>Monitoring and Observability: Traces</a:t>
             </a:r>
           </a:p>
         </p:txBody>
@@ -16076,23 +16070,24 @@
         </p:nvSpPr>
         <p:spPr/>
         <p:txBody>
-          <a:bodyPr/>
-          <a:lstStyle/>
-          <a:p>
-            <a:pPr marL="0" indent="0">
+          <a:bodyPr anchor="ctr"/>
+          <a:lstStyle/>
+          <a:p>
+            <a:pPr marL="0" indent="0" algn="ctr">
               <a:buNone/>
             </a:pPr>
             <a:r>
-              <a:rPr lang="en-US" dirty="0"/>
-              <a:t>Alert – action based on a criteria</a:t>
-            </a:r>
+              <a:rPr lang="en-US" sz="3600" dirty="0"/>
+              <a:t>Demo</a:t>
+            </a:r>
+            <a:endParaRPr lang="en-US" dirty="0"/>
           </a:p>
         </p:txBody>
       </p:sp>
     </p:spTree>
     <p:extLst>
       <p:ext uri="{BB962C8B-B14F-4D97-AF65-F5344CB8AC3E}">
-        <p14:creationId xmlns:p14="http://schemas.microsoft.com/office/powerpoint/2010/main" val="1513227264"/>
+        <p14:creationId xmlns:p14="http://schemas.microsoft.com/office/powerpoint/2010/main" val="2667552422"/>
       </p:ext>
     </p:extLst>
   </p:cSld>
@@ -16270,25 +16265,7 @@
             </a:pPr>
             <a:r>
               <a:rPr lang="en-US" dirty="0"/>
-              <a:t>Alert could be based on</a:t>
-            </a:r>
-          </a:p>
-          <a:p>
-            <a:r>
-              <a:rPr lang="en-US" dirty="0"/>
-              <a:t>Logs</a:t>
-            </a:r>
-          </a:p>
-          <a:p>
-            <a:r>
-              <a:rPr lang="en-US" dirty="0"/>
-              <a:t>Metrics</a:t>
-            </a:r>
-          </a:p>
-          <a:p>
-            <a:r>
-              <a:rPr lang="en-US" dirty="0"/>
-              <a:t>Billing</a:t>
+              <a:t>Alert – action based on a criteria</a:t>
             </a:r>
           </a:p>
         </p:txBody>
@@ -16296,7 +16273,7 @@
     </p:spTree>
     <p:extLst>
       <p:ext uri="{BB962C8B-B14F-4D97-AF65-F5344CB8AC3E}">
-        <p14:creationId xmlns:p14="http://schemas.microsoft.com/office/powerpoint/2010/main" val="3694092208"/>
+        <p14:creationId xmlns:p14="http://schemas.microsoft.com/office/powerpoint/2010/main" val="1513227264"/>
       </p:ext>
     </p:extLst>
   </p:cSld>
@@ -16377,7 +16354,25 @@
             </a:pPr>
             <a:r>
               <a:rPr lang="en-US" dirty="0"/>
-              <a:t>Alert, often, is a notification: a message sent to a communication channel</a:t>
+              <a:t>Alert could be based on</a:t>
+            </a:r>
+          </a:p>
+          <a:p>
+            <a:r>
+              <a:rPr lang="en-US" dirty="0"/>
+              <a:t>Logs</a:t>
+            </a:r>
+          </a:p>
+          <a:p>
+            <a:r>
+              <a:rPr lang="en-US" dirty="0"/>
+              <a:t>Metrics</a:t>
+            </a:r>
+          </a:p>
+          <a:p>
+            <a:r>
+              <a:rPr lang="en-US" dirty="0"/>
+              <a:t>Billing</a:t>
             </a:r>
           </a:p>
         </p:txBody>
@@ -16385,7 +16380,7 @@
     </p:spTree>
     <p:extLst>
       <p:ext uri="{BB962C8B-B14F-4D97-AF65-F5344CB8AC3E}">
-        <p14:creationId xmlns:p14="http://schemas.microsoft.com/office/powerpoint/2010/main" val="1797815053"/>
+        <p14:creationId xmlns:p14="http://schemas.microsoft.com/office/powerpoint/2010/main" val="3694092208"/>
       </p:ext>
     </p:extLst>
   </p:cSld>
@@ -16466,7 +16461,7 @@
             </a:pPr>
             <a:r>
               <a:rPr lang="en-US" dirty="0"/>
-              <a:t>But instead of sending a message you can make a request or invoke an API</a:t>
+              <a:t>Alert, often, is a notification: a message sent to a communication channel</a:t>
             </a:r>
           </a:p>
         </p:txBody>
@@ -16474,7 +16469,7 @@
     </p:spTree>
     <p:extLst>
       <p:ext uri="{BB962C8B-B14F-4D97-AF65-F5344CB8AC3E}">
-        <p14:creationId xmlns:p14="http://schemas.microsoft.com/office/powerpoint/2010/main" val="1217717110"/>
+        <p14:creationId xmlns:p14="http://schemas.microsoft.com/office/powerpoint/2010/main" val="1797815053"/>
       </p:ext>
     </p:extLst>
   </p:cSld>
@@ -16555,25 +16550,7 @@
             </a:pPr>
             <a:r>
               <a:rPr lang="en-US" dirty="0"/>
-              <a:t>With alerts you can:</a:t>
-            </a:r>
-          </a:p>
-          <a:p>
-            <a:r>
-              <a:rPr lang="en-US" dirty="0"/>
-              <a:t>post a warning to messenger (for example, Slack or email)</a:t>
-            </a:r>
-          </a:p>
-          <a:p>
-            <a:r>
-              <a:rPr lang="en-US" dirty="0"/>
-              <a:t>make a phone call or send SMS</a:t>
-            </a:r>
-          </a:p>
-          <a:p>
-            <a:r>
-              <a:rPr lang="en-US" dirty="0"/>
-              <a:t>invoke a Lambda function</a:t>
+              <a:t>But instead of sending a message you can make a request or invoke an API</a:t>
             </a:r>
           </a:p>
         </p:txBody>
@@ -16581,7 +16558,7 @@
     </p:spTree>
     <p:extLst>
       <p:ext uri="{BB962C8B-B14F-4D97-AF65-F5344CB8AC3E}">
-        <p14:creationId xmlns:p14="http://schemas.microsoft.com/office/powerpoint/2010/main" val="3710004396"/>
+        <p14:creationId xmlns:p14="http://schemas.microsoft.com/office/powerpoint/2010/main" val="1217717110"/>
       </p:ext>
     </p:extLst>
   </p:cSld>
@@ -16662,25 +16639,25 @@
             </a:pPr>
             <a:r>
               <a:rPr lang="en-US" dirty="0"/>
-              <a:t>Demo</a:t>
-            </a:r>
-          </a:p>
-          <a:p>
-            <a:r>
-              <a:rPr lang="en-US" dirty="0"/>
-              <a:t>Billing alert</a:t>
-            </a:r>
-          </a:p>
-          <a:p>
-            <a:r>
-              <a:rPr lang="en-US" dirty="0"/>
-              <a:t>Metric alert</a:t>
-            </a:r>
-          </a:p>
-          <a:p>
-            <a:r>
-              <a:rPr lang="en-US" dirty="0"/>
-              <a:t>Logs alert</a:t>
+              <a:t>With alerts you can:</a:t>
+            </a:r>
+          </a:p>
+          <a:p>
+            <a:r>
+              <a:rPr lang="en-US" dirty="0"/>
+              <a:t>post a warning to messenger (for example, Slack or email)</a:t>
+            </a:r>
+          </a:p>
+          <a:p>
+            <a:r>
+              <a:rPr lang="en-US" dirty="0"/>
+              <a:t>make a phone call or send SMS</a:t>
+            </a:r>
+          </a:p>
+          <a:p>
+            <a:r>
+              <a:rPr lang="en-US" dirty="0"/>
+              <a:t>invoke a Lambda function</a:t>
             </a:r>
           </a:p>
         </p:txBody>
@@ -16688,7 +16665,7 @@
     </p:spTree>
     <p:extLst>
       <p:ext uri="{BB962C8B-B14F-4D97-AF65-F5344CB8AC3E}">
-        <p14:creationId xmlns:p14="http://schemas.microsoft.com/office/powerpoint/2010/main" val="707291524"/>
+        <p14:creationId xmlns:p14="http://schemas.microsoft.com/office/powerpoint/2010/main" val="3710004396"/>
       </p:ext>
     </p:extLst>
   </p:cSld>
@@ -16738,7 +16715,7 @@
           <a:p>
             <a:r>
               <a:rPr lang="en-US" dirty="0"/>
-              <a:t>Monitoring and Observability</a:t>
+              <a:t>Monitoring and Observability: Alerts</a:t>
             </a:r>
           </a:p>
         </p:txBody>
@@ -16761,9 +16738,7 @@
         </p:nvSpPr>
         <p:spPr/>
         <p:txBody>
-          <a:bodyPr>
-            <a:normAutofit lnSpcReduction="10000"/>
-          </a:bodyPr>
+          <a:bodyPr/>
           <a:lstStyle/>
           <a:p>
             <a:pPr marL="0" indent="0">
@@ -16771,114 +16746,25 @@
             </a:pPr>
             <a:r>
               <a:rPr lang="en-US" dirty="0"/>
-              <a:t>All-in-one solutions:</a:t>
-            </a:r>
-          </a:p>
-          <a:p>
-            <a:r>
-              <a:rPr lang="en-US" dirty="0"/>
-              <a:t> </a:t>
-            </a:r>
-            <a:r>
-              <a:rPr lang="en-US" dirty="0">
-                <a:solidFill>
-                  <a:schemeClr val="accent1"/>
-                </a:solidFill>
-              </a:rPr>
-              <a:t>Azure Monitor</a:t>
-            </a:r>
-            <a:r>
-              <a:rPr lang="en-US" dirty="0"/>
-              <a:t>; </a:t>
-            </a:r>
-            <a:r>
-              <a:rPr lang="en-US" dirty="0">
-                <a:solidFill>
-                  <a:schemeClr val="accent2"/>
-                </a:solidFill>
-              </a:rPr>
-              <a:t>Amazon CloudWatch</a:t>
-            </a:r>
-            <a:r>
-              <a:rPr lang="en-US" dirty="0"/>
-              <a:t>; </a:t>
-            </a:r>
-            <a:r>
-              <a:rPr lang="en-US" dirty="0">
-                <a:solidFill>
-                  <a:schemeClr val="accent5"/>
-                </a:solidFill>
-              </a:rPr>
-              <a:t>Google </a:t>
-            </a:r>
-            <a:r>
-              <a:rPr lang="en-US" dirty="0" err="1">
-                <a:solidFill>
-                  <a:schemeClr val="accent5"/>
-                </a:solidFill>
-              </a:rPr>
-              <a:t>Stackdriver</a:t>
-            </a:r>
-            <a:endParaRPr lang="en-US" dirty="0">
-              <a:solidFill>
-                <a:schemeClr val="accent5"/>
-              </a:solidFill>
-            </a:endParaRPr>
-          </a:p>
-          <a:p>
-            <a:r>
-              <a:rPr lang="en-US" dirty="0"/>
-              <a:t> Datadog, Splunk, Elastic, New Relic, Dynatrace, Honeycomb</a:t>
-            </a:r>
-          </a:p>
-          <a:p>
-            <a:endParaRPr lang="en-US" dirty="0"/>
-          </a:p>
-          <a:p>
-            <a:pPr marL="0" indent="0">
-              <a:buNone/>
-            </a:pPr>
-            <a:r>
-              <a:rPr lang="en-US" dirty="0"/>
-              <a:t>Metrics-only: Prometheus, Graphite, Victoria-Metrics</a:t>
-            </a:r>
-          </a:p>
-          <a:p>
-            <a:pPr marL="0" indent="0">
-              <a:buNone/>
-            </a:pPr>
-            <a:r>
-              <a:rPr lang="en-US" dirty="0"/>
-              <a:t>Traces-only: Jaeger, </a:t>
-            </a:r>
-            <a:r>
-              <a:rPr lang="en-US" dirty="0" err="1"/>
-              <a:t>Zipkin</a:t>
-            </a:r>
-            <a:endParaRPr lang="en-US" dirty="0"/>
-          </a:p>
-          <a:p>
-            <a:pPr marL="0" indent="0">
-              <a:buNone/>
-            </a:pPr>
-            <a:r>
-              <a:rPr lang="en-US" dirty="0"/>
-              <a:t>Logs-only: Elasticsearch (ELK), Grafana Loki</a:t>
-            </a:r>
-          </a:p>
-          <a:p>
-            <a:pPr marL="0" indent="0">
-              <a:buNone/>
-            </a:pPr>
-            <a:endParaRPr lang="en-US" dirty="0"/>
-          </a:p>
-          <a:p>
-            <a:pPr marL="0" indent="0">
-              <a:buNone/>
-            </a:pPr>
-            <a:r>
-              <a:rPr lang="en-US" dirty="0"/>
-              <a:t>…and many-many-many others</a:t>
+              <a:t>Demo</a:t>
+            </a:r>
+          </a:p>
+          <a:p>
+            <a:r>
+              <a:rPr lang="en-US" dirty="0"/>
+              <a:t>Billing alert</a:t>
+            </a:r>
+          </a:p>
+          <a:p>
+            <a:r>
+              <a:rPr lang="en-US" dirty="0"/>
+              <a:t>Metric alert</a:t>
+            </a:r>
+          </a:p>
+          <a:p>
+            <a:r>
+              <a:rPr lang="en-US" dirty="0"/>
+              <a:t>Logs alert</a:t>
             </a:r>
           </a:p>
         </p:txBody>
@@ -16886,7 +16772,7 @@
     </p:spTree>
     <p:extLst>
       <p:ext uri="{BB962C8B-B14F-4D97-AF65-F5344CB8AC3E}">
-        <p14:creationId xmlns:p14="http://schemas.microsoft.com/office/powerpoint/2010/main" val="1405394114"/>
+        <p14:creationId xmlns:p14="http://schemas.microsoft.com/office/powerpoint/2010/main" val="707291524"/>
       </p:ext>
     </p:extLst>
   </p:cSld>
@@ -16959,24 +16845,132 @@
         </p:nvSpPr>
         <p:spPr/>
         <p:txBody>
-          <a:bodyPr anchor="ctr"/>
-          <a:lstStyle/>
-          <a:p>
-            <a:pPr marL="0" indent="0" algn="ctr">
+          <a:bodyPr>
+            <a:normAutofit lnSpcReduction="10000"/>
+          </a:bodyPr>
+          <a:lstStyle/>
+          <a:p>
+            <a:pPr marL="0" indent="0">
               <a:buNone/>
             </a:pPr>
             <a:r>
-              <a:rPr lang="en-US" sz="3600" dirty="0"/>
-              <a:t>Demo</a:t>
-            </a:r>
+              <a:rPr lang="en-US" dirty="0"/>
+              <a:t>All-in-one solutions:</a:t>
+            </a:r>
+          </a:p>
+          <a:p>
+            <a:r>
+              <a:rPr lang="en-US" dirty="0"/>
+              <a:t> </a:t>
+            </a:r>
+            <a:r>
+              <a:rPr lang="en-US" dirty="0">
+                <a:solidFill>
+                  <a:schemeClr val="accent1"/>
+                </a:solidFill>
+              </a:rPr>
+              <a:t>Azure Monitor</a:t>
+            </a:r>
+            <a:r>
+              <a:rPr lang="en-US" dirty="0"/>
+              <a:t>; </a:t>
+            </a:r>
+            <a:r>
+              <a:rPr lang="en-US" dirty="0">
+                <a:solidFill>
+                  <a:schemeClr val="accent2"/>
+                </a:solidFill>
+              </a:rPr>
+              <a:t>Amazon CloudWatch</a:t>
+            </a:r>
+            <a:r>
+              <a:rPr lang="en-US" dirty="0"/>
+              <a:t>; </a:t>
+            </a:r>
+            <a:r>
+              <a:rPr lang="en-US" dirty="0">
+                <a:solidFill>
+                  <a:schemeClr val="accent5"/>
+                </a:solidFill>
+              </a:rPr>
+              <a:t>Google </a:t>
+            </a:r>
+            <a:r>
+              <a:rPr lang="en-US" dirty="0" err="1">
+                <a:solidFill>
+                  <a:schemeClr val="accent5"/>
+                </a:solidFill>
+              </a:rPr>
+              <a:t>Stackdriver</a:t>
+            </a:r>
+            <a:endParaRPr lang="en-US" dirty="0">
+              <a:solidFill>
+                <a:schemeClr val="accent5"/>
+              </a:solidFill>
+            </a:endParaRPr>
+          </a:p>
+          <a:p>
+            <a:r>
+              <a:rPr lang="en-US" dirty="0"/>
+              <a:t> Datadog, Splunk, Elastic, New Relic, Dynatrace, Honeycomb</a:t>
+            </a:r>
+          </a:p>
+          <a:p>
             <a:endParaRPr lang="en-US" dirty="0"/>
+          </a:p>
+          <a:p>
+            <a:pPr marL="0" indent="0">
+              <a:buNone/>
+            </a:pPr>
+            <a:r>
+              <a:rPr lang="en-US" dirty="0"/>
+              <a:t>Metrics-only: Prometheus, Graphite, Victoria-Metrics</a:t>
+            </a:r>
+          </a:p>
+          <a:p>
+            <a:pPr marL="0" indent="0">
+              <a:buNone/>
+            </a:pPr>
+            <a:r>
+              <a:rPr lang="en-US" dirty="0"/>
+              <a:t>Traces-only: Jaeger, </a:t>
+            </a:r>
+            <a:r>
+              <a:rPr lang="en-US" dirty="0" err="1"/>
+              <a:t>Zipkin</a:t>
+            </a:r>
+            <a:endParaRPr lang="en-US" dirty="0"/>
+          </a:p>
+          <a:p>
+            <a:pPr marL="0" indent="0">
+              <a:buNone/>
+            </a:pPr>
+            <a:r>
+              <a:rPr lang="en-US" dirty="0"/>
+              <a:t>Logs-only: Elasticsearch (ELK), Grafana Loki</a:t>
+            </a:r>
+          </a:p>
+          <a:p>
+            <a:pPr marL="0" indent="0">
+              <a:buNone/>
+            </a:pPr>
+            <a:endParaRPr lang="en-US" dirty="0"/>
+          </a:p>
+          <a:p>
+            <a:pPr marL="0" indent="0">
+              <a:buNone/>
+            </a:pPr>
+            <a:r>
+              <a:rPr lang="en-US" dirty="0"/>
+              <a:t>…and many-many-many others</a:t>
+            </a:r>
           </a:p>
         </p:txBody>
       </p:sp>
     </p:spTree>
     <p:extLst>
       <p:ext uri="{BB962C8B-B14F-4D97-AF65-F5344CB8AC3E}">
-        <p14:creationId xmlns:p14="http://schemas.microsoft.com/office/powerpoint/2010/main" val="3120721460"/>
+        <p14:creationId xmlns:p14="http://schemas.microsoft.com/office/powerpoint/2010/main" val="1405394114"/>
       </p:ext>
     </p:extLst>
   </p:cSld>

--- a/presentations/05_Monitoring_Pricing.pptx
+++ b/presentations/05_Monitoring_Pricing.pptx
@@ -5,7 +5,7 @@
     <p:sldMasterId id="2147483648" r:id="rId1"/>
   </p:sldMasterIdLst>
   <p:notesMasterIdLst>
-    <p:notesMasterId r:id="rId73"/>
+    <p:notesMasterId r:id="rId78"/>
   </p:notesMasterIdLst>
   <p:sldIdLst>
     <p:sldId id="257" r:id="rId2"/>
@@ -23,62 +23,67 @@
     <p:sldId id="355" r:id="rId14"/>
     <p:sldId id="353" r:id="rId15"/>
     <p:sldId id="359" r:id="rId16"/>
-    <p:sldId id="296" r:id="rId17"/>
-    <p:sldId id="360" r:id="rId18"/>
-    <p:sldId id="291" r:id="rId19"/>
-    <p:sldId id="292" r:id="rId20"/>
-    <p:sldId id="297" r:id="rId21"/>
-    <p:sldId id="310" r:id="rId22"/>
-    <p:sldId id="311" r:id="rId23"/>
-    <p:sldId id="307" r:id="rId24"/>
-    <p:sldId id="309" r:id="rId25"/>
-    <p:sldId id="312" r:id="rId26"/>
-    <p:sldId id="308" r:id="rId27"/>
-    <p:sldId id="306" r:id="rId28"/>
-    <p:sldId id="298" r:id="rId29"/>
-    <p:sldId id="300" r:id="rId30"/>
-    <p:sldId id="301" r:id="rId31"/>
-    <p:sldId id="299" r:id="rId32"/>
-    <p:sldId id="302" r:id="rId33"/>
-    <p:sldId id="303" r:id="rId34"/>
-    <p:sldId id="304" r:id="rId35"/>
-    <p:sldId id="305" r:id="rId36"/>
-    <p:sldId id="313" r:id="rId37"/>
-    <p:sldId id="315" r:id="rId38"/>
-    <p:sldId id="316" r:id="rId39"/>
-    <p:sldId id="325" r:id="rId40"/>
-    <p:sldId id="317" r:id="rId41"/>
-    <p:sldId id="319" r:id="rId42"/>
-    <p:sldId id="318" r:id="rId43"/>
-    <p:sldId id="320" r:id="rId44"/>
-    <p:sldId id="321" r:id="rId45"/>
-    <p:sldId id="323" r:id="rId46"/>
-    <p:sldId id="367" r:id="rId47"/>
-    <p:sldId id="366" r:id="rId48"/>
-    <p:sldId id="370" r:id="rId49"/>
-    <p:sldId id="368" r:id="rId50"/>
-    <p:sldId id="365" r:id="rId51"/>
-    <p:sldId id="322" r:id="rId52"/>
-    <p:sldId id="326" r:id="rId53"/>
-    <p:sldId id="328" r:id="rId54"/>
-    <p:sldId id="329" r:id="rId55"/>
-    <p:sldId id="330" r:id="rId56"/>
-    <p:sldId id="331" r:id="rId57"/>
-    <p:sldId id="371" r:id="rId58"/>
-    <p:sldId id="372" r:id="rId59"/>
-    <p:sldId id="373" r:id="rId60"/>
-    <p:sldId id="339" r:id="rId61"/>
-    <p:sldId id="345" r:id="rId62"/>
-    <p:sldId id="340" r:id="rId63"/>
-    <p:sldId id="341" r:id="rId64"/>
-    <p:sldId id="342" r:id="rId65"/>
-    <p:sldId id="343" r:id="rId66"/>
-    <p:sldId id="314" r:id="rId67"/>
-    <p:sldId id="295" r:id="rId68"/>
-    <p:sldId id="336" r:id="rId69"/>
-    <p:sldId id="337" r:id="rId70"/>
-    <p:sldId id="335" r:id="rId71"/>
-    <p:sldId id="369" r:id="rId72"/>
+    <p:sldId id="374" r:id="rId17"/>
+    <p:sldId id="296" r:id="rId18"/>
+    <p:sldId id="377" r:id="rId19"/>
+    <p:sldId id="378" r:id="rId20"/>
+    <p:sldId id="360" r:id="rId21"/>
+    <p:sldId id="291" r:id="rId22"/>
+    <p:sldId id="297" r:id="rId23"/>
+    <p:sldId id="292" r:id="rId24"/>
+    <p:sldId id="380" r:id="rId25"/>
+    <p:sldId id="310" r:id="rId26"/>
+    <p:sldId id="311" r:id="rId27"/>
+    <p:sldId id="307" r:id="rId28"/>
+    <p:sldId id="309" r:id="rId29"/>
+    <p:sldId id="312" r:id="rId30"/>
+    <p:sldId id="308" r:id="rId31"/>
+    <p:sldId id="306" r:id="rId32"/>
+    <p:sldId id="298" r:id="rId33"/>
+    <p:sldId id="300" r:id="rId34"/>
+    <p:sldId id="301" r:id="rId35"/>
+    <p:sldId id="299" r:id="rId36"/>
+    <p:sldId id="302" r:id="rId37"/>
+    <p:sldId id="303" r:id="rId38"/>
+    <p:sldId id="304" r:id="rId39"/>
+    <p:sldId id="305" r:id="rId40"/>
+    <p:sldId id="313" r:id="rId41"/>
+    <p:sldId id="315" r:id="rId42"/>
+    <p:sldId id="316" r:id="rId43"/>
+    <p:sldId id="325" r:id="rId44"/>
+    <p:sldId id="317" r:id="rId45"/>
+    <p:sldId id="319" r:id="rId46"/>
+    <p:sldId id="318" r:id="rId47"/>
+    <p:sldId id="320" r:id="rId48"/>
+    <p:sldId id="321" r:id="rId49"/>
+    <p:sldId id="323" r:id="rId50"/>
+    <p:sldId id="367" r:id="rId51"/>
+    <p:sldId id="366" r:id="rId52"/>
+    <p:sldId id="370" r:id="rId53"/>
+    <p:sldId id="368" r:id="rId54"/>
+    <p:sldId id="365" r:id="rId55"/>
+    <p:sldId id="322" r:id="rId56"/>
+    <p:sldId id="326" r:id="rId57"/>
+    <p:sldId id="328" r:id="rId58"/>
+    <p:sldId id="329" r:id="rId59"/>
+    <p:sldId id="330" r:id="rId60"/>
+    <p:sldId id="331" r:id="rId61"/>
+    <p:sldId id="371" r:id="rId62"/>
+    <p:sldId id="372" r:id="rId63"/>
+    <p:sldId id="373" r:id="rId64"/>
+    <p:sldId id="339" r:id="rId65"/>
+    <p:sldId id="345" r:id="rId66"/>
+    <p:sldId id="340" r:id="rId67"/>
+    <p:sldId id="341" r:id="rId68"/>
+    <p:sldId id="342" r:id="rId69"/>
+    <p:sldId id="343" r:id="rId70"/>
+    <p:sldId id="314" r:id="rId71"/>
+    <p:sldId id="295" r:id="rId72"/>
+    <p:sldId id="336" r:id="rId73"/>
+    <p:sldId id="337" r:id="rId74"/>
+    <p:sldId id="335" r:id="rId75"/>
+    <p:sldId id="369" r:id="rId76"/>
+    <p:sldId id="379" r:id="rId77"/>
   </p:sldIdLst>
   <p:sldSz cx="12192000" cy="6858000"/>
   <p:notesSz cx="6858000" cy="9144000"/>
@@ -275,7 +280,7 @@
           <a:p>
             <a:fld id="{5B3CF26E-0687-4C54-85B5-9144DF51ABD2}" type="datetimeFigureOut">
               <a:rPr lang="en-US" smtClean="0"/>
-              <a:t>30-Jul-21</a:t>
+              <a:t>10-Feb-22</a:t>
             </a:fld>
             <a:endParaRPr lang="en-US"/>
           </a:p>
@@ -1036,7 +1041,7 @@
     </p:spTree>
     <p:extLst>
       <p:ext uri="{BB962C8B-B14F-4D97-AF65-F5344CB8AC3E}">
-        <p14:creationId xmlns:p14="http://schemas.microsoft.com/office/powerpoint/2010/main" val="4095817717"/>
+        <p14:creationId xmlns:p14="http://schemas.microsoft.com/office/powerpoint/2010/main" val="3144527274"/>
       </p:ext>
     </p:extLst>
   </p:cSld>
@@ -1120,7 +1125,7 @@
     </p:spTree>
     <p:extLst>
       <p:ext uri="{BB962C8B-B14F-4D97-AF65-F5344CB8AC3E}">
-        <p14:creationId xmlns:p14="http://schemas.microsoft.com/office/powerpoint/2010/main" val="1743883420"/>
+        <p14:creationId xmlns:p14="http://schemas.microsoft.com/office/powerpoint/2010/main" val="4095817717"/>
       </p:ext>
     </p:extLst>
   </p:cSld>
@@ -1195,7 +1200,7 @@
           <a:p>
             <a:fld id="{4CD97DBD-10D3-4C26-BC19-FB3B3CF19432}" type="slidenum">
               <a:rPr lang="en-US" smtClean="0"/>
-              <a:t>19</a:t>
+              <a:t>18</a:t>
             </a:fld>
             <a:endParaRPr lang="en-US"/>
           </a:p>
@@ -1204,7 +1209,7 @@
     </p:spTree>
     <p:extLst>
       <p:ext uri="{BB962C8B-B14F-4D97-AF65-F5344CB8AC3E}">
-        <p14:creationId xmlns:p14="http://schemas.microsoft.com/office/powerpoint/2010/main" val="2119491456"/>
+        <p14:creationId xmlns:p14="http://schemas.microsoft.com/office/powerpoint/2010/main" val="1868074681"/>
       </p:ext>
     </p:extLst>
   </p:cSld>
@@ -1279,7 +1284,7 @@
           <a:p>
             <a:fld id="{4CD97DBD-10D3-4C26-BC19-FB3B3CF19432}" type="slidenum">
               <a:rPr lang="en-US" smtClean="0"/>
-              <a:t>20</a:t>
+              <a:t>19</a:t>
             </a:fld>
             <a:endParaRPr lang="en-US"/>
           </a:p>
@@ -1288,7 +1293,7 @@
     </p:spTree>
     <p:extLst>
       <p:ext uri="{BB962C8B-B14F-4D97-AF65-F5344CB8AC3E}">
-        <p14:creationId xmlns:p14="http://schemas.microsoft.com/office/powerpoint/2010/main" val="2968057705"/>
+        <p14:creationId xmlns:p14="http://schemas.microsoft.com/office/powerpoint/2010/main" val="70470163"/>
       </p:ext>
     </p:extLst>
   </p:cSld>
@@ -1363,7 +1368,7 @@
           <a:p>
             <a:fld id="{4CD97DBD-10D3-4C26-BC19-FB3B3CF19432}" type="slidenum">
               <a:rPr lang="en-US" smtClean="0"/>
-              <a:t>21</a:t>
+              <a:t>20</a:t>
             </a:fld>
             <a:endParaRPr lang="en-US"/>
           </a:p>
@@ -1372,7 +1377,7 @@
     </p:spTree>
     <p:extLst>
       <p:ext uri="{BB962C8B-B14F-4D97-AF65-F5344CB8AC3E}">
-        <p14:creationId xmlns:p14="http://schemas.microsoft.com/office/powerpoint/2010/main" val="80012284"/>
+        <p14:creationId xmlns:p14="http://schemas.microsoft.com/office/powerpoint/2010/main" val="1743883420"/>
       </p:ext>
     </p:extLst>
   </p:cSld>
@@ -1456,7 +1461,7 @@
     </p:spTree>
     <p:extLst>
       <p:ext uri="{BB962C8B-B14F-4D97-AF65-F5344CB8AC3E}">
-        <p14:creationId xmlns:p14="http://schemas.microsoft.com/office/powerpoint/2010/main" val="2577512475"/>
+        <p14:creationId xmlns:p14="http://schemas.microsoft.com/office/powerpoint/2010/main" val="2968057705"/>
       </p:ext>
     </p:extLst>
   </p:cSld>
@@ -1624,7 +1629,7 @@
     </p:spTree>
     <p:extLst>
       <p:ext uri="{BB962C8B-B14F-4D97-AF65-F5344CB8AC3E}">
-        <p14:creationId xmlns:p14="http://schemas.microsoft.com/office/powerpoint/2010/main" val="243670704"/>
+        <p14:creationId xmlns:p14="http://schemas.microsoft.com/office/powerpoint/2010/main" val="2119491456"/>
       </p:ext>
     </p:extLst>
   </p:cSld>
@@ -1708,7 +1713,7 @@
     </p:spTree>
     <p:extLst>
       <p:ext uri="{BB962C8B-B14F-4D97-AF65-F5344CB8AC3E}">
-        <p14:creationId xmlns:p14="http://schemas.microsoft.com/office/powerpoint/2010/main" val="2350616458"/>
+        <p14:creationId xmlns:p14="http://schemas.microsoft.com/office/powerpoint/2010/main" val="1908837509"/>
       </p:ext>
     </p:extLst>
   </p:cSld>
@@ -1762,31 +1767,7 @@
           <a:bodyPr/>
           <a:lstStyle/>
           <a:p>
-            <a:r>
-              <a:rPr lang="en-US" dirty="0"/>
-              <a:t>https://www.manyworksheets.com/wp-content/uploads/2019/05/Tracing-lines-worksheet-14.jpg</a:t>
-            </a:r>
-          </a:p>
-          <a:p>
             <a:endParaRPr lang="en-US" dirty="0"/>
-          </a:p>
-          <a:p>
-            <a:r>
-              <a:rPr lang="en-US" dirty="0"/>
-              <a:t>Tracing shapes</a:t>
-            </a:r>
-          </a:p>
-          <a:p>
-            <a:r>
-              <a:rPr lang="en-US" dirty="0"/>
-              <a:t>Tracing contacts</a:t>
-            </a:r>
-          </a:p>
-          <a:p>
-            <a:r>
-              <a:rPr lang="en-US" dirty="0"/>
-              <a:t>Tracing bullet</a:t>
-            </a:r>
           </a:p>
         </p:txBody>
       </p:sp>
@@ -1816,7 +1797,7 @@
     </p:spTree>
     <p:extLst>
       <p:ext uri="{BB962C8B-B14F-4D97-AF65-F5344CB8AC3E}">
-        <p14:creationId xmlns:p14="http://schemas.microsoft.com/office/powerpoint/2010/main" val="3884545116"/>
+        <p14:creationId xmlns:p14="http://schemas.microsoft.com/office/powerpoint/2010/main" val="80012284"/>
       </p:ext>
     </p:extLst>
   </p:cSld>
@@ -1900,7 +1881,7 @@
     </p:spTree>
     <p:extLst>
       <p:ext uri="{BB962C8B-B14F-4D97-AF65-F5344CB8AC3E}">
-        <p14:creationId xmlns:p14="http://schemas.microsoft.com/office/powerpoint/2010/main" val="298637048"/>
+        <p14:creationId xmlns:p14="http://schemas.microsoft.com/office/powerpoint/2010/main" val="2577512475"/>
       </p:ext>
     </p:extLst>
   </p:cSld>
@@ -1984,7 +1965,7 @@
     </p:spTree>
     <p:extLst>
       <p:ext uri="{BB962C8B-B14F-4D97-AF65-F5344CB8AC3E}">
-        <p14:creationId xmlns:p14="http://schemas.microsoft.com/office/powerpoint/2010/main" val="783331733"/>
+        <p14:creationId xmlns:p14="http://schemas.microsoft.com/office/powerpoint/2010/main" val="243670704"/>
       </p:ext>
     </p:extLst>
   </p:cSld>
@@ -2068,7 +2049,7 @@
     </p:spTree>
     <p:extLst>
       <p:ext uri="{BB962C8B-B14F-4D97-AF65-F5344CB8AC3E}">
-        <p14:creationId xmlns:p14="http://schemas.microsoft.com/office/powerpoint/2010/main" val="1340056091"/>
+        <p14:creationId xmlns:p14="http://schemas.microsoft.com/office/powerpoint/2010/main" val="2350616458"/>
       </p:ext>
     </p:extLst>
   </p:cSld>
@@ -2122,7 +2103,31 @@
           <a:bodyPr/>
           <a:lstStyle/>
           <a:p>
+            <a:r>
+              <a:rPr lang="en-US" dirty="0"/>
+              <a:t>https://www.manyworksheets.com/wp-content/uploads/2019/05/Tracing-lines-worksheet-14.jpg</a:t>
+            </a:r>
+          </a:p>
+          <a:p>
             <a:endParaRPr lang="en-US" dirty="0"/>
+          </a:p>
+          <a:p>
+            <a:r>
+              <a:rPr lang="en-US" dirty="0"/>
+              <a:t>Tracing shapes</a:t>
+            </a:r>
+          </a:p>
+          <a:p>
+            <a:r>
+              <a:rPr lang="en-US" dirty="0"/>
+              <a:t>Tracing contacts</a:t>
+            </a:r>
+          </a:p>
+          <a:p>
+            <a:r>
+              <a:rPr lang="en-US" dirty="0"/>
+              <a:t>Tracing bullet</a:t>
+            </a:r>
           </a:p>
         </p:txBody>
       </p:sp>
@@ -2152,7 +2157,7 @@
     </p:spTree>
     <p:extLst>
       <p:ext uri="{BB962C8B-B14F-4D97-AF65-F5344CB8AC3E}">
-        <p14:creationId xmlns:p14="http://schemas.microsoft.com/office/powerpoint/2010/main" val="1051748129"/>
+        <p14:creationId xmlns:p14="http://schemas.microsoft.com/office/powerpoint/2010/main" val="3884545116"/>
       </p:ext>
     </p:extLst>
   </p:cSld>
@@ -2236,7 +2241,7 @@
     </p:spTree>
     <p:extLst>
       <p:ext uri="{BB962C8B-B14F-4D97-AF65-F5344CB8AC3E}">
-        <p14:creationId xmlns:p14="http://schemas.microsoft.com/office/powerpoint/2010/main" val="4036089659"/>
+        <p14:creationId xmlns:p14="http://schemas.microsoft.com/office/powerpoint/2010/main" val="298637048"/>
       </p:ext>
     </p:extLst>
   </p:cSld>
@@ -2290,44 +2295,6 @@
           <a:bodyPr/>
           <a:lstStyle/>
           <a:p>
-            <a:r>
-              <a:rPr lang="en-US" dirty="0"/>
-              <a:t>You can </a:t>
-            </a:r>
-            <a:r>
-              <a:rPr lang="en-US" i="1" dirty="0"/>
-              <a:t>enrich</a:t>
-            </a:r>
-            <a:r>
-              <a:rPr lang="en-US" dirty="0"/>
-              <a:t> log entry with additional properties: user-id, request-id</a:t>
-            </a:r>
-          </a:p>
-          <a:p>
-            <a:r>
-              <a:rPr lang="en-US" dirty="0"/>
-              <a:t>Underlying infrastructure can </a:t>
-            </a:r>
-            <a:r>
-              <a:rPr lang="en-US" i="1" dirty="0"/>
-              <a:t>enrich </a:t>
-            </a:r>
-            <a:r>
-              <a:rPr lang="en-US" dirty="0"/>
-              <a:t>logs too: </a:t>
-            </a:r>
-            <a:r>
-              <a:rPr lang="en-US" dirty="0" err="1"/>
-              <a:t>vm</a:t>
-            </a:r>
-            <a:r>
-              <a:rPr lang="en-US" dirty="0"/>
-              <a:t>, env, cloud, </a:t>
-            </a:r>
-            <a:r>
-              <a:rPr lang="en-US" dirty="0" err="1"/>
-              <a:t>etc</a:t>
-            </a:r>
             <a:endParaRPr lang="en-US" dirty="0"/>
           </a:p>
         </p:txBody>
@@ -2358,7 +2325,7 @@
     </p:spTree>
     <p:extLst>
       <p:ext uri="{BB962C8B-B14F-4D97-AF65-F5344CB8AC3E}">
-        <p14:creationId xmlns:p14="http://schemas.microsoft.com/office/powerpoint/2010/main" val="607325923"/>
+        <p14:creationId xmlns:p14="http://schemas.microsoft.com/office/powerpoint/2010/main" val="783331733"/>
       </p:ext>
     </p:extLst>
   </p:cSld>
@@ -2442,7 +2409,7 @@
     </p:spTree>
     <p:extLst>
       <p:ext uri="{BB962C8B-B14F-4D97-AF65-F5344CB8AC3E}">
-        <p14:creationId xmlns:p14="http://schemas.microsoft.com/office/powerpoint/2010/main" val="3816375877"/>
+        <p14:creationId xmlns:p14="http://schemas.microsoft.com/office/powerpoint/2010/main" val="1340056091"/>
       </p:ext>
     </p:extLst>
   </p:cSld>
@@ -2610,7 +2577,7 @@
     </p:spTree>
     <p:extLst>
       <p:ext uri="{BB962C8B-B14F-4D97-AF65-F5344CB8AC3E}">
-        <p14:creationId xmlns:p14="http://schemas.microsoft.com/office/powerpoint/2010/main" val="2075921129"/>
+        <p14:creationId xmlns:p14="http://schemas.microsoft.com/office/powerpoint/2010/main" val="1051748129"/>
       </p:ext>
     </p:extLst>
   </p:cSld>
@@ -2694,7 +2661,7 @@
     </p:spTree>
     <p:extLst>
       <p:ext uri="{BB962C8B-B14F-4D97-AF65-F5344CB8AC3E}">
-        <p14:creationId xmlns:p14="http://schemas.microsoft.com/office/powerpoint/2010/main" val="786474765"/>
+        <p14:creationId xmlns:p14="http://schemas.microsoft.com/office/powerpoint/2010/main" val="4036089659"/>
       </p:ext>
     </p:extLst>
   </p:cSld>
@@ -2748,6 +2715,44 @@
           <a:bodyPr/>
           <a:lstStyle/>
           <a:p>
+            <a:r>
+              <a:rPr lang="en-US" dirty="0"/>
+              <a:t>You can </a:t>
+            </a:r>
+            <a:r>
+              <a:rPr lang="en-US" i="1" dirty="0"/>
+              <a:t>enrich</a:t>
+            </a:r>
+            <a:r>
+              <a:rPr lang="en-US" dirty="0"/>
+              <a:t> log entry with additional properties: user-id, request-id</a:t>
+            </a:r>
+          </a:p>
+          <a:p>
+            <a:r>
+              <a:rPr lang="en-US" dirty="0"/>
+              <a:t>Underlying infrastructure can </a:t>
+            </a:r>
+            <a:r>
+              <a:rPr lang="en-US" i="1" dirty="0"/>
+              <a:t>enrich </a:t>
+            </a:r>
+            <a:r>
+              <a:rPr lang="en-US" dirty="0"/>
+              <a:t>logs too: </a:t>
+            </a:r>
+            <a:r>
+              <a:rPr lang="en-US" dirty="0" err="1"/>
+              <a:t>vm</a:t>
+            </a:r>
+            <a:r>
+              <a:rPr lang="en-US" dirty="0"/>
+              <a:t>, env, cloud, </a:t>
+            </a:r>
+            <a:r>
+              <a:rPr lang="en-US" dirty="0" err="1"/>
+              <a:t>etc</a:t>
+            </a:r>
             <a:endParaRPr lang="en-US" dirty="0"/>
           </a:p>
         </p:txBody>
@@ -2778,7 +2783,7 @@
     </p:spTree>
     <p:extLst>
       <p:ext uri="{BB962C8B-B14F-4D97-AF65-F5344CB8AC3E}">
-        <p14:creationId xmlns:p14="http://schemas.microsoft.com/office/powerpoint/2010/main" val="974150264"/>
+        <p14:creationId xmlns:p14="http://schemas.microsoft.com/office/powerpoint/2010/main" val="607325923"/>
       </p:ext>
     </p:extLst>
   </p:cSld>
@@ -2862,7 +2867,7 @@
     </p:spTree>
     <p:extLst>
       <p:ext uri="{BB962C8B-B14F-4D97-AF65-F5344CB8AC3E}">
-        <p14:creationId xmlns:p14="http://schemas.microsoft.com/office/powerpoint/2010/main" val="3936610363"/>
+        <p14:creationId xmlns:p14="http://schemas.microsoft.com/office/powerpoint/2010/main" val="3816375877"/>
       </p:ext>
     </p:extLst>
   </p:cSld>
@@ -2946,7 +2951,7 @@
     </p:spTree>
     <p:extLst>
       <p:ext uri="{BB962C8B-B14F-4D97-AF65-F5344CB8AC3E}">
-        <p14:creationId xmlns:p14="http://schemas.microsoft.com/office/powerpoint/2010/main" val="1790794311"/>
+        <p14:creationId xmlns:p14="http://schemas.microsoft.com/office/powerpoint/2010/main" val="2075921129"/>
       </p:ext>
     </p:extLst>
   </p:cSld>
@@ -3030,7 +3035,7 @@
     </p:spTree>
     <p:extLst>
       <p:ext uri="{BB962C8B-B14F-4D97-AF65-F5344CB8AC3E}">
-        <p14:creationId xmlns:p14="http://schemas.microsoft.com/office/powerpoint/2010/main" val="3416844839"/>
+        <p14:creationId xmlns:p14="http://schemas.microsoft.com/office/powerpoint/2010/main" val="786474765"/>
       </p:ext>
     </p:extLst>
   </p:cSld>
@@ -3114,7 +3119,7 @@
     </p:spTree>
     <p:extLst>
       <p:ext uri="{BB962C8B-B14F-4D97-AF65-F5344CB8AC3E}">
-        <p14:creationId xmlns:p14="http://schemas.microsoft.com/office/powerpoint/2010/main" val="1952320183"/>
+        <p14:creationId xmlns:p14="http://schemas.microsoft.com/office/powerpoint/2010/main" val="974150264"/>
       </p:ext>
     </p:extLst>
   </p:cSld>
@@ -3198,7 +3203,7 @@
     </p:spTree>
     <p:extLst>
       <p:ext uri="{BB962C8B-B14F-4D97-AF65-F5344CB8AC3E}">
-        <p14:creationId xmlns:p14="http://schemas.microsoft.com/office/powerpoint/2010/main" val="1499863131"/>
+        <p14:creationId xmlns:p14="http://schemas.microsoft.com/office/powerpoint/2010/main" val="3936610363"/>
       </p:ext>
     </p:extLst>
   </p:cSld>
@@ -3282,7 +3287,7 @@
     </p:spTree>
     <p:extLst>
       <p:ext uri="{BB962C8B-B14F-4D97-AF65-F5344CB8AC3E}">
-        <p14:creationId xmlns:p14="http://schemas.microsoft.com/office/powerpoint/2010/main" val="2358053403"/>
+        <p14:creationId xmlns:p14="http://schemas.microsoft.com/office/powerpoint/2010/main" val="1790794311"/>
       </p:ext>
     </p:extLst>
   </p:cSld>
@@ -3366,7 +3371,7 @@
     </p:spTree>
     <p:extLst>
       <p:ext uri="{BB962C8B-B14F-4D97-AF65-F5344CB8AC3E}">
-        <p14:creationId xmlns:p14="http://schemas.microsoft.com/office/powerpoint/2010/main" val="1503978766"/>
+        <p14:creationId xmlns:p14="http://schemas.microsoft.com/office/powerpoint/2010/main" val="3416844839"/>
       </p:ext>
     </p:extLst>
   </p:cSld>
@@ -3534,7 +3539,7 @@
     </p:spTree>
     <p:extLst>
       <p:ext uri="{BB962C8B-B14F-4D97-AF65-F5344CB8AC3E}">
-        <p14:creationId xmlns:p14="http://schemas.microsoft.com/office/powerpoint/2010/main" val="912968872"/>
+        <p14:creationId xmlns:p14="http://schemas.microsoft.com/office/powerpoint/2010/main" val="1952320183"/>
       </p:ext>
     </p:extLst>
   </p:cSld>
@@ -3618,7 +3623,7 @@
     </p:spTree>
     <p:extLst>
       <p:ext uri="{BB962C8B-B14F-4D97-AF65-F5344CB8AC3E}">
-        <p14:creationId xmlns:p14="http://schemas.microsoft.com/office/powerpoint/2010/main" val="2914456311"/>
+        <p14:creationId xmlns:p14="http://schemas.microsoft.com/office/powerpoint/2010/main" val="1499863131"/>
       </p:ext>
     </p:extLst>
   </p:cSld>
@@ -3702,7 +3707,7 @@
     </p:spTree>
     <p:extLst>
       <p:ext uri="{BB962C8B-B14F-4D97-AF65-F5344CB8AC3E}">
-        <p14:creationId xmlns:p14="http://schemas.microsoft.com/office/powerpoint/2010/main" val="796397716"/>
+        <p14:creationId xmlns:p14="http://schemas.microsoft.com/office/powerpoint/2010/main" val="2358053403"/>
       </p:ext>
     </p:extLst>
   </p:cSld>
@@ -3786,7 +3791,7 @@
     </p:spTree>
     <p:extLst>
       <p:ext uri="{BB962C8B-B14F-4D97-AF65-F5344CB8AC3E}">
-        <p14:creationId xmlns:p14="http://schemas.microsoft.com/office/powerpoint/2010/main" val="146115087"/>
+        <p14:creationId xmlns:p14="http://schemas.microsoft.com/office/powerpoint/2010/main" val="1503978766"/>
       </p:ext>
     </p:extLst>
   </p:cSld>
@@ -3870,7 +3875,7 @@
     </p:spTree>
     <p:extLst>
       <p:ext uri="{BB962C8B-B14F-4D97-AF65-F5344CB8AC3E}">
-        <p14:creationId xmlns:p14="http://schemas.microsoft.com/office/powerpoint/2010/main" val="3381666472"/>
+        <p14:creationId xmlns:p14="http://schemas.microsoft.com/office/powerpoint/2010/main" val="912968872"/>
       </p:ext>
     </p:extLst>
   </p:cSld>
@@ -3954,7 +3959,7 @@
     </p:spTree>
     <p:extLst>
       <p:ext uri="{BB962C8B-B14F-4D97-AF65-F5344CB8AC3E}">
-        <p14:creationId xmlns:p14="http://schemas.microsoft.com/office/powerpoint/2010/main" val="3588115844"/>
+        <p14:creationId xmlns:p14="http://schemas.microsoft.com/office/powerpoint/2010/main" val="2914456311"/>
       </p:ext>
     </p:extLst>
   </p:cSld>
@@ -4038,7 +4043,7 @@
     </p:spTree>
     <p:extLst>
       <p:ext uri="{BB962C8B-B14F-4D97-AF65-F5344CB8AC3E}">
-        <p14:creationId xmlns:p14="http://schemas.microsoft.com/office/powerpoint/2010/main" val="3513105063"/>
+        <p14:creationId xmlns:p14="http://schemas.microsoft.com/office/powerpoint/2010/main" val="796397716"/>
       </p:ext>
     </p:extLst>
   </p:cSld>
@@ -4122,7 +4127,7 @@
     </p:spTree>
     <p:extLst>
       <p:ext uri="{BB962C8B-B14F-4D97-AF65-F5344CB8AC3E}">
-        <p14:creationId xmlns:p14="http://schemas.microsoft.com/office/powerpoint/2010/main" val="2670903972"/>
+        <p14:creationId xmlns:p14="http://schemas.microsoft.com/office/powerpoint/2010/main" val="146115087"/>
       </p:ext>
     </p:extLst>
   </p:cSld>
@@ -4206,7 +4211,7 @@
     </p:spTree>
     <p:extLst>
       <p:ext uri="{BB962C8B-B14F-4D97-AF65-F5344CB8AC3E}">
-        <p14:creationId xmlns:p14="http://schemas.microsoft.com/office/powerpoint/2010/main" val="2104109022"/>
+        <p14:creationId xmlns:p14="http://schemas.microsoft.com/office/powerpoint/2010/main" val="3381666472"/>
       </p:ext>
     </p:extLst>
   </p:cSld>
@@ -4290,7 +4295,7 @@
     </p:spTree>
     <p:extLst>
       <p:ext uri="{BB962C8B-B14F-4D97-AF65-F5344CB8AC3E}">
-        <p14:creationId xmlns:p14="http://schemas.microsoft.com/office/powerpoint/2010/main" val="4282554153"/>
+        <p14:creationId xmlns:p14="http://schemas.microsoft.com/office/powerpoint/2010/main" val="3588115844"/>
       </p:ext>
     </p:extLst>
   </p:cSld>
@@ -4458,7 +4463,7 @@
     </p:spTree>
     <p:extLst>
       <p:ext uri="{BB962C8B-B14F-4D97-AF65-F5344CB8AC3E}">
-        <p14:creationId xmlns:p14="http://schemas.microsoft.com/office/powerpoint/2010/main" val="2478910332"/>
+        <p14:creationId xmlns:p14="http://schemas.microsoft.com/office/powerpoint/2010/main" val="3513105063"/>
       </p:ext>
     </p:extLst>
   </p:cSld>
@@ -4512,24 +4517,7 @@
           <a:bodyPr/>
           <a:lstStyle/>
           <a:p>
-            <a:r>
-              <a:rPr lang="en-US" dirty="0" err="1"/>
-              <a:t>ChildOf</a:t>
-            </a:r>
-            <a:r>
-              <a:rPr lang="en-US" dirty="0"/>
-              <a:t> – a Parent depends on a Child</a:t>
-            </a:r>
-          </a:p>
-          <a:p>
-            <a:r>
-              <a:rPr lang="en-US" dirty="0" err="1"/>
-              <a:t>FollowsFrom</a:t>
-            </a:r>
-            <a:r>
-              <a:rPr lang="en-US" dirty="0"/>
-              <a:t> – a Parent does not depend on a Child</a:t>
-            </a:r>
+            <a:endParaRPr lang="en-US" dirty="0"/>
           </a:p>
         </p:txBody>
       </p:sp>
@@ -4559,7 +4547,7 @@
     </p:spTree>
     <p:extLst>
       <p:ext uri="{BB962C8B-B14F-4D97-AF65-F5344CB8AC3E}">
-        <p14:creationId xmlns:p14="http://schemas.microsoft.com/office/powerpoint/2010/main" val="2701170739"/>
+        <p14:creationId xmlns:p14="http://schemas.microsoft.com/office/powerpoint/2010/main" val="2670903972"/>
       </p:ext>
     </p:extLst>
   </p:cSld>
@@ -4643,7 +4631,7 @@
     </p:spTree>
     <p:extLst>
       <p:ext uri="{BB962C8B-B14F-4D97-AF65-F5344CB8AC3E}">
-        <p14:creationId xmlns:p14="http://schemas.microsoft.com/office/powerpoint/2010/main" val="204536048"/>
+        <p14:creationId xmlns:p14="http://schemas.microsoft.com/office/powerpoint/2010/main" val="2104109022"/>
       </p:ext>
     </p:extLst>
   </p:cSld>
@@ -4727,7 +4715,7 @@
     </p:spTree>
     <p:extLst>
       <p:ext uri="{BB962C8B-B14F-4D97-AF65-F5344CB8AC3E}">
-        <p14:creationId xmlns:p14="http://schemas.microsoft.com/office/powerpoint/2010/main" val="2490098208"/>
+        <p14:creationId xmlns:p14="http://schemas.microsoft.com/office/powerpoint/2010/main" val="4282554153"/>
       </p:ext>
     </p:extLst>
   </p:cSld>
@@ -4811,7 +4799,7 @@
     </p:spTree>
     <p:extLst>
       <p:ext uri="{BB962C8B-B14F-4D97-AF65-F5344CB8AC3E}">
-        <p14:creationId xmlns:p14="http://schemas.microsoft.com/office/powerpoint/2010/main" val="1039386461"/>
+        <p14:creationId xmlns:p14="http://schemas.microsoft.com/office/powerpoint/2010/main" val="2478910332"/>
       </p:ext>
     </p:extLst>
   </p:cSld>
@@ -4865,7 +4853,24 @@
           <a:bodyPr/>
           <a:lstStyle/>
           <a:p>
-            <a:endParaRPr lang="en-US" dirty="0"/>
+            <a:r>
+              <a:rPr lang="en-US" dirty="0" err="1"/>
+              <a:t>ChildOf</a:t>
+            </a:r>
+            <a:r>
+              <a:rPr lang="en-US" dirty="0"/>
+              <a:t> – a Parent depends on a Child</a:t>
+            </a:r>
+          </a:p>
+          <a:p>
+            <a:r>
+              <a:rPr lang="en-US" dirty="0" err="1"/>
+              <a:t>FollowsFrom</a:t>
+            </a:r>
+            <a:r>
+              <a:rPr lang="en-US" dirty="0"/>
+              <a:t> – a Parent does not depend on a Child</a:t>
+            </a:r>
           </a:p>
         </p:txBody>
       </p:sp>
@@ -4895,7 +4900,7 @@
     </p:spTree>
     <p:extLst>
       <p:ext uri="{BB962C8B-B14F-4D97-AF65-F5344CB8AC3E}">
-        <p14:creationId xmlns:p14="http://schemas.microsoft.com/office/powerpoint/2010/main" val="1960781322"/>
+        <p14:creationId xmlns:p14="http://schemas.microsoft.com/office/powerpoint/2010/main" val="2701170739"/>
       </p:ext>
     </p:extLst>
   </p:cSld>
@@ -4979,7 +4984,7 @@
     </p:spTree>
     <p:extLst>
       <p:ext uri="{BB962C8B-B14F-4D97-AF65-F5344CB8AC3E}">
-        <p14:creationId xmlns:p14="http://schemas.microsoft.com/office/powerpoint/2010/main" val="2939417753"/>
+        <p14:creationId xmlns:p14="http://schemas.microsoft.com/office/powerpoint/2010/main" val="204536048"/>
       </p:ext>
     </p:extLst>
   </p:cSld>
@@ -5063,7 +5068,7 @@
     </p:spTree>
     <p:extLst>
       <p:ext uri="{BB962C8B-B14F-4D97-AF65-F5344CB8AC3E}">
-        <p14:creationId xmlns:p14="http://schemas.microsoft.com/office/powerpoint/2010/main" val="1456486479"/>
+        <p14:creationId xmlns:p14="http://schemas.microsoft.com/office/powerpoint/2010/main" val="2490098208"/>
       </p:ext>
     </p:extLst>
   </p:cSld>
@@ -5147,7 +5152,7 @@
     </p:spTree>
     <p:extLst>
       <p:ext uri="{BB962C8B-B14F-4D97-AF65-F5344CB8AC3E}">
-        <p14:creationId xmlns:p14="http://schemas.microsoft.com/office/powerpoint/2010/main" val="2802765822"/>
+        <p14:creationId xmlns:p14="http://schemas.microsoft.com/office/powerpoint/2010/main" val="1039386461"/>
       </p:ext>
     </p:extLst>
   </p:cSld>
@@ -5231,7 +5236,7 @@
     </p:spTree>
     <p:extLst>
       <p:ext uri="{BB962C8B-B14F-4D97-AF65-F5344CB8AC3E}">
-        <p14:creationId xmlns:p14="http://schemas.microsoft.com/office/powerpoint/2010/main" val="2347560151"/>
+        <p14:creationId xmlns:p14="http://schemas.microsoft.com/office/powerpoint/2010/main" val="1960781322"/>
       </p:ext>
     </p:extLst>
   </p:cSld>
@@ -5399,7 +5404,7 @@
     </p:spTree>
     <p:extLst>
       <p:ext uri="{BB962C8B-B14F-4D97-AF65-F5344CB8AC3E}">
-        <p14:creationId xmlns:p14="http://schemas.microsoft.com/office/powerpoint/2010/main" val="2546882102"/>
+        <p14:creationId xmlns:p14="http://schemas.microsoft.com/office/powerpoint/2010/main" val="2939417753"/>
       </p:ext>
     </p:extLst>
   </p:cSld>
@@ -5483,7 +5488,7 @@
     </p:spTree>
     <p:extLst>
       <p:ext uri="{BB962C8B-B14F-4D97-AF65-F5344CB8AC3E}">
-        <p14:creationId xmlns:p14="http://schemas.microsoft.com/office/powerpoint/2010/main" val="1744740517"/>
+        <p14:creationId xmlns:p14="http://schemas.microsoft.com/office/powerpoint/2010/main" val="1456486479"/>
       </p:ext>
     </p:extLst>
   </p:cSld>
@@ -5567,7 +5572,7 @@
     </p:spTree>
     <p:extLst>
       <p:ext uri="{BB962C8B-B14F-4D97-AF65-F5344CB8AC3E}">
-        <p14:creationId xmlns:p14="http://schemas.microsoft.com/office/powerpoint/2010/main" val="241862955"/>
+        <p14:creationId xmlns:p14="http://schemas.microsoft.com/office/powerpoint/2010/main" val="2802765822"/>
       </p:ext>
     </p:extLst>
   </p:cSld>
@@ -5621,10 +5626,7 @@
           <a:bodyPr/>
           <a:lstStyle/>
           <a:p>
-            <a:r>
-              <a:rPr lang="en-US" dirty="0"/>
-              <a:t>If you want to start a new company around an o11y product, you’d better to choose another area unless you 100% SURE what and why are you doing</a:t>
-            </a:r>
+            <a:endParaRPr lang="en-US" dirty="0"/>
           </a:p>
         </p:txBody>
       </p:sp>
@@ -5654,7 +5656,7 @@
     </p:spTree>
     <p:extLst>
       <p:ext uri="{BB962C8B-B14F-4D97-AF65-F5344CB8AC3E}">
-        <p14:creationId xmlns:p14="http://schemas.microsoft.com/office/powerpoint/2010/main" val="4125430649"/>
+        <p14:creationId xmlns:p14="http://schemas.microsoft.com/office/powerpoint/2010/main" val="2347560151"/>
       </p:ext>
     </p:extLst>
   </p:cSld>
@@ -5738,7 +5740,7 @@
     </p:spTree>
     <p:extLst>
       <p:ext uri="{BB962C8B-B14F-4D97-AF65-F5344CB8AC3E}">
-        <p14:creationId xmlns:p14="http://schemas.microsoft.com/office/powerpoint/2010/main" val="3335916234"/>
+        <p14:creationId xmlns:p14="http://schemas.microsoft.com/office/powerpoint/2010/main" val="2546882102"/>
       </p:ext>
     </p:extLst>
   </p:cSld>
@@ -5822,7 +5824,7 @@
     </p:spTree>
     <p:extLst>
       <p:ext uri="{BB962C8B-B14F-4D97-AF65-F5344CB8AC3E}">
-        <p14:creationId xmlns:p14="http://schemas.microsoft.com/office/powerpoint/2010/main" val="3439228877"/>
+        <p14:creationId xmlns:p14="http://schemas.microsoft.com/office/powerpoint/2010/main" val="1744740517"/>
       </p:ext>
     </p:extLst>
   </p:cSld>
@@ -5906,7 +5908,7 @@
     </p:spTree>
     <p:extLst>
       <p:ext uri="{BB962C8B-B14F-4D97-AF65-F5344CB8AC3E}">
-        <p14:creationId xmlns:p14="http://schemas.microsoft.com/office/powerpoint/2010/main" val="685362509"/>
+        <p14:creationId xmlns:p14="http://schemas.microsoft.com/office/powerpoint/2010/main" val="241862955"/>
       </p:ext>
     </p:extLst>
   </p:cSld>
@@ -5960,7 +5962,10 @@
           <a:bodyPr/>
           <a:lstStyle/>
           <a:p>
-            <a:endParaRPr lang="en-US" dirty="0"/>
+            <a:r>
+              <a:rPr lang="en-US" dirty="0"/>
+              <a:t>If you want to start a new company around an o11y product, you’d better to choose another area unless you 100% SURE what and why are you doing</a:t>
+            </a:r>
           </a:p>
         </p:txBody>
       </p:sp>
@@ -5990,7 +5995,7 @@
     </p:spTree>
     <p:extLst>
       <p:ext uri="{BB962C8B-B14F-4D97-AF65-F5344CB8AC3E}">
-        <p14:creationId xmlns:p14="http://schemas.microsoft.com/office/powerpoint/2010/main" val="1930209628"/>
+        <p14:creationId xmlns:p14="http://schemas.microsoft.com/office/powerpoint/2010/main" val="4125430649"/>
       </p:ext>
     </p:extLst>
   </p:cSld>
@@ -6074,7 +6079,91 @@
     </p:spTree>
     <p:extLst>
       <p:ext uri="{BB962C8B-B14F-4D97-AF65-F5344CB8AC3E}">
-        <p14:creationId xmlns:p14="http://schemas.microsoft.com/office/powerpoint/2010/main" val="1582850673"/>
+        <p14:creationId xmlns:p14="http://schemas.microsoft.com/office/powerpoint/2010/main" val="3335916234"/>
+      </p:ext>
+    </p:extLst>
+  </p:cSld>
+  <p:clrMapOvr>
+    <a:masterClrMapping/>
+  </p:clrMapOvr>
+</p:notes>
+</file>
+
+<file path=ppt/notesSlides/notesSlide69.xml><?xml version="1.0" encoding="utf-8"?>
+<p:notes xmlns:a="http://schemas.openxmlformats.org/drawingml/2006/main" xmlns:r="http://schemas.openxmlformats.org/officeDocument/2006/relationships" xmlns:p="http://schemas.openxmlformats.org/presentationml/2006/main">
+  <p:cSld>
+    <p:spTree>
+      <p:nvGrpSpPr>
+        <p:cNvPr id="1" name=""/>
+        <p:cNvGrpSpPr/>
+        <p:nvPr/>
+      </p:nvGrpSpPr>
+      <p:grpSpPr>
+        <a:xfrm>
+          <a:off x="0" y="0"/>
+          <a:ext cx="0" cy="0"/>
+          <a:chOff x="0" y="0"/>
+          <a:chExt cx="0" cy="0"/>
+        </a:xfrm>
+      </p:grpSpPr>
+      <p:sp>
+        <p:nvSpPr>
+          <p:cNvPr id="2" name="Slide Image Placeholder 1"/>
+          <p:cNvSpPr>
+            <a:spLocks noGrp="1" noRot="1" noChangeAspect="1"/>
+          </p:cNvSpPr>
+          <p:nvPr>
+            <p:ph type="sldImg"/>
+          </p:nvPr>
+        </p:nvSpPr>
+        <p:spPr/>
+      </p:sp>
+      <p:sp>
+        <p:nvSpPr>
+          <p:cNvPr id="3" name="Notes Placeholder 2"/>
+          <p:cNvSpPr>
+            <a:spLocks noGrp="1"/>
+          </p:cNvSpPr>
+          <p:nvPr>
+            <p:ph type="body" idx="1"/>
+          </p:nvPr>
+        </p:nvSpPr>
+        <p:spPr/>
+        <p:txBody>
+          <a:bodyPr/>
+          <a:lstStyle/>
+          <a:p>
+            <a:endParaRPr lang="en-US" dirty="0"/>
+          </a:p>
+        </p:txBody>
+      </p:sp>
+      <p:sp>
+        <p:nvSpPr>
+          <p:cNvPr id="4" name="Slide Number Placeholder 3"/>
+          <p:cNvSpPr>
+            <a:spLocks noGrp="1"/>
+          </p:cNvSpPr>
+          <p:nvPr>
+            <p:ph type="sldNum" sz="quarter" idx="5"/>
+          </p:nvPr>
+        </p:nvSpPr>
+        <p:spPr/>
+        <p:txBody>
+          <a:bodyPr/>
+          <a:lstStyle/>
+          <a:p>
+            <a:fld id="{4CD97DBD-10D3-4C26-BC19-FB3B3CF19432}" type="slidenum">
+              <a:rPr lang="en-US" smtClean="0"/>
+              <a:t>72</a:t>
+            </a:fld>
+            <a:endParaRPr lang="en-US"/>
+          </a:p>
+        </p:txBody>
+      </p:sp>
+    </p:spTree>
+    <p:extLst>
+      <p:ext uri="{BB962C8B-B14F-4D97-AF65-F5344CB8AC3E}">
+        <p14:creationId xmlns:p14="http://schemas.microsoft.com/office/powerpoint/2010/main" val="3439228877"/>
       </p:ext>
     </p:extLst>
   </p:cSld>
@@ -6159,6 +6248,435 @@
     <p:extLst>
       <p:ext uri="{BB962C8B-B14F-4D97-AF65-F5344CB8AC3E}">
         <p14:creationId xmlns:p14="http://schemas.microsoft.com/office/powerpoint/2010/main" val="79145386"/>
+      </p:ext>
+    </p:extLst>
+  </p:cSld>
+  <p:clrMapOvr>
+    <a:masterClrMapping/>
+  </p:clrMapOvr>
+</p:notes>
+</file>
+
+<file path=ppt/notesSlides/notesSlide70.xml><?xml version="1.0" encoding="utf-8"?>
+<p:notes xmlns:a="http://schemas.openxmlformats.org/drawingml/2006/main" xmlns:r="http://schemas.openxmlformats.org/officeDocument/2006/relationships" xmlns:p="http://schemas.openxmlformats.org/presentationml/2006/main">
+  <p:cSld>
+    <p:spTree>
+      <p:nvGrpSpPr>
+        <p:cNvPr id="1" name=""/>
+        <p:cNvGrpSpPr/>
+        <p:nvPr/>
+      </p:nvGrpSpPr>
+      <p:grpSpPr>
+        <a:xfrm>
+          <a:off x="0" y="0"/>
+          <a:ext cx="0" cy="0"/>
+          <a:chOff x="0" y="0"/>
+          <a:chExt cx="0" cy="0"/>
+        </a:xfrm>
+      </p:grpSpPr>
+      <p:sp>
+        <p:nvSpPr>
+          <p:cNvPr id="2" name="Slide Image Placeholder 1"/>
+          <p:cNvSpPr>
+            <a:spLocks noGrp="1" noRot="1" noChangeAspect="1"/>
+          </p:cNvSpPr>
+          <p:nvPr>
+            <p:ph type="sldImg"/>
+          </p:nvPr>
+        </p:nvSpPr>
+        <p:spPr/>
+      </p:sp>
+      <p:sp>
+        <p:nvSpPr>
+          <p:cNvPr id="3" name="Notes Placeholder 2"/>
+          <p:cNvSpPr>
+            <a:spLocks noGrp="1"/>
+          </p:cNvSpPr>
+          <p:nvPr>
+            <p:ph type="body" idx="1"/>
+          </p:nvPr>
+        </p:nvSpPr>
+        <p:spPr/>
+        <p:txBody>
+          <a:bodyPr/>
+          <a:lstStyle/>
+          <a:p>
+            <a:endParaRPr lang="en-US" dirty="0"/>
+          </a:p>
+        </p:txBody>
+      </p:sp>
+      <p:sp>
+        <p:nvSpPr>
+          <p:cNvPr id="4" name="Slide Number Placeholder 3"/>
+          <p:cNvSpPr>
+            <a:spLocks noGrp="1"/>
+          </p:cNvSpPr>
+          <p:nvPr>
+            <p:ph type="sldNum" sz="quarter" idx="5"/>
+          </p:nvPr>
+        </p:nvSpPr>
+        <p:spPr/>
+        <p:txBody>
+          <a:bodyPr/>
+          <a:lstStyle/>
+          <a:p>
+            <a:fld id="{4CD97DBD-10D3-4C26-BC19-FB3B3CF19432}" type="slidenum">
+              <a:rPr lang="en-US" smtClean="0"/>
+              <a:t>73</a:t>
+            </a:fld>
+            <a:endParaRPr lang="en-US"/>
+          </a:p>
+        </p:txBody>
+      </p:sp>
+    </p:spTree>
+    <p:extLst>
+      <p:ext uri="{BB962C8B-B14F-4D97-AF65-F5344CB8AC3E}">
+        <p14:creationId xmlns:p14="http://schemas.microsoft.com/office/powerpoint/2010/main" val="685362509"/>
+      </p:ext>
+    </p:extLst>
+  </p:cSld>
+  <p:clrMapOvr>
+    <a:masterClrMapping/>
+  </p:clrMapOvr>
+</p:notes>
+</file>
+
+<file path=ppt/notesSlides/notesSlide71.xml><?xml version="1.0" encoding="utf-8"?>
+<p:notes xmlns:a="http://schemas.openxmlformats.org/drawingml/2006/main" xmlns:r="http://schemas.openxmlformats.org/officeDocument/2006/relationships" xmlns:p="http://schemas.openxmlformats.org/presentationml/2006/main">
+  <p:cSld>
+    <p:spTree>
+      <p:nvGrpSpPr>
+        <p:cNvPr id="1" name=""/>
+        <p:cNvGrpSpPr/>
+        <p:nvPr/>
+      </p:nvGrpSpPr>
+      <p:grpSpPr>
+        <a:xfrm>
+          <a:off x="0" y="0"/>
+          <a:ext cx="0" cy="0"/>
+          <a:chOff x="0" y="0"/>
+          <a:chExt cx="0" cy="0"/>
+        </a:xfrm>
+      </p:grpSpPr>
+      <p:sp>
+        <p:nvSpPr>
+          <p:cNvPr id="2" name="Slide Image Placeholder 1"/>
+          <p:cNvSpPr>
+            <a:spLocks noGrp="1" noRot="1" noChangeAspect="1"/>
+          </p:cNvSpPr>
+          <p:nvPr>
+            <p:ph type="sldImg"/>
+          </p:nvPr>
+        </p:nvSpPr>
+        <p:spPr/>
+      </p:sp>
+      <p:sp>
+        <p:nvSpPr>
+          <p:cNvPr id="3" name="Notes Placeholder 2"/>
+          <p:cNvSpPr>
+            <a:spLocks noGrp="1"/>
+          </p:cNvSpPr>
+          <p:nvPr>
+            <p:ph type="body" idx="1"/>
+          </p:nvPr>
+        </p:nvSpPr>
+        <p:spPr/>
+        <p:txBody>
+          <a:bodyPr/>
+          <a:lstStyle/>
+          <a:p>
+            <a:endParaRPr lang="en-US" dirty="0"/>
+          </a:p>
+        </p:txBody>
+      </p:sp>
+      <p:sp>
+        <p:nvSpPr>
+          <p:cNvPr id="4" name="Slide Number Placeholder 3"/>
+          <p:cNvSpPr>
+            <a:spLocks noGrp="1"/>
+          </p:cNvSpPr>
+          <p:nvPr>
+            <p:ph type="sldNum" sz="quarter" idx="5"/>
+          </p:nvPr>
+        </p:nvSpPr>
+        <p:spPr/>
+        <p:txBody>
+          <a:bodyPr/>
+          <a:lstStyle/>
+          <a:p>
+            <a:fld id="{4CD97DBD-10D3-4C26-BC19-FB3B3CF19432}" type="slidenum">
+              <a:rPr lang="en-US" smtClean="0"/>
+              <a:t>74</a:t>
+            </a:fld>
+            <a:endParaRPr lang="en-US"/>
+          </a:p>
+        </p:txBody>
+      </p:sp>
+    </p:spTree>
+    <p:extLst>
+      <p:ext uri="{BB962C8B-B14F-4D97-AF65-F5344CB8AC3E}">
+        <p14:creationId xmlns:p14="http://schemas.microsoft.com/office/powerpoint/2010/main" val="1930209628"/>
+      </p:ext>
+    </p:extLst>
+  </p:cSld>
+  <p:clrMapOvr>
+    <a:masterClrMapping/>
+  </p:clrMapOvr>
+</p:notes>
+</file>
+
+<file path=ppt/notesSlides/notesSlide72.xml><?xml version="1.0" encoding="utf-8"?>
+<p:notes xmlns:a="http://schemas.openxmlformats.org/drawingml/2006/main" xmlns:r="http://schemas.openxmlformats.org/officeDocument/2006/relationships" xmlns:p="http://schemas.openxmlformats.org/presentationml/2006/main">
+  <p:cSld>
+    <p:spTree>
+      <p:nvGrpSpPr>
+        <p:cNvPr id="1" name=""/>
+        <p:cNvGrpSpPr/>
+        <p:nvPr/>
+      </p:nvGrpSpPr>
+      <p:grpSpPr>
+        <a:xfrm>
+          <a:off x="0" y="0"/>
+          <a:ext cx="0" cy="0"/>
+          <a:chOff x="0" y="0"/>
+          <a:chExt cx="0" cy="0"/>
+        </a:xfrm>
+      </p:grpSpPr>
+      <p:sp>
+        <p:nvSpPr>
+          <p:cNvPr id="2" name="Slide Image Placeholder 1"/>
+          <p:cNvSpPr>
+            <a:spLocks noGrp="1" noRot="1" noChangeAspect="1"/>
+          </p:cNvSpPr>
+          <p:nvPr>
+            <p:ph type="sldImg"/>
+          </p:nvPr>
+        </p:nvSpPr>
+        <p:spPr/>
+      </p:sp>
+      <p:sp>
+        <p:nvSpPr>
+          <p:cNvPr id="3" name="Notes Placeholder 2"/>
+          <p:cNvSpPr>
+            <a:spLocks noGrp="1"/>
+          </p:cNvSpPr>
+          <p:nvPr>
+            <p:ph type="body" idx="1"/>
+          </p:nvPr>
+        </p:nvSpPr>
+        <p:spPr/>
+        <p:txBody>
+          <a:bodyPr/>
+          <a:lstStyle/>
+          <a:p>
+            <a:r>
+              <a:rPr lang="en-US" b="0" i="0" dirty="0">
+                <a:solidFill>
+                  <a:srgbClr val="1D1C1D"/>
+                </a:solidFill>
+                <a:effectLst/>
+                <a:latin typeface="Slack-Lato"/>
+              </a:rPr>
+              <a:t>honeycomb uses S3 as a long-term storage extension for </a:t>
+            </a:r>
+            <a:r>
+              <a:rPr lang="en-US" b="0" i="0" dirty="0" err="1">
+                <a:solidFill>
+                  <a:srgbClr val="1D1C1D"/>
+                </a:solidFill>
+                <a:effectLst/>
+                <a:latin typeface="Slack-Lato"/>
+              </a:rPr>
+              <a:t>realtime</a:t>
+            </a:r>
+            <a:r>
+              <a:rPr lang="en-US" b="0" i="0" dirty="0">
+                <a:solidFill>
+                  <a:srgbClr val="1D1C1D"/>
+                </a:solidFill>
+                <a:effectLst/>
+                <a:latin typeface="Slack-Lato"/>
+              </a:rPr>
+              <a:t> queries. TL/DR: EC2 instances that use </a:t>
+            </a:r>
+            <a:r>
+              <a:rPr lang="en-US" b="0" i="0" dirty="0" err="1">
+                <a:solidFill>
+                  <a:srgbClr val="1D1C1D"/>
+                </a:solidFill>
+                <a:effectLst/>
+                <a:latin typeface="Slack-Lato"/>
+              </a:rPr>
+              <a:t>aws</a:t>
+            </a:r>
+            <a:r>
+              <a:rPr lang="en-US" b="0" i="0" dirty="0">
+                <a:solidFill>
+                  <a:srgbClr val="1D1C1D"/>
+                </a:solidFill>
+                <a:effectLst/>
+                <a:latin typeface="Slack-Lato"/>
+              </a:rPr>
+              <a:t>-lambdas with S3 to split one query into smaller pieces.</a:t>
+            </a:r>
+            <a:br>
+              <a:rPr lang="en-US" dirty="0"/>
+            </a:br>
+            <a:r>
+              <a:rPr lang="en-US" b="0" i="0" dirty="0">
+                <a:solidFill>
+                  <a:srgbClr val="1D1C1D"/>
+                </a:solidFill>
+                <a:effectLst/>
+                <a:latin typeface="Slack-Lato"/>
+              </a:rPr>
+              <a:t>The presentation also shows non-obvious limitations of </a:t>
+            </a:r>
+            <a:r>
+              <a:rPr lang="en-US" b="0" i="0" dirty="0" err="1">
+                <a:solidFill>
+                  <a:srgbClr val="1D1C1D"/>
+                </a:solidFill>
+                <a:effectLst/>
+                <a:latin typeface="Slack-Lato"/>
+              </a:rPr>
+              <a:t>autoscaled</a:t>
+            </a:r>
+            <a:r>
+              <a:rPr lang="en-US" b="0" i="0" dirty="0">
+                <a:solidFill>
+                  <a:srgbClr val="1D1C1D"/>
+                </a:solidFill>
+                <a:effectLst/>
+                <a:latin typeface="Slack-Lato"/>
+              </a:rPr>
+              <a:t> Lambdas, inconsistent response time, </a:t>
+            </a:r>
+            <a:r>
+              <a:rPr lang="en-US" b="0" i="0" dirty="0" err="1">
+                <a:solidFill>
+                  <a:srgbClr val="1D1C1D"/>
+                </a:solidFill>
+                <a:effectLst/>
+                <a:latin typeface="Slack-Lato"/>
+              </a:rPr>
+              <a:t>etc</a:t>
+            </a:r>
+            <a:endParaRPr lang="en-US" dirty="0"/>
+          </a:p>
+        </p:txBody>
+      </p:sp>
+      <p:sp>
+        <p:nvSpPr>
+          <p:cNvPr id="4" name="Slide Number Placeholder 3"/>
+          <p:cNvSpPr>
+            <a:spLocks noGrp="1"/>
+          </p:cNvSpPr>
+          <p:nvPr>
+            <p:ph type="sldNum" sz="quarter" idx="5"/>
+          </p:nvPr>
+        </p:nvSpPr>
+        <p:spPr/>
+        <p:txBody>
+          <a:bodyPr/>
+          <a:lstStyle/>
+          <a:p>
+            <a:fld id="{4CD97DBD-10D3-4C26-BC19-FB3B3CF19432}" type="slidenum">
+              <a:rPr lang="en-US" smtClean="0"/>
+              <a:t>75</a:t>
+            </a:fld>
+            <a:endParaRPr lang="en-US"/>
+          </a:p>
+        </p:txBody>
+      </p:sp>
+    </p:spTree>
+    <p:extLst>
+      <p:ext uri="{BB962C8B-B14F-4D97-AF65-F5344CB8AC3E}">
+        <p14:creationId xmlns:p14="http://schemas.microsoft.com/office/powerpoint/2010/main" val="1582850673"/>
+      </p:ext>
+    </p:extLst>
+  </p:cSld>
+  <p:clrMapOvr>
+    <a:masterClrMapping/>
+  </p:clrMapOvr>
+</p:notes>
+</file>
+
+<file path=ppt/notesSlides/notesSlide73.xml><?xml version="1.0" encoding="utf-8"?>
+<p:notes xmlns:a="http://schemas.openxmlformats.org/drawingml/2006/main" xmlns:r="http://schemas.openxmlformats.org/officeDocument/2006/relationships" xmlns:p="http://schemas.openxmlformats.org/presentationml/2006/main">
+  <p:cSld>
+    <p:spTree>
+      <p:nvGrpSpPr>
+        <p:cNvPr id="1" name=""/>
+        <p:cNvGrpSpPr/>
+        <p:nvPr/>
+      </p:nvGrpSpPr>
+      <p:grpSpPr>
+        <a:xfrm>
+          <a:off x="0" y="0"/>
+          <a:ext cx="0" cy="0"/>
+          <a:chOff x="0" y="0"/>
+          <a:chExt cx="0" cy="0"/>
+        </a:xfrm>
+      </p:grpSpPr>
+      <p:sp>
+        <p:nvSpPr>
+          <p:cNvPr id="2" name="Slide Image Placeholder 1"/>
+          <p:cNvSpPr>
+            <a:spLocks noGrp="1" noRot="1" noChangeAspect="1"/>
+          </p:cNvSpPr>
+          <p:nvPr>
+            <p:ph type="sldImg"/>
+          </p:nvPr>
+        </p:nvSpPr>
+        <p:spPr/>
+      </p:sp>
+      <p:sp>
+        <p:nvSpPr>
+          <p:cNvPr id="3" name="Notes Placeholder 2"/>
+          <p:cNvSpPr>
+            <a:spLocks noGrp="1"/>
+          </p:cNvSpPr>
+          <p:nvPr>
+            <p:ph type="body" idx="1"/>
+          </p:nvPr>
+        </p:nvSpPr>
+        <p:spPr/>
+        <p:txBody>
+          <a:bodyPr/>
+          <a:lstStyle/>
+          <a:p>
+            <a:endParaRPr lang="en-US" dirty="0"/>
+          </a:p>
+        </p:txBody>
+      </p:sp>
+      <p:sp>
+        <p:nvSpPr>
+          <p:cNvPr id="4" name="Slide Number Placeholder 3"/>
+          <p:cNvSpPr>
+            <a:spLocks noGrp="1"/>
+          </p:cNvSpPr>
+          <p:nvPr>
+            <p:ph type="sldNum" sz="quarter" idx="5"/>
+          </p:nvPr>
+        </p:nvSpPr>
+        <p:spPr/>
+        <p:txBody>
+          <a:bodyPr/>
+          <a:lstStyle/>
+          <a:p>
+            <a:fld id="{4CD97DBD-10D3-4C26-BC19-FB3B3CF19432}" type="slidenum">
+              <a:rPr lang="en-US" smtClean="0"/>
+              <a:t>76</a:t>
+            </a:fld>
+            <a:endParaRPr lang="en-US"/>
+          </a:p>
+        </p:txBody>
+      </p:sp>
+    </p:spTree>
+    <p:extLst>
+      <p:ext uri="{BB962C8B-B14F-4D97-AF65-F5344CB8AC3E}">
+        <p14:creationId xmlns:p14="http://schemas.microsoft.com/office/powerpoint/2010/main" val="211661463"/>
       </p:ext>
     </p:extLst>
   </p:cSld>
@@ -6483,7 +7001,7 @@
           <a:p>
             <a:fld id="{8BBDE38F-7EFF-44D7-A4FC-86F4469E67EF}" type="datetimeFigureOut">
               <a:rPr lang="en-US" smtClean="0"/>
-              <a:t>30-Jul-21</a:t>
+              <a:t>10-Feb-22</a:t>
             </a:fld>
             <a:endParaRPr lang="en-US"/>
           </a:p>
@@ -6681,7 +7199,7 @@
           <a:p>
             <a:fld id="{8BBDE38F-7EFF-44D7-A4FC-86F4469E67EF}" type="datetimeFigureOut">
               <a:rPr lang="en-US" smtClean="0"/>
-              <a:t>30-Jul-21</a:t>
+              <a:t>10-Feb-22</a:t>
             </a:fld>
             <a:endParaRPr lang="en-US"/>
           </a:p>
@@ -6889,7 +7407,7 @@
           <a:p>
             <a:fld id="{8BBDE38F-7EFF-44D7-A4FC-86F4469E67EF}" type="datetimeFigureOut">
               <a:rPr lang="en-US" smtClean="0"/>
-              <a:t>30-Jul-21</a:t>
+              <a:t>10-Feb-22</a:t>
             </a:fld>
             <a:endParaRPr lang="en-US"/>
           </a:p>
@@ -7087,7 +7605,7 @@
           <a:p>
             <a:fld id="{8BBDE38F-7EFF-44D7-A4FC-86F4469E67EF}" type="datetimeFigureOut">
               <a:rPr lang="en-US" smtClean="0"/>
-              <a:t>30-Jul-21</a:t>
+              <a:t>10-Feb-22</a:t>
             </a:fld>
             <a:endParaRPr lang="en-US"/>
           </a:p>
@@ -7362,7 +7880,7 @@
           <a:p>
             <a:fld id="{8BBDE38F-7EFF-44D7-A4FC-86F4469E67EF}" type="datetimeFigureOut">
               <a:rPr lang="en-US" smtClean="0"/>
-              <a:t>30-Jul-21</a:t>
+              <a:t>10-Feb-22</a:t>
             </a:fld>
             <a:endParaRPr lang="en-US"/>
           </a:p>
@@ -7627,7 +8145,7 @@
           <a:p>
             <a:fld id="{8BBDE38F-7EFF-44D7-A4FC-86F4469E67EF}" type="datetimeFigureOut">
               <a:rPr lang="en-US" smtClean="0"/>
-              <a:t>30-Jul-21</a:t>
+              <a:t>10-Feb-22</a:t>
             </a:fld>
             <a:endParaRPr lang="en-US"/>
           </a:p>
@@ -8039,7 +8557,7 @@
           <a:p>
             <a:fld id="{8BBDE38F-7EFF-44D7-A4FC-86F4469E67EF}" type="datetimeFigureOut">
               <a:rPr lang="en-US" smtClean="0"/>
-              <a:t>30-Jul-21</a:t>
+              <a:t>10-Feb-22</a:t>
             </a:fld>
             <a:endParaRPr lang="en-US"/>
           </a:p>
@@ -8180,7 +8698,7 @@
           <a:p>
             <a:fld id="{8BBDE38F-7EFF-44D7-A4FC-86F4469E67EF}" type="datetimeFigureOut">
               <a:rPr lang="en-US" smtClean="0"/>
-              <a:t>30-Jul-21</a:t>
+              <a:t>10-Feb-22</a:t>
             </a:fld>
             <a:endParaRPr lang="en-US"/>
           </a:p>
@@ -8293,7 +8811,7 @@
           <a:p>
             <a:fld id="{8BBDE38F-7EFF-44D7-A4FC-86F4469E67EF}" type="datetimeFigureOut">
               <a:rPr lang="en-US" smtClean="0"/>
-              <a:t>30-Jul-21</a:t>
+              <a:t>10-Feb-22</a:t>
             </a:fld>
             <a:endParaRPr lang="en-US"/>
           </a:p>
@@ -8604,7 +9122,7 @@
           <a:p>
             <a:fld id="{8BBDE38F-7EFF-44D7-A4FC-86F4469E67EF}" type="datetimeFigureOut">
               <a:rPr lang="en-US" smtClean="0"/>
-              <a:t>30-Jul-21</a:t>
+              <a:t>10-Feb-22</a:t>
             </a:fld>
             <a:endParaRPr lang="en-US"/>
           </a:p>
@@ -8892,7 +9410,7 @@
           <a:p>
             <a:fld id="{8BBDE38F-7EFF-44D7-A4FC-86F4469E67EF}" type="datetimeFigureOut">
               <a:rPr lang="en-US" smtClean="0"/>
-              <a:t>30-Jul-21</a:t>
+              <a:t>10-Feb-22</a:t>
             </a:fld>
             <a:endParaRPr lang="en-US"/>
           </a:p>
@@ -9133,7 +9651,7 @@
           <a:p>
             <a:fld id="{8BBDE38F-7EFF-44D7-A4FC-86F4469E67EF}" type="datetimeFigureOut">
               <a:rPr lang="en-US" smtClean="0"/>
-              <a:t>30-Jul-21</a:t>
+              <a:t>10-Feb-22</a:t>
             </a:fld>
             <a:endParaRPr lang="en-US"/>
           </a:p>
@@ -9800,7 +10318,7 @@
             </a:pPr>
             <a:r>
               <a:rPr lang="en-US" dirty="0"/>
-              <a:t>In cloud </a:t>
+              <a:t>In the cloud, </a:t>
             </a:r>
             <a:r>
               <a:rPr lang="en-US" dirty="0">
@@ -10393,7 +10911,7 @@
     </p:spTree>
     <p:extLst>
       <p:ext uri="{BB962C8B-B14F-4D97-AF65-F5344CB8AC3E}">
-        <p14:creationId xmlns:p14="http://schemas.microsoft.com/office/powerpoint/2010/main" val="2477886416"/>
+        <p14:creationId xmlns:p14="http://schemas.microsoft.com/office/powerpoint/2010/main" val="2045033695"/>
       </p:ext>
     </p:extLst>
   </p:cSld>
@@ -10450,10 +10968,10 @@
       </p:sp>
       <p:sp>
         <p:nvSpPr>
-          <p:cNvPr id="3" name="Content Placeholder 2">
-            <a:extLst>
-              <a:ext uri="{FF2B5EF4-FFF2-40B4-BE49-F238E27FC236}">
-                <a16:creationId xmlns:a16="http://schemas.microsoft.com/office/drawing/2014/main" id="{AE3F0B5C-ACCE-4F53-A9D1-641797D8C52C}"/>
+          <p:cNvPr id="10" name="Content Placeholder 9">
+            <a:extLst>
+              <a:ext uri="{FF2B5EF4-FFF2-40B4-BE49-F238E27FC236}">
+                <a16:creationId xmlns:a16="http://schemas.microsoft.com/office/drawing/2014/main" id="{6565C598-E345-42B6-90FA-48D6BB0E7B57}"/>
               </a:ext>
             </a:extLst>
           </p:cNvPr>
@@ -10464,7 +10982,12 @@
             <p:ph idx="1"/>
           </p:nvPr>
         </p:nvSpPr>
-        <p:spPr/>
+        <p:spPr>
+          <a:xfrm>
+            <a:off x="838200" y="1825625"/>
+            <a:ext cx="5257800" cy="4351338"/>
+          </a:xfrm>
+        </p:spPr>
         <p:txBody>
           <a:bodyPr/>
           <a:lstStyle/>
@@ -10474,31 +10997,7 @@
             </a:pPr>
             <a:r>
               <a:rPr lang="en-US" dirty="0"/>
-              <a:t>p.s.</a:t>
-            </a:r>
-          </a:p>
-          <a:p>
-            <a:pPr marL="0" indent="0">
-              <a:buNone/>
-            </a:pPr>
-            <a:r>
-              <a:rPr lang="en-US" dirty="0"/>
-              <a:t>Often engineering team salary is &gt;&gt;&gt; cloud bill</a:t>
-            </a:r>
-          </a:p>
-          <a:p>
-            <a:pPr marL="0" indent="0">
-              <a:buNone/>
-            </a:pPr>
-            <a:endParaRPr lang="en-US" dirty="0"/>
-          </a:p>
-          <a:p>
-            <a:pPr marL="0" indent="0">
-              <a:buNone/>
-            </a:pPr>
-            <a:r>
-              <a:rPr lang="en-US" dirty="0"/>
-              <a:t>Self-managed service price also includes engineering time</a:t>
+              <a:t>All the rules apply even if you do …</a:t>
             </a:r>
           </a:p>
         </p:txBody>
@@ -10506,7 +11005,7 @@
     </p:spTree>
     <p:extLst>
       <p:ext uri="{BB962C8B-B14F-4D97-AF65-F5344CB8AC3E}">
-        <p14:creationId xmlns:p14="http://schemas.microsoft.com/office/powerpoint/2010/main" val="3042307931"/>
+        <p14:creationId xmlns:p14="http://schemas.microsoft.com/office/powerpoint/2010/main" val="2477886416"/>
       </p:ext>
     </p:extLst>
   </p:cSld>
@@ -10538,7 +11037,7 @@
           <p:cNvPr id="2" name="Title 1">
             <a:extLst>
               <a:ext uri="{FF2B5EF4-FFF2-40B4-BE49-F238E27FC236}">
-                <a16:creationId xmlns:a16="http://schemas.microsoft.com/office/drawing/2014/main" id="{AA6563E3-5640-49D5-919B-725DAF540F41}"/>
+                <a16:creationId xmlns:a16="http://schemas.microsoft.com/office/drawing/2014/main" id="{A26A8A0A-320E-4536-BFF8-C2E9FC542DEC}"/>
               </a:ext>
             </a:extLst>
           </p:cNvPr>
@@ -10556,17 +11055,17 @@
           <a:p>
             <a:r>
               <a:rPr lang="en-US" dirty="0"/>
-              <a:t>Course plan</a:t>
-            </a:r>
-          </a:p>
-        </p:txBody>
-      </p:sp>
-      <p:sp>
-        <p:nvSpPr>
-          <p:cNvPr id="3" name="Content Placeholder 2">
-            <a:extLst>
-              <a:ext uri="{FF2B5EF4-FFF2-40B4-BE49-F238E27FC236}">
-                <a16:creationId xmlns:a16="http://schemas.microsoft.com/office/drawing/2014/main" id="{9BB4E940-33D8-465B-94DA-339CB0D43AF2}"/>
+              <a:t>Pricing</a:t>
+            </a:r>
+          </a:p>
+        </p:txBody>
+      </p:sp>
+      <p:sp>
+        <p:nvSpPr>
+          <p:cNvPr id="10" name="Content Placeholder 9">
+            <a:extLst>
+              <a:ext uri="{FF2B5EF4-FFF2-40B4-BE49-F238E27FC236}">
+                <a16:creationId xmlns:a16="http://schemas.microsoft.com/office/drawing/2014/main" id="{6565C598-E345-42B6-90FA-48D6BB0E7B57}"/>
               </a:ext>
             </a:extLst>
           </p:cNvPr>
@@ -10577,7 +11076,12 @@
             <p:ph idx="1"/>
           </p:nvPr>
         </p:nvSpPr>
-        <p:spPr/>
+        <p:spPr>
+          <a:xfrm>
+            <a:off x="838200" y="1825625"/>
+            <a:ext cx="5257800" cy="4351338"/>
+          </a:xfrm>
+        </p:spPr>
         <p:txBody>
           <a:bodyPr/>
           <a:lstStyle/>
@@ -10587,7 +11091,7 @@
             </a:pPr>
             <a:r>
               <a:rPr lang="en-US" dirty="0"/>
-              <a:t>Learning session 4 (July 29-31)</a:t>
+              <a:t>All the rules apply even if you do …</a:t>
             </a:r>
           </a:p>
           <a:p>
@@ -10602,39 +11106,52 @@
             </a:pPr>
             <a:r>
               <a:rPr lang="en-US" dirty="0"/>
-              <a:t>Pricing</a:t>
-            </a:r>
-            <a:endParaRPr lang="en-US" dirty="0">
-              <a:solidFill>
-                <a:srgbClr val="FF0000"/>
-              </a:solidFill>
-            </a:endParaRPr>
-          </a:p>
-          <a:p>
-            <a:pPr marL="0" indent="0">
-              <a:buNone/>
-            </a:pPr>
+              <a:t>…</a:t>
+            </a:r>
             <a:r>
               <a:rPr lang="en-US" dirty="0">
-                <a:solidFill>
-                  <a:srgbClr val="FF0000"/>
-                </a:solidFill>
+                <a:hlinkClick r:id="rId3"/>
               </a:rPr>
-              <a:t>Monitoring and Observability</a:t>
-            </a:r>
-          </a:p>
-          <a:p>
-            <a:pPr marL="0" indent="0">
-              <a:buNone/>
-            </a:pPr>
+              <a:t>a small pet-project </a:t>
+            </a:r>
             <a:endParaRPr lang="en-US" dirty="0"/>
           </a:p>
         </p:txBody>
       </p:sp>
+      <p:pic>
+        <p:nvPicPr>
+          <p:cNvPr id="4" name="Content Placeholder 4">
+            <a:extLst>
+              <a:ext uri="{FF2B5EF4-FFF2-40B4-BE49-F238E27FC236}">
+                <a16:creationId xmlns:a16="http://schemas.microsoft.com/office/drawing/2014/main" id="{90C9F46F-0E22-4923-8C9E-891A4AE51813}"/>
+              </a:ext>
+            </a:extLst>
+          </p:cNvPr>
+          <p:cNvPicPr>
+            <a:picLocks noChangeAspect="1"/>
+          </p:cNvPicPr>
+          <p:nvPr/>
+        </p:nvPicPr>
+        <p:blipFill>
+          <a:blip r:embed="rId4"/>
+          <a:stretch>
+            <a:fillRect/>
+          </a:stretch>
+        </p:blipFill>
+        <p:spPr>
+          <a:xfrm>
+            <a:off x="6306524" y="1690688"/>
+            <a:ext cx="5047276" cy="4351338"/>
+          </a:xfrm>
+          <a:prstGeom prst="rect">
+            <a:avLst/>
+          </a:prstGeom>
+        </p:spPr>
+      </p:pic>
     </p:spTree>
     <p:extLst>
       <p:ext uri="{BB962C8B-B14F-4D97-AF65-F5344CB8AC3E}">
-        <p14:creationId xmlns:p14="http://schemas.microsoft.com/office/powerpoint/2010/main" val="3087380149"/>
+        <p14:creationId xmlns:p14="http://schemas.microsoft.com/office/powerpoint/2010/main" val="3191454257"/>
       </p:ext>
     </p:extLst>
   </p:cSld>
@@ -10684,17 +11201,17 @@
           <a:p>
             <a:r>
               <a:rPr lang="en-US" dirty="0"/>
-              <a:t>Monitoring and Observability</a:t>
-            </a:r>
-          </a:p>
-        </p:txBody>
-      </p:sp>
-      <p:sp>
-        <p:nvSpPr>
-          <p:cNvPr id="3" name="Content Placeholder 2">
-            <a:extLst>
-              <a:ext uri="{FF2B5EF4-FFF2-40B4-BE49-F238E27FC236}">
-                <a16:creationId xmlns:a16="http://schemas.microsoft.com/office/drawing/2014/main" id="{AE3F0B5C-ACCE-4F53-A9D1-641797D8C52C}"/>
+              <a:t>Pricing</a:t>
+            </a:r>
+          </a:p>
+        </p:txBody>
+      </p:sp>
+      <p:sp>
+        <p:nvSpPr>
+          <p:cNvPr id="10" name="Content Placeholder 9">
+            <a:extLst>
+              <a:ext uri="{FF2B5EF4-FFF2-40B4-BE49-F238E27FC236}">
+                <a16:creationId xmlns:a16="http://schemas.microsoft.com/office/drawing/2014/main" id="{6565C598-E345-42B6-90FA-48D6BB0E7B57}"/>
               </a:ext>
             </a:extLst>
           </p:cNvPr>
@@ -10705,58 +11222,121 @@
             <p:ph idx="1"/>
           </p:nvPr>
         </p:nvSpPr>
-        <p:spPr/>
-        <p:txBody>
-          <a:bodyPr/>
-          <a:lstStyle/>
-          <a:p>
-            <a:r>
-              <a:rPr lang="en-US" dirty="0"/>
-              <a:t>What is Monitoring and Observability</a:t>
-            </a:r>
-          </a:p>
-          <a:p>
-            <a:r>
-              <a:rPr lang="en-US" dirty="0"/>
-              <a:t>Logs</a:t>
-            </a:r>
-          </a:p>
-          <a:p>
-            <a:r>
-              <a:rPr lang="en-US" dirty="0"/>
-              <a:t>Metrics</a:t>
-            </a:r>
-          </a:p>
-          <a:p>
-            <a:r>
-              <a:rPr lang="en-US" dirty="0"/>
-              <a:t>Traces</a:t>
-            </a:r>
-          </a:p>
-          <a:p>
-            <a:r>
-              <a:rPr lang="en-US" dirty="0"/>
-              <a:t>Audit</a:t>
-            </a:r>
-          </a:p>
-          <a:p>
-            <a:r>
-              <a:rPr lang="en-US" dirty="0"/>
-              <a:t>Alerts</a:t>
-            </a:r>
-          </a:p>
-          <a:p>
-            <a:r>
-              <a:rPr lang="en-US" dirty="0"/>
-              <a:t>Available solutions</a:t>
-            </a:r>
+        <p:spPr>
+          <a:xfrm>
+            <a:off x="838200" y="1825625"/>
+            <a:ext cx="5257800" cy="4351338"/>
+          </a:xfrm>
+        </p:spPr>
+        <p:txBody>
+          <a:bodyPr/>
+          <a:lstStyle/>
+          <a:p>
+            <a:pPr marL="0" indent="0">
+              <a:buNone/>
+            </a:pPr>
+            <a:r>
+              <a:rPr lang="en-US" dirty="0"/>
+              <a:t>All the rules apply even if you do …</a:t>
+            </a:r>
+          </a:p>
+          <a:p>
+            <a:pPr marL="0" indent="0">
+              <a:buNone/>
+            </a:pPr>
+            <a:endParaRPr lang="en-US" dirty="0"/>
+          </a:p>
+          <a:p>
+            <a:pPr marL="0" indent="0">
+              <a:buFont typeface="Arial" panose="020B0604020202020204" pitchFamily="34" charset="0"/>
+              <a:buNone/>
+            </a:pPr>
+            <a:r>
+              <a:rPr lang="en-US" dirty="0"/>
+              <a:t>…</a:t>
+            </a:r>
+            <a:r>
+              <a:rPr lang="en-US" dirty="0">
+                <a:hlinkClick r:id="rId3"/>
+              </a:rPr>
+              <a:t>a big non-profit</a:t>
+            </a:r>
+            <a:endParaRPr lang="en-US" dirty="0"/>
+          </a:p>
+        </p:txBody>
+      </p:sp>
+      <p:pic>
+        <p:nvPicPr>
+          <p:cNvPr id="6" name="Picture 5">
+            <a:extLst>
+              <a:ext uri="{FF2B5EF4-FFF2-40B4-BE49-F238E27FC236}">
+                <a16:creationId xmlns:a16="http://schemas.microsoft.com/office/drawing/2014/main" id="{67940445-FDA8-43A0-AAC6-2EC9567F8892}"/>
+              </a:ext>
+            </a:extLst>
+          </p:cNvPr>
+          <p:cNvPicPr>
+            <a:picLocks noChangeAspect="1"/>
+          </p:cNvPicPr>
+          <p:nvPr/>
+        </p:nvPicPr>
+        <p:blipFill>
+          <a:blip r:embed="rId4"/>
+          <a:stretch>
+            <a:fillRect/>
+          </a:stretch>
+        </p:blipFill>
+        <p:spPr>
+          <a:xfrm>
+            <a:off x="6095999" y="681037"/>
+            <a:ext cx="5705935" cy="5811838"/>
+          </a:xfrm>
+          <a:prstGeom prst="rect">
+            <a:avLst/>
+          </a:prstGeom>
+        </p:spPr>
+      </p:pic>
+      <p:sp>
+        <p:nvSpPr>
+          <p:cNvPr id="9" name="TextBox 8">
+            <a:extLst>
+              <a:ext uri="{FF2B5EF4-FFF2-40B4-BE49-F238E27FC236}">
+                <a16:creationId xmlns:a16="http://schemas.microsoft.com/office/drawing/2014/main" id="{22E68F13-B0CF-4E62-BDEB-B8F2AF7AD677}"/>
+              </a:ext>
+            </a:extLst>
+          </p:cNvPr>
+          <p:cNvSpPr txBox="1"/>
+          <p:nvPr/>
+        </p:nvSpPr>
+        <p:spPr>
+          <a:xfrm>
+            <a:off x="838199" y="6123543"/>
+            <a:ext cx="1705707" cy="369332"/>
+          </a:xfrm>
+          <a:prstGeom prst="rect">
+            <a:avLst/>
+          </a:prstGeom>
+          <a:noFill/>
+        </p:spPr>
+        <p:txBody>
+          <a:bodyPr wrap="square">
+            <a:spAutoFit/>
+          </a:bodyPr>
+          <a:lstStyle/>
+          <a:p>
+            <a:r>
+              <a:rPr lang="en-US" sz="1800" dirty="0">
+                <a:hlinkClick r:id="rId5"/>
+              </a:rPr>
+              <a:t>[ua] translation</a:t>
+            </a:r>
+            <a:endParaRPr lang="en-US" dirty="0"/>
           </a:p>
         </p:txBody>
       </p:sp>
     </p:spTree>
     <p:extLst>
       <p:ext uri="{BB962C8B-B14F-4D97-AF65-F5344CB8AC3E}">
-        <p14:creationId xmlns:p14="http://schemas.microsoft.com/office/powerpoint/2010/main" val="845715974"/>
+        <p14:creationId xmlns:p14="http://schemas.microsoft.com/office/powerpoint/2010/main" val="3867875087"/>
       </p:ext>
     </p:extLst>
   </p:cSld>
@@ -10837,7 +11417,7 @@
             </a:pPr>
             <a:r>
               <a:rPr lang="en-US" dirty="0"/>
-              <a:t>Learning session 4 (July 29-31)</a:t>
+              <a:t>Learning session 4</a:t>
             </a:r>
           </a:p>
           <a:p>
@@ -10924,7 +11504,7 @@
           <a:p>
             <a:r>
               <a:rPr lang="en-US" dirty="0"/>
-              <a:t>Monitoring and Observability</a:t>
+              <a:t>Pricing</a:t>
             </a:r>
           </a:p>
         </p:txBody>
@@ -10955,7 +11535,31 @@
             </a:pPr>
             <a:r>
               <a:rPr lang="en-US" dirty="0"/>
-              <a:t>Any system eventually starts misbehaving</a:t>
+              <a:t>p.s.</a:t>
+            </a:r>
+          </a:p>
+          <a:p>
+            <a:pPr marL="0" indent="0">
+              <a:buNone/>
+            </a:pPr>
+            <a:r>
+              <a:rPr lang="en-US" dirty="0"/>
+              <a:t>Often engineering team salary is &gt;&gt;&gt; cloud bill</a:t>
+            </a:r>
+          </a:p>
+          <a:p>
+            <a:pPr marL="0" indent="0">
+              <a:buNone/>
+            </a:pPr>
+            <a:endParaRPr lang="en-US" dirty="0"/>
+          </a:p>
+          <a:p>
+            <a:pPr marL="0" indent="0">
+              <a:buNone/>
+            </a:pPr>
+            <a:r>
+              <a:rPr lang="en-US" dirty="0"/>
+              <a:t>Self-managed service price also includes engineering time</a:t>
             </a:r>
           </a:p>
         </p:txBody>
@@ -10963,7 +11567,7 @@
     </p:spTree>
     <p:extLst>
       <p:ext uri="{BB962C8B-B14F-4D97-AF65-F5344CB8AC3E}">
-        <p14:creationId xmlns:p14="http://schemas.microsoft.com/office/powerpoint/2010/main" val="841104939"/>
+        <p14:creationId xmlns:p14="http://schemas.microsoft.com/office/powerpoint/2010/main" val="3042307931"/>
       </p:ext>
     </p:extLst>
   </p:cSld>
@@ -10995,7 +11599,7 @@
           <p:cNvPr id="2" name="Title 1">
             <a:extLst>
               <a:ext uri="{FF2B5EF4-FFF2-40B4-BE49-F238E27FC236}">
-                <a16:creationId xmlns:a16="http://schemas.microsoft.com/office/drawing/2014/main" id="{A26A8A0A-320E-4536-BFF8-C2E9FC542DEC}"/>
+                <a16:creationId xmlns:a16="http://schemas.microsoft.com/office/drawing/2014/main" id="{AA6563E3-5640-49D5-919B-725DAF540F41}"/>
               </a:ext>
             </a:extLst>
           </p:cNvPr>
@@ -11013,54 +11617,85 @@
           <a:p>
             <a:r>
               <a:rPr lang="en-US" dirty="0"/>
+              <a:t>Course plan</a:t>
+            </a:r>
+          </a:p>
+        </p:txBody>
+      </p:sp>
+      <p:sp>
+        <p:nvSpPr>
+          <p:cNvPr id="3" name="Content Placeholder 2">
+            <a:extLst>
+              <a:ext uri="{FF2B5EF4-FFF2-40B4-BE49-F238E27FC236}">
+                <a16:creationId xmlns:a16="http://schemas.microsoft.com/office/drawing/2014/main" id="{9BB4E940-33D8-465B-94DA-339CB0D43AF2}"/>
+              </a:ext>
+            </a:extLst>
+          </p:cNvPr>
+          <p:cNvSpPr>
+            <a:spLocks noGrp="1"/>
+          </p:cNvSpPr>
+          <p:nvPr>
+            <p:ph idx="1"/>
+          </p:nvPr>
+        </p:nvSpPr>
+        <p:spPr/>
+        <p:txBody>
+          <a:bodyPr/>
+          <a:lstStyle/>
+          <a:p>
+            <a:pPr marL="0" indent="0">
+              <a:buNone/>
+            </a:pPr>
+            <a:r>
+              <a:rPr lang="en-US" dirty="0"/>
+              <a:t>Learning session 4</a:t>
+            </a:r>
+          </a:p>
+          <a:p>
+            <a:pPr marL="0" indent="0">
+              <a:buNone/>
+            </a:pPr>
+            <a:endParaRPr lang="en-US" dirty="0"/>
+          </a:p>
+          <a:p>
+            <a:pPr marL="0" indent="0">
+              <a:buNone/>
+            </a:pPr>
+            <a:r>
+              <a:rPr lang="en-US" dirty="0"/>
+              <a:t>Pricing</a:t>
+            </a:r>
+            <a:endParaRPr lang="en-US" dirty="0">
+              <a:solidFill>
+                <a:srgbClr val="FF0000"/>
+              </a:solidFill>
+            </a:endParaRPr>
+          </a:p>
+          <a:p>
+            <a:pPr marL="0" indent="0">
+              <a:buNone/>
+            </a:pPr>
+            <a:r>
+              <a:rPr lang="en-US" dirty="0">
+                <a:solidFill>
+                  <a:srgbClr val="FF0000"/>
+                </a:solidFill>
+              </a:rPr>
               <a:t>Monitoring and Observability</a:t>
             </a:r>
           </a:p>
-        </p:txBody>
-      </p:sp>
-      <p:sp>
-        <p:nvSpPr>
-          <p:cNvPr id="3" name="Content Placeholder 2">
-            <a:extLst>
-              <a:ext uri="{FF2B5EF4-FFF2-40B4-BE49-F238E27FC236}">
-                <a16:creationId xmlns:a16="http://schemas.microsoft.com/office/drawing/2014/main" id="{AE3F0B5C-ACCE-4F53-A9D1-641797D8C52C}"/>
-              </a:ext>
-            </a:extLst>
-          </p:cNvPr>
-          <p:cNvSpPr>
-            <a:spLocks noGrp="1"/>
-          </p:cNvSpPr>
-          <p:nvPr>
-            <p:ph idx="1"/>
-          </p:nvPr>
-        </p:nvSpPr>
-        <p:spPr/>
-        <p:txBody>
-          <a:bodyPr/>
-          <a:lstStyle/>
           <a:p>
             <a:pPr marL="0" indent="0">
               <a:buNone/>
             </a:pPr>
-            <a:r>
-              <a:rPr lang="en-US" dirty="0"/>
-              <a:t>When system misbehaves on </a:t>
-            </a:r>
-            <a:r>
-              <a:rPr lang="en-US" i="1" dirty="0"/>
-              <a:t>my-machine</a:t>
-            </a:r>
-            <a:r>
-              <a:rPr lang="en-US" dirty="0"/>
-              <a:t> – I can debug it </a:t>
-            </a:r>
+            <a:endParaRPr lang="en-US" dirty="0"/>
           </a:p>
         </p:txBody>
       </p:sp>
     </p:spTree>
     <p:extLst>
       <p:ext uri="{BB962C8B-B14F-4D97-AF65-F5344CB8AC3E}">
-        <p14:creationId xmlns:p14="http://schemas.microsoft.com/office/powerpoint/2010/main" val="235350338"/>
+        <p14:creationId xmlns:p14="http://schemas.microsoft.com/office/powerpoint/2010/main" val="3087380149"/>
       </p:ext>
     </p:extLst>
   </p:cSld>
@@ -11115,6 +11750,421 @@
           </a:p>
         </p:txBody>
       </p:sp>
+      <p:pic>
+        <p:nvPicPr>
+          <p:cNvPr id="1026" name="Picture 2" descr="Image">
+            <a:extLst>
+              <a:ext uri="{FF2B5EF4-FFF2-40B4-BE49-F238E27FC236}">
+                <a16:creationId xmlns:a16="http://schemas.microsoft.com/office/drawing/2014/main" id="{92F67920-76DA-4145-A528-D4015D0FCA79}"/>
+              </a:ext>
+            </a:extLst>
+          </p:cNvPr>
+          <p:cNvPicPr>
+            <a:picLocks noGrp="1" noChangeAspect="1" noChangeArrowheads="1"/>
+          </p:cNvPicPr>
+          <p:nvPr>
+            <p:ph idx="1"/>
+          </p:nvPr>
+        </p:nvPicPr>
+        <p:blipFill>
+          <a:blip r:embed="rId3">
+            <a:extLst>
+              <a:ext uri="{28A0092B-C50C-407E-A947-70E740481C1C}">
+                <a14:useLocalDpi xmlns:a14="http://schemas.microsoft.com/office/drawing/2010/main" val="0"/>
+              </a:ext>
+            </a:extLst>
+          </a:blip>
+          <a:srcRect/>
+          <a:stretch>
+            <a:fillRect/>
+          </a:stretch>
+        </p:blipFill>
+        <p:spPr bwMode="auto">
+          <a:xfrm>
+            <a:off x="3167997" y="1825625"/>
+            <a:ext cx="5856006" cy="4351338"/>
+          </a:xfrm>
+          <a:prstGeom prst="rect">
+            <a:avLst/>
+          </a:prstGeom>
+          <a:noFill/>
+          <a:extLst>
+            <a:ext uri="{909E8E84-426E-40DD-AFC4-6F175D3DCCD1}">
+              <a14:hiddenFill xmlns:a14="http://schemas.microsoft.com/office/drawing/2010/main">
+                <a:solidFill>
+                  <a:srgbClr val="FFFFFF"/>
+                </a:solidFill>
+              </a14:hiddenFill>
+            </a:ext>
+          </a:extLst>
+        </p:spPr>
+      </p:pic>
+    </p:spTree>
+    <p:extLst>
+      <p:ext uri="{BB962C8B-B14F-4D97-AF65-F5344CB8AC3E}">
+        <p14:creationId xmlns:p14="http://schemas.microsoft.com/office/powerpoint/2010/main" val="841104939"/>
+      </p:ext>
+    </p:extLst>
+  </p:cSld>
+  <p:clrMapOvr>
+    <a:masterClrMapping/>
+  </p:clrMapOvr>
+</p:sld>
+</file>
+
+<file path=ppt/slides/slide23.xml><?xml version="1.0" encoding="utf-8"?>
+<p:sld xmlns:a="http://schemas.openxmlformats.org/drawingml/2006/main" xmlns:r="http://schemas.openxmlformats.org/officeDocument/2006/relationships" xmlns:p="http://schemas.openxmlformats.org/presentationml/2006/main">
+  <p:cSld>
+    <p:spTree>
+      <p:nvGrpSpPr>
+        <p:cNvPr id="1" name=""/>
+        <p:cNvGrpSpPr/>
+        <p:nvPr/>
+      </p:nvGrpSpPr>
+      <p:grpSpPr>
+        <a:xfrm>
+          <a:off x="0" y="0"/>
+          <a:ext cx="0" cy="0"/>
+          <a:chOff x="0" y="0"/>
+          <a:chExt cx="0" cy="0"/>
+        </a:xfrm>
+      </p:grpSpPr>
+      <p:sp>
+        <p:nvSpPr>
+          <p:cNvPr id="2" name="Title 1">
+            <a:extLst>
+              <a:ext uri="{FF2B5EF4-FFF2-40B4-BE49-F238E27FC236}">
+                <a16:creationId xmlns:a16="http://schemas.microsoft.com/office/drawing/2014/main" id="{A26A8A0A-320E-4536-BFF8-C2E9FC542DEC}"/>
+              </a:ext>
+            </a:extLst>
+          </p:cNvPr>
+          <p:cNvSpPr>
+            <a:spLocks noGrp="1"/>
+          </p:cNvSpPr>
+          <p:nvPr>
+            <p:ph type="title"/>
+          </p:nvPr>
+        </p:nvSpPr>
+        <p:spPr/>
+        <p:txBody>
+          <a:bodyPr/>
+          <a:lstStyle/>
+          <a:p>
+            <a:r>
+              <a:rPr lang="en-US" dirty="0"/>
+              <a:t>Monitoring and Observability</a:t>
+            </a:r>
+          </a:p>
+        </p:txBody>
+      </p:sp>
+      <p:sp>
+        <p:nvSpPr>
+          <p:cNvPr id="3" name="Content Placeholder 2">
+            <a:extLst>
+              <a:ext uri="{FF2B5EF4-FFF2-40B4-BE49-F238E27FC236}">
+                <a16:creationId xmlns:a16="http://schemas.microsoft.com/office/drawing/2014/main" id="{AE3F0B5C-ACCE-4F53-A9D1-641797D8C52C}"/>
+              </a:ext>
+            </a:extLst>
+          </p:cNvPr>
+          <p:cNvSpPr>
+            <a:spLocks noGrp="1"/>
+          </p:cNvSpPr>
+          <p:nvPr>
+            <p:ph idx="1"/>
+          </p:nvPr>
+        </p:nvSpPr>
+        <p:spPr/>
+        <p:txBody>
+          <a:bodyPr/>
+          <a:lstStyle/>
+          <a:p>
+            <a:r>
+              <a:rPr lang="en-US" dirty="0"/>
+              <a:t>What is Monitoring and Observability</a:t>
+            </a:r>
+          </a:p>
+          <a:p>
+            <a:r>
+              <a:rPr lang="en-US" dirty="0"/>
+              <a:t>Logs</a:t>
+            </a:r>
+          </a:p>
+          <a:p>
+            <a:r>
+              <a:rPr lang="en-US" dirty="0"/>
+              <a:t>Metrics</a:t>
+            </a:r>
+          </a:p>
+          <a:p>
+            <a:r>
+              <a:rPr lang="en-US" dirty="0"/>
+              <a:t>Traces</a:t>
+            </a:r>
+          </a:p>
+          <a:p>
+            <a:r>
+              <a:rPr lang="en-US" dirty="0"/>
+              <a:t>Audit</a:t>
+            </a:r>
+          </a:p>
+          <a:p>
+            <a:r>
+              <a:rPr lang="en-US" dirty="0"/>
+              <a:t>Alerts</a:t>
+            </a:r>
+          </a:p>
+          <a:p>
+            <a:r>
+              <a:rPr lang="en-US" dirty="0"/>
+              <a:t>Available solutions</a:t>
+            </a:r>
+          </a:p>
+        </p:txBody>
+      </p:sp>
+    </p:spTree>
+    <p:extLst>
+      <p:ext uri="{BB962C8B-B14F-4D97-AF65-F5344CB8AC3E}">
+        <p14:creationId xmlns:p14="http://schemas.microsoft.com/office/powerpoint/2010/main" val="845715974"/>
+      </p:ext>
+    </p:extLst>
+  </p:cSld>
+  <p:clrMapOvr>
+    <a:masterClrMapping/>
+  </p:clrMapOvr>
+</p:sld>
+</file>
+
+<file path=ppt/slides/slide24.xml><?xml version="1.0" encoding="utf-8"?>
+<p:sld xmlns:a="http://schemas.openxmlformats.org/drawingml/2006/main" xmlns:r="http://schemas.openxmlformats.org/officeDocument/2006/relationships" xmlns:p="http://schemas.openxmlformats.org/presentationml/2006/main">
+  <p:cSld>
+    <p:spTree>
+      <p:nvGrpSpPr>
+        <p:cNvPr id="1" name=""/>
+        <p:cNvGrpSpPr/>
+        <p:nvPr/>
+      </p:nvGrpSpPr>
+      <p:grpSpPr>
+        <a:xfrm>
+          <a:off x="0" y="0"/>
+          <a:ext cx="0" cy="0"/>
+          <a:chOff x="0" y="0"/>
+          <a:chExt cx="0" cy="0"/>
+        </a:xfrm>
+      </p:grpSpPr>
+      <p:sp>
+        <p:nvSpPr>
+          <p:cNvPr id="2" name="Title 1">
+            <a:extLst>
+              <a:ext uri="{FF2B5EF4-FFF2-40B4-BE49-F238E27FC236}">
+                <a16:creationId xmlns:a16="http://schemas.microsoft.com/office/drawing/2014/main" id="{A26A8A0A-320E-4536-BFF8-C2E9FC542DEC}"/>
+              </a:ext>
+            </a:extLst>
+          </p:cNvPr>
+          <p:cNvSpPr>
+            <a:spLocks noGrp="1"/>
+          </p:cNvSpPr>
+          <p:nvPr>
+            <p:ph type="title"/>
+          </p:nvPr>
+        </p:nvSpPr>
+        <p:spPr/>
+        <p:txBody>
+          <a:bodyPr/>
+          <a:lstStyle/>
+          <a:p>
+            <a:r>
+              <a:rPr lang="en-US" dirty="0"/>
+              <a:t>Monitoring and Observability</a:t>
+            </a:r>
+          </a:p>
+        </p:txBody>
+      </p:sp>
+      <p:sp>
+        <p:nvSpPr>
+          <p:cNvPr id="3" name="Content Placeholder 2">
+            <a:extLst>
+              <a:ext uri="{FF2B5EF4-FFF2-40B4-BE49-F238E27FC236}">
+                <a16:creationId xmlns:a16="http://schemas.microsoft.com/office/drawing/2014/main" id="{AE3F0B5C-ACCE-4F53-A9D1-641797D8C52C}"/>
+              </a:ext>
+            </a:extLst>
+          </p:cNvPr>
+          <p:cNvSpPr>
+            <a:spLocks noGrp="1"/>
+          </p:cNvSpPr>
+          <p:nvPr>
+            <p:ph idx="1"/>
+          </p:nvPr>
+        </p:nvSpPr>
+        <p:spPr/>
+        <p:txBody>
+          <a:bodyPr/>
+          <a:lstStyle/>
+          <a:p>
+            <a:pPr marL="0" indent="0">
+              <a:buNone/>
+            </a:pPr>
+            <a:r>
+              <a:rPr lang="en-US" dirty="0"/>
+              <a:t>Any system eventually starts misbehaving</a:t>
+            </a:r>
+          </a:p>
+        </p:txBody>
+      </p:sp>
+    </p:spTree>
+    <p:extLst>
+      <p:ext uri="{BB962C8B-B14F-4D97-AF65-F5344CB8AC3E}">
+        <p14:creationId xmlns:p14="http://schemas.microsoft.com/office/powerpoint/2010/main" val="1958091720"/>
+      </p:ext>
+    </p:extLst>
+  </p:cSld>
+  <p:clrMapOvr>
+    <a:masterClrMapping/>
+  </p:clrMapOvr>
+</p:sld>
+</file>
+
+<file path=ppt/slides/slide25.xml><?xml version="1.0" encoding="utf-8"?>
+<p:sld xmlns:a="http://schemas.openxmlformats.org/drawingml/2006/main" xmlns:r="http://schemas.openxmlformats.org/officeDocument/2006/relationships" xmlns:p="http://schemas.openxmlformats.org/presentationml/2006/main">
+  <p:cSld>
+    <p:spTree>
+      <p:nvGrpSpPr>
+        <p:cNvPr id="1" name=""/>
+        <p:cNvGrpSpPr/>
+        <p:nvPr/>
+      </p:nvGrpSpPr>
+      <p:grpSpPr>
+        <a:xfrm>
+          <a:off x="0" y="0"/>
+          <a:ext cx="0" cy="0"/>
+          <a:chOff x="0" y="0"/>
+          <a:chExt cx="0" cy="0"/>
+        </a:xfrm>
+      </p:grpSpPr>
+      <p:sp>
+        <p:nvSpPr>
+          <p:cNvPr id="2" name="Title 1">
+            <a:extLst>
+              <a:ext uri="{FF2B5EF4-FFF2-40B4-BE49-F238E27FC236}">
+                <a16:creationId xmlns:a16="http://schemas.microsoft.com/office/drawing/2014/main" id="{A26A8A0A-320E-4536-BFF8-C2E9FC542DEC}"/>
+              </a:ext>
+            </a:extLst>
+          </p:cNvPr>
+          <p:cNvSpPr>
+            <a:spLocks noGrp="1"/>
+          </p:cNvSpPr>
+          <p:nvPr>
+            <p:ph type="title"/>
+          </p:nvPr>
+        </p:nvSpPr>
+        <p:spPr/>
+        <p:txBody>
+          <a:bodyPr/>
+          <a:lstStyle/>
+          <a:p>
+            <a:r>
+              <a:rPr lang="en-US" dirty="0"/>
+              <a:t>Monitoring and Observability</a:t>
+            </a:r>
+          </a:p>
+        </p:txBody>
+      </p:sp>
+      <p:sp>
+        <p:nvSpPr>
+          <p:cNvPr id="3" name="Content Placeholder 2">
+            <a:extLst>
+              <a:ext uri="{FF2B5EF4-FFF2-40B4-BE49-F238E27FC236}">
+                <a16:creationId xmlns:a16="http://schemas.microsoft.com/office/drawing/2014/main" id="{AE3F0B5C-ACCE-4F53-A9D1-641797D8C52C}"/>
+              </a:ext>
+            </a:extLst>
+          </p:cNvPr>
+          <p:cNvSpPr>
+            <a:spLocks noGrp="1"/>
+          </p:cNvSpPr>
+          <p:nvPr>
+            <p:ph idx="1"/>
+          </p:nvPr>
+        </p:nvSpPr>
+        <p:spPr/>
+        <p:txBody>
+          <a:bodyPr/>
+          <a:lstStyle/>
+          <a:p>
+            <a:pPr marL="0" indent="0">
+              <a:buNone/>
+            </a:pPr>
+            <a:r>
+              <a:rPr lang="en-US" dirty="0"/>
+              <a:t>When system misbehaves on </a:t>
+            </a:r>
+            <a:r>
+              <a:rPr lang="en-US" i="1" dirty="0"/>
+              <a:t>my-machine</a:t>
+            </a:r>
+            <a:r>
+              <a:rPr lang="en-US" dirty="0"/>
+              <a:t> – I can debug it </a:t>
+            </a:r>
+          </a:p>
+        </p:txBody>
+      </p:sp>
+    </p:spTree>
+    <p:extLst>
+      <p:ext uri="{BB962C8B-B14F-4D97-AF65-F5344CB8AC3E}">
+        <p14:creationId xmlns:p14="http://schemas.microsoft.com/office/powerpoint/2010/main" val="235350338"/>
+      </p:ext>
+    </p:extLst>
+  </p:cSld>
+  <p:clrMapOvr>
+    <a:masterClrMapping/>
+  </p:clrMapOvr>
+</p:sld>
+</file>
+
+<file path=ppt/slides/slide26.xml><?xml version="1.0" encoding="utf-8"?>
+<p:sld xmlns:a="http://schemas.openxmlformats.org/drawingml/2006/main" xmlns:r="http://schemas.openxmlformats.org/officeDocument/2006/relationships" xmlns:p="http://schemas.openxmlformats.org/presentationml/2006/main">
+  <p:cSld>
+    <p:spTree>
+      <p:nvGrpSpPr>
+        <p:cNvPr id="1" name=""/>
+        <p:cNvGrpSpPr/>
+        <p:nvPr/>
+      </p:nvGrpSpPr>
+      <p:grpSpPr>
+        <a:xfrm>
+          <a:off x="0" y="0"/>
+          <a:ext cx="0" cy="0"/>
+          <a:chOff x="0" y="0"/>
+          <a:chExt cx="0" cy="0"/>
+        </a:xfrm>
+      </p:grpSpPr>
+      <p:sp>
+        <p:nvSpPr>
+          <p:cNvPr id="2" name="Title 1">
+            <a:extLst>
+              <a:ext uri="{FF2B5EF4-FFF2-40B4-BE49-F238E27FC236}">
+                <a16:creationId xmlns:a16="http://schemas.microsoft.com/office/drawing/2014/main" id="{A26A8A0A-320E-4536-BFF8-C2E9FC542DEC}"/>
+              </a:ext>
+            </a:extLst>
+          </p:cNvPr>
+          <p:cNvSpPr>
+            <a:spLocks noGrp="1"/>
+          </p:cNvSpPr>
+          <p:nvPr>
+            <p:ph type="title"/>
+          </p:nvPr>
+        </p:nvSpPr>
+        <p:spPr/>
+        <p:txBody>
+          <a:bodyPr/>
+          <a:lstStyle/>
+          <a:p>
+            <a:r>
+              <a:rPr lang="en-US" dirty="0"/>
+              <a:t>Monitoring and Observability</a:t>
+            </a:r>
+          </a:p>
+        </p:txBody>
+      </p:sp>
       <p:sp>
         <p:nvSpPr>
           <p:cNvPr id="3" name="Content Placeholder 2">
@@ -11159,7 +12209,7 @@
 </p:sld>
 </file>
 
-<file path=ppt/slides/slide23.xml><?xml version="1.0" encoding="utf-8"?>
+<file path=ppt/slides/slide27.xml><?xml version="1.0" encoding="utf-8"?>
 <p:sld xmlns:a="http://schemas.openxmlformats.org/drawingml/2006/main" xmlns:r="http://schemas.openxmlformats.org/officeDocument/2006/relationships" xmlns:p="http://schemas.openxmlformats.org/presentationml/2006/main">
   <p:cSld>
     <p:spTree>
@@ -11288,7 +12338,7 @@
 </p:sld>
 </file>
 
-<file path=ppt/slides/slide24.xml><?xml version="1.0" encoding="utf-8"?>
+<file path=ppt/slides/slide28.xml><?xml version="1.0" encoding="utf-8"?>
 <p:sld xmlns:a="http://schemas.openxmlformats.org/drawingml/2006/main" xmlns:r="http://schemas.openxmlformats.org/officeDocument/2006/relationships" xmlns:p="http://schemas.openxmlformats.org/presentationml/2006/main">
   <p:cSld>
     <p:spTree>
@@ -11449,7 +12499,7 @@
 </p:sld>
 </file>
 
-<file path=ppt/slides/slide25.xml><?xml version="1.0" encoding="utf-8"?>
+<file path=ppt/slides/slide29.xml><?xml version="1.0" encoding="utf-8"?>
 <p:sld xmlns:a="http://schemas.openxmlformats.org/drawingml/2006/main" xmlns:r="http://schemas.openxmlformats.org/officeDocument/2006/relationships" xmlns:p="http://schemas.openxmlformats.org/presentationml/2006/main">
   <p:cSld>
     <p:spTree>
@@ -11583,501 +12633,6 @@
 </p:sld>
 </file>
 
-<file path=ppt/slides/slide26.xml><?xml version="1.0" encoding="utf-8"?>
-<p:sld xmlns:a="http://schemas.openxmlformats.org/drawingml/2006/main" xmlns:r="http://schemas.openxmlformats.org/officeDocument/2006/relationships" xmlns:p="http://schemas.openxmlformats.org/presentationml/2006/main">
-  <p:cSld>
-    <p:spTree>
-      <p:nvGrpSpPr>
-        <p:cNvPr id="1" name=""/>
-        <p:cNvGrpSpPr/>
-        <p:nvPr/>
-      </p:nvGrpSpPr>
-      <p:grpSpPr>
-        <a:xfrm>
-          <a:off x="0" y="0"/>
-          <a:ext cx="0" cy="0"/>
-          <a:chOff x="0" y="0"/>
-          <a:chExt cx="0" cy="0"/>
-        </a:xfrm>
-      </p:grpSpPr>
-      <p:sp>
-        <p:nvSpPr>
-          <p:cNvPr id="2" name="Title 1">
-            <a:extLst>
-              <a:ext uri="{FF2B5EF4-FFF2-40B4-BE49-F238E27FC236}">
-                <a16:creationId xmlns:a16="http://schemas.microsoft.com/office/drawing/2014/main" id="{A26A8A0A-320E-4536-BFF8-C2E9FC542DEC}"/>
-              </a:ext>
-            </a:extLst>
-          </p:cNvPr>
-          <p:cNvSpPr>
-            <a:spLocks noGrp="1"/>
-          </p:cNvSpPr>
-          <p:nvPr>
-            <p:ph type="title"/>
-          </p:nvPr>
-        </p:nvSpPr>
-        <p:spPr/>
-        <p:txBody>
-          <a:bodyPr/>
-          <a:lstStyle/>
-          <a:p>
-            <a:r>
-              <a:rPr lang="en-US" dirty="0"/>
-              <a:t>Monitoring and Observability</a:t>
-            </a:r>
-          </a:p>
-        </p:txBody>
-      </p:sp>
-      <p:sp>
-        <p:nvSpPr>
-          <p:cNvPr id="3" name="Content Placeholder 2">
-            <a:extLst>
-              <a:ext uri="{FF2B5EF4-FFF2-40B4-BE49-F238E27FC236}">
-                <a16:creationId xmlns:a16="http://schemas.microsoft.com/office/drawing/2014/main" id="{AE3F0B5C-ACCE-4F53-A9D1-641797D8C52C}"/>
-              </a:ext>
-            </a:extLst>
-          </p:cNvPr>
-          <p:cNvSpPr>
-            <a:spLocks noGrp="1"/>
-          </p:cNvSpPr>
-          <p:nvPr>
-            <p:ph idx="1"/>
-          </p:nvPr>
-        </p:nvSpPr>
-        <p:spPr/>
-        <p:txBody>
-          <a:bodyPr/>
-          <a:lstStyle/>
-          <a:p>
-            <a:pPr marL="0" indent="0">
-              <a:buNone/>
-            </a:pPr>
-            <a:r>
-              <a:rPr lang="en-US" b="1" dirty="0"/>
-              <a:t>Observability</a:t>
-            </a:r>
-            <a:r>
-              <a:rPr lang="en-US" dirty="0"/>
-              <a:t> – a measure of how well internal states of a system can be inferred from knowledge of its external outputs</a:t>
-            </a:r>
-          </a:p>
-          <a:p>
-            <a:pPr marL="0" indent="0">
-              <a:buNone/>
-            </a:pPr>
-            <a:endParaRPr lang="en-US" dirty="0"/>
-          </a:p>
-          <a:p>
-            <a:pPr marL="0" indent="0">
-              <a:buNone/>
-            </a:pPr>
-            <a:r>
-              <a:rPr lang="en-US" dirty="0"/>
-              <a:t>“Observability is about being able to ask arbitrary questions about your environment </a:t>
-            </a:r>
-            <a:r>
-              <a:rPr lang="en-US" b="1" dirty="0"/>
-              <a:t>without having to know ahead of time what you wanted to ask</a:t>
-            </a:r>
-            <a:r>
-              <a:rPr lang="en-US" dirty="0"/>
-              <a:t>” © </a:t>
-            </a:r>
-            <a:r>
-              <a:rPr lang="en-US" dirty="0">
-                <a:hlinkClick r:id="rId3"/>
-              </a:rPr>
-              <a:t>Honeycomb</a:t>
-            </a:r>
-            <a:endParaRPr lang="en-US" dirty="0"/>
-          </a:p>
-          <a:p>
-            <a:pPr marL="0" indent="0">
-              <a:buNone/>
-            </a:pPr>
-            <a:endParaRPr lang="en-US" dirty="0"/>
-          </a:p>
-          <a:p>
-            <a:pPr marL="0" indent="0">
-              <a:buNone/>
-            </a:pPr>
-            <a:r>
-              <a:rPr lang="en-US" dirty="0"/>
-              <a:t>If you want to look fancy, you can write </a:t>
-            </a:r>
-            <a:r>
-              <a:rPr lang="en-US" dirty="0">
-                <a:solidFill>
-                  <a:srgbClr val="FF0000"/>
-                </a:solidFill>
-              </a:rPr>
-              <a:t>o</a:t>
-            </a:r>
-            <a:r>
-              <a:rPr lang="en-US" dirty="0">
-                <a:solidFill>
-                  <a:srgbClr val="FFC000"/>
-                </a:solidFill>
-              </a:rPr>
-              <a:t>1</a:t>
-            </a:r>
-            <a:r>
-              <a:rPr lang="en-US" dirty="0">
-                <a:solidFill>
-                  <a:srgbClr val="00B050"/>
-                </a:solidFill>
-              </a:rPr>
-              <a:t>1</a:t>
-            </a:r>
-            <a:r>
-              <a:rPr lang="en-US" dirty="0">
-                <a:solidFill>
-                  <a:srgbClr val="0070C0"/>
-                </a:solidFill>
-              </a:rPr>
-              <a:t>y</a:t>
-            </a:r>
-            <a:r>
-              <a:rPr lang="en-US" dirty="0"/>
-              <a:t> instead of Observability</a:t>
-            </a:r>
-          </a:p>
-        </p:txBody>
-      </p:sp>
-    </p:spTree>
-    <p:extLst>
-      <p:ext uri="{BB962C8B-B14F-4D97-AF65-F5344CB8AC3E}">
-        <p14:creationId xmlns:p14="http://schemas.microsoft.com/office/powerpoint/2010/main" val="86380676"/>
-      </p:ext>
-    </p:extLst>
-  </p:cSld>
-  <p:clrMapOvr>
-    <a:masterClrMapping/>
-  </p:clrMapOvr>
-</p:sld>
-</file>
-
-<file path=ppt/slides/slide27.xml><?xml version="1.0" encoding="utf-8"?>
-<p:sld xmlns:a="http://schemas.openxmlformats.org/drawingml/2006/main" xmlns:r="http://schemas.openxmlformats.org/officeDocument/2006/relationships" xmlns:p="http://schemas.openxmlformats.org/presentationml/2006/main">
-  <p:cSld>
-    <p:spTree>
-      <p:nvGrpSpPr>
-        <p:cNvPr id="1" name=""/>
-        <p:cNvGrpSpPr/>
-        <p:nvPr/>
-      </p:nvGrpSpPr>
-      <p:grpSpPr>
-        <a:xfrm>
-          <a:off x="0" y="0"/>
-          <a:ext cx="0" cy="0"/>
-          <a:chOff x="0" y="0"/>
-          <a:chExt cx="0" cy="0"/>
-        </a:xfrm>
-      </p:grpSpPr>
-      <p:sp>
-        <p:nvSpPr>
-          <p:cNvPr id="2" name="Title 1">
-            <a:extLst>
-              <a:ext uri="{FF2B5EF4-FFF2-40B4-BE49-F238E27FC236}">
-                <a16:creationId xmlns:a16="http://schemas.microsoft.com/office/drawing/2014/main" id="{A26A8A0A-320E-4536-BFF8-C2E9FC542DEC}"/>
-              </a:ext>
-            </a:extLst>
-          </p:cNvPr>
-          <p:cNvSpPr>
-            <a:spLocks noGrp="1"/>
-          </p:cNvSpPr>
-          <p:nvPr>
-            <p:ph type="title"/>
-          </p:nvPr>
-        </p:nvSpPr>
-        <p:spPr/>
-        <p:txBody>
-          <a:bodyPr/>
-          <a:lstStyle/>
-          <a:p>
-            <a:r>
-              <a:rPr lang="en-US" dirty="0"/>
-              <a:t>Monitoring and Observability: Logging</a:t>
-            </a:r>
-          </a:p>
-        </p:txBody>
-      </p:sp>
-      <p:sp>
-        <p:nvSpPr>
-          <p:cNvPr id="3" name="Content Placeholder 2">
-            <a:extLst>
-              <a:ext uri="{FF2B5EF4-FFF2-40B4-BE49-F238E27FC236}">
-                <a16:creationId xmlns:a16="http://schemas.microsoft.com/office/drawing/2014/main" id="{AE3F0B5C-ACCE-4F53-A9D1-641797D8C52C}"/>
-              </a:ext>
-            </a:extLst>
-          </p:cNvPr>
-          <p:cNvSpPr>
-            <a:spLocks noGrp="1"/>
-          </p:cNvSpPr>
-          <p:nvPr>
-            <p:ph idx="1"/>
-          </p:nvPr>
-        </p:nvSpPr>
-        <p:spPr/>
-        <p:txBody>
-          <a:bodyPr/>
-          <a:lstStyle/>
-          <a:p>
-            <a:pPr marL="0" indent="0">
-              <a:buNone/>
-            </a:pPr>
-            <a:r>
-              <a:rPr lang="en-US" dirty="0"/>
-              <a:t>Logs – events written to a file or storage (almost always time-stamped)</a:t>
-            </a:r>
-          </a:p>
-          <a:p>
-            <a:pPr marL="0" indent="0">
-              <a:buNone/>
-            </a:pPr>
-            <a:endParaRPr lang="en-US" dirty="0"/>
-          </a:p>
-        </p:txBody>
-      </p:sp>
-    </p:spTree>
-    <p:extLst>
-      <p:ext uri="{BB962C8B-B14F-4D97-AF65-F5344CB8AC3E}">
-        <p14:creationId xmlns:p14="http://schemas.microsoft.com/office/powerpoint/2010/main" val="2604747921"/>
-      </p:ext>
-    </p:extLst>
-  </p:cSld>
-  <p:clrMapOvr>
-    <a:masterClrMapping/>
-  </p:clrMapOvr>
-</p:sld>
-</file>
-
-<file path=ppt/slides/slide28.xml><?xml version="1.0" encoding="utf-8"?>
-<p:sld xmlns:a="http://schemas.openxmlformats.org/drawingml/2006/main" xmlns:r="http://schemas.openxmlformats.org/officeDocument/2006/relationships" xmlns:p="http://schemas.openxmlformats.org/presentationml/2006/main">
-  <p:cSld>
-    <p:spTree>
-      <p:nvGrpSpPr>
-        <p:cNvPr id="1" name=""/>
-        <p:cNvGrpSpPr/>
-        <p:nvPr/>
-      </p:nvGrpSpPr>
-      <p:grpSpPr>
-        <a:xfrm>
-          <a:off x="0" y="0"/>
-          <a:ext cx="0" cy="0"/>
-          <a:chOff x="0" y="0"/>
-          <a:chExt cx="0" cy="0"/>
-        </a:xfrm>
-      </p:grpSpPr>
-      <p:sp>
-        <p:nvSpPr>
-          <p:cNvPr id="2" name="Title 1">
-            <a:extLst>
-              <a:ext uri="{FF2B5EF4-FFF2-40B4-BE49-F238E27FC236}">
-                <a16:creationId xmlns:a16="http://schemas.microsoft.com/office/drawing/2014/main" id="{A26A8A0A-320E-4536-BFF8-C2E9FC542DEC}"/>
-              </a:ext>
-            </a:extLst>
-          </p:cNvPr>
-          <p:cNvSpPr>
-            <a:spLocks noGrp="1"/>
-          </p:cNvSpPr>
-          <p:nvPr>
-            <p:ph type="title"/>
-          </p:nvPr>
-        </p:nvSpPr>
-        <p:spPr/>
-        <p:txBody>
-          <a:bodyPr/>
-          <a:lstStyle/>
-          <a:p>
-            <a:r>
-              <a:rPr lang="en-US" dirty="0"/>
-              <a:t>Monitoring and Observability: Logging</a:t>
-            </a:r>
-          </a:p>
-        </p:txBody>
-      </p:sp>
-      <p:sp>
-        <p:nvSpPr>
-          <p:cNvPr id="3" name="Content Placeholder 2">
-            <a:extLst>
-              <a:ext uri="{FF2B5EF4-FFF2-40B4-BE49-F238E27FC236}">
-                <a16:creationId xmlns:a16="http://schemas.microsoft.com/office/drawing/2014/main" id="{AE3F0B5C-ACCE-4F53-A9D1-641797D8C52C}"/>
-              </a:ext>
-            </a:extLst>
-          </p:cNvPr>
-          <p:cNvSpPr>
-            <a:spLocks noGrp="1"/>
-          </p:cNvSpPr>
-          <p:nvPr>
-            <p:ph idx="1"/>
-          </p:nvPr>
-        </p:nvSpPr>
-        <p:spPr/>
-        <p:txBody>
-          <a:bodyPr/>
-          <a:lstStyle/>
-          <a:p>
-            <a:pPr marL="0" indent="0">
-              <a:buNone/>
-            </a:pPr>
-            <a:r>
-              <a:rPr lang="en-US" dirty="0"/>
-              <a:t>Plain-text (unstructured) log: just a string</a:t>
-            </a:r>
-          </a:p>
-          <a:p>
-            <a:pPr marL="0" indent="0">
-              <a:buNone/>
-            </a:pPr>
-            <a:endParaRPr lang="en-US" dirty="0"/>
-          </a:p>
-          <a:p>
-            <a:pPr marL="0" indent="0">
-              <a:buNone/>
-            </a:pPr>
-            <a:r>
-              <a:rPr lang="en-US" dirty="0"/>
-              <a:t>"2010-01-01 12:34:56.0000 Info: Hello, world"</a:t>
-            </a:r>
-          </a:p>
-          <a:p>
-            <a:pPr marL="0" indent="0">
-              <a:buNone/>
-            </a:pPr>
-            <a:endParaRPr lang="en-US" dirty="0"/>
-          </a:p>
-        </p:txBody>
-      </p:sp>
-    </p:spTree>
-    <p:extLst>
-      <p:ext uri="{BB962C8B-B14F-4D97-AF65-F5344CB8AC3E}">
-        <p14:creationId xmlns:p14="http://schemas.microsoft.com/office/powerpoint/2010/main" val="3996044983"/>
-      </p:ext>
-    </p:extLst>
-  </p:cSld>
-  <p:clrMapOvr>
-    <a:masterClrMapping/>
-  </p:clrMapOvr>
-</p:sld>
-</file>
-
-<file path=ppt/slides/slide29.xml><?xml version="1.0" encoding="utf-8"?>
-<p:sld xmlns:a="http://schemas.openxmlformats.org/drawingml/2006/main" xmlns:r="http://schemas.openxmlformats.org/officeDocument/2006/relationships" xmlns:p="http://schemas.openxmlformats.org/presentationml/2006/main">
-  <p:cSld>
-    <p:spTree>
-      <p:nvGrpSpPr>
-        <p:cNvPr id="1" name=""/>
-        <p:cNvGrpSpPr/>
-        <p:nvPr/>
-      </p:nvGrpSpPr>
-      <p:grpSpPr>
-        <a:xfrm>
-          <a:off x="0" y="0"/>
-          <a:ext cx="0" cy="0"/>
-          <a:chOff x="0" y="0"/>
-          <a:chExt cx="0" cy="0"/>
-        </a:xfrm>
-      </p:grpSpPr>
-      <p:sp>
-        <p:nvSpPr>
-          <p:cNvPr id="2" name="Title 1">
-            <a:extLst>
-              <a:ext uri="{FF2B5EF4-FFF2-40B4-BE49-F238E27FC236}">
-                <a16:creationId xmlns:a16="http://schemas.microsoft.com/office/drawing/2014/main" id="{A26A8A0A-320E-4536-BFF8-C2E9FC542DEC}"/>
-              </a:ext>
-            </a:extLst>
-          </p:cNvPr>
-          <p:cNvSpPr>
-            <a:spLocks noGrp="1"/>
-          </p:cNvSpPr>
-          <p:nvPr>
-            <p:ph type="title"/>
-          </p:nvPr>
-        </p:nvSpPr>
-        <p:spPr/>
-        <p:txBody>
-          <a:bodyPr/>
-          <a:lstStyle/>
-          <a:p>
-            <a:r>
-              <a:rPr lang="en-US" dirty="0"/>
-              <a:t>Monitoring and Observability: Logging</a:t>
-            </a:r>
-          </a:p>
-        </p:txBody>
-      </p:sp>
-      <p:sp>
-        <p:nvSpPr>
-          <p:cNvPr id="3" name="Content Placeholder 2">
-            <a:extLst>
-              <a:ext uri="{FF2B5EF4-FFF2-40B4-BE49-F238E27FC236}">
-                <a16:creationId xmlns:a16="http://schemas.microsoft.com/office/drawing/2014/main" id="{AE3F0B5C-ACCE-4F53-A9D1-641797D8C52C}"/>
-              </a:ext>
-            </a:extLst>
-          </p:cNvPr>
-          <p:cNvSpPr>
-            <a:spLocks noGrp="1"/>
-          </p:cNvSpPr>
-          <p:nvPr>
-            <p:ph idx="1"/>
-          </p:nvPr>
-        </p:nvSpPr>
-        <p:spPr/>
-        <p:txBody>
-          <a:bodyPr/>
-          <a:lstStyle/>
-          <a:p>
-            <a:pPr marL="0" indent="0">
-              <a:buNone/>
-            </a:pPr>
-            <a:r>
-              <a:rPr lang="en-US" dirty="0"/>
-              <a:t>Plain-text log pros</a:t>
-            </a:r>
-          </a:p>
-          <a:p>
-            <a:pPr marL="0" indent="0">
-              <a:buNone/>
-            </a:pPr>
-            <a:r>
-              <a:rPr lang="en-US" dirty="0"/>
-              <a:t>+ easy to read by humans</a:t>
-            </a:r>
-          </a:p>
-          <a:p>
-            <a:pPr marL="0" indent="0">
-              <a:buNone/>
-            </a:pPr>
-            <a:r>
-              <a:rPr lang="en-US" dirty="0"/>
-              <a:t>+ easy to implement</a:t>
-            </a:r>
-          </a:p>
-          <a:p>
-            <a:pPr marL="0" indent="0">
-              <a:buNone/>
-            </a:pPr>
-            <a:r>
-              <a:rPr lang="en-US" dirty="0"/>
-              <a:t>+ cheap to store</a:t>
-            </a:r>
-          </a:p>
-        </p:txBody>
-      </p:sp>
-    </p:spTree>
-    <p:extLst>
-      <p:ext uri="{BB962C8B-B14F-4D97-AF65-F5344CB8AC3E}">
-        <p14:creationId xmlns:p14="http://schemas.microsoft.com/office/powerpoint/2010/main" val="1774835210"/>
-      </p:ext>
-    </p:extLst>
-  </p:cSld>
-  <p:clrMapOvr>
-    <a:masterClrMapping/>
-  </p:clrMapOvr>
-</p:sld>
-</file>
-
 <file path=ppt/slides/slide3.xml><?xml version="1.0" encoding="utf-8"?>
 <p:sld xmlns:a="http://schemas.openxmlformats.org/drawingml/2006/main" xmlns:r="http://schemas.openxmlformats.org/officeDocument/2006/relationships" xmlns:p="http://schemas.openxmlformats.org/presentationml/2006/main">
   <p:cSld>
@@ -12222,7 +12777,7 @@
           <a:p>
             <a:r>
               <a:rPr lang="en-US" dirty="0"/>
-              <a:t>Monitoring and Observability: Logging</a:t>
+              <a:t>Monitoring and Observability</a:t>
             </a:r>
           </a:p>
         </p:txBody>
@@ -12252,18 +12807,19 @@
               <a:buNone/>
             </a:pPr>
             <a:r>
-              <a:rPr lang="en-US" dirty="0"/>
-              <a:t>Plain-text log cons</a:t>
+              <a:rPr lang="en-US" b="1" dirty="0"/>
+              <a:t>Observability</a:t>
+            </a:r>
+            <a:r>
+              <a:rPr lang="en-US" dirty="0"/>
+              <a:t> – a measure of how well internal states of a system can be inferred from knowledge of its external outputs</a:t>
             </a:r>
           </a:p>
           <a:p>
             <a:pPr marL="0" indent="0">
               <a:buNone/>
             </a:pPr>
-            <a:r>
-              <a:rPr lang="en-US" dirty="0"/>
-              <a:t>- limited filtering capabilities</a:t>
-            </a:r>
+            <a:endParaRPr lang="en-US" dirty="0"/>
           </a:p>
           <a:p>
             <a:pPr marL="0" indent="0">
@@ -12271,7 +12827,73 @@
             </a:pPr>
             <a:r>
               <a:rPr lang="en-US" dirty="0"/>
-              <a:t>- limited analysis options</a:t>
+              <a:t>“Observability is about being able to ask arbitrary questions about your environment </a:t>
+            </a:r>
+            <a:r>
+              <a:rPr lang="en-US" b="1" dirty="0"/>
+              <a:t>without having to know ahead of time what you wanted to ask</a:t>
+            </a:r>
+            <a:r>
+              <a:rPr lang="en-US" dirty="0"/>
+              <a:t>” © </a:t>
+            </a:r>
+            <a:r>
+              <a:rPr lang="en-US" dirty="0">
+                <a:hlinkClick r:id="rId3"/>
+              </a:rPr>
+              <a:t>Honeycomb</a:t>
+            </a:r>
+            <a:endParaRPr lang="en-US" dirty="0"/>
+          </a:p>
+          <a:p>
+            <a:pPr marL="0" indent="0">
+              <a:buNone/>
+            </a:pPr>
+            <a:endParaRPr lang="en-US" dirty="0"/>
+          </a:p>
+          <a:p>
+            <a:pPr marL="0" indent="0">
+              <a:buNone/>
+            </a:pPr>
+            <a:r>
+              <a:rPr lang="en-US" dirty="0"/>
+              <a:t>If you want to look fancy, you can write </a:t>
+            </a:r>
+            <a:r>
+              <a:rPr lang="en-US" dirty="0">
+                <a:solidFill>
+                  <a:srgbClr val="FF0000"/>
+                </a:solidFill>
+              </a:rPr>
+              <a:t>o</a:t>
+            </a:r>
+            <a:r>
+              <a:rPr lang="en-US" dirty="0">
+                <a:solidFill>
+                  <a:srgbClr val="FFC000"/>
+                </a:solidFill>
+              </a:rPr>
+              <a:t>1</a:t>
+            </a:r>
+            <a:r>
+              <a:rPr lang="en-US" dirty="0">
+                <a:solidFill>
+                  <a:srgbClr val="00B050"/>
+                </a:solidFill>
+              </a:rPr>
+              <a:t>1</a:t>
+            </a:r>
+            <a:r>
+              <a:rPr lang="en-US" dirty="0">
+                <a:solidFill>
+                  <a:srgbClr val="0070C0"/>
+                </a:solidFill>
+              </a:rPr>
+              <a:t>y</a:t>
+            </a:r>
+            <a:r>
+              <a:rPr lang="en-US" dirty="0"/>
+              <a:t> instead of Observability (or squeeze it into a tweet limit)</a:t>
             </a:r>
           </a:p>
         </p:txBody>
@@ -12279,7 +12901,7 @@
     </p:spTree>
     <p:extLst>
       <p:ext uri="{BB962C8B-B14F-4D97-AF65-F5344CB8AC3E}">
-        <p14:creationId xmlns:p14="http://schemas.microsoft.com/office/powerpoint/2010/main" val="464041786"/>
+        <p14:creationId xmlns:p14="http://schemas.microsoft.com/office/powerpoint/2010/main" val="86380676"/>
       </p:ext>
     </p:extLst>
   </p:cSld>
@@ -12352,9 +12974,7 @@
         </p:nvSpPr>
         <p:spPr/>
         <p:txBody>
-          <a:bodyPr>
-            <a:normAutofit/>
-          </a:bodyPr>
+          <a:bodyPr/>
           <a:lstStyle/>
           <a:p>
             <a:pPr marL="0" indent="0">
@@ -12362,7 +12982,7 @@
             </a:pPr>
             <a:r>
               <a:rPr lang="en-US" dirty="0"/>
-              <a:t>Structured logs: all log-events follow defined structure.</a:t>
+              <a:t>Logs – events written to a file or storage (almost always time-stamped)</a:t>
             </a:r>
           </a:p>
           <a:p>
@@ -12370,123 +12990,13 @@
               <a:buNone/>
             </a:pPr>
             <a:endParaRPr lang="en-US" dirty="0"/>
-          </a:p>
-          <a:p>
-            <a:pPr marL="0" indent="0">
-              <a:buNone/>
-            </a:pPr>
-            <a:r>
-              <a:rPr lang="en-US" sz="1800" dirty="0">
-                <a:latin typeface="Consolas" panose="020B0609020204030204" pitchFamily="49" charset="0"/>
-                <a:cs typeface="Cascadia Code Light" panose="020B0609020000020004" pitchFamily="49" charset="0"/>
-              </a:rPr>
-              <a:t>{ </a:t>
-            </a:r>
-          </a:p>
-          <a:p>
-            <a:pPr marL="0" indent="0">
-              <a:buNone/>
-            </a:pPr>
-            <a:r>
-              <a:rPr lang="en-US" sz="1800" dirty="0">
-                <a:latin typeface="Consolas" panose="020B0609020204030204" pitchFamily="49" charset="0"/>
-                <a:cs typeface="Cascadia Code Light" panose="020B0609020000020004" pitchFamily="49" charset="0"/>
-              </a:rPr>
-              <a:t>"time": "2010-01-01 12:34:56.0000",</a:t>
-            </a:r>
-          </a:p>
-          <a:p>
-            <a:pPr marL="0" indent="0">
-              <a:buNone/>
-            </a:pPr>
-            <a:r>
-              <a:rPr lang="en-US" sz="1800" dirty="0">
-                <a:latin typeface="Consolas" panose="020B0609020204030204" pitchFamily="49" charset="0"/>
-                <a:cs typeface="Cascadia Code Light" panose="020B0609020000020004" pitchFamily="49" charset="0"/>
-              </a:rPr>
-              <a:t>"level": "Info",</a:t>
-            </a:r>
-          </a:p>
-          <a:p>
-            <a:pPr marL="0" indent="0">
-              <a:buNone/>
-            </a:pPr>
-            <a:r>
-              <a:rPr lang="en-US" sz="1800" dirty="0">
-                <a:latin typeface="Consolas" panose="020B0609020204030204" pitchFamily="49" charset="0"/>
-                <a:cs typeface="Cascadia Code Light" panose="020B0609020000020004" pitchFamily="49" charset="0"/>
-              </a:rPr>
-              <a:t>"message": "hello, world",</a:t>
-            </a:r>
-          </a:p>
-          <a:p>
-            <a:pPr marL="0" indent="0">
-              <a:buNone/>
-            </a:pPr>
-            <a:r>
-              <a:rPr lang="en-US" sz="1800" dirty="0">
-                <a:latin typeface="Consolas" panose="020B0609020204030204" pitchFamily="49" charset="0"/>
-                <a:cs typeface="Cascadia Code Light" panose="020B0609020000020004" pitchFamily="49" charset="0"/>
-              </a:rPr>
-              <a:t>"user": "test-user",</a:t>
-            </a:r>
-          </a:p>
-          <a:p>
-            <a:pPr marL="0" indent="0">
-              <a:buNone/>
-            </a:pPr>
-            <a:r>
-              <a:rPr lang="en-US" sz="1800" dirty="0">
-                <a:latin typeface="Consolas" panose="020B0609020204030204" pitchFamily="49" charset="0"/>
-                <a:cs typeface="Cascadia Code Light" panose="020B0609020000020004" pitchFamily="49" charset="0"/>
-              </a:rPr>
-              <a:t>"</a:t>
-            </a:r>
-            <a:r>
-              <a:rPr lang="en-US" sz="1800" dirty="0" err="1">
-                <a:latin typeface="Consolas" panose="020B0609020204030204" pitchFamily="49" charset="0"/>
-                <a:cs typeface="Cascadia Code Light" panose="020B0609020000020004" pitchFamily="49" charset="0"/>
-              </a:rPr>
-              <a:t>env":"prod</a:t>
-            </a:r>
-            <a:r>
-              <a:rPr lang="en-US" sz="1800" dirty="0">
-                <a:latin typeface="Consolas" panose="020B0609020204030204" pitchFamily="49" charset="0"/>
-                <a:cs typeface="Cascadia Code Light" panose="020B0609020000020004" pitchFamily="49" charset="0"/>
-              </a:rPr>
-              <a:t>",</a:t>
-            </a:r>
-          </a:p>
-          <a:p>
-            <a:pPr marL="0" indent="0">
-              <a:buNone/>
-            </a:pPr>
-            <a:r>
-              <a:rPr lang="en-US" sz="1800" dirty="0">
-                <a:latin typeface="Consolas" panose="020B0609020204030204" pitchFamily="49" charset="0"/>
-                <a:cs typeface="Cascadia Code Light" panose="020B0609020000020004" pitchFamily="49" charset="0"/>
-              </a:rPr>
-              <a:t>"hostname":"vm-0001"</a:t>
-            </a:r>
-          </a:p>
-          <a:p>
-            <a:pPr marL="0" indent="0">
-              <a:buNone/>
-            </a:pPr>
-            <a:r>
-              <a:rPr lang="en-US" sz="1800" dirty="0">
-                <a:latin typeface="Consolas" panose="020B0609020204030204" pitchFamily="49" charset="0"/>
-                <a:cs typeface="Cascadia Code Light" panose="020B0609020000020004" pitchFamily="49" charset="0"/>
-              </a:rPr>
-              <a:t>}</a:t>
-            </a:r>
           </a:p>
         </p:txBody>
       </p:sp>
     </p:spTree>
     <p:extLst>
       <p:ext uri="{BB962C8B-B14F-4D97-AF65-F5344CB8AC3E}">
-        <p14:creationId xmlns:p14="http://schemas.microsoft.com/office/powerpoint/2010/main" val="3897019127"/>
+        <p14:creationId xmlns:p14="http://schemas.microsoft.com/office/powerpoint/2010/main" val="2604747921"/>
       </p:ext>
     </p:extLst>
   </p:cSld>
@@ -12567,7 +13077,7 @@
             </a:pPr>
             <a:r>
               <a:rPr lang="en-US" dirty="0"/>
-              <a:t>The most popular format for structured logs is json</a:t>
+              <a:t>Plain-text (unstructured) log: just a string</a:t>
             </a:r>
           </a:p>
           <a:p>
@@ -12581,25 +13091,14 @@
               <a:buNone/>
             </a:pPr>
             <a:r>
-              <a:rPr lang="en-US" i="1" dirty="0"/>
-              <a:t>Big</a:t>
-            </a:r>
-            <a:r>
-              <a:rPr lang="en-US" dirty="0"/>
-              <a:t> companies often prefer binary encoding: </a:t>
-            </a:r>
-            <a:r>
-              <a:rPr lang="en-US" dirty="0" err="1"/>
-              <a:t>protobuf</a:t>
-            </a:r>
-            <a:r>
-              <a:rPr lang="en-US" dirty="0"/>
-              <a:t> or </a:t>
-            </a:r>
-            <a:r>
-              <a:rPr lang="en-US" dirty="0" err="1"/>
-              <a:t>avro</a:t>
-            </a:r>
+              <a:rPr lang="en-US" dirty="0"/>
+              <a:t>"2010-01-01 12:34:56.0000 Info: Hello, world"</a:t>
+            </a:r>
+          </a:p>
+          <a:p>
+            <a:pPr marL="0" indent="0">
+              <a:buNone/>
+            </a:pPr>
             <a:endParaRPr lang="en-US" dirty="0"/>
           </a:p>
         </p:txBody>
@@ -12607,7 +13106,7 @@
     </p:spTree>
     <p:extLst>
       <p:ext uri="{BB962C8B-B14F-4D97-AF65-F5344CB8AC3E}">
-        <p14:creationId xmlns:p14="http://schemas.microsoft.com/office/powerpoint/2010/main" val="195172824"/>
+        <p14:creationId xmlns:p14="http://schemas.microsoft.com/office/powerpoint/2010/main" val="3996044983"/>
       </p:ext>
     </p:extLst>
   </p:cSld>
@@ -12688,7 +13187,7 @@
             </a:pPr>
             <a:r>
               <a:rPr lang="en-US" dirty="0"/>
-              <a:t>Structured logs cons</a:t>
+              <a:t>Plain-text log pros</a:t>
             </a:r>
           </a:p>
           <a:p>
@@ -12697,7 +13196,7 @@
             </a:pPr>
             <a:r>
               <a:rPr lang="en-US" dirty="0"/>
-              <a:t>- hardly readable by humans</a:t>
+              <a:t>+ easy to read by humans</a:t>
             </a:r>
           </a:p>
           <a:p>
@@ -12706,7 +13205,7 @@
             </a:pPr>
             <a:r>
               <a:rPr lang="en-US" dirty="0"/>
-              <a:t>- harder to implement</a:t>
+              <a:t>+ easy to implement</a:t>
             </a:r>
           </a:p>
           <a:p>
@@ -12715,16 +13214,7 @@
             </a:pPr>
             <a:r>
               <a:rPr lang="en-US" dirty="0"/>
-              <a:t>- could be expensive to store</a:t>
-            </a:r>
-          </a:p>
-          <a:p>
-            <a:pPr marL="0" indent="0">
-              <a:buNone/>
-            </a:pPr>
-            <a:r>
-              <a:rPr lang="en-US" dirty="0"/>
-              <a:t>- requires infrastructure to process, aggregate, ingest, index</a:t>
+              <a:t>+ cheap to store</a:t>
             </a:r>
           </a:p>
         </p:txBody>
@@ -12732,7 +13222,7 @@
     </p:spTree>
     <p:extLst>
       <p:ext uri="{BB962C8B-B14F-4D97-AF65-F5344CB8AC3E}">
-        <p14:creationId xmlns:p14="http://schemas.microsoft.com/office/powerpoint/2010/main" val="1021187818"/>
+        <p14:creationId xmlns:p14="http://schemas.microsoft.com/office/powerpoint/2010/main" val="1774835210"/>
       </p:ext>
     </p:extLst>
   </p:cSld>
@@ -12813,7 +13303,7 @@
             </a:pPr>
             <a:r>
               <a:rPr lang="en-US" dirty="0"/>
-              <a:t>Structured log pros:</a:t>
+              <a:t>Plain-text log cons</a:t>
             </a:r>
           </a:p>
           <a:p>
@@ -12822,7 +13312,7 @@
             </a:pPr>
             <a:r>
               <a:rPr lang="en-US" dirty="0"/>
-              <a:t>+ unlimited filtering capabilities (without master’s degree in regex)</a:t>
+              <a:t>- limited filtering capabilities</a:t>
             </a:r>
           </a:p>
           <a:p>
@@ -12831,25 +13321,7 @@
             </a:pPr>
             <a:r>
               <a:rPr lang="en-US" dirty="0"/>
-              <a:t>+ unlimited analysis options</a:t>
-            </a:r>
-          </a:p>
-          <a:p>
-            <a:pPr marL="0" indent="0">
-              <a:buNone/>
-            </a:pPr>
-            <a:r>
-              <a:rPr lang="en-US" dirty="0"/>
-              <a:t>+ (could) enforce format</a:t>
-            </a:r>
-          </a:p>
-          <a:p>
-            <a:pPr marL="0" indent="0">
-              <a:buNone/>
-            </a:pPr>
-            <a:r>
-              <a:rPr lang="en-US" dirty="0"/>
-              <a:t>+ (could be) small messages</a:t>
+              <a:t>- limited analysis options</a:t>
             </a:r>
           </a:p>
         </p:txBody>
@@ -12857,7 +13329,7 @@
     </p:spTree>
     <p:extLst>
       <p:ext uri="{BB962C8B-B14F-4D97-AF65-F5344CB8AC3E}">
-        <p14:creationId xmlns:p14="http://schemas.microsoft.com/office/powerpoint/2010/main" val="961167483"/>
+        <p14:creationId xmlns:p14="http://schemas.microsoft.com/office/powerpoint/2010/main" val="464041786"/>
       </p:ext>
     </p:extLst>
   </p:cSld>
@@ -12930,24 +13402,171 @@
         </p:nvSpPr>
         <p:spPr/>
         <p:txBody>
-          <a:bodyPr anchor="ctr"/>
-          <a:lstStyle/>
-          <a:p>
-            <a:pPr marL="0" indent="0" algn="ctr">
+          <a:bodyPr>
+            <a:normAutofit/>
+          </a:bodyPr>
+          <a:lstStyle/>
+          <a:p>
+            <a:pPr marL="0" indent="0">
               <a:buNone/>
             </a:pPr>
             <a:r>
-              <a:rPr lang="en-US" sz="3600" dirty="0"/>
-              <a:t>Demo</a:t>
-            </a:r>
+              <a:rPr lang="en-US" dirty="0"/>
+              <a:t>Structured logs: all log-events follow defined structure.</a:t>
+            </a:r>
+          </a:p>
+          <a:p>
+            <a:pPr marL="0" indent="0">
+              <a:buNone/>
+            </a:pPr>
             <a:endParaRPr lang="en-US" dirty="0"/>
           </a:p>
-        </p:txBody>
-      </p:sp>
+          <a:p>
+            <a:pPr marL="0" indent="0">
+              <a:buNone/>
+            </a:pPr>
+            <a:r>
+              <a:rPr lang="en-US" sz="1800" dirty="0">
+                <a:latin typeface="Consolas" panose="020B0609020204030204" pitchFamily="49" charset="0"/>
+                <a:cs typeface="Cascadia Code Light" panose="020B0609020000020004" pitchFamily="49" charset="0"/>
+              </a:rPr>
+              <a:t>{ </a:t>
+            </a:r>
+          </a:p>
+          <a:p>
+            <a:pPr marL="0" indent="0">
+              <a:buNone/>
+            </a:pPr>
+            <a:r>
+              <a:rPr lang="en-US" sz="1800" dirty="0">
+                <a:latin typeface="Consolas" panose="020B0609020204030204" pitchFamily="49" charset="0"/>
+                <a:cs typeface="Cascadia Code Light" panose="020B0609020000020004" pitchFamily="49" charset="0"/>
+              </a:rPr>
+              <a:t>"time": "2010-01-01 12:34:56.0000",</a:t>
+            </a:r>
+          </a:p>
+          <a:p>
+            <a:pPr marL="0" indent="0">
+              <a:buNone/>
+            </a:pPr>
+            <a:r>
+              <a:rPr lang="en-US" sz="1800" dirty="0">
+                <a:latin typeface="Consolas" panose="020B0609020204030204" pitchFamily="49" charset="0"/>
+                <a:cs typeface="Cascadia Code Light" panose="020B0609020000020004" pitchFamily="49" charset="0"/>
+              </a:rPr>
+              <a:t>"level": "Info",</a:t>
+            </a:r>
+          </a:p>
+          <a:p>
+            <a:pPr marL="0" indent="0">
+              <a:buNone/>
+            </a:pPr>
+            <a:r>
+              <a:rPr lang="en-US" sz="1800" dirty="0">
+                <a:latin typeface="Consolas" panose="020B0609020204030204" pitchFamily="49" charset="0"/>
+                <a:cs typeface="Cascadia Code Light" panose="020B0609020000020004" pitchFamily="49" charset="0"/>
+              </a:rPr>
+              <a:t>"message": "hello, world",</a:t>
+            </a:r>
+          </a:p>
+          <a:p>
+            <a:pPr marL="0" indent="0">
+              <a:buNone/>
+            </a:pPr>
+            <a:r>
+              <a:rPr lang="en-US" sz="1800" dirty="0">
+                <a:latin typeface="Consolas" panose="020B0609020204030204" pitchFamily="49" charset="0"/>
+                <a:cs typeface="Cascadia Code Light" panose="020B0609020000020004" pitchFamily="49" charset="0"/>
+              </a:rPr>
+              <a:t>"user": "test-user",</a:t>
+            </a:r>
+          </a:p>
+          <a:p>
+            <a:pPr marL="0" indent="0">
+              <a:buNone/>
+            </a:pPr>
+            <a:r>
+              <a:rPr lang="en-US" sz="1800" dirty="0">
+                <a:latin typeface="Consolas" panose="020B0609020204030204" pitchFamily="49" charset="0"/>
+                <a:cs typeface="Cascadia Code Light" panose="020B0609020000020004" pitchFamily="49" charset="0"/>
+              </a:rPr>
+              <a:t>"</a:t>
+            </a:r>
+            <a:r>
+              <a:rPr lang="en-US" sz="1800" dirty="0" err="1">
+                <a:latin typeface="Consolas" panose="020B0609020204030204" pitchFamily="49" charset="0"/>
+                <a:cs typeface="Cascadia Code Light" panose="020B0609020000020004" pitchFamily="49" charset="0"/>
+              </a:rPr>
+              <a:t>env":"prod</a:t>
+            </a:r>
+            <a:r>
+              <a:rPr lang="en-US" sz="1800" dirty="0">
+                <a:latin typeface="Consolas" panose="020B0609020204030204" pitchFamily="49" charset="0"/>
+                <a:cs typeface="Cascadia Code Light" panose="020B0609020000020004" pitchFamily="49" charset="0"/>
+              </a:rPr>
+              <a:t>",</a:t>
+            </a:r>
+          </a:p>
+          <a:p>
+            <a:pPr marL="0" indent="0">
+              <a:buNone/>
+            </a:pPr>
+            <a:r>
+              <a:rPr lang="en-US" sz="1800" dirty="0">
+                <a:latin typeface="Consolas" panose="020B0609020204030204" pitchFamily="49" charset="0"/>
+                <a:cs typeface="Cascadia Code Light" panose="020B0609020000020004" pitchFamily="49" charset="0"/>
+              </a:rPr>
+              <a:t>"hostname":"vm-0001"</a:t>
+            </a:r>
+          </a:p>
+          <a:p>
+            <a:pPr marL="0" indent="0">
+              <a:buNone/>
+            </a:pPr>
+            <a:r>
+              <a:rPr lang="en-US" sz="1800" dirty="0">
+                <a:latin typeface="Consolas" panose="020B0609020204030204" pitchFamily="49" charset="0"/>
+                <a:cs typeface="Cascadia Code Light" panose="020B0609020000020004" pitchFamily="49" charset="0"/>
+              </a:rPr>
+              <a:t>}</a:t>
+            </a:r>
+          </a:p>
+        </p:txBody>
+      </p:sp>
+      <p:pic>
+        <p:nvPicPr>
+          <p:cNvPr id="7" name="Picture 6">
+            <a:extLst>
+              <a:ext uri="{FF2B5EF4-FFF2-40B4-BE49-F238E27FC236}">
+                <a16:creationId xmlns:a16="http://schemas.microsoft.com/office/drawing/2014/main" id="{6C418954-16B9-4715-A875-2560EB15604E}"/>
+              </a:ext>
+            </a:extLst>
+          </p:cNvPr>
+          <p:cNvPicPr>
+            <a:picLocks noChangeAspect="1"/>
+          </p:cNvPicPr>
+          <p:nvPr/>
+        </p:nvPicPr>
+        <p:blipFill>
+          <a:blip r:embed="rId3"/>
+          <a:stretch>
+            <a:fillRect/>
+          </a:stretch>
+        </p:blipFill>
+        <p:spPr>
+          <a:xfrm>
+            <a:off x="6841030" y="3417251"/>
+            <a:ext cx="4512770" cy="1168086"/>
+          </a:xfrm>
+          <a:prstGeom prst="rect">
+            <a:avLst/>
+          </a:prstGeom>
+        </p:spPr>
+      </p:pic>
     </p:spTree>
     <p:extLst>
       <p:ext uri="{BB962C8B-B14F-4D97-AF65-F5344CB8AC3E}">
-        <p14:creationId xmlns:p14="http://schemas.microsoft.com/office/powerpoint/2010/main" val="2641428433"/>
+        <p14:creationId xmlns:p14="http://schemas.microsoft.com/office/powerpoint/2010/main" val="3897019127"/>
       </p:ext>
     </p:extLst>
   </p:cSld>
@@ -12997,7 +13616,7 @@
           <a:p>
             <a:r>
               <a:rPr lang="en-US" dirty="0"/>
-              <a:t>Monitoring and Observability: Metrics</a:t>
+              <a:t>Monitoring and Observability: Logging</a:t>
             </a:r>
           </a:p>
         </p:txBody>
@@ -13028,15 +13647,47 @@
             </a:pPr>
             <a:r>
               <a:rPr lang="en-US" dirty="0"/>
-              <a:t>Metrics – numerical representation of data</a:t>
-            </a:r>
+              <a:t>The most popular format for structured logs is json</a:t>
+            </a:r>
+          </a:p>
+          <a:p>
+            <a:pPr marL="0" indent="0">
+              <a:buNone/>
+            </a:pPr>
+            <a:endParaRPr lang="en-US" dirty="0"/>
+          </a:p>
+          <a:p>
+            <a:pPr marL="0" indent="0">
+              <a:buNone/>
+            </a:pPr>
+            <a:r>
+              <a:rPr lang="en-US" i="1" dirty="0"/>
+              <a:t>Big</a:t>
+            </a:r>
+            <a:r>
+              <a:rPr lang="en-US" dirty="0"/>
+              <a:t> companies often prefer binary encoding, for example, </a:t>
+            </a:r>
+            <a:r>
+              <a:rPr lang="en-US" dirty="0" err="1"/>
+              <a:t>protobuf</a:t>
+            </a:r>
+            <a:r>
+              <a:rPr lang="en-US" dirty="0"/>
+              <a:t> or </a:t>
+            </a:r>
+            <a:r>
+              <a:rPr lang="en-US" dirty="0" err="1"/>
+              <a:t>avro</a:t>
+            </a:r>
+            <a:endParaRPr lang="en-US" dirty="0"/>
           </a:p>
         </p:txBody>
       </p:sp>
     </p:spTree>
     <p:extLst>
       <p:ext uri="{BB962C8B-B14F-4D97-AF65-F5344CB8AC3E}">
-        <p14:creationId xmlns:p14="http://schemas.microsoft.com/office/powerpoint/2010/main" val="3050015289"/>
+        <p14:creationId xmlns:p14="http://schemas.microsoft.com/office/powerpoint/2010/main" val="195172824"/>
       </p:ext>
     </p:extLst>
   </p:cSld>
@@ -13086,7 +13737,7 @@
           <a:p>
             <a:r>
               <a:rPr lang="en-US" dirty="0"/>
-              <a:t>Monitoring and Observability: Metrics</a:t>
+              <a:t>Monitoring and Observability: Logging</a:t>
             </a:r>
           </a:p>
         </p:txBody>
@@ -13117,30 +13768,51 @@
             </a:pPr>
             <a:r>
               <a:rPr lang="en-US" dirty="0"/>
-              <a:t>Popular metric types:</a:t>
-            </a:r>
-          </a:p>
-          <a:p>
-            <a:r>
-              <a:rPr lang="en-US" dirty="0"/>
-              <a:t>Counter/Gauge – a number, which goes up or down</a:t>
-            </a:r>
-          </a:p>
-          <a:p>
-            <a:r>
-              <a:rPr lang="en-US" dirty="0"/>
-              <a:t>Histogram – samples observations into buckets</a:t>
-            </a:r>
-          </a:p>
-          <a:p>
-            <a:endParaRPr lang="en-US" dirty="0"/>
+              <a:t>Structured logs cons</a:t>
+            </a:r>
+          </a:p>
+          <a:p>
+            <a:pPr marL="0" indent="0">
+              <a:buNone/>
+            </a:pPr>
+            <a:r>
+              <a:rPr lang="en-US" dirty="0"/>
+              <a:t>- hardly readable by humans</a:t>
+            </a:r>
+          </a:p>
+          <a:p>
+            <a:pPr marL="0" indent="0">
+              <a:buNone/>
+            </a:pPr>
+            <a:r>
+              <a:rPr lang="en-US" dirty="0"/>
+              <a:t>- harder to implement</a:t>
+            </a:r>
+          </a:p>
+          <a:p>
+            <a:pPr marL="0" indent="0">
+              <a:buNone/>
+            </a:pPr>
+            <a:r>
+              <a:rPr lang="en-US" dirty="0"/>
+              <a:t>- could be expensive to store</a:t>
+            </a:r>
+          </a:p>
+          <a:p>
+            <a:pPr marL="0" indent="0">
+              <a:buNone/>
+            </a:pPr>
+            <a:r>
+              <a:rPr lang="en-US" dirty="0"/>
+              <a:t>- requires infrastructure to process, aggregate, ingest, index</a:t>
+            </a:r>
           </a:p>
         </p:txBody>
       </p:sp>
     </p:spTree>
     <p:extLst>
       <p:ext uri="{BB962C8B-B14F-4D97-AF65-F5344CB8AC3E}">
-        <p14:creationId xmlns:p14="http://schemas.microsoft.com/office/powerpoint/2010/main" val="3464972276"/>
+        <p14:creationId xmlns:p14="http://schemas.microsoft.com/office/powerpoint/2010/main" val="1021187818"/>
       </p:ext>
     </p:extLst>
   </p:cSld>
@@ -13190,7 +13862,7 @@
           <a:p>
             <a:r>
               <a:rPr lang="en-US" dirty="0"/>
-              <a:t>Monitoring and Observability: Metrics</a:t>
+              <a:t>Monitoring and Observability: Logging</a:t>
             </a:r>
           </a:p>
         </p:txBody>
@@ -13221,22 +13893,17 @@
             </a:pPr>
             <a:r>
               <a:rPr lang="en-US" dirty="0"/>
-              <a:t>Often metrics are stored in </a:t>
-            </a:r>
-            <a:r>
-              <a:rPr lang="en-US" i="1" dirty="0"/>
-              <a:t>Time-Series Database (TSDB)</a:t>
-            </a:r>
-            <a:r>
-              <a:rPr lang="en-US" dirty="0"/>
-              <a:t>: software optimized to store ordered by time data-points</a:t>
+              <a:t>Structured log pros:</a:t>
             </a:r>
           </a:p>
           <a:p>
             <a:pPr marL="0" indent="0">
               <a:buNone/>
             </a:pPr>
-            <a:endParaRPr lang="en-US" dirty="0"/>
+            <a:r>
+              <a:rPr lang="en-US" dirty="0"/>
+              <a:t>+ unlimited filtering capabilities (without master’s degree in regex)</a:t>
+            </a:r>
           </a:p>
           <a:p>
             <a:pPr marL="0" indent="0">
@@ -13244,7 +13911,25 @@
             </a:pPr>
             <a:r>
               <a:rPr lang="en-US" dirty="0"/>
-              <a:t>But could be also stored as structured records in any other storage type</a:t>
+              <a:t>+ unlimited analysis options</a:t>
+            </a:r>
+          </a:p>
+          <a:p>
+            <a:pPr marL="0" indent="0">
+              <a:buNone/>
+            </a:pPr>
+            <a:r>
+              <a:rPr lang="en-US" dirty="0"/>
+              <a:t>+ (could) enforce format</a:t>
+            </a:r>
+          </a:p>
+          <a:p>
+            <a:pPr marL="0" indent="0">
+              <a:buNone/>
+            </a:pPr>
+            <a:r>
+              <a:rPr lang="en-US" dirty="0"/>
+              <a:t>+ (could be) small messages</a:t>
             </a:r>
           </a:p>
         </p:txBody>
@@ -13252,7 +13937,7 @@
     </p:spTree>
     <p:extLst>
       <p:ext uri="{BB962C8B-B14F-4D97-AF65-F5344CB8AC3E}">
-        <p14:creationId xmlns:p14="http://schemas.microsoft.com/office/powerpoint/2010/main" val="2549454358"/>
+        <p14:creationId xmlns:p14="http://schemas.microsoft.com/office/powerpoint/2010/main" val="961167483"/>
       </p:ext>
     </p:extLst>
   </p:cSld>
@@ -13302,7 +13987,7 @@
           <a:p>
             <a:r>
               <a:rPr lang="en-US" dirty="0"/>
-              <a:t>Monitoring and Observability: Metrics</a:t>
+              <a:t>Monitoring and Observability: Logging</a:t>
             </a:r>
           </a:p>
         </p:txBody>
@@ -13325,77 +14010,16 @@
         </p:nvSpPr>
         <p:spPr/>
         <p:txBody>
-          <a:bodyPr/>
-          <a:lstStyle/>
-          <a:p>
-            <a:pPr marL="0" indent="0">
+          <a:bodyPr anchor="ctr"/>
+          <a:lstStyle/>
+          <a:p>
+            <a:pPr marL="0" indent="0" algn="ctr">
               <a:buNone/>
             </a:pPr>
             <a:r>
-              <a:rPr lang="en-US" dirty="0"/>
-              <a:t>Often time-series record is identified by name + unique set of </a:t>
-            </a:r>
-            <a:r>
-              <a:rPr lang="en-US" b="1" dirty="0"/>
-              <a:t>dimensions</a:t>
-            </a:r>
-            <a:r>
-              <a:rPr lang="en-US" dirty="0"/>
-              <a:t> </a:t>
-            </a:r>
-            <a:r>
-              <a:rPr lang="en-US" i="1" dirty="0"/>
-              <a:t>&lt;name&gt;{&lt;</a:t>
-            </a:r>
-            <a:r>
-              <a:rPr lang="en-US" i="1" dirty="0" err="1"/>
-              <a:t>label_name</a:t>
-            </a:r>
-            <a:r>
-              <a:rPr lang="en-US" i="1" dirty="0"/>
-              <a:t>&gt;=&lt;label value&gt;, ...}</a:t>
-            </a:r>
-            <a:r>
-              <a:rPr lang="en-US" dirty="0"/>
-              <a:t>:</a:t>
-            </a:r>
-          </a:p>
-          <a:p>
-            <a:pPr marL="0" indent="0">
-              <a:buNone/>
-            </a:pPr>
-            <a:endParaRPr lang="en-US" dirty="0"/>
-          </a:p>
-          <a:p>
-            <a:r>
-              <a:rPr lang="da-DK" sz="2000" dirty="0">
-                <a:latin typeface="Consolas" panose="020B0609020204030204" pitchFamily="49" charset="0"/>
-                <a:cs typeface="Cascadia Code Light" panose="020B0609020000020004" pitchFamily="49" charset="0"/>
-              </a:rPr>
-              <a:t>api_http_requests_total{method="POST", handler="/messages"}</a:t>
-            </a:r>
-            <a:endParaRPr lang="en-US" sz="2000" dirty="0">
-              <a:latin typeface="Consolas" panose="020B0609020204030204" pitchFamily="49" charset="0"/>
-              <a:cs typeface="Cascadia Code Light" panose="020B0609020000020004" pitchFamily="49" charset="0"/>
-            </a:endParaRPr>
-          </a:p>
-          <a:p>
-            <a:r>
-              <a:rPr lang="da-DK" sz="2000" dirty="0">
-                <a:latin typeface="Consolas" panose="020B0609020204030204" pitchFamily="49" charset="0"/>
-                <a:cs typeface="Cascadia Code Light" panose="020B0609020000020004" pitchFamily="49" charset="0"/>
-              </a:rPr>
-              <a:t>api_http_requests_total{method="GET", handler="/messages"}</a:t>
-            </a:r>
-            <a:endParaRPr lang="en-US" sz="2000" dirty="0">
-              <a:latin typeface="Consolas" panose="020B0609020204030204" pitchFamily="49" charset="0"/>
-              <a:cs typeface="Cascadia Code Light" panose="020B0609020000020004" pitchFamily="49" charset="0"/>
-            </a:endParaRPr>
-          </a:p>
-          <a:p>
-            <a:pPr marL="0" indent="0">
-              <a:buNone/>
-            </a:pPr>
+              <a:rPr lang="en-US" sz="3600" dirty="0"/>
+              <a:t>Demo</a:t>
+            </a:r>
             <a:endParaRPr lang="en-US" dirty="0"/>
           </a:p>
         </p:txBody>
@@ -13403,7 +14027,7 @@
     </p:spTree>
     <p:extLst>
       <p:ext uri="{BB962C8B-B14F-4D97-AF65-F5344CB8AC3E}">
-        <p14:creationId xmlns:p14="http://schemas.microsoft.com/office/powerpoint/2010/main" val="3038290149"/>
+        <p14:creationId xmlns:p14="http://schemas.microsoft.com/office/powerpoint/2010/main" val="2641428433"/>
       </p:ext>
     </p:extLst>
   </p:cSld>
@@ -13600,57 +14224,15 @@
             </a:pPr>
             <a:r>
               <a:rPr lang="en-US" dirty="0"/>
-              <a:t>Each unique label generates a new time-series, thus:</a:t>
-            </a:r>
-          </a:p>
-          <a:p>
-            <a:r>
-              <a:rPr lang="en-US" dirty="0"/>
-              <a:t>Save one more measurement into </a:t>
-            </a:r>
-            <a:r>
-              <a:rPr lang="en-US" b="1" dirty="0"/>
-              <a:t>existing time-series </a:t>
-            </a:r>
-            <a:r>
-              <a:rPr lang="en-US" dirty="0"/>
-              <a:t>– </a:t>
-            </a:r>
-            <a:r>
-              <a:rPr lang="en-US" i="1" dirty="0"/>
-              <a:t>cheap</a:t>
-            </a:r>
-          </a:p>
-          <a:p>
-            <a:r>
-              <a:rPr lang="en-US" dirty="0"/>
-              <a:t>Save one more measurement into </a:t>
-            </a:r>
-            <a:r>
-              <a:rPr lang="en-US" b="1" dirty="0"/>
-              <a:t>new time-series </a:t>
-            </a:r>
-            <a:r>
-              <a:rPr lang="en-US" dirty="0"/>
-              <a:t>– </a:t>
-            </a:r>
-            <a:r>
-              <a:rPr lang="en-US" i="1" dirty="0"/>
-              <a:t>expensive</a:t>
-            </a:r>
-          </a:p>
-          <a:p>
-            <a:pPr marL="0" indent="0">
-              <a:buNone/>
-            </a:pPr>
-            <a:endParaRPr lang="en-US" dirty="0"/>
+              <a:t>Metrics – numerical representation of data</a:t>
+            </a:r>
           </a:p>
         </p:txBody>
       </p:sp>
     </p:spTree>
     <p:extLst>
       <p:ext uri="{BB962C8B-B14F-4D97-AF65-F5344CB8AC3E}">
-        <p14:creationId xmlns:p14="http://schemas.microsoft.com/office/powerpoint/2010/main" val="3408278632"/>
+        <p14:creationId xmlns:p14="http://schemas.microsoft.com/office/powerpoint/2010/main" val="3050015289"/>
       </p:ext>
     </p:extLst>
   </p:cSld>
@@ -13726,45 +14308,27 @@
           <a:bodyPr/>
           <a:lstStyle/>
           <a:p>
-            <a:r>
-              <a:rPr lang="en-US" dirty="0"/>
-              <a:t>Querying </a:t>
-            </a:r>
-            <a:r>
-              <a:rPr lang="en-US" i="1" dirty="0"/>
-              <a:t>the same </a:t>
-            </a:r>
-            <a:r>
-              <a:rPr lang="en-US" dirty="0"/>
-              <a:t>time-series– </a:t>
-            </a:r>
-            <a:r>
-              <a:rPr lang="en-US" i="1" dirty="0"/>
-              <a:t>cheap</a:t>
-            </a:r>
-          </a:p>
-          <a:p>
-            <a:r>
-              <a:rPr lang="en-US" dirty="0"/>
-              <a:t>Querying </a:t>
-            </a:r>
-            <a:r>
-              <a:rPr lang="en-US" i="1" dirty="0"/>
-              <a:t>multiple</a:t>
-            </a:r>
-            <a:r>
-              <a:rPr lang="en-US" dirty="0"/>
-              <a:t> time-series – </a:t>
-            </a:r>
-            <a:r>
-              <a:rPr lang="en-US" i="1" dirty="0"/>
-              <a:t>expensive</a:t>
-            </a:r>
-          </a:p>
-          <a:p>
             <a:pPr marL="0" indent="0">
               <a:buNone/>
             </a:pPr>
+            <a:r>
+              <a:rPr lang="en-US" dirty="0"/>
+              <a:t>Popular metric types:</a:t>
+            </a:r>
+          </a:p>
+          <a:p>
+            <a:r>
+              <a:rPr lang="en-US" dirty="0"/>
+              <a:t>Counter/Gauge – a number, which goes up or down</a:t>
+            </a:r>
+          </a:p>
+          <a:p>
+            <a:r>
+              <a:rPr lang="en-US" dirty="0"/>
+              <a:t>Histogram – samples observations into buckets</a:t>
+            </a:r>
+          </a:p>
+          <a:p>
             <a:endParaRPr lang="en-US" dirty="0"/>
           </a:p>
         </p:txBody>
@@ -13772,7 +14336,7 @@
     </p:spTree>
     <p:extLst>
       <p:ext uri="{BB962C8B-B14F-4D97-AF65-F5344CB8AC3E}">
-        <p14:creationId xmlns:p14="http://schemas.microsoft.com/office/powerpoint/2010/main" val="627517089"/>
+        <p14:creationId xmlns:p14="http://schemas.microsoft.com/office/powerpoint/2010/main" val="3464972276"/>
       </p:ext>
     </p:extLst>
   </p:cSld>
@@ -13852,12 +14416,16 @@
               <a:buNone/>
             </a:pPr>
             <a:r>
-              <a:rPr lang="en-US" b="1" dirty="0"/>
-              <a:t>High-cardinality label</a:t>
-            </a:r>
-            <a:r>
-              <a:rPr lang="en-US" dirty="0"/>
-              <a:t> – label that could have a lot of unique values</a:t>
+              <a:rPr lang="en-US" dirty="0"/>
+              <a:t>Often metrics are stored in </a:t>
+            </a:r>
+            <a:r>
+              <a:rPr lang="en-US" i="1" dirty="0"/>
+              <a:t>Time-Series Database (TSDB)</a:t>
+            </a:r>
+            <a:r>
+              <a:rPr lang="en-US" dirty="0"/>
+              <a:t>: software optimized to store ordered by time data-points</a:t>
             </a:r>
           </a:p>
           <a:p>
@@ -13872,7 +14440,7 @@
             </a:pPr>
             <a:r>
               <a:rPr lang="en-US" dirty="0"/>
-              <a:t>When you use TSDB, better not to use high-cardinality labels</a:t>
+              <a:t>But could be also stored as structured records in any other storage type</a:t>
             </a:r>
           </a:p>
         </p:txBody>
@@ -13880,7 +14448,7 @@
     </p:spTree>
     <p:extLst>
       <p:ext uri="{BB962C8B-B14F-4D97-AF65-F5344CB8AC3E}">
-        <p14:creationId xmlns:p14="http://schemas.microsoft.com/office/powerpoint/2010/main" val="1779062221"/>
+        <p14:creationId xmlns:p14="http://schemas.microsoft.com/office/powerpoint/2010/main" val="2549454358"/>
       </p:ext>
     </p:extLst>
   </p:cSld>
@@ -13960,28 +14528,32 @@
               <a:buNone/>
             </a:pPr>
             <a:r>
-              <a:rPr lang="en-US" dirty="0">
-                <a:solidFill>
-                  <a:srgbClr val="00B050"/>
-                </a:solidFill>
-              </a:rPr>
-              <a:t>Good label</a:t>
+              <a:rPr lang="en-US" dirty="0"/>
+              <a:t>Often time-series record is identified by name + unique set of </a:t>
+            </a:r>
+            <a:r>
+              <a:rPr lang="en-US" b="1" dirty="0"/>
+              <a:t>dimensions</a:t>
+            </a:r>
+            <a:r>
+              <a:rPr lang="en-US" dirty="0"/>
+              <a:t> </a:t>
+            </a:r>
+            <a:r>
+              <a:rPr lang="en-US" i="1" dirty="0"/>
+              <a:t>&lt;name&gt;{&lt;</a:t>
+            </a:r>
+            <a:r>
+              <a:rPr lang="en-US" i="1" dirty="0" err="1"/>
+              <a:t>label_name</a:t>
+            </a:r>
+            <a:r>
+              <a:rPr lang="en-US" i="1" dirty="0"/>
+              <a:t>&gt;=&lt;label value&gt;, ...}</a:t>
             </a:r>
             <a:r>
               <a:rPr lang="en-US" dirty="0"/>
               <a:t>:</a:t>
-            </a:r>
-          </a:p>
-          <a:p>
-            <a:r>
-              <a:rPr lang="en-US" dirty="0"/>
-              <a:t>HTTP Verb and Status Code</a:t>
-            </a:r>
-          </a:p>
-          <a:p>
-            <a:r>
-              <a:rPr lang="en-US" dirty="0"/>
-              <a:t>VM id</a:t>
             </a:r>
           </a:p>
           <a:p>
@@ -13991,34 +14563,35 @@
             <a:endParaRPr lang="en-US" dirty="0"/>
           </a:p>
           <a:p>
+            <a:r>
+              <a:rPr lang="da-DK" sz="2000" dirty="0">
+                <a:latin typeface="Consolas" panose="020B0609020204030204" pitchFamily="49" charset="0"/>
+                <a:cs typeface="Cascadia Code Light" panose="020B0609020000020004" pitchFamily="49" charset="0"/>
+              </a:rPr>
+              <a:t>api_http_requests_total{method="POST", handler="/messages"}</a:t>
+            </a:r>
+            <a:endParaRPr lang="en-US" sz="2000" dirty="0">
+              <a:latin typeface="Consolas" panose="020B0609020204030204" pitchFamily="49" charset="0"/>
+              <a:cs typeface="Cascadia Code Light" panose="020B0609020000020004" pitchFamily="49" charset="0"/>
+            </a:endParaRPr>
+          </a:p>
+          <a:p>
+            <a:r>
+              <a:rPr lang="da-DK" sz="2000" dirty="0">
+                <a:latin typeface="Consolas" panose="020B0609020204030204" pitchFamily="49" charset="0"/>
+                <a:cs typeface="Cascadia Code Light" panose="020B0609020000020004" pitchFamily="49" charset="0"/>
+              </a:rPr>
+              <a:t>api_http_requests_total{method="GET", handler="/messages"}</a:t>
+            </a:r>
+            <a:endParaRPr lang="en-US" sz="2000" dirty="0">
+              <a:latin typeface="Consolas" panose="020B0609020204030204" pitchFamily="49" charset="0"/>
+              <a:cs typeface="Cascadia Code Light" panose="020B0609020000020004" pitchFamily="49" charset="0"/>
+            </a:endParaRPr>
+          </a:p>
+          <a:p>
             <a:pPr marL="0" indent="0">
               <a:buNone/>
             </a:pPr>
-            <a:r>
-              <a:rPr lang="en-US" dirty="0">
-                <a:solidFill>
-                  <a:srgbClr val="FF0000"/>
-                </a:solidFill>
-              </a:rPr>
-              <a:t>Bad label</a:t>
-            </a:r>
-            <a:r>
-              <a:rPr lang="en-US" dirty="0"/>
-              <a:t>:</a:t>
-            </a:r>
-          </a:p>
-          <a:p>
-            <a:r>
-              <a:rPr lang="en-US" dirty="0" err="1"/>
-              <a:t>UserId</a:t>
-            </a:r>
-            <a:endParaRPr lang="en-US" dirty="0"/>
-          </a:p>
-          <a:p>
-            <a:r>
-              <a:rPr lang="en-US" dirty="0" err="1"/>
-              <a:t>RequestId</a:t>
-            </a:r>
             <a:endParaRPr lang="en-US" dirty="0"/>
           </a:p>
         </p:txBody>
@@ -14026,7 +14599,7 @@
     </p:spTree>
     <p:extLst>
       <p:ext uri="{BB962C8B-B14F-4D97-AF65-F5344CB8AC3E}">
-        <p14:creationId xmlns:p14="http://schemas.microsoft.com/office/powerpoint/2010/main" val="811375659"/>
+        <p14:creationId xmlns:p14="http://schemas.microsoft.com/office/powerpoint/2010/main" val="3038290149"/>
       </p:ext>
     </p:extLst>
   </p:cSld>
@@ -14107,103 +14680,49 @@
             </a:pPr>
             <a:r>
               <a:rPr lang="en-US" dirty="0"/>
-              <a:t>Service-Level Objective (</a:t>
+              <a:t>Each unique label generates a new time-series, thus:</a:t>
+            </a:r>
+          </a:p>
+          <a:p>
+            <a:r>
+              <a:rPr lang="en-US" dirty="0"/>
+              <a:t>Save one more measurement into </a:t>
             </a:r>
             <a:r>
               <a:rPr lang="en-US" b="1" dirty="0"/>
-              <a:t>SLO</a:t>
-            </a:r>
-            <a:r>
-              <a:rPr lang="en-US" dirty="0"/>
-              <a:t>) – target availability: how long system can be unavailable.</a:t>
+              <a:t>existing time-series </a:t>
+            </a:r>
+            <a:r>
+              <a:rPr lang="en-US" dirty="0"/>
+              <a:t>– </a:t>
+            </a:r>
+            <a:r>
+              <a:rPr lang="en-US" i="1" dirty="0"/>
+              <a:t>cheap</a:t>
+            </a:r>
+          </a:p>
+          <a:p>
+            <a:r>
+              <a:rPr lang="en-US" dirty="0"/>
+              <a:t>Save one more measurement into </a:t>
+            </a:r>
+            <a:r>
+              <a:rPr lang="en-US" b="1" dirty="0"/>
+              <a:t>new time-series </a:t>
+            </a:r>
+            <a:r>
+              <a:rPr lang="en-US" dirty="0"/>
+              <a:t>– </a:t>
+            </a:r>
+            <a:r>
+              <a:rPr lang="en-US" i="1" dirty="0"/>
+              <a:t>expensive</a:t>
             </a:r>
           </a:p>
           <a:p>
             <a:pPr marL="0" indent="0">
               <a:buNone/>
             </a:pPr>
-            <a:endParaRPr lang="en-US" dirty="0"/>
-          </a:p>
-          <a:p>
-            <a:pPr marL="0" indent="0">
-              <a:buNone/>
-            </a:pPr>
-            <a:r>
-              <a:rPr lang="en-US" dirty="0"/>
-              <a:t>Service-Level Agreement (</a:t>
-            </a:r>
-            <a:r>
-              <a:rPr lang="en-US" b="1" dirty="0"/>
-              <a:t>SLA</a:t>
-            </a:r>
-            <a:r>
-              <a:rPr lang="en-US" dirty="0"/>
-              <a:t>) – SLO promised to others (users)</a:t>
-            </a:r>
-          </a:p>
-          <a:p>
-            <a:pPr marL="0" indent="0">
-              <a:buNone/>
-            </a:pPr>
-            <a:endParaRPr lang="en-US" dirty="0"/>
-          </a:p>
-          <a:p>
-            <a:pPr marL="0" indent="0">
-              <a:buNone/>
-            </a:pPr>
-            <a:r>
-              <a:rPr lang="en-US" dirty="0"/>
-              <a:t>Service-Level Indicator (</a:t>
-            </a:r>
-            <a:r>
-              <a:rPr lang="en-US" b="1" dirty="0"/>
-              <a:t>SLI</a:t>
-            </a:r>
-            <a:r>
-              <a:rPr lang="en-US" dirty="0"/>
-              <a:t>) – units of SLO</a:t>
-            </a:r>
-          </a:p>
-          <a:p>
-            <a:pPr marL="0" indent="0">
-              <a:buNone/>
-            </a:pPr>
-            <a:endParaRPr lang="en-US" dirty="0"/>
-          </a:p>
-          <a:p>
-            <a:pPr marL="0" indent="0" algn="r">
-              <a:buNone/>
-            </a:pPr>
-            <a:r>
-              <a:rPr lang="en-US" dirty="0">
-                <a:hlinkClick r:id="rId3"/>
-              </a:rPr>
-              <a:t>sli, </a:t>
-            </a:r>
-            <a:r>
-              <a:rPr lang="en-US" dirty="0" err="1">
-                <a:hlinkClick r:id="rId3"/>
-              </a:rPr>
-              <a:t>sla</a:t>
-            </a:r>
-            <a:r>
-              <a:rPr lang="en-US" dirty="0">
-                <a:hlinkClick r:id="rId3"/>
-              </a:rPr>
-              <a:t>, </a:t>
-            </a:r>
-            <a:r>
-              <a:rPr lang="en-US" dirty="0" err="1">
-                <a:hlinkClick r:id="rId3"/>
-              </a:rPr>
-              <a:t>slo</a:t>
-            </a:r>
-            <a:r>
-              <a:rPr lang="en-US" dirty="0">
-                <a:hlinkClick r:id="rId3"/>
-              </a:rPr>
-              <a:t> by Google</a:t>
-            </a:r>
             <a:endParaRPr lang="en-US" dirty="0"/>
           </a:p>
         </p:txBody>
@@ -14211,7 +14730,7 @@
     </p:spTree>
     <p:extLst>
       <p:ext uri="{BB962C8B-B14F-4D97-AF65-F5344CB8AC3E}">
-        <p14:creationId xmlns:p14="http://schemas.microsoft.com/office/powerpoint/2010/main" val="1302834377"/>
+        <p14:creationId xmlns:p14="http://schemas.microsoft.com/office/powerpoint/2010/main" val="3408278632"/>
       </p:ext>
     </p:extLst>
   </p:cSld>
@@ -14284,6 +14803,567 @@
         </p:nvSpPr>
         <p:spPr/>
         <p:txBody>
+          <a:bodyPr/>
+          <a:lstStyle/>
+          <a:p>
+            <a:r>
+              <a:rPr lang="en-US" dirty="0"/>
+              <a:t>Querying </a:t>
+            </a:r>
+            <a:r>
+              <a:rPr lang="en-US" i="1" dirty="0"/>
+              <a:t>the same </a:t>
+            </a:r>
+            <a:r>
+              <a:rPr lang="en-US" dirty="0"/>
+              <a:t>time-series– </a:t>
+            </a:r>
+            <a:r>
+              <a:rPr lang="en-US" i="1" dirty="0"/>
+              <a:t>cheap</a:t>
+            </a:r>
+          </a:p>
+          <a:p>
+            <a:r>
+              <a:rPr lang="en-US" dirty="0"/>
+              <a:t>Querying </a:t>
+            </a:r>
+            <a:r>
+              <a:rPr lang="en-US" i="1" dirty="0"/>
+              <a:t>multiple</a:t>
+            </a:r>
+            <a:r>
+              <a:rPr lang="en-US" dirty="0"/>
+              <a:t> time-series – </a:t>
+            </a:r>
+            <a:r>
+              <a:rPr lang="en-US" i="1" dirty="0"/>
+              <a:t>expensive</a:t>
+            </a:r>
+          </a:p>
+          <a:p>
+            <a:pPr marL="0" indent="0">
+              <a:buNone/>
+            </a:pPr>
+            <a:endParaRPr lang="en-US" dirty="0"/>
+          </a:p>
+        </p:txBody>
+      </p:sp>
+    </p:spTree>
+    <p:extLst>
+      <p:ext uri="{BB962C8B-B14F-4D97-AF65-F5344CB8AC3E}">
+        <p14:creationId xmlns:p14="http://schemas.microsoft.com/office/powerpoint/2010/main" val="627517089"/>
+      </p:ext>
+    </p:extLst>
+  </p:cSld>
+  <p:clrMapOvr>
+    <a:masterClrMapping/>
+  </p:clrMapOvr>
+</p:sld>
+</file>
+
+<file path=ppt/slides/slide46.xml><?xml version="1.0" encoding="utf-8"?>
+<p:sld xmlns:a="http://schemas.openxmlformats.org/drawingml/2006/main" xmlns:r="http://schemas.openxmlformats.org/officeDocument/2006/relationships" xmlns:p="http://schemas.openxmlformats.org/presentationml/2006/main">
+  <p:cSld>
+    <p:spTree>
+      <p:nvGrpSpPr>
+        <p:cNvPr id="1" name=""/>
+        <p:cNvGrpSpPr/>
+        <p:nvPr/>
+      </p:nvGrpSpPr>
+      <p:grpSpPr>
+        <a:xfrm>
+          <a:off x="0" y="0"/>
+          <a:ext cx="0" cy="0"/>
+          <a:chOff x="0" y="0"/>
+          <a:chExt cx="0" cy="0"/>
+        </a:xfrm>
+      </p:grpSpPr>
+      <p:sp>
+        <p:nvSpPr>
+          <p:cNvPr id="2" name="Title 1">
+            <a:extLst>
+              <a:ext uri="{FF2B5EF4-FFF2-40B4-BE49-F238E27FC236}">
+                <a16:creationId xmlns:a16="http://schemas.microsoft.com/office/drawing/2014/main" id="{A26A8A0A-320E-4536-BFF8-C2E9FC542DEC}"/>
+              </a:ext>
+            </a:extLst>
+          </p:cNvPr>
+          <p:cNvSpPr>
+            <a:spLocks noGrp="1"/>
+          </p:cNvSpPr>
+          <p:nvPr>
+            <p:ph type="title"/>
+          </p:nvPr>
+        </p:nvSpPr>
+        <p:spPr/>
+        <p:txBody>
+          <a:bodyPr/>
+          <a:lstStyle/>
+          <a:p>
+            <a:r>
+              <a:rPr lang="en-US" dirty="0"/>
+              <a:t>Monitoring and Observability: Metrics</a:t>
+            </a:r>
+          </a:p>
+        </p:txBody>
+      </p:sp>
+      <p:sp>
+        <p:nvSpPr>
+          <p:cNvPr id="3" name="Content Placeholder 2">
+            <a:extLst>
+              <a:ext uri="{FF2B5EF4-FFF2-40B4-BE49-F238E27FC236}">
+                <a16:creationId xmlns:a16="http://schemas.microsoft.com/office/drawing/2014/main" id="{AE3F0B5C-ACCE-4F53-A9D1-641797D8C52C}"/>
+              </a:ext>
+            </a:extLst>
+          </p:cNvPr>
+          <p:cNvSpPr>
+            <a:spLocks noGrp="1"/>
+          </p:cNvSpPr>
+          <p:nvPr>
+            <p:ph idx="1"/>
+          </p:nvPr>
+        </p:nvSpPr>
+        <p:spPr/>
+        <p:txBody>
+          <a:bodyPr/>
+          <a:lstStyle/>
+          <a:p>
+            <a:pPr marL="0" indent="0">
+              <a:buNone/>
+            </a:pPr>
+            <a:r>
+              <a:rPr lang="en-US" b="1" dirty="0"/>
+              <a:t>High-cardinality label</a:t>
+            </a:r>
+            <a:r>
+              <a:rPr lang="en-US" dirty="0"/>
+              <a:t> – label that could have a lot of unique values</a:t>
+            </a:r>
+          </a:p>
+          <a:p>
+            <a:pPr marL="0" indent="0">
+              <a:buNone/>
+            </a:pPr>
+            <a:endParaRPr lang="en-US" dirty="0"/>
+          </a:p>
+          <a:p>
+            <a:pPr marL="0" indent="0">
+              <a:buNone/>
+            </a:pPr>
+            <a:r>
+              <a:rPr lang="en-US" dirty="0"/>
+              <a:t>When you use TSDB, better not to use high-cardinality labels</a:t>
+            </a:r>
+          </a:p>
+        </p:txBody>
+      </p:sp>
+    </p:spTree>
+    <p:extLst>
+      <p:ext uri="{BB962C8B-B14F-4D97-AF65-F5344CB8AC3E}">
+        <p14:creationId xmlns:p14="http://schemas.microsoft.com/office/powerpoint/2010/main" val="1779062221"/>
+      </p:ext>
+    </p:extLst>
+  </p:cSld>
+  <p:clrMapOvr>
+    <a:masterClrMapping/>
+  </p:clrMapOvr>
+</p:sld>
+</file>
+
+<file path=ppt/slides/slide47.xml><?xml version="1.0" encoding="utf-8"?>
+<p:sld xmlns:a="http://schemas.openxmlformats.org/drawingml/2006/main" xmlns:r="http://schemas.openxmlformats.org/officeDocument/2006/relationships" xmlns:p="http://schemas.openxmlformats.org/presentationml/2006/main">
+  <p:cSld>
+    <p:spTree>
+      <p:nvGrpSpPr>
+        <p:cNvPr id="1" name=""/>
+        <p:cNvGrpSpPr/>
+        <p:nvPr/>
+      </p:nvGrpSpPr>
+      <p:grpSpPr>
+        <a:xfrm>
+          <a:off x="0" y="0"/>
+          <a:ext cx="0" cy="0"/>
+          <a:chOff x="0" y="0"/>
+          <a:chExt cx="0" cy="0"/>
+        </a:xfrm>
+      </p:grpSpPr>
+      <p:sp>
+        <p:nvSpPr>
+          <p:cNvPr id="2" name="Title 1">
+            <a:extLst>
+              <a:ext uri="{FF2B5EF4-FFF2-40B4-BE49-F238E27FC236}">
+                <a16:creationId xmlns:a16="http://schemas.microsoft.com/office/drawing/2014/main" id="{A26A8A0A-320E-4536-BFF8-C2E9FC542DEC}"/>
+              </a:ext>
+            </a:extLst>
+          </p:cNvPr>
+          <p:cNvSpPr>
+            <a:spLocks noGrp="1"/>
+          </p:cNvSpPr>
+          <p:nvPr>
+            <p:ph type="title"/>
+          </p:nvPr>
+        </p:nvSpPr>
+        <p:spPr/>
+        <p:txBody>
+          <a:bodyPr/>
+          <a:lstStyle/>
+          <a:p>
+            <a:r>
+              <a:rPr lang="en-US" dirty="0"/>
+              <a:t>Monitoring and Observability: Metrics</a:t>
+            </a:r>
+          </a:p>
+        </p:txBody>
+      </p:sp>
+      <p:sp>
+        <p:nvSpPr>
+          <p:cNvPr id="3" name="Content Placeholder 2">
+            <a:extLst>
+              <a:ext uri="{FF2B5EF4-FFF2-40B4-BE49-F238E27FC236}">
+                <a16:creationId xmlns:a16="http://schemas.microsoft.com/office/drawing/2014/main" id="{AE3F0B5C-ACCE-4F53-A9D1-641797D8C52C}"/>
+              </a:ext>
+            </a:extLst>
+          </p:cNvPr>
+          <p:cNvSpPr>
+            <a:spLocks noGrp="1"/>
+          </p:cNvSpPr>
+          <p:nvPr>
+            <p:ph idx="1"/>
+          </p:nvPr>
+        </p:nvSpPr>
+        <p:spPr/>
+        <p:txBody>
+          <a:bodyPr/>
+          <a:lstStyle/>
+          <a:p>
+            <a:pPr marL="0" indent="0">
+              <a:buNone/>
+            </a:pPr>
+            <a:r>
+              <a:rPr lang="en-US" dirty="0">
+                <a:solidFill>
+                  <a:srgbClr val="00B050"/>
+                </a:solidFill>
+              </a:rPr>
+              <a:t>Good label</a:t>
+            </a:r>
+            <a:r>
+              <a:rPr lang="en-US" dirty="0"/>
+              <a:t>:</a:t>
+            </a:r>
+          </a:p>
+          <a:p>
+            <a:r>
+              <a:rPr lang="en-US" dirty="0"/>
+              <a:t>HTTP Verb and Status Code</a:t>
+            </a:r>
+          </a:p>
+          <a:p>
+            <a:r>
+              <a:rPr lang="en-US" dirty="0"/>
+              <a:t>VM id</a:t>
+            </a:r>
+          </a:p>
+          <a:p>
+            <a:pPr marL="0" indent="0">
+              <a:buNone/>
+            </a:pPr>
+            <a:endParaRPr lang="en-US" dirty="0"/>
+          </a:p>
+          <a:p>
+            <a:pPr marL="0" indent="0">
+              <a:buNone/>
+            </a:pPr>
+            <a:r>
+              <a:rPr lang="en-US" dirty="0">
+                <a:solidFill>
+                  <a:srgbClr val="FF0000"/>
+                </a:solidFill>
+              </a:rPr>
+              <a:t>Bad label</a:t>
+            </a:r>
+            <a:r>
+              <a:rPr lang="en-US" dirty="0"/>
+              <a:t>:</a:t>
+            </a:r>
+          </a:p>
+          <a:p>
+            <a:r>
+              <a:rPr lang="en-US" dirty="0" err="1"/>
+              <a:t>UserId</a:t>
+            </a:r>
+            <a:endParaRPr lang="en-US" dirty="0"/>
+          </a:p>
+          <a:p>
+            <a:r>
+              <a:rPr lang="en-US" dirty="0" err="1"/>
+              <a:t>RequestId</a:t>
+            </a:r>
+            <a:endParaRPr lang="en-US" dirty="0"/>
+          </a:p>
+        </p:txBody>
+      </p:sp>
+    </p:spTree>
+    <p:extLst>
+      <p:ext uri="{BB962C8B-B14F-4D97-AF65-F5344CB8AC3E}">
+        <p14:creationId xmlns:p14="http://schemas.microsoft.com/office/powerpoint/2010/main" val="811375659"/>
+      </p:ext>
+    </p:extLst>
+  </p:cSld>
+  <p:clrMapOvr>
+    <a:masterClrMapping/>
+  </p:clrMapOvr>
+</p:sld>
+</file>
+
+<file path=ppt/slides/slide48.xml><?xml version="1.0" encoding="utf-8"?>
+<p:sld xmlns:a="http://schemas.openxmlformats.org/drawingml/2006/main" xmlns:r="http://schemas.openxmlformats.org/officeDocument/2006/relationships" xmlns:p="http://schemas.openxmlformats.org/presentationml/2006/main">
+  <p:cSld>
+    <p:spTree>
+      <p:nvGrpSpPr>
+        <p:cNvPr id="1" name=""/>
+        <p:cNvGrpSpPr/>
+        <p:nvPr/>
+      </p:nvGrpSpPr>
+      <p:grpSpPr>
+        <a:xfrm>
+          <a:off x="0" y="0"/>
+          <a:ext cx="0" cy="0"/>
+          <a:chOff x="0" y="0"/>
+          <a:chExt cx="0" cy="0"/>
+        </a:xfrm>
+      </p:grpSpPr>
+      <p:sp>
+        <p:nvSpPr>
+          <p:cNvPr id="2" name="Title 1">
+            <a:extLst>
+              <a:ext uri="{FF2B5EF4-FFF2-40B4-BE49-F238E27FC236}">
+                <a16:creationId xmlns:a16="http://schemas.microsoft.com/office/drawing/2014/main" id="{A26A8A0A-320E-4536-BFF8-C2E9FC542DEC}"/>
+              </a:ext>
+            </a:extLst>
+          </p:cNvPr>
+          <p:cNvSpPr>
+            <a:spLocks noGrp="1"/>
+          </p:cNvSpPr>
+          <p:nvPr>
+            <p:ph type="title"/>
+          </p:nvPr>
+        </p:nvSpPr>
+        <p:spPr/>
+        <p:txBody>
+          <a:bodyPr/>
+          <a:lstStyle/>
+          <a:p>
+            <a:r>
+              <a:rPr lang="en-US" dirty="0"/>
+              <a:t>Monitoring and Observability: Metrics</a:t>
+            </a:r>
+          </a:p>
+        </p:txBody>
+      </p:sp>
+      <p:sp>
+        <p:nvSpPr>
+          <p:cNvPr id="3" name="Content Placeholder 2">
+            <a:extLst>
+              <a:ext uri="{FF2B5EF4-FFF2-40B4-BE49-F238E27FC236}">
+                <a16:creationId xmlns:a16="http://schemas.microsoft.com/office/drawing/2014/main" id="{AE3F0B5C-ACCE-4F53-A9D1-641797D8C52C}"/>
+              </a:ext>
+            </a:extLst>
+          </p:cNvPr>
+          <p:cNvSpPr>
+            <a:spLocks noGrp="1"/>
+          </p:cNvSpPr>
+          <p:nvPr>
+            <p:ph idx="1"/>
+          </p:nvPr>
+        </p:nvSpPr>
+        <p:spPr/>
+        <p:txBody>
+          <a:bodyPr/>
+          <a:lstStyle/>
+          <a:p>
+            <a:pPr marL="0" indent="0">
+              <a:buNone/>
+            </a:pPr>
+            <a:r>
+              <a:rPr lang="en-US" dirty="0"/>
+              <a:t>Service-Level Objective (</a:t>
+            </a:r>
+            <a:r>
+              <a:rPr lang="en-US" b="1" dirty="0"/>
+              <a:t>SLO</a:t>
+            </a:r>
+            <a:r>
+              <a:rPr lang="en-US" dirty="0"/>
+              <a:t>) – target availability: how long system can be unavailable.</a:t>
+            </a:r>
+          </a:p>
+          <a:p>
+            <a:pPr marL="0" indent="0">
+              <a:buNone/>
+            </a:pPr>
+            <a:endParaRPr lang="en-US" dirty="0"/>
+          </a:p>
+          <a:p>
+            <a:pPr marL="0" indent="0">
+              <a:buNone/>
+            </a:pPr>
+            <a:r>
+              <a:rPr lang="en-US" dirty="0"/>
+              <a:t>Service-Level Agreement (</a:t>
+            </a:r>
+            <a:r>
+              <a:rPr lang="en-US" b="1" dirty="0"/>
+              <a:t>SLA</a:t>
+            </a:r>
+            <a:r>
+              <a:rPr lang="en-US" dirty="0"/>
+              <a:t>) – SLO promised to others (users)</a:t>
+            </a:r>
+          </a:p>
+          <a:p>
+            <a:pPr marL="0" indent="0">
+              <a:buNone/>
+            </a:pPr>
+            <a:endParaRPr lang="en-US" dirty="0"/>
+          </a:p>
+          <a:p>
+            <a:pPr marL="0" indent="0">
+              <a:buNone/>
+            </a:pPr>
+            <a:r>
+              <a:rPr lang="en-US" dirty="0"/>
+              <a:t>Service-Level Indicator (</a:t>
+            </a:r>
+            <a:r>
+              <a:rPr lang="en-US" b="1" dirty="0"/>
+              <a:t>SLI</a:t>
+            </a:r>
+            <a:r>
+              <a:rPr lang="en-US" dirty="0"/>
+              <a:t>) – units of SLO</a:t>
+            </a:r>
+          </a:p>
+          <a:p>
+            <a:pPr marL="0" indent="0">
+              <a:buNone/>
+            </a:pPr>
+            <a:endParaRPr lang="en-US" dirty="0"/>
+          </a:p>
+          <a:p>
+            <a:pPr marL="0" indent="0" algn="r">
+              <a:buNone/>
+            </a:pPr>
+            <a:r>
+              <a:rPr lang="en-US" dirty="0">
+                <a:hlinkClick r:id="rId3"/>
+              </a:rPr>
+              <a:t>sli, </a:t>
+            </a:r>
+            <a:r>
+              <a:rPr lang="en-US" dirty="0" err="1">
+                <a:hlinkClick r:id="rId3"/>
+              </a:rPr>
+              <a:t>sla</a:t>
+            </a:r>
+            <a:r>
+              <a:rPr lang="en-US" dirty="0">
+                <a:hlinkClick r:id="rId3"/>
+              </a:rPr>
+              <a:t>, </a:t>
+            </a:r>
+            <a:r>
+              <a:rPr lang="en-US" dirty="0" err="1">
+                <a:hlinkClick r:id="rId3"/>
+              </a:rPr>
+              <a:t>slo</a:t>
+            </a:r>
+            <a:r>
+              <a:rPr lang="en-US" dirty="0">
+                <a:hlinkClick r:id="rId3"/>
+              </a:rPr>
+              <a:t> by Google</a:t>
+            </a:r>
+            <a:endParaRPr lang="en-US" dirty="0"/>
+          </a:p>
+        </p:txBody>
+      </p:sp>
+    </p:spTree>
+    <p:extLst>
+      <p:ext uri="{BB962C8B-B14F-4D97-AF65-F5344CB8AC3E}">
+        <p14:creationId xmlns:p14="http://schemas.microsoft.com/office/powerpoint/2010/main" val="1302834377"/>
+      </p:ext>
+    </p:extLst>
+  </p:cSld>
+  <p:clrMapOvr>
+    <a:masterClrMapping/>
+  </p:clrMapOvr>
+</p:sld>
+</file>
+
+<file path=ppt/slides/slide49.xml><?xml version="1.0" encoding="utf-8"?>
+<p:sld xmlns:a="http://schemas.openxmlformats.org/drawingml/2006/main" xmlns:r="http://schemas.openxmlformats.org/officeDocument/2006/relationships" xmlns:p="http://schemas.openxmlformats.org/presentationml/2006/main">
+  <p:cSld>
+    <p:spTree>
+      <p:nvGrpSpPr>
+        <p:cNvPr id="1" name=""/>
+        <p:cNvGrpSpPr/>
+        <p:nvPr/>
+      </p:nvGrpSpPr>
+      <p:grpSpPr>
+        <a:xfrm>
+          <a:off x="0" y="0"/>
+          <a:ext cx="0" cy="0"/>
+          <a:chOff x="0" y="0"/>
+          <a:chExt cx="0" cy="0"/>
+        </a:xfrm>
+      </p:grpSpPr>
+      <p:sp>
+        <p:nvSpPr>
+          <p:cNvPr id="2" name="Title 1">
+            <a:extLst>
+              <a:ext uri="{FF2B5EF4-FFF2-40B4-BE49-F238E27FC236}">
+                <a16:creationId xmlns:a16="http://schemas.microsoft.com/office/drawing/2014/main" id="{A26A8A0A-320E-4536-BFF8-C2E9FC542DEC}"/>
+              </a:ext>
+            </a:extLst>
+          </p:cNvPr>
+          <p:cNvSpPr>
+            <a:spLocks noGrp="1"/>
+          </p:cNvSpPr>
+          <p:nvPr>
+            <p:ph type="title"/>
+          </p:nvPr>
+        </p:nvSpPr>
+        <p:spPr/>
+        <p:txBody>
+          <a:bodyPr/>
+          <a:lstStyle/>
+          <a:p>
+            <a:r>
+              <a:rPr lang="en-US" dirty="0"/>
+              <a:t>Monitoring and Observability: Metrics</a:t>
+            </a:r>
+          </a:p>
+        </p:txBody>
+      </p:sp>
+      <p:sp>
+        <p:nvSpPr>
+          <p:cNvPr id="3" name="Content Placeholder 2">
+            <a:extLst>
+              <a:ext uri="{FF2B5EF4-FFF2-40B4-BE49-F238E27FC236}">
+                <a16:creationId xmlns:a16="http://schemas.microsoft.com/office/drawing/2014/main" id="{AE3F0B5C-ACCE-4F53-A9D1-641797D8C52C}"/>
+              </a:ext>
+            </a:extLst>
+          </p:cNvPr>
+          <p:cNvSpPr>
+            <a:spLocks noGrp="1"/>
+          </p:cNvSpPr>
+          <p:nvPr>
+            <p:ph idx="1"/>
+          </p:nvPr>
+        </p:nvSpPr>
+        <p:spPr/>
+        <p:txBody>
           <a:bodyPr anchor="t"/>
           <a:lstStyle/>
           <a:p>
@@ -14335,7 +15415,96 @@
 </p:sld>
 </file>
 
-<file path=ppt/slides/slide46.xml><?xml version="1.0" encoding="utf-8"?>
+<file path=ppt/slides/slide5.xml><?xml version="1.0" encoding="utf-8"?>
+<p:sld xmlns:a="http://schemas.openxmlformats.org/drawingml/2006/main" xmlns:r="http://schemas.openxmlformats.org/officeDocument/2006/relationships" xmlns:p="http://schemas.openxmlformats.org/presentationml/2006/main">
+  <p:cSld>
+    <p:spTree>
+      <p:nvGrpSpPr>
+        <p:cNvPr id="1" name=""/>
+        <p:cNvGrpSpPr/>
+        <p:nvPr/>
+      </p:nvGrpSpPr>
+      <p:grpSpPr>
+        <a:xfrm>
+          <a:off x="0" y="0"/>
+          <a:ext cx="0" cy="0"/>
+          <a:chOff x="0" y="0"/>
+          <a:chExt cx="0" cy="0"/>
+        </a:xfrm>
+      </p:grpSpPr>
+      <p:sp>
+        <p:nvSpPr>
+          <p:cNvPr id="2" name="Title 1">
+            <a:extLst>
+              <a:ext uri="{FF2B5EF4-FFF2-40B4-BE49-F238E27FC236}">
+                <a16:creationId xmlns:a16="http://schemas.microsoft.com/office/drawing/2014/main" id="{A26A8A0A-320E-4536-BFF8-C2E9FC542DEC}"/>
+              </a:ext>
+            </a:extLst>
+          </p:cNvPr>
+          <p:cNvSpPr>
+            <a:spLocks noGrp="1"/>
+          </p:cNvSpPr>
+          <p:nvPr>
+            <p:ph type="title"/>
+          </p:nvPr>
+        </p:nvSpPr>
+        <p:spPr/>
+        <p:txBody>
+          <a:bodyPr/>
+          <a:lstStyle/>
+          <a:p>
+            <a:r>
+              <a:rPr lang="en-US" dirty="0"/>
+              <a:t>Pricing</a:t>
+            </a:r>
+          </a:p>
+        </p:txBody>
+      </p:sp>
+      <p:sp>
+        <p:nvSpPr>
+          <p:cNvPr id="3" name="Content Placeholder 2">
+            <a:extLst>
+              <a:ext uri="{FF2B5EF4-FFF2-40B4-BE49-F238E27FC236}">
+                <a16:creationId xmlns:a16="http://schemas.microsoft.com/office/drawing/2014/main" id="{AE3F0B5C-ACCE-4F53-A9D1-641797D8C52C}"/>
+              </a:ext>
+            </a:extLst>
+          </p:cNvPr>
+          <p:cNvSpPr>
+            <a:spLocks noGrp="1"/>
+          </p:cNvSpPr>
+          <p:nvPr>
+            <p:ph idx="1"/>
+          </p:nvPr>
+        </p:nvSpPr>
+        <p:spPr/>
+        <p:txBody>
+          <a:bodyPr/>
+          <a:lstStyle/>
+          <a:p>
+            <a:pPr marL="0" indent="0">
+              <a:buNone/>
+            </a:pPr>
+            <a:r>
+              <a:rPr lang="en-US" dirty="0"/>
+              <a:t>The pricing story could be entirely different for different resources in the same cloud</a:t>
+            </a:r>
+          </a:p>
+        </p:txBody>
+      </p:sp>
+    </p:spTree>
+    <p:extLst>
+      <p:ext uri="{BB962C8B-B14F-4D97-AF65-F5344CB8AC3E}">
+        <p14:creationId xmlns:p14="http://schemas.microsoft.com/office/powerpoint/2010/main" val="2832539971"/>
+      </p:ext>
+    </p:extLst>
+  </p:cSld>
+  <p:clrMapOvr>
+    <a:masterClrMapping/>
+  </p:clrMapOvr>
+</p:sld>
+</file>
+
+<file path=ppt/slides/slide50.xml><?xml version="1.0" encoding="utf-8"?>
 <p:sld xmlns:a="http://schemas.openxmlformats.org/drawingml/2006/main" xmlns:r="http://schemas.openxmlformats.org/officeDocument/2006/relationships" xmlns:p="http://schemas.openxmlformats.org/presentationml/2006/main">
   <p:cSld>
     <p:spTree>
@@ -14474,7 +15643,7 @@
 </p:sld>
 </file>
 
-<file path=ppt/slides/slide47.xml><?xml version="1.0" encoding="utf-8"?>
+<file path=ppt/slides/slide51.xml><?xml version="1.0" encoding="utf-8"?>
 <p:sld xmlns:a="http://schemas.openxmlformats.org/drawingml/2006/main" xmlns:r="http://schemas.openxmlformats.org/officeDocument/2006/relationships" xmlns:p="http://schemas.openxmlformats.org/presentationml/2006/main">
   <p:cSld>
     <p:spTree>
@@ -14669,7 +15838,7 @@
 </p:sld>
 </file>
 
-<file path=ppt/slides/slide48.xml><?xml version="1.0" encoding="utf-8"?>
+<file path=ppt/slides/slide52.xml><?xml version="1.0" encoding="utf-8"?>
 <p:sld xmlns:a="http://schemas.openxmlformats.org/drawingml/2006/main" xmlns:r="http://schemas.openxmlformats.org/officeDocument/2006/relationships" xmlns:p="http://schemas.openxmlformats.org/presentationml/2006/main">
   <p:cSld>
     <p:spTree>
@@ -14808,481 +15977,6 @@
 </p:sld>
 </file>
 
-<file path=ppt/slides/slide49.xml><?xml version="1.0" encoding="utf-8"?>
-<p:sld xmlns:a="http://schemas.openxmlformats.org/drawingml/2006/main" xmlns:r="http://schemas.openxmlformats.org/officeDocument/2006/relationships" xmlns:p="http://schemas.openxmlformats.org/presentationml/2006/main">
-  <p:cSld>
-    <p:spTree>
-      <p:nvGrpSpPr>
-        <p:cNvPr id="1" name=""/>
-        <p:cNvGrpSpPr/>
-        <p:nvPr/>
-      </p:nvGrpSpPr>
-      <p:grpSpPr>
-        <a:xfrm>
-          <a:off x="0" y="0"/>
-          <a:ext cx="0" cy="0"/>
-          <a:chOff x="0" y="0"/>
-          <a:chExt cx="0" cy="0"/>
-        </a:xfrm>
-      </p:grpSpPr>
-      <p:sp>
-        <p:nvSpPr>
-          <p:cNvPr id="2" name="Title 1">
-            <a:extLst>
-              <a:ext uri="{FF2B5EF4-FFF2-40B4-BE49-F238E27FC236}">
-                <a16:creationId xmlns:a16="http://schemas.microsoft.com/office/drawing/2014/main" id="{A26A8A0A-320E-4536-BFF8-C2E9FC542DEC}"/>
-              </a:ext>
-            </a:extLst>
-          </p:cNvPr>
-          <p:cNvSpPr>
-            <a:spLocks noGrp="1"/>
-          </p:cNvSpPr>
-          <p:nvPr>
-            <p:ph type="title"/>
-          </p:nvPr>
-        </p:nvSpPr>
-        <p:spPr/>
-        <p:txBody>
-          <a:bodyPr/>
-          <a:lstStyle/>
-          <a:p>
-            <a:r>
-              <a:rPr lang="en-US" dirty="0"/>
-              <a:t>Monitoring and Observability: Metrics</a:t>
-            </a:r>
-          </a:p>
-        </p:txBody>
-      </p:sp>
-      <p:sp>
-        <p:nvSpPr>
-          <p:cNvPr id="3" name="Content Placeholder 2">
-            <a:extLst>
-              <a:ext uri="{FF2B5EF4-FFF2-40B4-BE49-F238E27FC236}">
-                <a16:creationId xmlns:a16="http://schemas.microsoft.com/office/drawing/2014/main" id="{AE3F0B5C-ACCE-4F53-A9D1-641797D8C52C}"/>
-              </a:ext>
-            </a:extLst>
-          </p:cNvPr>
-          <p:cNvSpPr>
-            <a:spLocks noGrp="1"/>
-          </p:cNvSpPr>
-          <p:nvPr>
-            <p:ph idx="1"/>
-          </p:nvPr>
-        </p:nvSpPr>
-        <p:spPr>
-          <a:xfrm>
-            <a:off x="3988340" y="4747097"/>
-            <a:ext cx="7365460" cy="1429865"/>
-          </a:xfrm>
-        </p:spPr>
-        <p:txBody>
-          <a:bodyPr anchor="t"/>
-          <a:lstStyle/>
-          <a:p>
-            <a:pPr marL="0" indent="0" algn="r">
-              <a:buNone/>
-            </a:pPr>
-            <a:r>
-              <a:rPr lang="en-US" dirty="0"/>
-              <a:t>p.s.</a:t>
-            </a:r>
-          </a:p>
-          <a:p>
-            <a:pPr marL="0" indent="0" algn="r">
-              <a:buNone/>
-            </a:pPr>
-            <a:r>
-              <a:rPr lang="en-US" dirty="0"/>
-              <a:t>Internal and External SLO often are different</a:t>
-            </a:r>
-          </a:p>
-        </p:txBody>
-      </p:sp>
-    </p:spTree>
-    <p:extLst>
-      <p:ext uri="{BB962C8B-B14F-4D97-AF65-F5344CB8AC3E}">
-        <p14:creationId xmlns:p14="http://schemas.microsoft.com/office/powerpoint/2010/main" val="491266559"/>
-      </p:ext>
-    </p:extLst>
-  </p:cSld>
-  <p:clrMapOvr>
-    <a:masterClrMapping/>
-  </p:clrMapOvr>
-</p:sld>
-</file>
-
-<file path=ppt/slides/slide5.xml><?xml version="1.0" encoding="utf-8"?>
-<p:sld xmlns:a="http://schemas.openxmlformats.org/drawingml/2006/main" xmlns:r="http://schemas.openxmlformats.org/officeDocument/2006/relationships" xmlns:p="http://schemas.openxmlformats.org/presentationml/2006/main">
-  <p:cSld>
-    <p:spTree>
-      <p:nvGrpSpPr>
-        <p:cNvPr id="1" name=""/>
-        <p:cNvGrpSpPr/>
-        <p:nvPr/>
-      </p:nvGrpSpPr>
-      <p:grpSpPr>
-        <a:xfrm>
-          <a:off x="0" y="0"/>
-          <a:ext cx="0" cy="0"/>
-          <a:chOff x="0" y="0"/>
-          <a:chExt cx="0" cy="0"/>
-        </a:xfrm>
-      </p:grpSpPr>
-      <p:sp>
-        <p:nvSpPr>
-          <p:cNvPr id="2" name="Title 1">
-            <a:extLst>
-              <a:ext uri="{FF2B5EF4-FFF2-40B4-BE49-F238E27FC236}">
-                <a16:creationId xmlns:a16="http://schemas.microsoft.com/office/drawing/2014/main" id="{A26A8A0A-320E-4536-BFF8-C2E9FC542DEC}"/>
-              </a:ext>
-            </a:extLst>
-          </p:cNvPr>
-          <p:cNvSpPr>
-            <a:spLocks noGrp="1"/>
-          </p:cNvSpPr>
-          <p:nvPr>
-            <p:ph type="title"/>
-          </p:nvPr>
-        </p:nvSpPr>
-        <p:spPr/>
-        <p:txBody>
-          <a:bodyPr/>
-          <a:lstStyle/>
-          <a:p>
-            <a:r>
-              <a:rPr lang="en-US" dirty="0"/>
-              <a:t>Pricing</a:t>
-            </a:r>
-          </a:p>
-        </p:txBody>
-      </p:sp>
-      <p:sp>
-        <p:nvSpPr>
-          <p:cNvPr id="3" name="Content Placeholder 2">
-            <a:extLst>
-              <a:ext uri="{FF2B5EF4-FFF2-40B4-BE49-F238E27FC236}">
-                <a16:creationId xmlns:a16="http://schemas.microsoft.com/office/drawing/2014/main" id="{AE3F0B5C-ACCE-4F53-A9D1-641797D8C52C}"/>
-              </a:ext>
-            </a:extLst>
-          </p:cNvPr>
-          <p:cNvSpPr>
-            <a:spLocks noGrp="1"/>
-          </p:cNvSpPr>
-          <p:nvPr>
-            <p:ph idx="1"/>
-          </p:nvPr>
-        </p:nvSpPr>
-        <p:spPr/>
-        <p:txBody>
-          <a:bodyPr/>
-          <a:lstStyle/>
-          <a:p>
-            <a:pPr marL="0" indent="0">
-              <a:buNone/>
-            </a:pPr>
-            <a:r>
-              <a:rPr lang="en-US" dirty="0"/>
-              <a:t>Pricing story could be completely different for different resources in the same cloud</a:t>
-            </a:r>
-          </a:p>
-        </p:txBody>
-      </p:sp>
-    </p:spTree>
-    <p:extLst>
-      <p:ext uri="{BB962C8B-B14F-4D97-AF65-F5344CB8AC3E}">
-        <p14:creationId xmlns:p14="http://schemas.microsoft.com/office/powerpoint/2010/main" val="2832539971"/>
-      </p:ext>
-    </p:extLst>
-  </p:cSld>
-  <p:clrMapOvr>
-    <a:masterClrMapping/>
-  </p:clrMapOvr>
-</p:sld>
-</file>
-
-<file path=ppt/slides/slide50.xml><?xml version="1.0" encoding="utf-8"?>
-<p:sld xmlns:a="http://schemas.openxmlformats.org/drawingml/2006/main" xmlns:r="http://schemas.openxmlformats.org/officeDocument/2006/relationships" xmlns:p="http://schemas.openxmlformats.org/presentationml/2006/main">
-  <p:cSld>
-    <p:spTree>
-      <p:nvGrpSpPr>
-        <p:cNvPr id="1" name=""/>
-        <p:cNvGrpSpPr/>
-        <p:nvPr/>
-      </p:nvGrpSpPr>
-      <p:grpSpPr>
-        <a:xfrm>
-          <a:off x="0" y="0"/>
-          <a:ext cx="0" cy="0"/>
-          <a:chOff x="0" y="0"/>
-          <a:chExt cx="0" cy="0"/>
-        </a:xfrm>
-      </p:grpSpPr>
-      <p:sp>
-        <p:nvSpPr>
-          <p:cNvPr id="2" name="Title 1">
-            <a:extLst>
-              <a:ext uri="{FF2B5EF4-FFF2-40B4-BE49-F238E27FC236}">
-                <a16:creationId xmlns:a16="http://schemas.microsoft.com/office/drawing/2014/main" id="{A26A8A0A-320E-4536-BFF8-C2E9FC542DEC}"/>
-              </a:ext>
-            </a:extLst>
-          </p:cNvPr>
-          <p:cNvSpPr>
-            <a:spLocks noGrp="1"/>
-          </p:cNvSpPr>
-          <p:nvPr>
-            <p:ph type="title"/>
-          </p:nvPr>
-        </p:nvSpPr>
-        <p:spPr/>
-        <p:txBody>
-          <a:bodyPr/>
-          <a:lstStyle/>
-          <a:p>
-            <a:r>
-              <a:rPr lang="en-US" dirty="0"/>
-              <a:t>Monitoring and Observability: Metrics</a:t>
-            </a:r>
-          </a:p>
-        </p:txBody>
-      </p:sp>
-      <p:sp>
-        <p:nvSpPr>
-          <p:cNvPr id="3" name="Content Placeholder 2">
-            <a:extLst>
-              <a:ext uri="{FF2B5EF4-FFF2-40B4-BE49-F238E27FC236}">
-                <a16:creationId xmlns:a16="http://schemas.microsoft.com/office/drawing/2014/main" id="{AE3F0B5C-ACCE-4F53-A9D1-641797D8C52C}"/>
-              </a:ext>
-            </a:extLst>
-          </p:cNvPr>
-          <p:cNvSpPr>
-            <a:spLocks noGrp="1"/>
-          </p:cNvSpPr>
-          <p:nvPr>
-            <p:ph idx="1"/>
-          </p:nvPr>
-        </p:nvSpPr>
-        <p:spPr/>
-        <p:txBody>
-          <a:bodyPr anchor="ctr"/>
-          <a:lstStyle/>
-          <a:p>
-            <a:pPr marL="0" indent="0" algn="ctr">
-              <a:buNone/>
-            </a:pPr>
-            <a:r>
-              <a:rPr lang="en-US" sz="3600" dirty="0"/>
-              <a:t>Demo</a:t>
-            </a:r>
-            <a:endParaRPr lang="en-US" dirty="0"/>
-          </a:p>
-        </p:txBody>
-      </p:sp>
-    </p:spTree>
-    <p:extLst>
-      <p:ext uri="{BB962C8B-B14F-4D97-AF65-F5344CB8AC3E}">
-        <p14:creationId xmlns:p14="http://schemas.microsoft.com/office/powerpoint/2010/main" val="2473593363"/>
-      </p:ext>
-    </p:extLst>
-  </p:cSld>
-  <p:clrMapOvr>
-    <a:masterClrMapping/>
-  </p:clrMapOvr>
-</p:sld>
-</file>
-
-<file path=ppt/slides/slide51.xml><?xml version="1.0" encoding="utf-8"?>
-<p:sld xmlns:a="http://schemas.openxmlformats.org/drawingml/2006/main" xmlns:r="http://schemas.openxmlformats.org/officeDocument/2006/relationships" xmlns:p="http://schemas.openxmlformats.org/presentationml/2006/main">
-  <p:cSld>
-    <p:spTree>
-      <p:nvGrpSpPr>
-        <p:cNvPr id="1" name=""/>
-        <p:cNvGrpSpPr/>
-        <p:nvPr/>
-      </p:nvGrpSpPr>
-      <p:grpSpPr>
-        <a:xfrm>
-          <a:off x="0" y="0"/>
-          <a:ext cx="0" cy="0"/>
-          <a:chOff x="0" y="0"/>
-          <a:chExt cx="0" cy="0"/>
-        </a:xfrm>
-      </p:grpSpPr>
-      <p:sp>
-        <p:nvSpPr>
-          <p:cNvPr id="2" name="Title 1">
-            <a:extLst>
-              <a:ext uri="{FF2B5EF4-FFF2-40B4-BE49-F238E27FC236}">
-                <a16:creationId xmlns:a16="http://schemas.microsoft.com/office/drawing/2014/main" id="{A26A8A0A-320E-4536-BFF8-C2E9FC542DEC}"/>
-              </a:ext>
-            </a:extLst>
-          </p:cNvPr>
-          <p:cNvSpPr>
-            <a:spLocks noGrp="1"/>
-          </p:cNvSpPr>
-          <p:nvPr>
-            <p:ph type="title"/>
-          </p:nvPr>
-        </p:nvSpPr>
-        <p:spPr/>
-        <p:txBody>
-          <a:bodyPr/>
-          <a:lstStyle/>
-          <a:p>
-            <a:r>
-              <a:rPr lang="en-US" dirty="0"/>
-              <a:t>Monitoring and Observability: Traces</a:t>
-            </a:r>
-          </a:p>
-        </p:txBody>
-      </p:sp>
-      <p:sp>
-        <p:nvSpPr>
-          <p:cNvPr id="3" name="Content Placeholder 2">
-            <a:extLst>
-              <a:ext uri="{FF2B5EF4-FFF2-40B4-BE49-F238E27FC236}">
-                <a16:creationId xmlns:a16="http://schemas.microsoft.com/office/drawing/2014/main" id="{AE3F0B5C-ACCE-4F53-A9D1-641797D8C52C}"/>
-              </a:ext>
-            </a:extLst>
-          </p:cNvPr>
-          <p:cNvSpPr>
-            <a:spLocks noGrp="1"/>
-          </p:cNvSpPr>
-          <p:nvPr>
-            <p:ph idx="1"/>
-          </p:nvPr>
-        </p:nvSpPr>
-        <p:spPr/>
-        <p:txBody>
-          <a:bodyPr/>
-          <a:lstStyle/>
-          <a:p>
-            <a:pPr marL="0" indent="0">
-              <a:buNone/>
-            </a:pPr>
-            <a:r>
-              <a:rPr lang="en-US" dirty="0"/>
-              <a:t>In distributed system finding logs and metrics associated with the same action/request could be tricky.</a:t>
-            </a:r>
-          </a:p>
-        </p:txBody>
-      </p:sp>
-    </p:spTree>
-    <p:extLst>
-      <p:ext uri="{BB962C8B-B14F-4D97-AF65-F5344CB8AC3E}">
-        <p14:creationId xmlns:p14="http://schemas.microsoft.com/office/powerpoint/2010/main" val="4094882183"/>
-      </p:ext>
-    </p:extLst>
-  </p:cSld>
-  <p:clrMapOvr>
-    <a:masterClrMapping/>
-  </p:clrMapOvr>
-</p:sld>
-</file>
-
-<file path=ppt/slides/slide52.xml><?xml version="1.0" encoding="utf-8"?>
-<p:sld xmlns:a="http://schemas.openxmlformats.org/drawingml/2006/main" xmlns:r="http://schemas.openxmlformats.org/officeDocument/2006/relationships" xmlns:p="http://schemas.openxmlformats.org/presentationml/2006/main">
-  <p:cSld>
-    <p:spTree>
-      <p:nvGrpSpPr>
-        <p:cNvPr id="1" name=""/>
-        <p:cNvGrpSpPr/>
-        <p:nvPr/>
-      </p:nvGrpSpPr>
-      <p:grpSpPr>
-        <a:xfrm>
-          <a:off x="0" y="0"/>
-          <a:ext cx="0" cy="0"/>
-          <a:chOff x="0" y="0"/>
-          <a:chExt cx="0" cy="0"/>
-        </a:xfrm>
-      </p:grpSpPr>
-      <p:sp>
-        <p:nvSpPr>
-          <p:cNvPr id="2" name="Title 1">
-            <a:extLst>
-              <a:ext uri="{FF2B5EF4-FFF2-40B4-BE49-F238E27FC236}">
-                <a16:creationId xmlns:a16="http://schemas.microsoft.com/office/drawing/2014/main" id="{A26A8A0A-320E-4536-BFF8-C2E9FC542DEC}"/>
-              </a:ext>
-            </a:extLst>
-          </p:cNvPr>
-          <p:cNvSpPr>
-            <a:spLocks noGrp="1"/>
-          </p:cNvSpPr>
-          <p:nvPr>
-            <p:ph type="title"/>
-          </p:nvPr>
-        </p:nvSpPr>
-        <p:spPr/>
-        <p:txBody>
-          <a:bodyPr/>
-          <a:lstStyle/>
-          <a:p>
-            <a:r>
-              <a:rPr lang="en-US" dirty="0"/>
-              <a:t>Monitoring and Observability: Traces</a:t>
-            </a:r>
-          </a:p>
-        </p:txBody>
-      </p:sp>
-      <p:sp>
-        <p:nvSpPr>
-          <p:cNvPr id="3" name="Content Placeholder 2">
-            <a:extLst>
-              <a:ext uri="{FF2B5EF4-FFF2-40B4-BE49-F238E27FC236}">
-                <a16:creationId xmlns:a16="http://schemas.microsoft.com/office/drawing/2014/main" id="{AE3F0B5C-ACCE-4F53-A9D1-641797D8C52C}"/>
-              </a:ext>
-            </a:extLst>
-          </p:cNvPr>
-          <p:cNvSpPr>
-            <a:spLocks noGrp="1"/>
-          </p:cNvSpPr>
-          <p:nvPr>
-            <p:ph idx="1"/>
-          </p:nvPr>
-        </p:nvSpPr>
-        <p:spPr/>
-        <p:txBody>
-          <a:bodyPr/>
-          <a:lstStyle/>
-          <a:p>
-            <a:pPr marL="0" indent="0">
-              <a:buNone/>
-            </a:pPr>
-            <a:r>
-              <a:rPr lang="en-US" dirty="0"/>
-              <a:t>Tracing is an attempt to address this problem </a:t>
-            </a:r>
-          </a:p>
-          <a:p>
-            <a:pPr marL="0" indent="0">
-              <a:buNone/>
-            </a:pPr>
-            <a:endParaRPr lang="en-US" dirty="0"/>
-          </a:p>
-          <a:p>
-            <a:pPr marL="0" indent="0">
-              <a:buNone/>
-            </a:pPr>
-            <a:r>
-              <a:rPr lang="en-US" dirty="0"/>
-              <a:t>Trace represents the entire journey of a request/action as it moves through all the nodes/modules of a distributed system.</a:t>
-            </a:r>
-          </a:p>
-        </p:txBody>
-      </p:sp>
-    </p:spTree>
-    <p:extLst>
-      <p:ext uri="{BB962C8B-B14F-4D97-AF65-F5344CB8AC3E}">
-        <p14:creationId xmlns:p14="http://schemas.microsoft.com/office/powerpoint/2010/main" val="1801329741"/>
-      </p:ext>
-    </p:extLst>
-  </p:cSld>
-  <p:clrMapOvr>
-    <a:masterClrMapping/>
-  </p:clrMapOvr>
-</p:sld>
-</file>
-
 <file path=ppt/slides/slide53.xml><?xml version="1.0" encoding="utf-8"?>
 <p:sld xmlns:a="http://schemas.openxmlformats.org/drawingml/2006/main" xmlns:r="http://schemas.openxmlformats.org/officeDocument/2006/relationships" xmlns:p="http://schemas.openxmlformats.org/presentationml/2006/main">
   <p:cSld>
@@ -15323,7 +16017,7 @@
           <a:p>
             <a:r>
               <a:rPr lang="en-US" dirty="0"/>
-              <a:t>Monitoring and Observability: Traces</a:t>
+              <a:t>Monitoring and Observability: Metrics</a:t>
             </a:r>
           </a:p>
         </p:txBody>
@@ -15344,23 +16038,31 @@
             <p:ph idx="1"/>
           </p:nvPr>
         </p:nvSpPr>
-        <p:spPr/>
-        <p:txBody>
-          <a:bodyPr/>
-          <a:lstStyle/>
-          <a:p>
-            <a:pPr marL="0" indent="0">
+        <p:spPr>
+          <a:xfrm>
+            <a:off x="3988340" y="4747097"/>
+            <a:ext cx="7365460" cy="1429865"/>
+          </a:xfrm>
+        </p:spPr>
+        <p:txBody>
+          <a:bodyPr anchor="t"/>
+          <a:lstStyle/>
+          <a:p>
+            <a:pPr marL="0" indent="0" algn="r">
               <a:buNone/>
             </a:pPr>
             <a:r>
-              <a:rPr lang="en-US" dirty="0">
-                <a:hlinkClick r:id="rId3"/>
-              </a:rPr>
-              <a:t>OpenTracing</a:t>
-            </a:r>
-            <a:r>
-              <a:rPr lang="en-US" dirty="0"/>
-              <a:t> – vendor-neutral specification</a:t>
+              <a:rPr lang="en-US" dirty="0"/>
+              <a:t>p.s.</a:t>
+            </a:r>
+          </a:p>
+          <a:p>
+            <a:pPr marL="0" indent="0" algn="r">
+              <a:buNone/>
+            </a:pPr>
+            <a:r>
+              <a:rPr lang="en-US" dirty="0"/>
+              <a:t>Internal and External SLO often are different</a:t>
             </a:r>
           </a:p>
         </p:txBody>
@@ -15368,7 +16070,7 @@
     </p:spTree>
     <p:extLst>
       <p:ext uri="{BB962C8B-B14F-4D97-AF65-F5344CB8AC3E}">
-        <p14:creationId xmlns:p14="http://schemas.microsoft.com/office/powerpoint/2010/main" val="1663745761"/>
+        <p14:creationId xmlns:p14="http://schemas.microsoft.com/office/powerpoint/2010/main" val="491266559"/>
       </p:ext>
     </p:extLst>
   </p:cSld>
@@ -15418,7 +16120,7 @@
           <a:p>
             <a:r>
               <a:rPr lang="en-US" dirty="0"/>
-              <a:t>Monitoring and Observability: Traces</a:t>
+              <a:t>Monitoring and Observability: Metrics</a:t>
             </a:r>
           </a:p>
         </p:txBody>
@@ -15441,96 +16143,24 @@
         </p:nvSpPr>
         <p:spPr/>
         <p:txBody>
-          <a:bodyPr/>
-          <a:lstStyle/>
-          <a:p>
-            <a:pPr marL="0" indent="0">
+          <a:bodyPr anchor="ctr"/>
+          <a:lstStyle/>
+          <a:p>
+            <a:pPr marL="0" indent="0" algn="ctr">
               <a:buNone/>
             </a:pPr>
             <a:r>
-              <a:rPr lang="en-US" dirty="0"/>
-              <a:t>OpenTracing introduces data model:</a:t>
-            </a:r>
-          </a:p>
-          <a:p>
-            <a:r>
-              <a:rPr lang="en-US" i="1" dirty="0"/>
-              <a:t>Trace</a:t>
-            </a:r>
-            <a:r>
-              <a:rPr lang="en-US" dirty="0"/>
-              <a:t> is directed acyclic graph (DAG)</a:t>
-            </a:r>
-          </a:p>
-          <a:p>
-            <a:r>
-              <a:rPr lang="en-US" dirty="0"/>
-              <a:t>Each edge of this graph is named </a:t>
-            </a:r>
-            <a:r>
-              <a:rPr lang="en-US" i="1" dirty="0"/>
-              <a:t>Span</a:t>
-            </a:r>
-          </a:p>
-          <a:p>
-            <a:r>
-              <a:rPr lang="en-US" i="1" dirty="0"/>
-              <a:t>Spans</a:t>
-            </a:r>
-            <a:r>
-              <a:rPr lang="en-US" dirty="0"/>
-              <a:t> could have two relation types: </a:t>
-            </a:r>
-            <a:r>
-              <a:rPr lang="en-US" i="1" dirty="0" err="1"/>
-              <a:t>ChildOf</a:t>
-            </a:r>
-            <a:r>
-              <a:rPr lang="en-US" dirty="0"/>
-              <a:t> and </a:t>
-            </a:r>
-            <a:r>
-              <a:rPr lang="en-US" i="1" dirty="0" err="1"/>
-              <a:t>FollowsFrom</a:t>
-            </a:r>
-            <a:endParaRPr lang="en-US" i="1" dirty="0"/>
-          </a:p>
-          <a:p>
-            <a:r>
-              <a:rPr lang="en-US" i="1" dirty="0"/>
-              <a:t>Spans</a:t>
-            </a:r>
-            <a:r>
-              <a:rPr lang="en-US" dirty="0"/>
-              <a:t> can have associated </a:t>
-            </a:r>
-            <a:r>
-              <a:rPr lang="en-US" i="1" dirty="0"/>
-              <a:t>Logs</a:t>
-            </a:r>
-            <a:r>
-              <a:rPr lang="en-US" dirty="0"/>
-              <a:t>, </a:t>
-            </a:r>
-            <a:r>
-              <a:rPr lang="en-US" i="1" dirty="0"/>
-              <a:t>Tags</a:t>
-            </a:r>
-            <a:r>
-              <a:rPr lang="en-US" dirty="0"/>
-              <a:t>, </a:t>
-            </a:r>
-            <a:r>
-              <a:rPr lang="en-US" i="1" dirty="0"/>
-              <a:t>Context</a:t>
-            </a:r>
+              <a:rPr lang="en-US" sz="3600" dirty="0"/>
+              <a:t>Demo</a:t>
+            </a:r>
+            <a:endParaRPr lang="en-US" dirty="0"/>
           </a:p>
         </p:txBody>
       </p:sp>
     </p:spTree>
     <p:extLst>
       <p:ext uri="{BB962C8B-B14F-4D97-AF65-F5344CB8AC3E}">
-        <p14:creationId xmlns:p14="http://schemas.microsoft.com/office/powerpoint/2010/main" val="3965571750"/>
+        <p14:creationId xmlns:p14="http://schemas.microsoft.com/office/powerpoint/2010/main" val="2473593363"/>
       </p:ext>
     </p:extLst>
   </p:cSld>
@@ -15585,77 +16215,41 @@
           </a:p>
         </p:txBody>
       </p:sp>
-      <p:pic>
-        <p:nvPicPr>
-          <p:cNvPr id="5" name="Content Placeholder 4">
-            <a:extLst>
-              <a:ext uri="{FF2B5EF4-FFF2-40B4-BE49-F238E27FC236}">
-                <a16:creationId xmlns:a16="http://schemas.microsoft.com/office/drawing/2014/main" id="{9C3060F6-E8A2-4552-B445-D21004D60A86}"/>
-              </a:ext>
-            </a:extLst>
-          </p:cNvPr>
-          <p:cNvPicPr>
-            <a:picLocks noGrp="1" noChangeAspect="1"/>
-          </p:cNvPicPr>
+      <p:sp>
+        <p:nvSpPr>
+          <p:cNvPr id="3" name="Content Placeholder 2">
+            <a:extLst>
+              <a:ext uri="{FF2B5EF4-FFF2-40B4-BE49-F238E27FC236}">
+                <a16:creationId xmlns:a16="http://schemas.microsoft.com/office/drawing/2014/main" id="{AE3F0B5C-ACCE-4F53-A9D1-641797D8C52C}"/>
+              </a:ext>
+            </a:extLst>
+          </p:cNvPr>
+          <p:cNvSpPr>
+            <a:spLocks noGrp="1"/>
+          </p:cNvSpPr>
           <p:nvPr>
             <p:ph idx="1"/>
           </p:nvPr>
-        </p:nvPicPr>
-        <p:blipFill>
-          <a:blip r:embed="rId3"/>
-          <a:stretch>
-            <a:fillRect/>
-          </a:stretch>
-        </p:blipFill>
-        <p:spPr>
-          <a:xfrm>
-            <a:off x="3638207" y="2353239"/>
-            <a:ext cx="4915586" cy="3296110"/>
-          </a:xfrm>
-        </p:spPr>
-      </p:pic>
-      <p:sp>
-        <p:nvSpPr>
-          <p:cNvPr id="6" name="TextBox 5">
-            <a:extLst>
-              <a:ext uri="{FF2B5EF4-FFF2-40B4-BE49-F238E27FC236}">
-                <a16:creationId xmlns:a16="http://schemas.microsoft.com/office/drawing/2014/main" id="{DD857FA1-5FE8-4B7E-A846-B2F8DC2ABCB4}"/>
-              </a:ext>
-            </a:extLst>
-          </p:cNvPr>
-          <p:cNvSpPr txBox="1"/>
-          <p:nvPr/>
-        </p:nvSpPr>
-        <p:spPr>
-          <a:xfrm>
-            <a:off x="4036978" y="6185098"/>
-            <a:ext cx="7976681" cy="307777"/>
-          </a:xfrm>
-          <a:prstGeom prst="rect">
-            <a:avLst/>
-          </a:prstGeom>
-          <a:noFill/>
-        </p:spPr>
-        <p:txBody>
-          <a:bodyPr wrap="square">
-            <a:spAutoFit/>
-          </a:bodyPr>
-          <a:lstStyle/>
-          <a:p>
-            <a:r>
-              <a:rPr lang="en-US" sz="1400" dirty="0">
-                <a:hlinkClick r:id="rId4"/>
-              </a:rPr>
-              <a:t>https://github.com/opentracing/specification/blob/master/specification.md#the-opentracing-data-model</a:t>
-            </a:r>
-            <a:endParaRPr lang="en-US" sz="1400" dirty="0"/>
+        </p:nvSpPr>
+        <p:spPr/>
+        <p:txBody>
+          <a:bodyPr/>
+          <a:lstStyle/>
+          <a:p>
+            <a:pPr marL="0" indent="0">
+              <a:buNone/>
+            </a:pPr>
+            <a:r>
+              <a:rPr lang="en-US" dirty="0"/>
+              <a:t>Finding logs and metrics associated with the same action/request could be tricky in a distributed system.</a:t>
+            </a:r>
           </a:p>
         </p:txBody>
       </p:sp>
     </p:spTree>
     <p:extLst>
       <p:ext uri="{BB962C8B-B14F-4D97-AF65-F5344CB8AC3E}">
-        <p14:creationId xmlns:p14="http://schemas.microsoft.com/office/powerpoint/2010/main" val="1373882622"/>
+        <p14:creationId xmlns:p14="http://schemas.microsoft.com/office/powerpoint/2010/main" val="4094882183"/>
       </p:ext>
     </p:extLst>
   </p:cSld>
@@ -15710,6 +16304,585 @@
           </a:p>
         </p:txBody>
       </p:sp>
+      <p:sp>
+        <p:nvSpPr>
+          <p:cNvPr id="3" name="Content Placeholder 2">
+            <a:extLst>
+              <a:ext uri="{FF2B5EF4-FFF2-40B4-BE49-F238E27FC236}">
+                <a16:creationId xmlns:a16="http://schemas.microsoft.com/office/drawing/2014/main" id="{AE3F0B5C-ACCE-4F53-A9D1-641797D8C52C}"/>
+              </a:ext>
+            </a:extLst>
+          </p:cNvPr>
+          <p:cNvSpPr>
+            <a:spLocks noGrp="1"/>
+          </p:cNvSpPr>
+          <p:nvPr>
+            <p:ph idx="1"/>
+          </p:nvPr>
+        </p:nvSpPr>
+        <p:spPr/>
+        <p:txBody>
+          <a:bodyPr/>
+          <a:lstStyle/>
+          <a:p>
+            <a:pPr marL="0" indent="0">
+              <a:buNone/>
+            </a:pPr>
+            <a:r>
+              <a:rPr lang="en-US" dirty="0"/>
+              <a:t>Tracing is an attempt to address this problem. </a:t>
+            </a:r>
+          </a:p>
+          <a:p>
+            <a:pPr marL="0" indent="0">
+              <a:buNone/>
+            </a:pPr>
+            <a:endParaRPr lang="en-US" dirty="0"/>
+          </a:p>
+          <a:p>
+            <a:pPr marL="0" indent="0">
+              <a:buNone/>
+            </a:pPr>
+            <a:r>
+              <a:rPr lang="en-US" dirty="0"/>
+              <a:t>Trace represents the entire journey of a request/action as it moves through all the nodes/modules of a distributed system.</a:t>
+            </a:r>
+          </a:p>
+        </p:txBody>
+      </p:sp>
+    </p:spTree>
+    <p:extLst>
+      <p:ext uri="{BB962C8B-B14F-4D97-AF65-F5344CB8AC3E}">
+        <p14:creationId xmlns:p14="http://schemas.microsoft.com/office/powerpoint/2010/main" val="1801329741"/>
+      </p:ext>
+    </p:extLst>
+  </p:cSld>
+  <p:clrMapOvr>
+    <a:masterClrMapping/>
+  </p:clrMapOvr>
+</p:sld>
+</file>
+
+<file path=ppt/slides/slide57.xml><?xml version="1.0" encoding="utf-8"?>
+<p:sld xmlns:a="http://schemas.openxmlformats.org/drawingml/2006/main" xmlns:r="http://schemas.openxmlformats.org/officeDocument/2006/relationships" xmlns:p="http://schemas.openxmlformats.org/presentationml/2006/main">
+  <p:cSld>
+    <p:spTree>
+      <p:nvGrpSpPr>
+        <p:cNvPr id="1" name=""/>
+        <p:cNvGrpSpPr/>
+        <p:nvPr/>
+      </p:nvGrpSpPr>
+      <p:grpSpPr>
+        <a:xfrm>
+          <a:off x="0" y="0"/>
+          <a:ext cx="0" cy="0"/>
+          <a:chOff x="0" y="0"/>
+          <a:chExt cx="0" cy="0"/>
+        </a:xfrm>
+      </p:grpSpPr>
+      <p:sp>
+        <p:nvSpPr>
+          <p:cNvPr id="2" name="Title 1">
+            <a:extLst>
+              <a:ext uri="{FF2B5EF4-FFF2-40B4-BE49-F238E27FC236}">
+                <a16:creationId xmlns:a16="http://schemas.microsoft.com/office/drawing/2014/main" id="{A26A8A0A-320E-4536-BFF8-C2E9FC542DEC}"/>
+              </a:ext>
+            </a:extLst>
+          </p:cNvPr>
+          <p:cNvSpPr>
+            <a:spLocks noGrp="1"/>
+          </p:cNvSpPr>
+          <p:nvPr>
+            <p:ph type="title"/>
+          </p:nvPr>
+        </p:nvSpPr>
+        <p:spPr/>
+        <p:txBody>
+          <a:bodyPr/>
+          <a:lstStyle/>
+          <a:p>
+            <a:r>
+              <a:rPr lang="en-US" dirty="0"/>
+              <a:t>Monitoring and Observability: Traces</a:t>
+            </a:r>
+          </a:p>
+        </p:txBody>
+      </p:sp>
+      <p:sp>
+        <p:nvSpPr>
+          <p:cNvPr id="3" name="Content Placeholder 2">
+            <a:extLst>
+              <a:ext uri="{FF2B5EF4-FFF2-40B4-BE49-F238E27FC236}">
+                <a16:creationId xmlns:a16="http://schemas.microsoft.com/office/drawing/2014/main" id="{AE3F0B5C-ACCE-4F53-A9D1-641797D8C52C}"/>
+              </a:ext>
+            </a:extLst>
+          </p:cNvPr>
+          <p:cNvSpPr>
+            <a:spLocks noGrp="1"/>
+          </p:cNvSpPr>
+          <p:nvPr>
+            <p:ph idx="1"/>
+          </p:nvPr>
+        </p:nvSpPr>
+        <p:spPr/>
+        <p:txBody>
+          <a:bodyPr/>
+          <a:lstStyle/>
+          <a:p>
+            <a:pPr marL="0" indent="0">
+              <a:buNone/>
+            </a:pPr>
+            <a:r>
+              <a:rPr lang="en-US" dirty="0" err="1">
+                <a:hlinkClick r:id="rId3"/>
+              </a:rPr>
+              <a:t>OpenTelemetry</a:t>
+            </a:r>
+            <a:r>
+              <a:rPr lang="en-US" dirty="0"/>
+              <a:t> proposes vendor-neutral specification for trace model</a:t>
+            </a:r>
+          </a:p>
+        </p:txBody>
+      </p:sp>
+    </p:spTree>
+    <p:extLst>
+      <p:ext uri="{BB962C8B-B14F-4D97-AF65-F5344CB8AC3E}">
+        <p14:creationId xmlns:p14="http://schemas.microsoft.com/office/powerpoint/2010/main" val="1663745761"/>
+      </p:ext>
+    </p:extLst>
+  </p:cSld>
+  <p:clrMapOvr>
+    <a:masterClrMapping/>
+  </p:clrMapOvr>
+</p:sld>
+</file>
+
+<file path=ppt/slides/slide58.xml><?xml version="1.0" encoding="utf-8"?>
+<p:sld xmlns:a="http://schemas.openxmlformats.org/drawingml/2006/main" xmlns:r="http://schemas.openxmlformats.org/officeDocument/2006/relationships" xmlns:p="http://schemas.openxmlformats.org/presentationml/2006/main">
+  <p:cSld>
+    <p:spTree>
+      <p:nvGrpSpPr>
+        <p:cNvPr id="1" name=""/>
+        <p:cNvGrpSpPr/>
+        <p:nvPr/>
+      </p:nvGrpSpPr>
+      <p:grpSpPr>
+        <a:xfrm>
+          <a:off x="0" y="0"/>
+          <a:ext cx="0" cy="0"/>
+          <a:chOff x="0" y="0"/>
+          <a:chExt cx="0" cy="0"/>
+        </a:xfrm>
+      </p:grpSpPr>
+      <p:sp>
+        <p:nvSpPr>
+          <p:cNvPr id="2" name="Title 1">
+            <a:extLst>
+              <a:ext uri="{FF2B5EF4-FFF2-40B4-BE49-F238E27FC236}">
+                <a16:creationId xmlns:a16="http://schemas.microsoft.com/office/drawing/2014/main" id="{A26A8A0A-320E-4536-BFF8-C2E9FC542DEC}"/>
+              </a:ext>
+            </a:extLst>
+          </p:cNvPr>
+          <p:cNvSpPr>
+            <a:spLocks noGrp="1"/>
+          </p:cNvSpPr>
+          <p:nvPr>
+            <p:ph type="title"/>
+          </p:nvPr>
+        </p:nvSpPr>
+        <p:spPr/>
+        <p:txBody>
+          <a:bodyPr/>
+          <a:lstStyle/>
+          <a:p>
+            <a:r>
+              <a:rPr lang="en-US" dirty="0"/>
+              <a:t>Monitoring and Observability: Traces</a:t>
+            </a:r>
+          </a:p>
+        </p:txBody>
+      </p:sp>
+      <p:sp>
+        <p:nvSpPr>
+          <p:cNvPr id="3" name="Content Placeholder 2">
+            <a:extLst>
+              <a:ext uri="{FF2B5EF4-FFF2-40B4-BE49-F238E27FC236}">
+                <a16:creationId xmlns:a16="http://schemas.microsoft.com/office/drawing/2014/main" id="{AE3F0B5C-ACCE-4F53-A9D1-641797D8C52C}"/>
+              </a:ext>
+            </a:extLst>
+          </p:cNvPr>
+          <p:cNvSpPr>
+            <a:spLocks noGrp="1"/>
+          </p:cNvSpPr>
+          <p:nvPr>
+            <p:ph idx="1"/>
+          </p:nvPr>
+        </p:nvSpPr>
+        <p:spPr/>
+        <p:txBody>
+          <a:bodyPr/>
+          <a:lstStyle/>
+          <a:p>
+            <a:pPr marL="0" indent="0">
+              <a:buNone/>
+            </a:pPr>
+            <a:r>
+              <a:rPr lang="en-US" dirty="0" err="1"/>
+              <a:t>OpenTelemetry</a:t>
+            </a:r>
+            <a:r>
+              <a:rPr lang="en-US" dirty="0"/>
+              <a:t> introduces data model:</a:t>
+            </a:r>
+          </a:p>
+          <a:p>
+            <a:r>
+              <a:rPr lang="en-US" i="1" dirty="0"/>
+              <a:t>Trace</a:t>
+            </a:r>
+            <a:r>
+              <a:rPr lang="en-US" dirty="0"/>
+              <a:t> is directed acyclic graph (DAG)</a:t>
+            </a:r>
+          </a:p>
+          <a:p>
+            <a:r>
+              <a:rPr lang="en-US" dirty="0"/>
+              <a:t>Each edge of this graph is named </a:t>
+            </a:r>
+            <a:r>
+              <a:rPr lang="en-US" i="1" dirty="0"/>
+              <a:t>Span</a:t>
+            </a:r>
+          </a:p>
+          <a:p>
+            <a:r>
+              <a:rPr lang="en-US" i="1" dirty="0"/>
+              <a:t>Spans</a:t>
+            </a:r>
+            <a:r>
+              <a:rPr lang="en-US" dirty="0"/>
+              <a:t> could have two relation types: </a:t>
+            </a:r>
+            <a:r>
+              <a:rPr lang="en-US" i="1" dirty="0" err="1"/>
+              <a:t>ChildOf</a:t>
+            </a:r>
+            <a:r>
+              <a:rPr lang="en-US" dirty="0"/>
+              <a:t> and </a:t>
+            </a:r>
+            <a:r>
+              <a:rPr lang="en-US" i="1" dirty="0" err="1"/>
+              <a:t>FollowsFrom</a:t>
+            </a:r>
+            <a:endParaRPr lang="en-US" i="1" dirty="0"/>
+          </a:p>
+          <a:p>
+            <a:r>
+              <a:rPr lang="en-US" i="1" dirty="0"/>
+              <a:t>Spans</a:t>
+            </a:r>
+            <a:r>
+              <a:rPr lang="en-US" dirty="0"/>
+              <a:t> can have associated </a:t>
+            </a:r>
+            <a:r>
+              <a:rPr lang="en-US" i="1" dirty="0"/>
+              <a:t>Timestamp, Attributes, Links</a:t>
+            </a:r>
+            <a:r>
+              <a:rPr lang="en-US" dirty="0"/>
+              <a:t>, </a:t>
+            </a:r>
+            <a:r>
+              <a:rPr lang="en-US" i="1" dirty="0"/>
+              <a:t>Context</a:t>
+            </a:r>
+          </a:p>
+        </p:txBody>
+      </p:sp>
+    </p:spTree>
+    <p:extLst>
+      <p:ext uri="{BB962C8B-B14F-4D97-AF65-F5344CB8AC3E}">
+        <p14:creationId xmlns:p14="http://schemas.microsoft.com/office/powerpoint/2010/main" val="3965571750"/>
+      </p:ext>
+    </p:extLst>
+  </p:cSld>
+  <p:clrMapOvr>
+    <a:masterClrMapping/>
+  </p:clrMapOvr>
+</p:sld>
+</file>
+
+<file path=ppt/slides/slide59.xml><?xml version="1.0" encoding="utf-8"?>
+<p:sld xmlns:a="http://schemas.openxmlformats.org/drawingml/2006/main" xmlns:r="http://schemas.openxmlformats.org/officeDocument/2006/relationships" xmlns:p="http://schemas.openxmlformats.org/presentationml/2006/main">
+  <p:cSld>
+    <p:spTree>
+      <p:nvGrpSpPr>
+        <p:cNvPr id="1" name=""/>
+        <p:cNvGrpSpPr/>
+        <p:nvPr/>
+      </p:nvGrpSpPr>
+      <p:grpSpPr>
+        <a:xfrm>
+          <a:off x="0" y="0"/>
+          <a:ext cx="0" cy="0"/>
+          <a:chOff x="0" y="0"/>
+          <a:chExt cx="0" cy="0"/>
+        </a:xfrm>
+      </p:grpSpPr>
+      <p:sp>
+        <p:nvSpPr>
+          <p:cNvPr id="2" name="Title 1">
+            <a:extLst>
+              <a:ext uri="{FF2B5EF4-FFF2-40B4-BE49-F238E27FC236}">
+                <a16:creationId xmlns:a16="http://schemas.microsoft.com/office/drawing/2014/main" id="{A26A8A0A-320E-4536-BFF8-C2E9FC542DEC}"/>
+              </a:ext>
+            </a:extLst>
+          </p:cNvPr>
+          <p:cNvSpPr>
+            <a:spLocks noGrp="1"/>
+          </p:cNvSpPr>
+          <p:nvPr>
+            <p:ph type="title"/>
+          </p:nvPr>
+        </p:nvSpPr>
+        <p:spPr/>
+        <p:txBody>
+          <a:bodyPr/>
+          <a:lstStyle/>
+          <a:p>
+            <a:r>
+              <a:rPr lang="en-US" dirty="0"/>
+              <a:t>Monitoring and Observability: Traces</a:t>
+            </a:r>
+          </a:p>
+        </p:txBody>
+      </p:sp>
+      <p:pic>
+        <p:nvPicPr>
+          <p:cNvPr id="5" name="Content Placeholder 4">
+            <a:extLst>
+              <a:ext uri="{FF2B5EF4-FFF2-40B4-BE49-F238E27FC236}">
+                <a16:creationId xmlns:a16="http://schemas.microsoft.com/office/drawing/2014/main" id="{9C3060F6-E8A2-4552-B445-D21004D60A86}"/>
+              </a:ext>
+            </a:extLst>
+          </p:cNvPr>
+          <p:cNvPicPr>
+            <a:picLocks noGrp="1" noChangeAspect="1"/>
+          </p:cNvPicPr>
+          <p:nvPr>
+            <p:ph idx="1"/>
+          </p:nvPr>
+        </p:nvPicPr>
+        <p:blipFill>
+          <a:blip r:embed="rId3"/>
+          <a:stretch>
+            <a:fillRect/>
+          </a:stretch>
+        </p:blipFill>
+        <p:spPr>
+          <a:xfrm>
+            <a:off x="3638207" y="2353239"/>
+            <a:ext cx="4915586" cy="3296110"/>
+          </a:xfrm>
+        </p:spPr>
+      </p:pic>
+      <p:sp>
+        <p:nvSpPr>
+          <p:cNvPr id="6" name="TextBox 5">
+            <a:extLst>
+              <a:ext uri="{FF2B5EF4-FFF2-40B4-BE49-F238E27FC236}">
+                <a16:creationId xmlns:a16="http://schemas.microsoft.com/office/drawing/2014/main" id="{DD857FA1-5FE8-4B7E-A846-B2F8DC2ABCB4}"/>
+              </a:ext>
+            </a:extLst>
+          </p:cNvPr>
+          <p:cNvSpPr txBox="1"/>
+          <p:nvPr/>
+        </p:nvSpPr>
+        <p:spPr>
+          <a:xfrm>
+            <a:off x="4036978" y="6185098"/>
+            <a:ext cx="7976681" cy="307777"/>
+          </a:xfrm>
+          <a:prstGeom prst="rect">
+            <a:avLst/>
+          </a:prstGeom>
+          <a:noFill/>
+        </p:spPr>
+        <p:txBody>
+          <a:bodyPr wrap="square">
+            <a:spAutoFit/>
+          </a:bodyPr>
+          <a:lstStyle/>
+          <a:p>
+            <a:r>
+              <a:rPr lang="en-US" sz="1400" dirty="0">
+                <a:hlinkClick r:id="rId4"/>
+              </a:rPr>
+              <a:t>https://github.com/opentracing/specification/blob/master/specification.md#the-opentracing-data-model</a:t>
+            </a:r>
+            <a:endParaRPr lang="en-US" sz="1400" dirty="0"/>
+          </a:p>
+        </p:txBody>
+      </p:sp>
+    </p:spTree>
+    <p:extLst>
+      <p:ext uri="{BB962C8B-B14F-4D97-AF65-F5344CB8AC3E}">
+        <p14:creationId xmlns:p14="http://schemas.microsoft.com/office/powerpoint/2010/main" val="1373882622"/>
+      </p:ext>
+    </p:extLst>
+  </p:cSld>
+  <p:clrMapOvr>
+    <a:masterClrMapping/>
+  </p:clrMapOvr>
+</p:sld>
+</file>
+
+<file path=ppt/slides/slide6.xml><?xml version="1.0" encoding="utf-8"?>
+<p:sld xmlns:a="http://schemas.openxmlformats.org/drawingml/2006/main" xmlns:r="http://schemas.openxmlformats.org/officeDocument/2006/relationships" xmlns:p="http://schemas.openxmlformats.org/presentationml/2006/main">
+  <p:cSld>
+    <p:spTree>
+      <p:nvGrpSpPr>
+        <p:cNvPr id="1" name=""/>
+        <p:cNvGrpSpPr/>
+        <p:nvPr/>
+      </p:nvGrpSpPr>
+      <p:grpSpPr>
+        <a:xfrm>
+          <a:off x="0" y="0"/>
+          <a:ext cx="0" cy="0"/>
+          <a:chOff x="0" y="0"/>
+          <a:chExt cx="0" cy="0"/>
+        </a:xfrm>
+      </p:grpSpPr>
+      <p:sp>
+        <p:nvSpPr>
+          <p:cNvPr id="2" name="Title 1">
+            <a:extLst>
+              <a:ext uri="{FF2B5EF4-FFF2-40B4-BE49-F238E27FC236}">
+                <a16:creationId xmlns:a16="http://schemas.microsoft.com/office/drawing/2014/main" id="{A26A8A0A-320E-4536-BFF8-C2E9FC542DEC}"/>
+              </a:ext>
+            </a:extLst>
+          </p:cNvPr>
+          <p:cNvSpPr>
+            <a:spLocks noGrp="1"/>
+          </p:cNvSpPr>
+          <p:nvPr>
+            <p:ph type="title"/>
+          </p:nvPr>
+        </p:nvSpPr>
+        <p:spPr/>
+        <p:txBody>
+          <a:bodyPr/>
+          <a:lstStyle/>
+          <a:p>
+            <a:r>
+              <a:rPr lang="en-US" dirty="0"/>
+              <a:t>Pricing</a:t>
+            </a:r>
+          </a:p>
+        </p:txBody>
+      </p:sp>
+      <p:sp>
+        <p:nvSpPr>
+          <p:cNvPr id="3" name="Content Placeholder 2">
+            <a:extLst>
+              <a:ext uri="{FF2B5EF4-FFF2-40B4-BE49-F238E27FC236}">
+                <a16:creationId xmlns:a16="http://schemas.microsoft.com/office/drawing/2014/main" id="{AE3F0B5C-ACCE-4F53-A9D1-641797D8C52C}"/>
+              </a:ext>
+            </a:extLst>
+          </p:cNvPr>
+          <p:cNvSpPr>
+            <a:spLocks noGrp="1"/>
+          </p:cNvSpPr>
+          <p:nvPr>
+            <p:ph idx="1"/>
+          </p:nvPr>
+        </p:nvSpPr>
+        <p:spPr/>
+        <p:txBody>
+          <a:bodyPr/>
+          <a:lstStyle/>
+          <a:p>
+            <a:pPr marL="0" indent="0">
+              <a:buNone/>
+            </a:pPr>
+            <a:r>
+              <a:rPr lang="en-US" dirty="0">
+                <a:solidFill>
+                  <a:schemeClr val="accent1"/>
+                </a:solidFill>
+              </a:rPr>
+              <a:t>Pay-as-you-go</a:t>
+            </a:r>
+            <a:r>
+              <a:rPr lang="en-US" dirty="0"/>
+              <a:t> (on-demand) – pay according to consumption</a:t>
+            </a:r>
+          </a:p>
+        </p:txBody>
+      </p:sp>
+    </p:spTree>
+    <p:extLst>
+      <p:ext uri="{BB962C8B-B14F-4D97-AF65-F5344CB8AC3E}">
+        <p14:creationId xmlns:p14="http://schemas.microsoft.com/office/powerpoint/2010/main" val="2129318340"/>
+      </p:ext>
+    </p:extLst>
+  </p:cSld>
+  <p:clrMapOvr>
+    <a:masterClrMapping/>
+  </p:clrMapOvr>
+</p:sld>
+</file>
+
+<file path=ppt/slides/slide60.xml><?xml version="1.0" encoding="utf-8"?>
+<p:sld xmlns:a="http://schemas.openxmlformats.org/drawingml/2006/main" xmlns:r="http://schemas.openxmlformats.org/officeDocument/2006/relationships" xmlns:p="http://schemas.openxmlformats.org/presentationml/2006/main">
+  <p:cSld>
+    <p:spTree>
+      <p:nvGrpSpPr>
+        <p:cNvPr id="1" name=""/>
+        <p:cNvGrpSpPr/>
+        <p:nvPr/>
+      </p:nvGrpSpPr>
+      <p:grpSpPr>
+        <a:xfrm>
+          <a:off x="0" y="0"/>
+          <a:ext cx="0" cy="0"/>
+          <a:chOff x="0" y="0"/>
+          <a:chExt cx="0" cy="0"/>
+        </a:xfrm>
+      </p:grpSpPr>
+      <p:sp>
+        <p:nvSpPr>
+          <p:cNvPr id="2" name="Title 1">
+            <a:extLst>
+              <a:ext uri="{FF2B5EF4-FFF2-40B4-BE49-F238E27FC236}">
+                <a16:creationId xmlns:a16="http://schemas.microsoft.com/office/drawing/2014/main" id="{A26A8A0A-320E-4536-BFF8-C2E9FC542DEC}"/>
+              </a:ext>
+            </a:extLst>
+          </p:cNvPr>
+          <p:cNvSpPr>
+            <a:spLocks noGrp="1"/>
+          </p:cNvSpPr>
+          <p:nvPr>
+            <p:ph type="title"/>
+          </p:nvPr>
+        </p:nvSpPr>
+        <p:spPr/>
+        <p:txBody>
+          <a:bodyPr/>
+          <a:lstStyle/>
+          <a:p>
+            <a:r>
+              <a:rPr lang="en-US" dirty="0"/>
+              <a:t>Monitoring and Observability: Traces</a:t>
+            </a:r>
+          </a:p>
+        </p:txBody>
+      </p:sp>
       <p:pic>
         <p:nvPicPr>
           <p:cNvPr id="7" name="Content Placeholder 6">
@@ -15790,7 +16963,7 @@
 </p:sld>
 </file>
 
-<file path=ppt/slides/slide57.xml><?xml version="1.0" encoding="utf-8"?>
+<file path=ppt/slides/slide61.xml><?xml version="1.0" encoding="utf-8"?>
 <p:sld xmlns:a="http://schemas.openxmlformats.org/drawingml/2006/main" xmlns:r="http://schemas.openxmlformats.org/officeDocument/2006/relationships" xmlns:p="http://schemas.openxmlformats.org/presentationml/2006/main">
   <p:cSld>
     <p:spTree>
@@ -15878,518 +17051,6 @@
 </p:sld>
 </file>
 
-<file path=ppt/slides/slide58.xml><?xml version="1.0" encoding="utf-8"?>
-<p:sld xmlns:a="http://schemas.openxmlformats.org/drawingml/2006/main" xmlns:r="http://schemas.openxmlformats.org/officeDocument/2006/relationships" xmlns:p="http://schemas.openxmlformats.org/presentationml/2006/main">
-  <p:cSld>
-    <p:spTree>
-      <p:nvGrpSpPr>
-        <p:cNvPr id="1" name=""/>
-        <p:cNvGrpSpPr/>
-        <p:nvPr/>
-      </p:nvGrpSpPr>
-      <p:grpSpPr>
-        <a:xfrm>
-          <a:off x="0" y="0"/>
-          <a:ext cx="0" cy="0"/>
-          <a:chOff x="0" y="0"/>
-          <a:chExt cx="0" cy="0"/>
-        </a:xfrm>
-      </p:grpSpPr>
-      <p:sp>
-        <p:nvSpPr>
-          <p:cNvPr id="2" name="Title 1">
-            <a:extLst>
-              <a:ext uri="{FF2B5EF4-FFF2-40B4-BE49-F238E27FC236}">
-                <a16:creationId xmlns:a16="http://schemas.microsoft.com/office/drawing/2014/main" id="{A26A8A0A-320E-4536-BFF8-C2E9FC542DEC}"/>
-              </a:ext>
-            </a:extLst>
-          </p:cNvPr>
-          <p:cNvSpPr>
-            <a:spLocks noGrp="1"/>
-          </p:cNvSpPr>
-          <p:nvPr>
-            <p:ph type="title"/>
-          </p:nvPr>
-        </p:nvSpPr>
-        <p:spPr/>
-        <p:txBody>
-          <a:bodyPr/>
-          <a:lstStyle/>
-          <a:p>
-            <a:r>
-              <a:rPr lang="en-US" dirty="0"/>
-              <a:t>Monitoring and Observability: Traces</a:t>
-            </a:r>
-          </a:p>
-        </p:txBody>
-      </p:sp>
-      <p:sp>
-        <p:nvSpPr>
-          <p:cNvPr id="3" name="Content Placeholder 2">
-            <a:extLst>
-              <a:ext uri="{FF2B5EF4-FFF2-40B4-BE49-F238E27FC236}">
-                <a16:creationId xmlns:a16="http://schemas.microsoft.com/office/drawing/2014/main" id="{AE3F0B5C-ACCE-4F53-A9D1-641797D8C52C}"/>
-              </a:ext>
-            </a:extLst>
-          </p:cNvPr>
-          <p:cNvSpPr>
-            <a:spLocks noGrp="1"/>
-          </p:cNvSpPr>
-          <p:nvPr>
-            <p:ph idx="1"/>
-          </p:nvPr>
-        </p:nvSpPr>
-        <p:spPr/>
-        <p:txBody>
-          <a:bodyPr/>
-          <a:lstStyle/>
-          <a:p>
-            <a:pPr marL="0" indent="0">
-              <a:buNone/>
-            </a:pPr>
-            <a:r>
-              <a:rPr lang="en-US" dirty="0"/>
-              <a:t>To build a trace:</a:t>
-            </a:r>
-          </a:p>
-          <a:p>
-            <a:r>
-              <a:rPr lang="en-US" dirty="0"/>
-              <a:t>Propagate </a:t>
-            </a:r>
-            <a:r>
-              <a:rPr lang="en-US" i="1" dirty="0"/>
-              <a:t>trace-id </a:t>
-            </a:r>
-            <a:r>
-              <a:rPr lang="en-US" dirty="0"/>
-              <a:t>with each request</a:t>
-            </a:r>
-          </a:p>
-          <a:p>
-            <a:r>
-              <a:rPr lang="en-US" dirty="0"/>
-              <a:t>Write events with attached </a:t>
-            </a:r>
-            <a:r>
-              <a:rPr lang="en-US" i="1" dirty="0"/>
-              <a:t>trace-id</a:t>
-            </a:r>
-          </a:p>
-          <a:p>
-            <a:r>
-              <a:rPr lang="en-US" dirty="0"/>
-              <a:t>Aggregate events from all the services into a single storage</a:t>
-            </a:r>
-          </a:p>
-          <a:p>
-            <a:r>
-              <a:rPr lang="en-US" dirty="0"/>
-              <a:t>Group all events from the storage that have the same </a:t>
-            </a:r>
-            <a:r>
-              <a:rPr lang="en-US" i="1" dirty="0"/>
-              <a:t>trace-id</a:t>
-            </a:r>
-          </a:p>
-        </p:txBody>
-      </p:sp>
-    </p:spTree>
-    <p:extLst>
-      <p:ext uri="{BB962C8B-B14F-4D97-AF65-F5344CB8AC3E}">
-        <p14:creationId xmlns:p14="http://schemas.microsoft.com/office/powerpoint/2010/main" val="971152069"/>
-      </p:ext>
-    </p:extLst>
-  </p:cSld>
-  <p:clrMapOvr>
-    <a:masterClrMapping/>
-  </p:clrMapOvr>
-</p:sld>
-</file>
-
-<file path=ppt/slides/slide59.xml><?xml version="1.0" encoding="utf-8"?>
-<p:sld xmlns:a="http://schemas.openxmlformats.org/drawingml/2006/main" xmlns:r="http://schemas.openxmlformats.org/officeDocument/2006/relationships" xmlns:p="http://schemas.openxmlformats.org/presentationml/2006/main">
-  <p:cSld>
-    <p:spTree>
-      <p:nvGrpSpPr>
-        <p:cNvPr id="1" name=""/>
-        <p:cNvGrpSpPr/>
-        <p:nvPr/>
-      </p:nvGrpSpPr>
-      <p:grpSpPr>
-        <a:xfrm>
-          <a:off x="0" y="0"/>
-          <a:ext cx="0" cy="0"/>
-          <a:chOff x="0" y="0"/>
-          <a:chExt cx="0" cy="0"/>
-        </a:xfrm>
-      </p:grpSpPr>
-      <p:sp>
-        <p:nvSpPr>
-          <p:cNvPr id="2" name="Title 1">
-            <a:extLst>
-              <a:ext uri="{FF2B5EF4-FFF2-40B4-BE49-F238E27FC236}">
-                <a16:creationId xmlns:a16="http://schemas.microsoft.com/office/drawing/2014/main" id="{A26A8A0A-320E-4536-BFF8-C2E9FC542DEC}"/>
-              </a:ext>
-            </a:extLst>
-          </p:cNvPr>
-          <p:cNvSpPr>
-            <a:spLocks noGrp="1"/>
-          </p:cNvSpPr>
-          <p:nvPr>
-            <p:ph type="title"/>
-          </p:nvPr>
-        </p:nvSpPr>
-        <p:spPr/>
-        <p:txBody>
-          <a:bodyPr/>
-          <a:lstStyle/>
-          <a:p>
-            <a:r>
-              <a:rPr lang="en-US" dirty="0"/>
-              <a:t>Monitoring and Observability: Traces</a:t>
-            </a:r>
-          </a:p>
-        </p:txBody>
-      </p:sp>
-      <p:sp>
-        <p:nvSpPr>
-          <p:cNvPr id="3" name="Content Placeholder 2">
-            <a:extLst>
-              <a:ext uri="{FF2B5EF4-FFF2-40B4-BE49-F238E27FC236}">
-                <a16:creationId xmlns:a16="http://schemas.microsoft.com/office/drawing/2014/main" id="{AE3F0B5C-ACCE-4F53-A9D1-641797D8C52C}"/>
-              </a:ext>
-            </a:extLst>
-          </p:cNvPr>
-          <p:cNvSpPr>
-            <a:spLocks noGrp="1"/>
-          </p:cNvSpPr>
-          <p:nvPr>
-            <p:ph idx="1"/>
-          </p:nvPr>
-        </p:nvSpPr>
-        <p:spPr/>
-        <p:txBody>
-          <a:bodyPr anchor="ctr"/>
-          <a:lstStyle/>
-          <a:p>
-            <a:pPr marL="0" indent="0" algn="ctr">
-              <a:buNone/>
-            </a:pPr>
-            <a:r>
-              <a:rPr lang="en-US" sz="3600" dirty="0"/>
-              <a:t>Demo</a:t>
-            </a:r>
-            <a:endParaRPr lang="en-US" dirty="0"/>
-          </a:p>
-        </p:txBody>
-      </p:sp>
-    </p:spTree>
-    <p:extLst>
-      <p:ext uri="{BB962C8B-B14F-4D97-AF65-F5344CB8AC3E}">
-        <p14:creationId xmlns:p14="http://schemas.microsoft.com/office/powerpoint/2010/main" val="2667552422"/>
-      </p:ext>
-    </p:extLst>
-  </p:cSld>
-  <p:clrMapOvr>
-    <a:masterClrMapping/>
-  </p:clrMapOvr>
-</p:sld>
-</file>
-
-<file path=ppt/slides/slide6.xml><?xml version="1.0" encoding="utf-8"?>
-<p:sld xmlns:a="http://schemas.openxmlformats.org/drawingml/2006/main" xmlns:r="http://schemas.openxmlformats.org/officeDocument/2006/relationships" xmlns:p="http://schemas.openxmlformats.org/presentationml/2006/main">
-  <p:cSld>
-    <p:spTree>
-      <p:nvGrpSpPr>
-        <p:cNvPr id="1" name=""/>
-        <p:cNvGrpSpPr/>
-        <p:nvPr/>
-      </p:nvGrpSpPr>
-      <p:grpSpPr>
-        <a:xfrm>
-          <a:off x="0" y="0"/>
-          <a:ext cx="0" cy="0"/>
-          <a:chOff x="0" y="0"/>
-          <a:chExt cx="0" cy="0"/>
-        </a:xfrm>
-      </p:grpSpPr>
-      <p:sp>
-        <p:nvSpPr>
-          <p:cNvPr id="2" name="Title 1">
-            <a:extLst>
-              <a:ext uri="{FF2B5EF4-FFF2-40B4-BE49-F238E27FC236}">
-                <a16:creationId xmlns:a16="http://schemas.microsoft.com/office/drawing/2014/main" id="{A26A8A0A-320E-4536-BFF8-C2E9FC542DEC}"/>
-              </a:ext>
-            </a:extLst>
-          </p:cNvPr>
-          <p:cNvSpPr>
-            <a:spLocks noGrp="1"/>
-          </p:cNvSpPr>
-          <p:nvPr>
-            <p:ph type="title"/>
-          </p:nvPr>
-        </p:nvSpPr>
-        <p:spPr/>
-        <p:txBody>
-          <a:bodyPr/>
-          <a:lstStyle/>
-          <a:p>
-            <a:r>
-              <a:rPr lang="en-US" dirty="0"/>
-              <a:t>Pricing</a:t>
-            </a:r>
-          </a:p>
-        </p:txBody>
-      </p:sp>
-      <p:sp>
-        <p:nvSpPr>
-          <p:cNvPr id="3" name="Content Placeholder 2">
-            <a:extLst>
-              <a:ext uri="{FF2B5EF4-FFF2-40B4-BE49-F238E27FC236}">
-                <a16:creationId xmlns:a16="http://schemas.microsoft.com/office/drawing/2014/main" id="{AE3F0B5C-ACCE-4F53-A9D1-641797D8C52C}"/>
-              </a:ext>
-            </a:extLst>
-          </p:cNvPr>
-          <p:cNvSpPr>
-            <a:spLocks noGrp="1"/>
-          </p:cNvSpPr>
-          <p:nvPr>
-            <p:ph idx="1"/>
-          </p:nvPr>
-        </p:nvSpPr>
-        <p:spPr/>
-        <p:txBody>
-          <a:bodyPr/>
-          <a:lstStyle/>
-          <a:p>
-            <a:pPr marL="0" indent="0">
-              <a:buNone/>
-            </a:pPr>
-            <a:r>
-              <a:rPr lang="en-US" dirty="0">
-                <a:solidFill>
-                  <a:schemeClr val="accent1"/>
-                </a:solidFill>
-              </a:rPr>
-              <a:t>Pay-as-you-go</a:t>
-            </a:r>
-            <a:r>
-              <a:rPr lang="en-US" dirty="0"/>
-              <a:t> (on-demand) – pay according to consumption</a:t>
-            </a:r>
-          </a:p>
-        </p:txBody>
-      </p:sp>
-    </p:spTree>
-    <p:extLst>
-      <p:ext uri="{BB962C8B-B14F-4D97-AF65-F5344CB8AC3E}">
-        <p14:creationId xmlns:p14="http://schemas.microsoft.com/office/powerpoint/2010/main" val="2129318340"/>
-      </p:ext>
-    </p:extLst>
-  </p:cSld>
-  <p:clrMapOvr>
-    <a:masterClrMapping/>
-  </p:clrMapOvr>
-</p:sld>
-</file>
-
-<file path=ppt/slides/slide60.xml><?xml version="1.0" encoding="utf-8"?>
-<p:sld xmlns:a="http://schemas.openxmlformats.org/drawingml/2006/main" xmlns:r="http://schemas.openxmlformats.org/officeDocument/2006/relationships" xmlns:p="http://schemas.openxmlformats.org/presentationml/2006/main">
-  <p:cSld>
-    <p:spTree>
-      <p:nvGrpSpPr>
-        <p:cNvPr id="1" name=""/>
-        <p:cNvGrpSpPr/>
-        <p:nvPr/>
-      </p:nvGrpSpPr>
-      <p:grpSpPr>
-        <a:xfrm>
-          <a:off x="0" y="0"/>
-          <a:ext cx="0" cy="0"/>
-          <a:chOff x="0" y="0"/>
-          <a:chExt cx="0" cy="0"/>
-        </a:xfrm>
-      </p:grpSpPr>
-      <p:sp>
-        <p:nvSpPr>
-          <p:cNvPr id="2" name="Title 1">
-            <a:extLst>
-              <a:ext uri="{FF2B5EF4-FFF2-40B4-BE49-F238E27FC236}">
-                <a16:creationId xmlns:a16="http://schemas.microsoft.com/office/drawing/2014/main" id="{A26A8A0A-320E-4536-BFF8-C2E9FC542DEC}"/>
-              </a:ext>
-            </a:extLst>
-          </p:cNvPr>
-          <p:cNvSpPr>
-            <a:spLocks noGrp="1"/>
-          </p:cNvSpPr>
-          <p:nvPr>
-            <p:ph type="title"/>
-          </p:nvPr>
-        </p:nvSpPr>
-        <p:spPr/>
-        <p:txBody>
-          <a:bodyPr/>
-          <a:lstStyle/>
-          <a:p>
-            <a:r>
-              <a:rPr lang="en-US" dirty="0"/>
-              <a:t>Monitoring and Observability: Alerts</a:t>
-            </a:r>
-          </a:p>
-        </p:txBody>
-      </p:sp>
-      <p:sp>
-        <p:nvSpPr>
-          <p:cNvPr id="3" name="Content Placeholder 2">
-            <a:extLst>
-              <a:ext uri="{FF2B5EF4-FFF2-40B4-BE49-F238E27FC236}">
-                <a16:creationId xmlns:a16="http://schemas.microsoft.com/office/drawing/2014/main" id="{AE3F0B5C-ACCE-4F53-A9D1-641797D8C52C}"/>
-              </a:ext>
-            </a:extLst>
-          </p:cNvPr>
-          <p:cNvSpPr>
-            <a:spLocks noGrp="1"/>
-          </p:cNvSpPr>
-          <p:nvPr>
-            <p:ph idx="1"/>
-          </p:nvPr>
-        </p:nvSpPr>
-        <p:spPr/>
-        <p:txBody>
-          <a:bodyPr/>
-          <a:lstStyle/>
-          <a:p>
-            <a:pPr marL="0" indent="0">
-              <a:buNone/>
-            </a:pPr>
-            <a:r>
-              <a:rPr lang="en-US" dirty="0"/>
-              <a:t>Alert – action based on a criteria</a:t>
-            </a:r>
-          </a:p>
-        </p:txBody>
-      </p:sp>
-    </p:spTree>
-    <p:extLst>
-      <p:ext uri="{BB962C8B-B14F-4D97-AF65-F5344CB8AC3E}">
-        <p14:creationId xmlns:p14="http://schemas.microsoft.com/office/powerpoint/2010/main" val="1513227264"/>
-      </p:ext>
-    </p:extLst>
-  </p:cSld>
-  <p:clrMapOvr>
-    <a:masterClrMapping/>
-  </p:clrMapOvr>
-</p:sld>
-</file>
-
-<file path=ppt/slides/slide61.xml><?xml version="1.0" encoding="utf-8"?>
-<p:sld xmlns:a="http://schemas.openxmlformats.org/drawingml/2006/main" xmlns:r="http://schemas.openxmlformats.org/officeDocument/2006/relationships" xmlns:p="http://schemas.openxmlformats.org/presentationml/2006/main">
-  <p:cSld>
-    <p:spTree>
-      <p:nvGrpSpPr>
-        <p:cNvPr id="1" name=""/>
-        <p:cNvGrpSpPr/>
-        <p:nvPr/>
-      </p:nvGrpSpPr>
-      <p:grpSpPr>
-        <a:xfrm>
-          <a:off x="0" y="0"/>
-          <a:ext cx="0" cy="0"/>
-          <a:chOff x="0" y="0"/>
-          <a:chExt cx="0" cy="0"/>
-        </a:xfrm>
-      </p:grpSpPr>
-      <p:sp>
-        <p:nvSpPr>
-          <p:cNvPr id="2" name="Title 1">
-            <a:extLst>
-              <a:ext uri="{FF2B5EF4-FFF2-40B4-BE49-F238E27FC236}">
-                <a16:creationId xmlns:a16="http://schemas.microsoft.com/office/drawing/2014/main" id="{A26A8A0A-320E-4536-BFF8-C2E9FC542DEC}"/>
-              </a:ext>
-            </a:extLst>
-          </p:cNvPr>
-          <p:cNvSpPr>
-            <a:spLocks noGrp="1"/>
-          </p:cNvSpPr>
-          <p:nvPr>
-            <p:ph type="title"/>
-          </p:nvPr>
-        </p:nvSpPr>
-        <p:spPr/>
-        <p:txBody>
-          <a:bodyPr/>
-          <a:lstStyle/>
-          <a:p>
-            <a:r>
-              <a:rPr lang="en-US" dirty="0"/>
-              <a:t>Monitoring and Observability: Alerts</a:t>
-            </a:r>
-          </a:p>
-        </p:txBody>
-      </p:sp>
-      <p:sp>
-        <p:nvSpPr>
-          <p:cNvPr id="3" name="Content Placeholder 2">
-            <a:extLst>
-              <a:ext uri="{FF2B5EF4-FFF2-40B4-BE49-F238E27FC236}">
-                <a16:creationId xmlns:a16="http://schemas.microsoft.com/office/drawing/2014/main" id="{AE3F0B5C-ACCE-4F53-A9D1-641797D8C52C}"/>
-              </a:ext>
-            </a:extLst>
-          </p:cNvPr>
-          <p:cNvSpPr>
-            <a:spLocks noGrp="1"/>
-          </p:cNvSpPr>
-          <p:nvPr>
-            <p:ph idx="1"/>
-          </p:nvPr>
-        </p:nvSpPr>
-        <p:spPr/>
-        <p:txBody>
-          <a:bodyPr/>
-          <a:lstStyle/>
-          <a:p>
-            <a:pPr marL="0" indent="0">
-              <a:buNone/>
-            </a:pPr>
-            <a:r>
-              <a:rPr lang="en-US" dirty="0"/>
-              <a:t>Alert could be based on</a:t>
-            </a:r>
-          </a:p>
-          <a:p>
-            <a:r>
-              <a:rPr lang="en-US" dirty="0"/>
-              <a:t>Logs</a:t>
-            </a:r>
-          </a:p>
-          <a:p>
-            <a:r>
-              <a:rPr lang="en-US" dirty="0"/>
-              <a:t>Metrics</a:t>
-            </a:r>
-          </a:p>
-          <a:p>
-            <a:r>
-              <a:rPr lang="en-US" dirty="0"/>
-              <a:t>Billing</a:t>
-            </a:r>
-          </a:p>
-        </p:txBody>
-      </p:sp>
-    </p:spTree>
-    <p:extLst>
-      <p:ext uri="{BB962C8B-B14F-4D97-AF65-F5344CB8AC3E}">
-        <p14:creationId xmlns:p14="http://schemas.microsoft.com/office/powerpoint/2010/main" val="3694092208"/>
-      </p:ext>
-    </p:extLst>
-  </p:cSld>
-  <p:clrMapOvr>
-    <a:masterClrMapping/>
-  </p:clrMapOvr>
-</p:sld>
-</file>
-
 <file path=ppt/slides/slide62.xml><?xml version="1.0" encoding="utf-8"?>
 <p:sld xmlns:a="http://schemas.openxmlformats.org/drawingml/2006/main" xmlns:r="http://schemas.openxmlformats.org/officeDocument/2006/relationships" xmlns:p="http://schemas.openxmlformats.org/presentationml/2006/main">
   <p:cSld>
@@ -16430,7 +17091,7 @@
           <a:p>
             <a:r>
               <a:rPr lang="en-US" dirty="0"/>
-              <a:t>Monitoring and Observability: Alerts</a:t>
+              <a:t>Monitoring and Observability: Traces</a:t>
             </a:r>
           </a:p>
         </p:txBody>
@@ -16461,7 +17122,47 @@
             </a:pPr>
             <a:r>
               <a:rPr lang="en-US" dirty="0"/>
-              <a:t>Alert, often, is a notification: a message sent to a communication channel</a:t>
+              <a:t>To build a trace:</a:t>
+            </a:r>
+          </a:p>
+          <a:p>
+            <a:r>
+              <a:rPr lang="en-US" dirty="0"/>
+              <a:t>Propagate </a:t>
+            </a:r>
+            <a:r>
+              <a:rPr lang="en-US" i="1" dirty="0"/>
+              <a:t>trace-id </a:t>
+            </a:r>
+            <a:r>
+              <a:rPr lang="en-US" dirty="0"/>
+              <a:t>with each request</a:t>
+            </a:r>
+          </a:p>
+          <a:p>
+            <a:r>
+              <a:rPr lang="en-US" dirty="0"/>
+              <a:t>Write events with attached </a:t>
+            </a:r>
+            <a:r>
+              <a:rPr lang="en-US" i="1" dirty="0"/>
+              <a:t>trace-id</a:t>
+            </a:r>
+          </a:p>
+          <a:p>
+            <a:r>
+              <a:rPr lang="en-US" dirty="0"/>
+              <a:t>Aggregate events from all the services into a single storage</a:t>
+            </a:r>
+          </a:p>
+          <a:p>
+            <a:r>
+              <a:rPr lang="en-US" dirty="0"/>
+              <a:t>Group all events from the storage that have the same </a:t>
+            </a:r>
+            <a:r>
+              <a:rPr lang="en-US" i="1" dirty="0"/>
+              <a:t>trace-id</a:t>
             </a:r>
           </a:p>
         </p:txBody>
@@ -16469,7 +17170,7 @@
     </p:spTree>
     <p:extLst>
       <p:ext uri="{BB962C8B-B14F-4D97-AF65-F5344CB8AC3E}">
-        <p14:creationId xmlns:p14="http://schemas.microsoft.com/office/powerpoint/2010/main" val="1797815053"/>
+        <p14:creationId xmlns:p14="http://schemas.microsoft.com/office/powerpoint/2010/main" val="971152069"/>
       </p:ext>
     </p:extLst>
   </p:cSld>
@@ -16519,7 +17220,7 @@
           <a:p>
             <a:r>
               <a:rPr lang="en-US" dirty="0"/>
-              <a:t>Monitoring and Observability: Alerts</a:t>
+              <a:t>Monitoring and Observability: Traces</a:t>
             </a:r>
           </a:p>
         </p:txBody>
@@ -16542,23 +17243,24 @@
         </p:nvSpPr>
         <p:spPr/>
         <p:txBody>
-          <a:bodyPr/>
-          <a:lstStyle/>
-          <a:p>
-            <a:pPr marL="0" indent="0">
+          <a:bodyPr anchor="ctr"/>
+          <a:lstStyle/>
+          <a:p>
+            <a:pPr marL="0" indent="0" algn="ctr">
               <a:buNone/>
             </a:pPr>
             <a:r>
-              <a:rPr lang="en-US" dirty="0"/>
-              <a:t>But instead of sending a message you can make a request or invoke an API</a:t>
-            </a:r>
+              <a:rPr lang="en-US" sz="3600" dirty="0"/>
+              <a:t>Demo</a:t>
+            </a:r>
+            <a:endParaRPr lang="en-US" dirty="0"/>
           </a:p>
         </p:txBody>
       </p:sp>
     </p:spTree>
     <p:extLst>
       <p:ext uri="{BB962C8B-B14F-4D97-AF65-F5344CB8AC3E}">
-        <p14:creationId xmlns:p14="http://schemas.microsoft.com/office/powerpoint/2010/main" val="1217717110"/>
+        <p14:creationId xmlns:p14="http://schemas.microsoft.com/office/powerpoint/2010/main" val="2667552422"/>
       </p:ext>
     </p:extLst>
   </p:cSld>
@@ -16639,25 +17341,7 @@
             </a:pPr>
             <a:r>
               <a:rPr lang="en-US" dirty="0"/>
-              <a:t>With alerts you can:</a:t>
-            </a:r>
-          </a:p>
-          <a:p>
-            <a:r>
-              <a:rPr lang="en-US" dirty="0"/>
-              <a:t>post a warning to messenger (for example, Slack or email)</a:t>
-            </a:r>
-          </a:p>
-          <a:p>
-            <a:r>
-              <a:rPr lang="en-US" dirty="0"/>
-              <a:t>make a phone call or send SMS</a:t>
-            </a:r>
-          </a:p>
-          <a:p>
-            <a:r>
-              <a:rPr lang="en-US" dirty="0"/>
-              <a:t>invoke a Lambda function</a:t>
+              <a:t>Alert – action based on a criteria</a:t>
             </a:r>
           </a:p>
         </p:txBody>
@@ -16665,7 +17349,7 @@
     </p:spTree>
     <p:extLst>
       <p:ext uri="{BB962C8B-B14F-4D97-AF65-F5344CB8AC3E}">
-        <p14:creationId xmlns:p14="http://schemas.microsoft.com/office/powerpoint/2010/main" val="3710004396"/>
+        <p14:creationId xmlns:p14="http://schemas.microsoft.com/office/powerpoint/2010/main" val="1513227264"/>
       </p:ext>
     </p:extLst>
   </p:cSld>
@@ -16746,25 +17430,25 @@
             </a:pPr>
             <a:r>
               <a:rPr lang="en-US" dirty="0"/>
-              <a:t>Demo</a:t>
-            </a:r>
-          </a:p>
-          <a:p>
-            <a:r>
-              <a:rPr lang="en-US" dirty="0"/>
-              <a:t>Billing alert</a:t>
-            </a:r>
-          </a:p>
-          <a:p>
-            <a:r>
-              <a:rPr lang="en-US" dirty="0"/>
-              <a:t>Metric alert</a:t>
-            </a:r>
-          </a:p>
-          <a:p>
-            <a:r>
-              <a:rPr lang="en-US" dirty="0"/>
-              <a:t>Logs alert</a:t>
+              <a:t>Alert could be based on</a:t>
+            </a:r>
+          </a:p>
+          <a:p>
+            <a:r>
+              <a:rPr lang="en-US" dirty="0"/>
+              <a:t>Logs</a:t>
+            </a:r>
+          </a:p>
+          <a:p>
+            <a:r>
+              <a:rPr lang="en-US" dirty="0"/>
+              <a:t>Metrics</a:t>
+            </a:r>
+          </a:p>
+          <a:p>
+            <a:r>
+              <a:rPr lang="en-US" dirty="0"/>
+              <a:t>Billing</a:t>
             </a:r>
           </a:p>
         </p:txBody>
@@ -16772,7 +17456,7 @@
     </p:spTree>
     <p:extLst>
       <p:ext uri="{BB962C8B-B14F-4D97-AF65-F5344CB8AC3E}">
-        <p14:creationId xmlns:p14="http://schemas.microsoft.com/office/powerpoint/2010/main" val="707291524"/>
+        <p14:creationId xmlns:p14="http://schemas.microsoft.com/office/powerpoint/2010/main" val="3694092208"/>
       </p:ext>
     </p:extLst>
   </p:cSld>
@@ -16822,7 +17506,7 @@
           <a:p>
             <a:r>
               <a:rPr lang="en-US" dirty="0"/>
-              <a:t>Monitoring and Observability</a:t>
+              <a:t>Monitoring and Observability: Alerts</a:t>
             </a:r>
           </a:p>
         </p:txBody>
@@ -16845,9 +17529,7 @@
         </p:nvSpPr>
         <p:spPr/>
         <p:txBody>
-          <a:bodyPr>
-            <a:normAutofit lnSpcReduction="10000"/>
-          </a:bodyPr>
+          <a:bodyPr/>
           <a:lstStyle/>
           <a:p>
             <a:pPr marL="0" indent="0">
@@ -16855,114 +17537,7 @@
             </a:pPr>
             <a:r>
               <a:rPr lang="en-US" dirty="0"/>
-              <a:t>All-in-one solutions:</a:t>
-            </a:r>
-          </a:p>
-          <a:p>
-            <a:r>
-              <a:rPr lang="en-US" dirty="0"/>
-              <a:t> </a:t>
-            </a:r>
-            <a:r>
-              <a:rPr lang="en-US" dirty="0">
-                <a:solidFill>
-                  <a:schemeClr val="accent1"/>
-                </a:solidFill>
-              </a:rPr>
-              <a:t>Azure Monitor</a:t>
-            </a:r>
-            <a:r>
-              <a:rPr lang="en-US" dirty="0"/>
-              <a:t>; </a:t>
-            </a:r>
-            <a:r>
-              <a:rPr lang="en-US" dirty="0">
-                <a:solidFill>
-                  <a:schemeClr val="accent2"/>
-                </a:solidFill>
-              </a:rPr>
-              <a:t>Amazon CloudWatch</a:t>
-            </a:r>
-            <a:r>
-              <a:rPr lang="en-US" dirty="0"/>
-              <a:t>; </a:t>
-            </a:r>
-            <a:r>
-              <a:rPr lang="en-US" dirty="0">
-                <a:solidFill>
-                  <a:schemeClr val="accent5"/>
-                </a:solidFill>
-              </a:rPr>
-              <a:t>Google </a:t>
-            </a:r>
-            <a:r>
-              <a:rPr lang="en-US" dirty="0" err="1">
-                <a:solidFill>
-                  <a:schemeClr val="accent5"/>
-                </a:solidFill>
-              </a:rPr>
-              <a:t>Stackdriver</a:t>
-            </a:r>
-            <a:endParaRPr lang="en-US" dirty="0">
-              <a:solidFill>
-                <a:schemeClr val="accent5"/>
-              </a:solidFill>
-            </a:endParaRPr>
-          </a:p>
-          <a:p>
-            <a:r>
-              <a:rPr lang="en-US" dirty="0"/>
-              <a:t> Datadog, Splunk, Elastic, New Relic, Dynatrace, Honeycomb</a:t>
-            </a:r>
-          </a:p>
-          <a:p>
-            <a:endParaRPr lang="en-US" dirty="0"/>
-          </a:p>
-          <a:p>
-            <a:pPr marL="0" indent="0">
-              <a:buNone/>
-            </a:pPr>
-            <a:r>
-              <a:rPr lang="en-US" dirty="0"/>
-              <a:t>Metrics-only: Prometheus, Graphite, Victoria-Metrics</a:t>
-            </a:r>
-          </a:p>
-          <a:p>
-            <a:pPr marL="0" indent="0">
-              <a:buNone/>
-            </a:pPr>
-            <a:r>
-              <a:rPr lang="en-US" dirty="0"/>
-              <a:t>Traces-only: Jaeger, </a:t>
-            </a:r>
-            <a:r>
-              <a:rPr lang="en-US" dirty="0" err="1"/>
-              <a:t>Zipkin</a:t>
-            </a:r>
-            <a:endParaRPr lang="en-US" dirty="0"/>
-          </a:p>
-          <a:p>
-            <a:pPr marL="0" indent="0">
-              <a:buNone/>
-            </a:pPr>
-            <a:r>
-              <a:rPr lang="en-US" dirty="0"/>
-              <a:t>Logs-only: Elasticsearch (ELK), Grafana Loki</a:t>
-            </a:r>
-          </a:p>
-          <a:p>
-            <a:pPr marL="0" indent="0">
-              <a:buNone/>
-            </a:pPr>
-            <a:endParaRPr lang="en-US" dirty="0"/>
-          </a:p>
-          <a:p>
-            <a:pPr marL="0" indent="0">
-              <a:buNone/>
-            </a:pPr>
-            <a:r>
-              <a:rPr lang="en-US" dirty="0"/>
-              <a:t>…and many-many-many others</a:t>
+              <a:t>Alert, often, is a notification: a message sent to a communication channel</a:t>
             </a:r>
           </a:p>
         </p:txBody>
@@ -16970,7 +17545,7 @@
     </p:spTree>
     <p:extLst>
       <p:ext uri="{BB962C8B-B14F-4D97-AF65-F5344CB8AC3E}">
-        <p14:creationId xmlns:p14="http://schemas.microsoft.com/office/powerpoint/2010/main" val="1405394114"/>
+        <p14:creationId xmlns:p14="http://schemas.microsoft.com/office/powerpoint/2010/main" val="1797815053"/>
       </p:ext>
     </p:extLst>
   </p:cSld>
@@ -17020,7 +17595,7 @@
           <a:p>
             <a:r>
               <a:rPr lang="en-US" dirty="0"/>
-              <a:t>Monitoring and Observability: Audit</a:t>
+              <a:t>Monitoring and Observability: Alerts</a:t>
             </a:r>
           </a:p>
         </p:txBody>
@@ -17051,35 +17626,7 @@
             </a:pPr>
             <a:r>
               <a:rPr lang="en-US" dirty="0"/>
-              <a:t>Audit log – records/events answering the question: </a:t>
-            </a:r>
-            <a:r>
-              <a:rPr lang="en-US" i="1" dirty="0"/>
-              <a:t>“</a:t>
-            </a:r>
-            <a:r>
-              <a:rPr lang="en-US" b="1" i="1" dirty="0"/>
-              <a:t>who</a:t>
-            </a:r>
-            <a:r>
-              <a:rPr lang="en-US" i="1" dirty="0"/>
-              <a:t> did </a:t>
-            </a:r>
-            <a:r>
-              <a:rPr lang="en-US" b="1" i="1" dirty="0"/>
-              <a:t>what</a:t>
-            </a:r>
-            <a:r>
-              <a:rPr lang="en-US" i="1" dirty="0"/>
-              <a:t> and </a:t>
-            </a:r>
-            <a:r>
-              <a:rPr lang="en-US" b="1" i="1" dirty="0"/>
-              <a:t>when</a:t>
-            </a:r>
-            <a:r>
-              <a:rPr lang="en-US" i="1" dirty="0"/>
-              <a:t>?”</a:t>
+              <a:t>But instead of sending a message you can make a request or invoke an API</a:t>
             </a:r>
           </a:p>
         </p:txBody>
@@ -17087,7 +17634,7 @@
     </p:spTree>
     <p:extLst>
       <p:ext uri="{BB962C8B-B14F-4D97-AF65-F5344CB8AC3E}">
-        <p14:creationId xmlns:p14="http://schemas.microsoft.com/office/powerpoint/2010/main" val="709223255"/>
+        <p14:creationId xmlns:p14="http://schemas.microsoft.com/office/powerpoint/2010/main" val="1217717110"/>
       </p:ext>
     </p:extLst>
   </p:cSld>
@@ -17137,7 +17684,7 @@
           <a:p>
             <a:r>
               <a:rPr lang="en-US" dirty="0"/>
-              <a:t>Monitoring and Observability: Audit</a:t>
+              <a:t>Monitoring and Observability: Alerts</a:t>
             </a:r>
           </a:p>
         </p:txBody>
@@ -17168,25 +17715,33 @@
             </a:pPr>
             <a:r>
               <a:rPr lang="en-US" dirty="0"/>
-              <a:t>Some audit logs are enabled by default</a:t>
-            </a:r>
-          </a:p>
-          <a:p>
-            <a:pPr marL="0" indent="0">
-              <a:buNone/>
-            </a:pPr>
-            <a:r>
-              <a:rPr lang="en-US" dirty="0"/>
-              <a:t>Some – you must enable explicitly and route to a long-term storage</a:t>
-            </a:r>
-            <a:endParaRPr lang="en-US" i="1" dirty="0"/>
+              <a:t>With alerts you can:</a:t>
+            </a:r>
+          </a:p>
+          <a:p>
+            <a:r>
+              <a:rPr lang="en-US" dirty="0"/>
+              <a:t>post a warning to messenger (for example, Slack or email)</a:t>
+            </a:r>
+          </a:p>
+          <a:p>
+            <a:r>
+              <a:rPr lang="en-US" dirty="0"/>
+              <a:t>make a phone call or send SMS</a:t>
+            </a:r>
+          </a:p>
+          <a:p>
+            <a:r>
+              <a:rPr lang="en-US" dirty="0"/>
+              <a:t>invoke a Lambda function</a:t>
+            </a:r>
           </a:p>
         </p:txBody>
       </p:sp>
     </p:spTree>
     <p:extLst>
       <p:ext uri="{BB962C8B-B14F-4D97-AF65-F5344CB8AC3E}">
-        <p14:creationId xmlns:p14="http://schemas.microsoft.com/office/powerpoint/2010/main" val="1100934841"/>
+        <p14:creationId xmlns:p14="http://schemas.microsoft.com/office/powerpoint/2010/main" val="3710004396"/>
       </p:ext>
     </p:extLst>
   </p:cSld>
@@ -17236,7 +17791,7 @@
           <a:p>
             <a:r>
               <a:rPr lang="en-US" dirty="0"/>
-              <a:t>Monitoring and Observability: Audit</a:t>
+              <a:t>Monitoring and Observability: Alerts</a:t>
             </a:r>
           </a:p>
         </p:txBody>
@@ -17267,16 +17822,33 @@
             </a:pPr>
             <a:r>
               <a:rPr lang="en-US" dirty="0"/>
-              <a:t>Audit log is crucial in terms of Security</a:t>
-            </a:r>
-            <a:endParaRPr lang="en-US" i="1" dirty="0"/>
+              <a:t>Demo</a:t>
+            </a:r>
+          </a:p>
+          <a:p>
+            <a:r>
+              <a:rPr lang="en-US" dirty="0"/>
+              <a:t>Billing alert</a:t>
+            </a:r>
+          </a:p>
+          <a:p>
+            <a:r>
+              <a:rPr lang="en-US" dirty="0"/>
+              <a:t>Metric alert</a:t>
+            </a:r>
+          </a:p>
+          <a:p>
+            <a:r>
+              <a:rPr lang="en-US" dirty="0"/>
+              <a:t>Logs alert</a:t>
+            </a:r>
           </a:p>
         </p:txBody>
       </p:sp>
     </p:spTree>
     <p:extLst>
       <p:ext uri="{BB962C8B-B14F-4D97-AF65-F5344CB8AC3E}">
-        <p14:creationId xmlns:p14="http://schemas.microsoft.com/office/powerpoint/2010/main" val="2204572763"/>
+        <p14:creationId xmlns:p14="http://schemas.microsoft.com/office/powerpoint/2010/main" val="707291524"/>
       </p:ext>
     </p:extLst>
   </p:cSld>
@@ -17441,7 +18013,7 @@
           <a:p>
             <a:r>
               <a:rPr lang="en-US" dirty="0"/>
-              <a:t>Monitoring and Observability: Audit</a:t>
+              <a:t>Monitoring and Observability</a:t>
             </a:r>
           </a:p>
         </p:txBody>
@@ -17464,15 +18036,124 @@
         </p:nvSpPr>
         <p:spPr/>
         <p:txBody>
-          <a:bodyPr anchor="ctr"/>
-          <a:lstStyle/>
-          <a:p>
-            <a:pPr marL="0" indent="0" algn="ctr">
+          <a:bodyPr>
+            <a:normAutofit lnSpcReduction="10000"/>
+          </a:bodyPr>
+          <a:lstStyle/>
+          <a:p>
+            <a:pPr marL="0" indent="0">
               <a:buNone/>
             </a:pPr>
             <a:r>
               <a:rPr lang="en-US" dirty="0"/>
-              <a:t>Demo</a:t>
+              <a:t>All-in-one solutions:</a:t>
+            </a:r>
+          </a:p>
+          <a:p>
+            <a:r>
+              <a:rPr lang="en-US" dirty="0"/>
+              <a:t> </a:t>
+            </a:r>
+            <a:r>
+              <a:rPr lang="en-US" dirty="0">
+                <a:solidFill>
+                  <a:schemeClr val="accent1"/>
+                </a:solidFill>
+              </a:rPr>
+              <a:t>Azure Monitor</a:t>
+            </a:r>
+            <a:r>
+              <a:rPr lang="en-US" dirty="0"/>
+              <a:t>; </a:t>
+            </a:r>
+            <a:r>
+              <a:rPr lang="en-US" dirty="0">
+                <a:solidFill>
+                  <a:schemeClr val="accent2"/>
+                </a:solidFill>
+              </a:rPr>
+              <a:t>Amazon CloudWatch</a:t>
+            </a:r>
+            <a:r>
+              <a:rPr lang="en-US" dirty="0"/>
+              <a:t>; </a:t>
+            </a:r>
+            <a:r>
+              <a:rPr lang="en-US" dirty="0">
+                <a:solidFill>
+                  <a:schemeClr val="accent5"/>
+                </a:solidFill>
+              </a:rPr>
+              <a:t>Google </a:t>
+            </a:r>
+            <a:r>
+              <a:rPr lang="en-US" dirty="0" err="1">
+                <a:solidFill>
+                  <a:schemeClr val="accent5"/>
+                </a:solidFill>
+              </a:rPr>
+              <a:t>Stackdriver</a:t>
+            </a:r>
+            <a:endParaRPr lang="en-US" dirty="0">
+              <a:solidFill>
+                <a:schemeClr val="accent5"/>
+              </a:solidFill>
+            </a:endParaRPr>
+          </a:p>
+          <a:p>
+            <a:r>
+              <a:rPr lang="en-US" dirty="0"/>
+              <a:t> Datadog, Splunk, Elastic, New Relic, Dynatrace, Honeycomb</a:t>
+            </a:r>
+          </a:p>
+          <a:p>
+            <a:endParaRPr lang="en-US" dirty="0"/>
+          </a:p>
+          <a:p>
+            <a:pPr marL="0" indent="0">
+              <a:buNone/>
+            </a:pPr>
+            <a:r>
+              <a:rPr lang="en-US" dirty="0"/>
+              <a:t>Metrics-only: Prometheus, Graphite, Victoria-Metrics</a:t>
+            </a:r>
+          </a:p>
+          <a:p>
+            <a:pPr marL="0" indent="0">
+              <a:buNone/>
+            </a:pPr>
+            <a:r>
+              <a:rPr lang="en-US" dirty="0"/>
+              <a:t>Traces-only: Jaeger, </a:t>
+            </a:r>
+            <a:r>
+              <a:rPr lang="en-US" dirty="0" err="1"/>
+              <a:t>Zipkin</a:t>
+            </a:r>
+            <a:endParaRPr lang="en-US" dirty="0"/>
+          </a:p>
+          <a:p>
+            <a:pPr marL="0" indent="0">
+              <a:buNone/>
+            </a:pPr>
+            <a:r>
+              <a:rPr lang="en-US" dirty="0"/>
+              <a:t>Logs-only: Elasticsearch (ELK), Grafana Loki</a:t>
+            </a:r>
+          </a:p>
+          <a:p>
+            <a:pPr marL="0" indent="0">
+              <a:buNone/>
+            </a:pPr>
+            <a:endParaRPr lang="en-US" dirty="0"/>
+          </a:p>
+          <a:p>
+            <a:pPr marL="0" indent="0">
+              <a:buNone/>
+            </a:pPr>
+            <a:r>
+              <a:rPr lang="en-US" dirty="0"/>
+              <a:t>…and many-many-many others</a:t>
             </a:r>
           </a:p>
         </p:txBody>
@@ -17480,7 +18161,7 @@
     </p:spTree>
     <p:extLst>
       <p:ext uri="{BB962C8B-B14F-4D97-AF65-F5344CB8AC3E}">
-        <p14:creationId xmlns:p14="http://schemas.microsoft.com/office/powerpoint/2010/main" val="1102540416"/>
+        <p14:creationId xmlns:p14="http://schemas.microsoft.com/office/powerpoint/2010/main" val="1405394114"/>
       </p:ext>
     </p:extLst>
   </p:cSld>
@@ -17530,6 +18211,517 @@
           <a:p>
             <a:r>
               <a:rPr lang="en-US" dirty="0"/>
+              <a:t>Monitoring and Observability: Audit</a:t>
+            </a:r>
+          </a:p>
+        </p:txBody>
+      </p:sp>
+      <p:sp>
+        <p:nvSpPr>
+          <p:cNvPr id="3" name="Content Placeholder 2">
+            <a:extLst>
+              <a:ext uri="{FF2B5EF4-FFF2-40B4-BE49-F238E27FC236}">
+                <a16:creationId xmlns:a16="http://schemas.microsoft.com/office/drawing/2014/main" id="{AE3F0B5C-ACCE-4F53-A9D1-641797D8C52C}"/>
+              </a:ext>
+            </a:extLst>
+          </p:cNvPr>
+          <p:cNvSpPr>
+            <a:spLocks noGrp="1"/>
+          </p:cNvSpPr>
+          <p:nvPr>
+            <p:ph idx="1"/>
+          </p:nvPr>
+        </p:nvSpPr>
+        <p:spPr/>
+        <p:txBody>
+          <a:bodyPr/>
+          <a:lstStyle/>
+          <a:p>
+            <a:pPr marL="0" indent="0">
+              <a:buNone/>
+            </a:pPr>
+            <a:r>
+              <a:rPr lang="en-US" dirty="0"/>
+              <a:t>Audit log – records/events answering the question: </a:t>
+            </a:r>
+            <a:r>
+              <a:rPr lang="en-US" i="1" dirty="0"/>
+              <a:t>“</a:t>
+            </a:r>
+            <a:r>
+              <a:rPr lang="en-US" b="1" i="1" dirty="0"/>
+              <a:t>who</a:t>
+            </a:r>
+            <a:r>
+              <a:rPr lang="en-US" i="1" dirty="0"/>
+              <a:t> did </a:t>
+            </a:r>
+            <a:r>
+              <a:rPr lang="en-US" b="1" i="1" dirty="0"/>
+              <a:t>what</a:t>
+            </a:r>
+            <a:r>
+              <a:rPr lang="en-US" i="1" dirty="0"/>
+              <a:t> and </a:t>
+            </a:r>
+            <a:r>
+              <a:rPr lang="en-US" b="1" i="1" dirty="0"/>
+              <a:t>when</a:t>
+            </a:r>
+            <a:r>
+              <a:rPr lang="en-US" i="1" dirty="0"/>
+              <a:t>?”</a:t>
+            </a:r>
+          </a:p>
+        </p:txBody>
+      </p:sp>
+    </p:spTree>
+    <p:extLst>
+      <p:ext uri="{BB962C8B-B14F-4D97-AF65-F5344CB8AC3E}">
+        <p14:creationId xmlns:p14="http://schemas.microsoft.com/office/powerpoint/2010/main" val="709223255"/>
+      </p:ext>
+    </p:extLst>
+  </p:cSld>
+  <p:clrMapOvr>
+    <a:masterClrMapping/>
+  </p:clrMapOvr>
+</p:sld>
+</file>
+
+<file path=ppt/slides/slide72.xml><?xml version="1.0" encoding="utf-8"?>
+<p:sld xmlns:a="http://schemas.openxmlformats.org/drawingml/2006/main" xmlns:r="http://schemas.openxmlformats.org/officeDocument/2006/relationships" xmlns:p="http://schemas.openxmlformats.org/presentationml/2006/main">
+  <p:cSld>
+    <p:spTree>
+      <p:nvGrpSpPr>
+        <p:cNvPr id="1" name=""/>
+        <p:cNvGrpSpPr/>
+        <p:nvPr/>
+      </p:nvGrpSpPr>
+      <p:grpSpPr>
+        <a:xfrm>
+          <a:off x="0" y="0"/>
+          <a:ext cx="0" cy="0"/>
+          <a:chOff x="0" y="0"/>
+          <a:chExt cx="0" cy="0"/>
+        </a:xfrm>
+      </p:grpSpPr>
+      <p:sp>
+        <p:nvSpPr>
+          <p:cNvPr id="2" name="Title 1">
+            <a:extLst>
+              <a:ext uri="{FF2B5EF4-FFF2-40B4-BE49-F238E27FC236}">
+                <a16:creationId xmlns:a16="http://schemas.microsoft.com/office/drawing/2014/main" id="{A26A8A0A-320E-4536-BFF8-C2E9FC542DEC}"/>
+              </a:ext>
+            </a:extLst>
+          </p:cNvPr>
+          <p:cNvSpPr>
+            <a:spLocks noGrp="1"/>
+          </p:cNvSpPr>
+          <p:nvPr>
+            <p:ph type="title"/>
+          </p:nvPr>
+        </p:nvSpPr>
+        <p:spPr/>
+        <p:txBody>
+          <a:bodyPr/>
+          <a:lstStyle/>
+          <a:p>
+            <a:r>
+              <a:rPr lang="en-US" dirty="0"/>
+              <a:t>Monitoring and Observability: Audit</a:t>
+            </a:r>
+          </a:p>
+        </p:txBody>
+      </p:sp>
+      <p:sp>
+        <p:nvSpPr>
+          <p:cNvPr id="3" name="Content Placeholder 2">
+            <a:extLst>
+              <a:ext uri="{FF2B5EF4-FFF2-40B4-BE49-F238E27FC236}">
+                <a16:creationId xmlns:a16="http://schemas.microsoft.com/office/drawing/2014/main" id="{AE3F0B5C-ACCE-4F53-A9D1-641797D8C52C}"/>
+              </a:ext>
+            </a:extLst>
+          </p:cNvPr>
+          <p:cNvSpPr>
+            <a:spLocks noGrp="1"/>
+          </p:cNvSpPr>
+          <p:nvPr>
+            <p:ph idx="1"/>
+          </p:nvPr>
+        </p:nvSpPr>
+        <p:spPr/>
+        <p:txBody>
+          <a:bodyPr/>
+          <a:lstStyle/>
+          <a:p>
+            <a:pPr marL="0" indent="0">
+              <a:buNone/>
+            </a:pPr>
+            <a:r>
+              <a:rPr lang="en-US" dirty="0"/>
+              <a:t>Some audit logs are enabled by default</a:t>
+            </a:r>
+          </a:p>
+          <a:p>
+            <a:pPr marL="0" indent="0">
+              <a:buNone/>
+            </a:pPr>
+            <a:r>
+              <a:rPr lang="en-US" dirty="0"/>
+              <a:t>Some – you must enable explicitly and route to a long-term storage</a:t>
+            </a:r>
+            <a:endParaRPr lang="en-US" i="1" dirty="0"/>
+          </a:p>
+        </p:txBody>
+      </p:sp>
+    </p:spTree>
+    <p:extLst>
+      <p:ext uri="{BB962C8B-B14F-4D97-AF65-F5344CB8AC3E}">
+        <p14:creationId xmlns:p14="http://schemas.microsoft.com/office/powerpoint/2010/main" val="1100934841"/>
+      </p:ext>
+    </p:extLst>
+  </p:cSld>
+  <p:clrMapOvr>
+    <a:masterClrMapping/>
+  </p:clrMapOvr>
+</p:sld>
+</file>
+
+<file path=ppt/slides/slide73.xml><?xml version="1.0" encoding="utf-8"?>
+<p:sld xmlns:a="http://schemas.openxmlformats.org/drawingml/2006/main" xmlns:r="http://schemas.openxmlformats.org/officeDocument/2006/relationships" xmlns:p="http://schemas.openxmlformats.org/presentationml/2006/main">
+  <p:cSld>
+    <p:spTree>
+      <p:nvGrpSpPr>
+        <p:cNvPr id="1" name=""/>
+        <p:cNvGrpSpPr/>
+        <p:nvPr/>
+      </p:nvGrpSpPr>
+      <p:grpSpPr>
+        <a:xfrm>
+          <a:off x="0" y="0"/>
+          <a:ext cx="0" cy="0"/>
+          <a:chOff x="0" y="0"/>
+          <a:chExt cx="0" cy="0"/>
+        </a:xfrm>
+      </p:grpSpPr>
+      <p:sp>
+        <p:nvSpPr>
+          <p:cNvPr id="2" name="Title 1">
+            <a:extLst>
+              <a:ext uri="{FF2B5EF4-FFF2-40B4-BE49-F238E27FC236}">
+                <a16:creationId xmlns:a16="http://schemas.microsoft.com/office/drawing/2014/main" id="{A26A8A0A-320E-4536-BFF8-C2E9FC542DEC}"/>
+              </a:ext>
+            </a:extLst>
+          </p:cNvPr>
+          <p:cNvSpPr>
+            <a:spLocks noGrp="1"/>
+          </p:cNvSpPr>
+          <p:nvPr>
+            <p:ph type="title"/>
+          </p:nvPr>
+        </p:nvSpPr>
+        <p:spPr/>
+        <p:txBody>
+          <a:bodyPr/>
+          <a:lstStyle/>
+          <a:p>
+            <a:r>
+              <a:rPr lang="en-US" dirty="0"/>
+              <a:t>Monitoring and Observability: Audit</a:t>
+            </a:r>
+          </a:p>
+        </p:txBody>
+      </p:sp>
+      <p:sp>
+        <p:nvSpPr>
+          <p:cNvPr id="3" name="Content Placeholder 2">
+            <a:extLst>
+              <a:ext uri="{FF2B5EF4-FFF2-40B4-BE49-F238E27FC236}">
+                <a16:creationId xmlns:a16="http://schemas.microsoft.com/office/drawing/2014/main" id="{AE3F0B5C-ACCE-4F53-A9D1-641797D8C52C}"/>
+              </a:ext>
+            </a:extLst>
+          </p:cNvPr>
+          <p:cNvSpPr>
+            <a:spLocks noGrp="1"/>
+          </p:cNvSpPr>
+          <p:nvPr>
+            <p:ph idx="1"/>
+          </p:nvPr>
+        </p:nvSpPr>
+        <p:spPr/>
+        <p:txBody>
+          <a:bodyPr/>
+          <a:lstStyle/>
+          <a:p>
+            <a:pPr marL="0" indent="0">
+              <a:buNone/>
+            </a:pPr>
+            <a:r>
+              <a:rPr lang="en-US" dirty="0"/>
+              <a:t>Audit log is crucial in terms of Security</a:t>
+            </a:r>
+            <a:endParaRPr lang="en-US" i="1" dirty="0"/>
+          </a:p>
+        </p:txBody>
+      </p:sp>
+    </p:spTree>
+    <p:extLst>
+      <p:ext uri="{BB962C8B-B14F-4D97-AF65-F5344CB8AC3E}">
+        <p14:creationId xmlns:p14="http://schemas.microsoft.com/office/powerpoint/2010/main" val="2204572763"/>
+      </p:ext>
+    </p:extLst>
+  </p:cSld>
+  <p:clrMapOvr>
+    <a:masterClrMapping/>
+  </p:clrMapOvr>
+</p:sld>
+</file>
+
+<file path=ppt/slides/slide74.xml><?xml version="1.0" encoding="utf-8"?>
+<p:sld xmlns:a="http://schemas.openxmlformats.org/drawingml/2006/main" xmlns:r="http://schemas.openxmlformats.org/officeDocument/2006/relationships" xmlns:p="http://schemas.openxmlformats.org/presentationml/2006/main">
+  <p:cSld>
+    <p:spTree>
+      <p:nvGrpSpPr>
+        <p:cNvPr id="1" name=""/>
+        <p:cNvGrpSpPr/>
+        <p:nvPr/>
+      </p:nvGrpSpPr>
+      <p:grpSpPr>
+        <a:xfrm>
+          <a:off x="0" y="0"/>
+          <a:ext cx="0" cy="0"/>
+          <a:chOff x="0" y="0"/>
+          <a:chExt cx="0" cy="0"/>
+        </a:xfrm>
+      </p:grpSpPr>
+      <p:sp>
+        <p:nvSpPr>
+          <p:cNvPr id="2" name="Title 1">
+            <a:extLst>
+              <a:ext uri="{FF2B5EF4-FFF2-40B4-BE49-F238E27FC236}">
+                <a16:creationId xmlns:a16="http://schemas.microsoft.com/office/drawing/2014/main" id="{A26A8A0A-320E-4536-BFF8-C2E9FC542DEC}"/>
+              </a:ext>
+            </a:extLst>
+          </p:cNvPr>
+          <p:cNvSpPr>
+            <a:spLocks noGrp="1"/>
+          </p:cNvSpPr>
+          <p:nvPr>
+            <p:ph type="title"/>
+          </p:nvPr>
+        </p:nvSpPr>
+        <p:spPr/>
+        <p:txBody>
+          <a:bodyPr/>
+          <a:lstStyle/>
+          <a:p>
+            <a:r>
+              <a:rPr lang="en-US" dirty="0"/>
+              <a:t>Monitoring and Observability: Audit</a:t>
+            </a:r>
+          </a:p>
+        </p:txBody>
+      </p:sp>
+      <p:sp>
+        <p:nvSpPr>
+          <p:cNvPr id="3" name="Content Placeholder 2">
+            <a:extLst>
+              <a:ext uri="{FF2B5EF4-FFF2-40B4-BE49-F238E27FC236}">
+                <a16:creationId xmlns:a16="http://schemas.microsoft.com/office/drawing/2014/main" id="{AE3F0B5C-ACCE-4F53-A9D1-641797D8C52C}"/>
+              </a:ext>
+            </a:extLst>
+          </p:cNvPr>
+          <p:cNvSpPr>
+            <a:spLocks noGrp="1"/>
+          </p:cNvSpPr>
+          <p:nvPr>
+            <p:ph idx="1"/>
+          </p:nvPr>
+        </p:nvSpPr>
+        <p:spPr/>
+        <p:txBody>
+          <a:bodyPr anchor="ctr"/>
+          <a:lstStyle/>
+          <a:p>
+            <a:pPr marL="0" indent="0" algn="ctr">
+              <a:buNone/>
+            </a:pPr>
+            <a:r>
+              <a:rPr lang="en-US" dirty="0"/>
+              <a:t>Demo</a:t>
+            </a:r>
+          </a:p>
+        </p:txBody>
+      </p:sp>
+    </p:spTree>
+    <p:extLst>
+      <p:ext uri="{BB962C8B-B14F-4D97-AF65-F5344CB8AC3E}">
+        <p14:creationId xmlns:p14="http://schemas.microsoft.com/office/powerpoint/2010/main" val="1102540416"/>
+      </p:ext>
+    </p:extLst>
+  </p:cSld>
+  <p:clrMapOvr>
+    <a:masterClrMapping/>
+  </p:clrMapOvr>
+</p:sld>
+</file>
+
+<file path=ppt/slides/slide75.xml><?xml version="1.0" encoding="utf-8"?>
+<p:sld xmlns:a="http://schemas.openxmlformats.org/drawingml/2006/main" xmlns:r="http://schemas.openxmlformats.org/officeDocument/2006/relationships" xmlns:p="http://schemas.openxmlformats.org/presentationml/2006/main">
+  <p:cSld>
+    <p:spTree>
+      <p:nvGrpSpPr>
+        <p:cNvPr id="1" name=""/>
+        <p:cNvGrpSpPr/>
+        <p:nvPr/>
+      </p:nvGrpSpPr>
+      <p:grpSpPr>
+        <a:xfrm>
+          <a:off x="0" y="0"/>
+          <a:ext cx="0" cy="0"/>
+          <a:chOff x="0" y="0"/>
+          <a:chExt cx="0" cy="0"/>
+        </a:xfrm>
+      </p:grpSpPr>
+      <p:sp>
+        <p:nvSpPr>
+          <p:cNvPr id="2" name="Title 1">
+            <a:extLst>
+              <a:ext uri="{FF2B5EF4-FFF2-40B4-BE49-F238E27FC236}">
+                <a16:creationId xmlns:a16="http://schemas.microsoft.com/office/drawing/2014/main" id="{A26A8A0A-320E-4536-BFF8-C2E9FC542DEC}"/>
+              </a:ext>
+            </a:extLst>
+          </p:cNvPr>
+          <p:cNvSpPr>
+            <a:spLocks noGrp="1"/>
+          </p:cNvSpPr>
+          <p:nvPr>
+            <p:ph type="title"/>
+          </p:nvPr>
+        </p:nvSpPr>
+        <p:spPr/>
+        <p:txBody>
+          <a:bodyPr/>
+          <a:lstStyle/>
+          <a:p>
+            <a:r>
+              <a:rPr lang="en-US" dirty="0"/>
+              <a:t>Additional resources</a:t>
+            </a:r>
+          </a:p>
+        </p:txBody>
+      </p:sp>
+      <p:sp>
+        <p:nvSpPr>
+          <p:cNvPr id="3" name="Content Placeholder 2">
+            <a:extLst>
+              <a:ext uri="{FF2B5EF4-FFF2-40B4-BE49-F238E27FC236}">
+                <a16:creationId xmlns:a16="http://schemas.microsoft.com/office/drawing/2014/main" id="{AE3F0B5C-ACCE-4F53-A9D1-641797D8C52C}"/>
+              </a:ext>
+            </a:extLst>
+          </p:cNvPr>
+          <p:cNvSpPr>
+            <a:spLocks noGrp="1"/>
+          </p:cNvSpPr>
+          <p:nvPr>
+            <p:ph idx="1"/>
+          </p:nvPr>
+        </p:nvSpPr>
+        <p:spPr/>
+        <p:txBody>
+          <a:bodyPr anchor="t"/>
+          <a:lstStyle/>
+          <a:p>
+            <a:pPr marL="0" indent="0">
+              <a:buNone/>
+            </a:pPr>
+            <a:r>
+              <a:rPr lang="en-US" dirty="0"/>
+              <a:t>(</a:t>
+            </a:r>
+            <a:r>
+              <a:rPr lang="en-US" dirty="0" err="1"/>
+              <a:t>youtube</a:t>
+            </a:r>
+            <a:r>
+              <a:rPr lang="en-US" dirty="0"/>
+              <a:t>) </a:t>
+            </a:r>
+            <a:r>
+              <a:rPr lang="en-US" dirty="0">
+                <a:hlinkClick r:id="rId3"/>
+              </a:rPr>
+              <a:t>Serverless to speed-up servers</a:t>
+            </a:r>
+            <a:endParaRPr lang="en-US" dirty="0"/>
+          </a:p>
+          <a:p>
+            <a:pPr marL="0" indent="0">
+              <a:buNone/>
+            </a:pPr>
+            <a:endParaRPr lang="en-US" dirty="0"/>
+          </a:p>
+          <a:p>
+            <a:pPr marL="0" indent="0">
+              <a:buNone/>
+            </a:pPr>
+            <a:endParaRPr lang="en-US" dirty="0"/>
+          </a:p>
+        </p:txBody>
+      </p:sp>
+    </p:spTree>
+    <p:extLst>
+      <p:ext uri="{BB962C8B-B14F-4D97-AF65-F5344CB8AC3E}">
+        <p14:creationId xmlns:p14="http://schemas.microsoft.com/office/powerpoint/2010/main" val="2670700373"/>
+      </p:ext>
+    </p:extLst>
+  </p:cSld>
+  <p:clrMapOvr>
+    <a:masterClrMapping/>
+  </p:clrMapOvr>
+</p:sld>
+</file>
+
+<file path=ppt/slides/slide76.xml><?xml version="1.0" encoding="utf-8"?>
+<p:sld xmlns:a="http://schemas.openxmlformats.org/drawingml/2006/main" xmlns:r="http://schemas.openxmlformats.org/officeDocument/2006/relationships" xmlns:p="http://schemas.openxmlformats.org/presentationml/2006/main">
+  <p:cSld>
+    <p:spTree>
+      <p:nvGrpSpPr>
+        <p:cNvPr id="1" name=""/>
+        <p:cNvGrpSpPr/>
+        <p:nvPr/>
+      </p:nvGrpSpPr>
+      <p:grpSpPr>
+        <a:xfrm>
+          <a:off x="0" y="0"/>
+          <a:ext cx="0" cy="0"/>
+          <a:chOff x="0" y="0"/>
+          <a:chExt cx="0" cy="0"/>
+        </a:xfrm>
+      </p:grpSpPr>
+      <p:sp>
+        <p:nvSpPr>
+          <p:cNvPr id="2" name="Title 1">
+            <a:extLst>
+              <a:ext uri="{FF2B5EF4-FFF2-40B4-BE49-F238E27FC236}">
+                <a16:creationId xmlns:a16="http://schemas.microsoft.com/office/drawing/2014/main" id="{A26A8A0A-320E-4536-BFF8-C2E9FC542DEC}"/>
+              </a:ext>
+            </a:extLst>
+          </p:cNvPr>
+          <p:cNvSpPr>
+            <a:spLocks noGrp="1"/>
+          </p:cNvSpPr>
+          <p:nvPr>
+            <p:ph type="title"/>
+          </p:nvPr>
+        </p:nvSpPr>
+        <p:spPr/>
+        <p:txBody>
+          <a:bodyPr/>
+          <a:lstStyle/>
+          <a:p>
+            <a:r>
+              <a:rPr lang="en-US" dirty="0"/>
               <a:t>Additional resources</a:t>
             </a:r>
           </a:p>
@@ -17656,7 +18848,7 @@
     </p:spTree>
     <p:extLst>
       <p:ext uri="{BB962C8B-B14F-4D97-AF65-F5344CB8AC3E}">
-        <p14:creationId xmlns:p14="http://schemas.microsoft.com/office/powerpoint/2010/main" val="2670700373"/>
+        <p14:creationId xmlns:p14="http://schemas.microsoft.com/office/powerpoint/2010/main" val="3298806870"/>
       </p:ext>
     </p:extLst>
   </p:cSld>

--- a/presentations/05_Monitoring_Pricing.pptx
+++ b/presentations/05_Monitoring_Pricing.pptx
@@ -280,7 +280,7 @@
           <a:p>
             <a:fld id="{5B3CF26E-0687-4C54-85B5-9144DF51ABD2}" type="datetimeFigureOut">
               <a:rPr lang="en-US" smtClean="0"/>
-              <a:t>10-Feb-22</a:t>
+              <a:t>15-Apr-22</a:t>
             </a:fld>
             <a:endParaRPr lang="en-US"/>
           </a:p>
@@ -7001,7 +7001,7 @@
           <a:p>
             <a:fld id="{8BBDE38F-7EFF-44D7-A4FC-86F4469E67EF}" type="datetimeFigureOut">
               <a:rPr lang="en-US" smtClean="0"/>
-              <a:t>10-Feb-22</a:t>
+              <a:t>15-Apr-22</a:t>
             </a:fld>
             <a:endParaRPr lang="en-US"/>
           </a:p>
@@ -7199,7 +7199,7 @@
           <a:p>
             <a:fld id="{8BBDE38F-7EFF-44D7-A4FC-86F4469E67EF}" type="datetimeFigureOut">
               <a:rPr lang="en-US" smtClean="0"/>
-              <a:t>10-Feb-22</a:t>
+              <a:t>15-Apr-22</a:t>
             </a:fld>
             <a:endParaRPr lang="en-US"/>
           </a:p>
@@ -7407,7 +7407,7 @@
           <a:p>
             <a:fld id="{8BBDE38F-7EFF-44D7-A4FC-86F4469E67EF}" type="datetimeFigureOut">
               <a:rPr lang="en-US" smtClean="0"/>
-              <a:t>10-Feb-22</a:t>
+              <a:t>15-Apr-22</a:t>
             </a:fld>
             <a:endParaRPr lang="en-US"/>
           </a:p>
@@ -7605,7 +7605,7 @@
           <a:p>
             <a:fld id="{8BBDE38F-7EFF-44D7-A4FC-86F4469E67EF}" type="datetimeFigureOut">
               <a:rPr lang="en-US" smtClean="0"/>
-              <a:t>10-Feb-22</a:t>
+              <a:t>15-Apr-22</a:t>
             </a:fld>
             <a:endParaRPr lang="en-US"/>
           </a:p>
@@ -7880,7 +7880,7 @@
           <a:p>
             <a:fld id="{8BBDE38F-7EFF-44D7-A4FC-86F4469E67EF}" type="datetimeFigureOut">
               <a:rPr lang="en-US" smtClean="0"/>
-              <a:t>10-Feb-22</a:t>
+              <a:t>15-Apr-22</a:t>
             </a:fld>
             <a:endParaRPr lang="en-US"/>
           </a:p>
@@ -8145,7 +8145,7 @@
           <a:p>
             <a:fld id="{8BBDE38F-7EFF-44D7-A4FC-86F4469E67EF}" type="datetimeFigureOut">
               <a:rPr lang="en-US" smtClean="0"/>
-              <a:t>10-Feb-22</a:t>
+              <a:t>15-Apr-22</a:t>
             </a:fld>
             <a:endParaRPr lang="en-US"/>
           </a:p>
@@ -8557,7 +8557,7 @@
           <a:p>
             <a:fld id="{8BBDE38F-7EFF-44D7-A4FC-86F4469E67EF}" type="datetimeFigureOut">
               <a:rPr lang="en-US" smtClean="0"/>
-              <a:t>10-Feb-22</a:t>
+              <a:t>15-Apr-22</a:t>
             </a:fld>
             <a:endParaRPr lang="en-US"/>
           </a:p>
@@ -8698,7 +8698,7 @@
           <a:p>
             <a:fld id="{8BBDE38F-7EFF-44D7-A4FC-86F4469E67EF}" type="datetimeFigureOut">
               <a:rPr lang="en-US" smtClean="0"/>
-              <a:t>10-Feb-22</a:t>
+              <a:t>15-Apr-22</a:t>
             </a:fld>
             <a:endParaRPr lang="en-US"/>
           </a:p>
@@ -8811,7 +8811,7 @@
           <a:p>
             <a:fld id="{8BBDE38F-7EFF-44D7-A4FC-86F4469E67EF}" type="datetimeFigureOut">
               <a:rPr lang="en-US" smtClean="0"/>
-              <a:t>10-Feb-22</a:t>
+              <a:t>15-Apr-22</a:t>
             </a:fld>
             <a:endParaRPr lang="en-US"/>
           </a:p>
@@ -9122,7 +9122,7 @@
           <a:p>
             <a:fld id="{8BBDE38F-7EFF-44D7-A4FC-86F4469E67EF}" type="datetimeFigureOut">
               <a:rPr lang="en-US" smtClean="0"/>
-              <a:t>10-Feb-22</a:t>
+              <a:t>15-Apr-22</a:t>
             </a:fld>
             <a:endParaRPr lang="en-US"/>
           </a:p>
@@ -9410,7 +9410,7 @@
           <a:p>
             <a:fld id="{8BBDE38F-7EFF-44D7-A4FC-86F4469E67EF}" type="datetimeFigureOut">
               <a:rPr lang="en-US" smtClean="0"/>
-              <a:t>10-Feb-22</a:t>
+              <a:t>15-Apr-22</a:t>
             </a:fld>
             <a:endParaRPr lang="en-US"/>
           </a:p>
@@ -9651,7 +9651,7 @@
           <a:p>
             <a:fld id="{8BBDE38F-7EFF-44D7-A4FC-86F4469E67EF}" type="datetimeFigureOut">
               <a:rPr lang="en-US" smtClean="0"/>
-              <a:t>10-Feb-22</a:t>
+              <a:t>15-Apr-22</a:t>
             </a:fld>
             <a:endParaRPr lang="en-US"/>
           </a:p>
@@ -11417,7 +11417,7 @@
             </a:pPr>
             <a:r>
               <a:rPr lang="en-US" dirty="0"/>
-              <a:t>Learning session 4</a:t>
+              <a:t>Learning session 5</a:t>
             </a:r>
           </a:p>
           <a:p>
@@ -11648,7 +11648,7 @@
             </a:pPr>
             <a:r>
               <a:rPr lang="en-US" dirty="0"/>
-              <a:t>Learning session 4</a:t>
+              <a:t>Learning session 5</a:t>
             </a:r>
           </a:p>
           <a:p>

--- a/presentations/05_Monitoring_Pricing.pptx
+++ b/presentations/05_Monitoring_Pricing.pptx
@@ -44,8 +44,8 @@
     <p:sldId id="301" r:id="rId35"/>
     <p:sldId id="299" r:id="rId36"/>
     <p:sldId id="302" r:id="rId37"/>
-    <p:sldId id="303" r:id="rId38"/>
-    <p:sldId id="304" r:id="rId39"/>
+    <p:sldId id="381" r:id="rId38"/>
+    <p:sldId id="382" r:id="rId39"/>
     <p:sldId id="305" r:id="rId40"/>
     <p:sldId id="313" r:id="rId41"/>
     <p:sldId id="315" r:id="rId42"/>
@@ -82,8 +82,8 @@
     <p:sldId id="336" r:id="rId73"/>
     <p:sldId id="337" r:id="rId74"/>
     <p:sldId id="335" r:id="rId75"/>
-    <p:sldId id="369" r:id="rId76"/>
-    <p:sldId id="379" r:id="rId77"/>
+    <p:sldId id="379" r:id="rId76"/>
+    <p:sldId id="369" r:id="rId77"/>
   </p:sldIdLst>
   <p:sldSz cx="12192000" cy="6858000"/>
   <p:notesSz cx="6858000" cy="9144000"/>
@@ -280,7 +280,7 @@
           <a:p>
             <a:fld id="{5B3CF26E-0687-4C54-85B5-9144DF51ABD2}" type="datetimeFigureOut">
               <a:rPr lang="en-US" smtClean="0"/>
-              <a:t>15-Apr-22</a:t>
+              <a:t>15-Jun-22</a:t>
             </a:fld>
             <a:endParaRPr lang="en-US"/>
           </a:p>
@@ -2921,7 +2921,10 @@
           <a:bodyPr/>
           <a:lstStyle/>
           <a:p>
-            <a:endParaRPr lang="en-US" dirty="0"/>
+            <a:r>
+              <a:rPr lang="en-US" dirty="0"/>
+              <a:t>You do not need a master’s degree in regex</a:t>
+            </a:r>
           </a:p>
         </p:txBody>
       </p:sp>
@@ -2951,7 +2954,7 @@
     </p:spTree>
     <p:extLst>
       <p:ext uri="{BB962C8B-B14F-4D97-AF65-F5344CB8AC3E}">
-        <p14:creationId xmlns:p14="http://schemas.microsoft.com/office/powerpoint/2010/main" val="2075921129"/>
+        <p14:creationId xmlns:p14="http://schemas.microsoft.com/office/powerpoint/2010/main" val="3311933333"/>
       </p:ext>
     </p:extLst>
   </p:cSld>
@@ -3035,7 +3038,7 @@
     </p:spTree>
     <p:extLst>
       <p:ext uri="{BB962C8B-B14F-4D97-AF65-F5344CB8AC3E}">
-        <p14:creationId xmlns:p14="http://schemas.microsoft.com/office/powerpoint/2010/main" val="786474765"/>
+        <p14:creationId xmlns:p14="http://schemas.microsoft.com/office/powerpoint/2010/main" val="1197747549"/>
       </p:ext>
     </p:extLst>
   </p:cSld>
@@ -6469,99 +6472,6 @@
           <a:bodyPr/>
           <a:lstStyle/>
           <a:p>
-            <a:r>
-              <a:rPr lang="en-US" b="0" i="0" dirty="0">
-                <a:solidFill>
-                  <a:srgbClr val="1D1C1D"/>
-                </a:solidFill>
-                <a:effectLst/>
-                <a:latin typeface="Slack-Lato"/>
-              </a:rPr>
-              <a:t>honeycomb uses S3 as a long-term storage extension for </a:t>
-            </a:r>
-            <a:r>
-              <a:rPr lang="en-US" b="0" i="0" dirty="0" err="1">
-                <a:solidFill>
-                  <a:srgbClr val="1D1C1D"/>
-                </a:solidFill>
-                <a:effectLst/>
-                <a:latin typeface="Slack-Lato"/>
-              </a:rPr>
-              <a:t>realtime</a:t>
-            </a:r>
-            <a:r>
-              <a:rPr lang="en-US" b="0" i="0" dirty="0">
-                <a:solidFill>
-                  <a:srgbClr val="1D1C1D"/>
-                </a:solidFill>
-                <a:effectLst/>
-                <a:latin typeface="Slack-Lato"/>
-              </a:rPr>
-              <a:t> queries. TL/DR: EC2 instances that use </a:t>
-            </a:r>
-            <a:r>
-              <a:rPr lang="en-US" b="0" i="0" dirty="0" err="1">
-                <a:solidFill>
-                  <a:srgbClr val="1D1C1D"/>
-                </a:solidFill>
-                <a:effectLst/>
-                <a:latin typeface="Slack-Lato"/>
-              </a:rPr>
-              <a:t>aws</a:t>
-            </a:r>
-            <a:r>
-              <a:rPr lang="en-US" b="0" i="0" dirty="0">
-                <a:solidFill>
-                  <a:srgbClr val="1D1C1D"/>
-                </a:solidFill>
-                <a:effectLst/>
-                <a:latin typeface="Slack-Lato"/>
-              </a:rPr>
-              <a:t>-lambdas with S3 to split one query into smaller pieces.</a:t>
-            </a:r>
-            <a:br>
-              <a:rPr lang="en-US" dirty="0"/>
-            </a:br>
-            <a:r>
-              <a:rPr lang="en-US" b="0" i="0" dirty="0">
-                <a:solidFill>
-                  <a:srgbClr val="1D1C1D"/>
-                </a:solidFill>
-                <a:effectLst/>
-                <a:latin typeface="Slack-Lato"/>
-              </a:rPr>
-              <a:t>The presentation also shows non-obvious limitations of </a:t>
-            </a:r>
-            <a:r>
-              <a:rPr lang="en-US" b="0" i="0" dirty="0" err="1">
-                <a:solidFill>
-                  <a:srgbClr val="1D1C1D"/>
-                </a:solidFill>
-                <a:effectLst/>
-                <a:latin typeface="Slack-Lato"/>
-              </a:rPr>
-              <a:t>autoscaled</a:t>
-            </a:r>
-            <a:r>
-              <a:rPr lang="en-US" b="0" i="0" dirty="0">
-                <a:solidFill>
-                  <a:srgbClr val="1D1C1D"/>
-                </a:solidFill>
-                <a:effectLst/>
-                <a:latin typeface="Slack-Lato"/>
-              </a:rPr>
-              <a:t> Lambdas, inconsistent response time, </a:t>
-            </a:r>
-            <a:r>
-              <a:rPr lang="en-US" b="0" i="0" dirty="0" err="1">
-                <a:solidFill>
-                  <a:srgbClr val="1D1C1D"/>
-                </a:solidFill>
-                <a:effectLst/>
-                <a:latin typeface="Slack-Lato"/>
-              </a:rPr>
-              <a:t>etc</a:t>
-            </a:r>
             <a:endParaRPr lang="en-US" dirty="0"/>
           </a:p>
         </p:txBody>
@@ -6592,7 +6502,7 @@
     </p:spTree>
     <p:extLst>
       <p:ext uri="{BB962C8B-B14F-4D97-AF65-F5344CB8AC3E}">
-        <p14:creationId xmlns:p14="http://schemas.microsoft.com/office/powerpoint/2010/main" val="1582850673"/>
+        <p14:creationId xmlns:p14="http://schemas.microsoft.com/office/powerpoint/2010/main" val="211661463"/>
       </p:ext>
     </p:extLst>
   </p:cSld>
@@ -6646,6 +6556,99 @@
           <a:bodyPr/>
           <a:lstStyle/>
           <a:p>
+            <a:r>
+              <a:rPr lang="en-US" b="0" i="0" dirty="0">
+                <a:solidFill>
+                  <a:srgbClr val="1D1C1D"/>
+                </a:solidFill>
+                <a:effectLst/>
+                <a:latin typeface="Slack-Lato"/>
+              </a:rPr>
+              <a:t>honeycomb uses S3 as a long-term storage extension for </a:t>
+            </a:r>
+            <a:r>
+              <a:rPr lang="en-US" b="0" i="0" dirty="0" err="1">
+                <a:solidFill>
+                  <a:srgbClr val="1D1C1D"/>
+                </a:solidFill>
+                <a:effectLst/>
+                <a:latin typeface="Slack-Lato"/>
+              </a:rPr>
+              <a:t>realtime</a:t>
+            </a:r>
+            <a:r>
+              <a:rPr lang="en-US" b="0" i="0" dirty="0">
+                <a:solidFill>
+                  <a:srgbClr val="1D1C1D"/>
+                </a:solidFill>
+                <a:effectLst/>
+                <a:latin typeface="Slack-Lato"/>
+              </a:rPr>
+              <a:t> queries. TL/DR: EC2 instances that use </a:t>
+            </a:r>
+            <a:r>
+              <a:rPr lang="en-US" b="0" i="0" dirty="0" err="1">
+                <a:solidFill>
+                  <a:srgbClr val="1D1C1D"/>
+                </a:solidFill>
+                <a:effectLst/>
+                <a:latin typeface="Slack-Lato"/>
+              </a:rPr>
+              <a:t>aws</a:t>
+            </a:r>
+            <a:r>
+              <a:rPr lang="en-US" b="0" i="0" dirty="0">
+                <a:solidFill>
+                  <a:srgbClr val="1D1C1D"/>
+                </a:solidFill>
+                <a:effectLst/>
+                <a:latin typeface="Slack-Lato"/>
+              </a:rPr>
+              <a:t>-lambdas with S3 to split one query into smaller pieces.</a:t>
+            </a:r>
+            <a:br>
+              <a:rPr lang="en-US" dirty="0"/>
+            </a:br>
+            <a:r>
+              <a:rPr lang="en-US" b="0" i="0" dirty="0">
+                <a:solidFill>
+                  <a:srgbClr val="1D1C1D"/>
+                </a:solidFill>
+                <a:effectLst/>
+                <a:latin typeface="Slack-Lato"/>
+              </a:rPr>
+              <a:t>The presentation also shows non-obvious limitations of </a:t>
+            </a:r>
+            <a:r>
+              <a:rPr lang="en-US" b="0" i="0" dirty="0" err="1">
+                <a:solidFill>
+                  <a:srgbClr val="1D1C1D"/>
+                </a:solidFill>
+                <a:effectLst/>
+                <a:latin typeface="Slack-Lato"/>
+              </a:rPr>
+              <a:t>autoscaled</a:t>
+            </a:r>
+            <a:r>
+              <a:rPr lang="en-US" b="0" i="0" dirty="0">
+                <a:solidFill>
+                  <a:srgbClr val="1D1C1D"/>
+                </a:solidFill>
+                <a:effectLst/>
+                <a:latin typeface="Slack-Lato"/>
+              </a:rPr>
+              <a:t> Lambdas, inconsistent response time, </a:t>
+            </a:r>
+            <a:r>
+              <a:rPr lang="en-US" b="0" i="0" dirty="0" err="1">
+                <a:solidFill>
+                  <a:srgbClr val="1D1C1D"/>
+                </a:solidFill>
+                <a:effectLst/>
+                <a:latin typeface="Slack-Lato"/>
+              </a:rPr>
+              <a:t>etc</a:t>
+            </a:r>
             <a:endParaRPr lang="en-US" dirty="0"/>
           </a:p>
         </p:txBody>
@@ -6676,7 +6679,7 @@
     </p:spTree>
     <p:extLst>
       <p:ext uri="{BB962C8B-B14F-4D97-AF65-F5344CB8AC3E}">
-        <p14:creationId xmlns:p14="http://schemas.microsoft.com/office/powerpoint/2010/main" val="211661463"/>
+        <p14:creationId xmlns:p14="http://schemas.microsoft.com/office/powerpoint/2010/main" val="1582850673"/>
       </p:ext>
     </p:extLst>
   </p:cSld>
@@ -7001,7 +7004,7 @@
           <a:p>
             <a:fld id="{8BBDE38F-7EFF-44D7-A4FC-86F4469E67EF}" type="datetimeFigureOut">
               <a:rPr lang="en-US" smtClean="0"/>
-              <a:t>15-Apr-22</a:t>
+              <a:t>15-Jun-22</a:t>
             </a:fld>
             <a:endParaRPr lang="en-US"/>
           </a:p>
@@ -7199,7 +7202,7 @@
           <a:p>
             <a:fld id="{8BBDE38F-7EFF-44D7-A4FC-86F4469E67EF}" type="datetimeFigureOut">
               <a:rPr lang="en-US" smtClean="0"/>
-              <a:t>15-Apr-22</a:t>
+              <a:t>15-Jun-22</a:t>
             </a:fld>
             <a:endParaRPr lang="en-US"/>
           </a:p>
@@ -7407,7 +7410,7 @@
           <a:p>
             <a:fld id="{8BBDE38F-7EFF-44D7-A4FC-86F4469E67EF}" type="datetimeFigureOut">
               <a:rPr lang="en-US" smtClean="0"/>
-              <a:t>15-Apr-22</a:t>
+              <a:t>15-Jun-22</a:t>
             </a:fld>
             <a:endParaRPr lang="en-US"/>
           </a:p>
@@ -7605,7 +7608,7 @@
           <a:p>
             <a:fld id="{8BBDE38F-7EFF-44D7-A4FC-86F4469E67EF}" type="datetimeFigureOut">
               <a:rPr lang="en-US" smtClean="0"/>
-              <a:t>15-Apr-22</a:t>
+              <a:t>15-Jun-22</a:t>
             </a:fld>
             <a:endParaRPr lang="en-US"/>
           </a:p>
@@ -7880,7 +7883,7 @@
           <a:p>
             <a:fld id="{8BBDE38F-7EFF-44D7-A4FC-86F4469E67EF}" type="datetimeFigureOut">
               <a:rPr lang="en-US" smtClean="0"/>
-              <a:t>15-Apr-22</a:t>
+              <a:t>15-Jun-22</a:t>
             </a:fld>
             <a:endParaRPr lang="en-US"/>
           </a:p>
@@ -8145,7 +8148,7 @@
           <a:p>
             <a:fld id="{8BBDE38F-7EFF-44D7-A4FC-86F4469E67EF}" type="datetimeFigureOut">
               <a:rPr lang="en-US" smtClean="0"/>
-              <a:t>15-Apr-22</a:t>
+              <a:t>15-Jun-22</a:t>
             </a:fld>
             <a:endParaRPr lang="en-US"/>
           </a:p>
@@ -8557,7 +8560,7 @@
           <a:p>
             <a:fld id="{8BBDE38F-7EFF-44D7-A4FC-86F4469E67EF}" type="datetimeFigureOut">
               <a:rPr lang="en-US" smtClean="0"/>
-              <a:t>15-Apr-22</a:t>
+              <a:t>15-Jun-22</a:t>
             </a:fld>
             <a:endParaRPr lang="en-US"/>
           </a:p>
@@ -8698,7 +8701,7 @@
           <a:p>
             <a:fld id="{8BBDE38F-7EFF-44D7-A4FC-86F4469E67EF}" type="datetimeFigureOut">
               <a:rPr lang="en-US" smtClean="0"/>
-              <a:t>15-Apr-22</a:t>
+              <a:t>15-Jun-22</a:t>
             </a:fld>
             <a:endParaRPr lang="en-US"/>
           </a:p>
@@ -8811,7 +8814,7 @@
           <a:p>
             <a:fld id="{8BBDE38F-7EFF-44D7-A4FC-86F4469E67EF}" type="datetimeFigureOut">
               <a:rPr lang="en-US" smtClean="0"/>
-              <a:t>15-Apr-22</a:t>
+              <a:t>15-Jun-22</a:t>
             </a:fld>
             <a:endParaRPr lang="en-US"/>
           </a:p>
@@ -9122,7 +9125,7 @@
           <a:p>
             <a:fld id="{8BBDE38F-7EFF-44D7-A4FC-86F4469E67EF}" type="datetimeFigureOut">
               <a:rPr lang="en-US" smtClean="0"/>
-              <a:t>15-Apr-22</a:t>
+              <a:t>15-Jun-22</a:t>
             </a:fld>
             <a:endParaRPr lang="en-US"/>
           </a:p>
@@ -9410,7 +9413,7 @@
           <a:p>
             <a:fld id="{8BBDE38F-7EFF-44D7-A4FC-86F4469E67EF}" type="datetimeFigureOut">
               <a:rPr lang="en-US" smtClean="0"/>
-              <a:t>15-Apr-22</a:t>
+              <a:t>15-Jun-22</a:t>
             </a:fld>
             <a:endParaRPr lang="en-US"/>
           </a:p>
@@ -9651,7 +9654,7 @@
           <a:p>
             <a:fld id="{8BBDE38F-7EFF-44D7-A4FC-86F4469E67EF}" type="datetimeFigureOut">
               <a:rPr lang="en-US" smtClean="0"/>
-              <a:t>15-Apr-22</a:t>
+              <a:t>15-Jun-22</a:t>
             </a:fld>
             <a:endParaRPr lang="en-US"/>
           </a:p>
@@ -11892,7 +11895,7 @@
           <a:p>
             <a:r>
               <a:rPr lang="en-US" dirty="0"/>
-              <a:t>Metrics</a:t>
+              <a:t>Metrics (and SLI/SLO/SLA)</a:t>
             </a:r>
           </a:p>
           <a:p>
@@ -13187,8 +13190,33 @@
             </a:pPr>
             <a:r>
               <a:rPr lang="en-US" dirty="0"/>
-              <a:t>Plain-text log pros</a:t>
-            </a:r>
+              <a:t>Plain-text log </a:t>
+            </a:r>
+            <a:r>
+              <a:rPr lang="en-US" b="1" dirty="0"/>
+              <a:t>pros</a:t>
+            </a:r>
+          </a:p>
+          <a:p>
+            <a:pPr marL="0" indent="0">
+              <a:buNone/>
+            </a:pPr>
+            <a:endParaRPr lang="en-US" dirty="0"/>
+          </a:p>
+          <a:p>
+            <a:pPr marL="0" indent="0">
+              <a:buNone/>
+            </a:pPr>
+            <a:r>
+              <a:rPr lang="en-US" sz="2800" dirty="0"/>
+              <a:t>"2010-01-01 12:34:56.0000 Info: Hello, world"</a:t>
+            </a:r>
+          </a:p>
+          <a:p>
+            <a:pPr marL="0" indent="0">
+              <a:buNone/>
+            </a:pPr>
+            <a:endParaRPr lang="en-US" dirty="0"/>
           </a:p>
           <a:p>
             <a:pPr marL="0" indent="0">
@@ -13303,8 +13331,33 @@
             </a:pPr>
             <a:r>
               <a:rPr lang="en-US" dirty="0"/>
-              <a:t>Plain-text log cons</a:t>
-            </a:r>
+              <a:t>Plain-text log </a:t>
+            </a:r>
+            <a:r>
+              <a:rPr lang="en-US" b="1" dirty="0"/>
+              <a:t>cons</a:t>
+            </a:r>
+          </a:p>
+          <a:p>
+            <a:pPr marL="0" indent="0">
+              <a:buNone/>
+            </a:pPr>
+            <a:endParaRPr lang="en-US" dirty="0"/>
+          </a:p>
+          <a:p>
+            <a:pPr marL="0" indent="0">
+              <a:buNone/>
+            </a:pPr>
+            <a:r>
+              <a:rPr lang="en-US" sz="2800" dirty="0"/>
+              <a:t>"2010-01-01 12:34:56.0000 Info: Hello, world"</a:t>
+            </a:r>
+          </a:p>
+          <a:p>
+            <a:pPr marL="0" indent="0">
+              <a:buNone/>
+            </a:pPr>
+            <a:endParaRPr lang="en-US" dirty="0"/>
           </a:p>
           <a:p>
             <a:pPr marL="0" indent="0">
@@ -13412,7 +13465,7 @@
             </a:pPr>
             <a:r>
               <a:rPr lang="en-US" dirty="0"/>
-              <a:t>Structured logs: all log-events follow defined structure.</a:t>
+              <a:t>Structured logs: all log events follow a defined structure.</a:t>
             </a:r>
           </a:p>
           <a:p>
@@ -13420,116 +13473,6 @@
               <a:buNone/>
             </a:pPr>
             <a:endParaRPr lang="en-US" dirty="0"/>
-          </a:p>
-          <a:p>
-            <a:pPr marL="0" indent="0">
-              <a:buNone/>
-            </a:pPr>
-            <a:r>
-              <a:rPr lang="en-US" sz="1800" dirty="0">
-                <a:latin typeface="Consolas" panose="020B0609020204030204" pitchFamily="49" charset="0"/>
-                <a:cs typeface="Cascadia Code Light" panose="020B0609020000020004" pitchFamily="49" charset="0"/>
-              </a:rPr>
-              <a:t>{ </a:t>
-            </a:r>
-          </a:p>
-          <a:p>
-            <a:pPr marL="0" indent="0">
-              <a:buNone/>
-            </a:pPr>
-            <a:r>
-              <a:rPr lang="en-US" sz="1800" dirty="0">
-                <a:latin typeface="Consolas" panose="020B0609020204030204" pitchFamily="49" charset="0"/>
-                <a:cs typeface="Cascadia Code Light" panose="020B0609020000020004" pitchFamily="49" charset="0"/>
-              </a:rPr>
-              <a:t>"time": "2010-01-01 12:34:56.0000",</a:t>
-            </a:r>
-          </a:p>
-          <a:p>
-            <a:pPr marL="0" indent="0">
-              <a:buNone/>
-            </a:pPr>
-            <a:r>
-              <a:rPr lang="en-US" sz="1800" dirty="0">
-                <a:latin typeface="Consolas" panose="020B0609020204030204" pitchFamily="49" charset="0"/>
-                <a:cs typeface="Cascadia Code Light" panose="020B0609020000020004" pitchFamily="49" charset="0"/>
-              </a:rPr>
-              <a:t>"level": "Info",</a:t>
-            </a:r>
-          </a:p>
-          <a:p>
-            <a:pPr marL="0" indent="0">
-              <a:buNone/>
-            </a:pPr>
-            <a:r>
-              <a:rPr lang="en-US" sz="1800" dirty="0">
-                <a:latin typeface="Consolas" panose="020B0609020204030204" pitchFamily="49" charset="0"/>
-                <a:cs typeface="Cascadia Code Light" panose="020B0609020000020004" pitchFamily="49" charset="0"/>
-              </a:rPr>
-              <a:t>"message": "hello, world",</a:t>
-            </a:r>
-          </a:p>
-          <a:p>
-            <a:pPr marL="0" indent="0">
-              <a:buNone/>
-            </a:pPr>
-            <a:r>
-              <a:rPr lang="en-US" sz="1800" dirty="0">
-                <a:latin typeface="Consolas" panose="020B0609020204030204" pitchFamily="49" charset="0"/>
-                <a:cs typeface="Cascadia Code Light" panose="020B0609020000020004" pitchFamily="49" charset="0"/>
-              </a:rPr>
-              <a:t>"user": "test-user",</a:t>
-            </a:r>
-          </a:p>
-          <a:p>
-            <a:pPr marL="0" indent="0">
-              <a:buNone/>
-            </a:pPr>
-            <a:r>
-              <a:rPr lang="en-US" sz="1800" dirty="0">
-                <a:latin typeface="Consolas" panose="020B0609020204030204" pitchFamily="49" charset="0"/>
-                <a:cs typeface="Cascadia Code Light" panose="020B0609020000020004" pitchFamily="49" charset="0"/>
-              </a:rPr>
-              <a:t>"</a:t>
-            </a:r>
-            <a:r>
-              <a:rPr lang="en-US" sz="1800" dirty="0" err="1">
-                <a:latin typeface="Consolas" panose="020B0609020204030204" pitchFamily="49" charset="0"/>
-                <a:cs typeface="Cascadia Code Light" panose="020B0609020000020004" pitchFamily="49" charset="0"/>
-              </a:rPr>
-              <a:t>env":"prod</a:t>
-            </a:r>
-            <a:r>
-              <a:rPr lang="en-US" sz="1800" dirty="0">
-                <a:latin typeface="Consolas" panose="020B0609020204030204" pitchFamily="49" charset="0"/>
-                <a:cs typeface="Cascadia Code Light" panose="020B0609020000020004" pitchFamily="49" charset="0"/>
-              </a:rPr>
-              <a:t>",</a:t>
-            </a:r>
-          </a:p>
-          <a:p>
-            <a:pPr marL="0" indent="0">
-              <a:buNone/>
-            </a:pPr>
-            <a:r>
-              <a:rPr lang="en-US" sz="1800" dirty="0">
-                <a:latin typeface="Consolas" panose="020B0609020204030204" pitchFamily="49" charset="0"/>
-                <a:cs typeface="Cascadia Code Light" panose="020B0609020000020004" pitchFamily="49" charset="0"/>
-              </a:rPr>
-              <a:t>"hostname":"vm-0001"</a:t>
-            </a:r>
-          </a:p>
-          <a:p>
-            <a:pPr marL="0" indent="0">
-              <a:buNone/>
-            </a:pPr>
-            <a:r>
-              <a:rPr lang="en-US" sz="1800" dirty="0">
-                <a:latin typeface="Consolas" panose="020B0609020204030204" pitchFamily="49" charset="0"/>
-                <a:cs typeface="Cascadia Code Light" panose="020B0609020000020004" pitchFamily="49" charset="0"/>
-              </a:rPr>
-              <a:t>}</a:t>
-            </a:r>
           </a:p>
         </p:txBody>
       </p:sp>
@@ -13555,8 +13498,38 @@
         </p:blipFill>
         <p:spPr>
           <a:xfrm>
-            <a:off x="6841030" y="3417251"/>
+            <a:off x="838200" y="2844957"/>
             <a:ext cx="4512770" cy="1168086"/>
+          </a:xfrm>
+          <a:prstGeom prst="rect">
+            <a:avLst/>
+          </a:prstGeom>
+        </p:spPr>
+      </p:pic>
+      <p:pic>
+        <p:nvPicPr>
+          <p:cNvPr id="5" name="Picture 4">
+            <a:extLst>
+              <a:ext uri="{FF2B5EF4-FFF2-40B4-BE49-F238E27FC236}">
+                <a16:creationId xmlns:a16="http://schemas.microsoft.com/office/drawing/2014/main" id="{19F5E0CA-2F7C-C1AE-7315-294F82E38042}"/>
+              </a:ext>
+            </a:extLst>
+          </p:cNvPr>
+          <p:cNvPicPr>
+            <a:picLocks noChangeAspect="1"/>
+          </p:cNvPicPr>
+          <p:nvPr/>
+        </p:nvPicPr>
+        <p:blipFill>
+          <a:blip r:embed="rId4"/>
+          <a:stretch>
+            <a:fillRect/>
+          </a:stretch>
+        </p:blipFill>
+        <p:spPr>
+          <a:xfrm>
+            <a:off x="6442758" y="2415914"/>
+            <a:ext cx="4911042" cy="3194257"/>
           </a:xfrm>
           <a:prstGeom prst="rect">
             <a:avLst/>
@@ -13760,7 +13733,9 @@
         </p:nvSpPr>
         <p:spPr/>
         <p:txBody>
-          <a:bodyPr/>
+          <a:bodyPr>
+            <a:normAutofit/>
+          </a:bodyPr>
           <a:lstStyle/>
           <a:p>
             <a:pPr marL="0" indent="0">
@@ -13768,7 +13743,15 @@
             </a:pPr>
             <a:r>
               <a:rPr lang="en-US" dirty="0"/>
-              <a:t>Structured logs cons</a:t>
+              <a:t>Structured logs </a:t>
+            </a:r>
+            <a:r>
+              <a:rPr lang="en-US" b="1" dirty="0"/>
+              <a:t>pros</a:t>
+            </a:r>
+            <a:r>
+              <a:rPr lang="en-US" dirty="0"/>
+              <a:t>:</a:t>
             </a:r>
           </a:p>
           <a:p>
@@ -13777,7 +13760,7 @@
             </a:pPr>
             <a:r>
               <a:rPr lang="en-US" dirty="0"/>
-              <a:t>- hardly readable by humans</a:t>
+              <a:t>+ unlimited filtering capabilities</a:t>
             </a:r>
           </a:p>
           <a:p>
@@ -13786,7 +13769,7 @@
             </a:pPr>
             <a:r>
               <a:rPr lang="en-US" dirty="0"/>
-              <a:t>- harder to implement</a:t>
+              <a:t>+ unlimited analysis options</a:t>
             </a:r>
           </a:p>
           <a:p>
@@ -13795,7 +13778,7 @@
             </a:pPr>
             <a:r>
               <a:rPr lang="en-US" dirty="0"/>
-              <a:t>- could be expensive to store</a:t>
+              <a:t>+ (could) enforce format</a:t>
             </a:r>
           </a:p>
           <a:p>
@@ -13804,15 +13787,51 @@
             </a:pPr>
             <a:r>
               <a:rPr lang="en-US" dirty="0"/>
-              <a:t>- requires infrastructure to process, aggregate, ingest, index</a:t>
-            </a:r>
-          </a:p>
-        </p:txBody>
-      </p:sp>
+              <a:t>+ (could be) small messages</a:t>
+            </a:r>
+          </a:p>
+          <a:p>
+            <a:pPr marL="0" indent="0">
+              <a:buNone/>
+            </a:pPr>
+            <a:endParaRPr lang="en-US" dirty="0"/>
+          </a:p>
+        </p:txBody>
+      </p:sp>
+      <p:pic>
+        <p:nvPicPr>
+          <p:cNvPr id="5" name="Picture 4">
+            <a:extLst>
+              <a:ext uri="{FF2B5EF4-FFF2-40B4-BE49-F238E27FC236}">
+                <a16:creationId xmlns:a16="http://schemas.microsoft.com/office/drawing/2014/main" id="{19F5E0CA-2F7C-C1AE-7315-294F82E38042}"/>
+              </a:ext>
+            </a:extLst>
+          </p:cNvPr>
+          <p:cNvPicPr>
+            <a:picLocks noChangeAspect="1"/>
+          </p:cNvPicPr>
+          <p:nvPr/>
+        </p:nvPicPr>
+        <p:blipFill>
+          <a:blip r:embed="rId3"/>
+          <a:stretch>
+            <a:fillRect/>
+          </a:stretch>
+        </p:blipFill>
+        <p:spPr>
+          <a:xfrm>
+            <a:off x="6442758" y="2415914"/>
+            <a:ext cx="4911042" cy="3194257"/>
+          </a:xfrm>
+          <a:prstGeom prst="rect">
+            <a:avLst/>
+          </a:prstGeom>
+        </p:spPr>
+      </p:pic>
     </p:spTree>
     <p:extLst>
       <p:ext uri="{BB962C8B-B14F-4D97-AF65-F5344CB8AC3E}">
-        <p14:creationId xmlns:p14="http://schemas.microsoft.com/office/powerpoint/2010/main" val="1021187818"/>
+        <p14:creationId xmlns:p14="http://schemas.microsoft.com/office/powerpoint/2010/main" val="2457875644"/>
       </p:ext>
     </p:extLst>
   </p:cSld>
@@ -13885,7 +13904,9 @@
         </p:nvSpPr>
         <p:spPr/>
         <p:txBody>
-          <a:bodyPr/>
+          <a:bodyPr>
+            <a:normAutofit/>
+          </a:bodyPr>
           <a:lstStyle/>
           <a:p>
             <a:pPr marL="0" indent="0">
@@ -13893,7 +13914,15 @@
             </a:pPr>
             <a:r>
               <a:rPr lang="en-US" dirty="0"/>
-              <a:t>Structured log pros:</a:t>
+              <a:t>Structured logs </a:t>
+            </a:r>
+            <a:r>
+              <a:rPr lang="en-US" b="1" dirty="0"/>
+              <a:t>cons</a:t>
+            </a:r>
+            <a:r>
+              <a:rPr lang="en-US" dirty="0"/>
+              <a:t>:</a:t>
             </a:r>
           </a:p>
           <a:p>
@@ -13902,7 +13931,7 @@
             </a:pPr>
             <a:r>
               <a:rPr lang="en-US" dirty="0"/>
-              <a:t>+ unlimited filtering capabilities (without master’s degree in regex)</a:t>
+              <a:t>- hardly readable by humans</a:t>
             </a:r>
           </a:p>
           <a:p>
@@ -13911,7 +13940,7 @@
             </a:pPr>
             <a:r>
               <a:rPr lang="en-US" dirty="0"/>
-              <a:t>+ unlimited analysis options</a:t>
+              <a:t>- harder to implement</a:t>
             </a:r>
           </a:p>
           <a:p>
@@ -13920,7 +13949,17 @@
             </a:pPr>
             <a:r>
               <a:rPr lang="en-US" dirty="0"/>
-              <a:t>+ (could) enforce format</a:t>
+              <a:t>- could be expensive to store</a:t>
+            </a:r>
+          </a:p>
+          <a:p>
+            <a:pPr>
+              <a:buFontTx/>
+              <a:buChar char="-"/>
+            </a:pPr>
+            <a:r>
+              <a:rPr lang="en-US" dirty="0"/>
+              <a:t>requires infrastructure to process,</a:t>
             </a:r>
           </a:p>
           <a:p>
@@ -13929,15 +13968,51 @@
             </a:pPr>
             <a:r>
               <a:rPr lang="en-US" dirty="0"/>
-              <a:t>+ (could be) small messages</a:t>
-            </a:r>
-          </a:p>
-        </p:txBody>
-      </p:sp>
+              <a:t>aggregate, ingest, index</a:t>
+            </a:r>
+          </a:p>
+          <a:p>
+            <a:pPr marL="0" indent="0">
+              <a:buNone/>
+            </a:pPr>
+            <a:endParaRPr lang="en-US" dirty="0"/>
+          </a:p>
+        </p:txBody>
+      </p:sp>
+      <p:pic>
+        <p:nvPicPr>
+          <p:cNvPr id="5" name="Picture 4">
+            <a:extLst>
+              <a:ext uri="{FF2B5EF4-FFF2-40B4-BE49-F238E27FC236}">
+                <a16:creationId xmlns:a16="http://schemas.microsoft.com/office/drawing/2014/main" id="{19F5E0CA-2F7C-C1AE-7315-294F82E38042}"/>
+              </a:ext>
+            </a:extLst>
+          </p:cNvPr>
+          <p:cNvPicPr>
+            <a:picLocks noChangeAspect="1"/>
+          </p:cNvPicPr>
+          <p:nvPr/>
+        </p:nvPicPr>
+        <p:blipFill>
+          <a:blip r:embed="rId3"/>
+          <a:stretch>
+            <a:fillRect/>
+          </a:stretch>
+        </p:blipFill>
+        <p:spPr>
+          <a:xfrm>
+            <a:off x="6442758" y="2415914"/>
+            <a:ext cx="4911042" cy="3194257"/>
+          </a:xfrm>
+          <a:prstGeom prst="rect">
+            <a:avLst/>
+          </a:prstGeom>
+        </p:spPr>
+      </p:pic>
     </p:spTree>
     <p:extLst>
       <p:ext uri="{BB962C8B-B14F-4D97-AF65-F5344CB8AC3E}">
-        <p14:creationId xmlns:p14="http://schemas.microsoft.com/office/powerpoint/2010/main" val="961167483"/>
+        <p14:creationId xmlns:p14="http://schemas.microsoft.com/office/powerpoint/2010/main" val="1935290023"/>
       </p:ext>
     </p:extLst>
   </p:cSld>
@@ -15622,8 +15697,8 @@
         </p:blipFill>
         <p:spPr>
           <a:xfrm>
-            <a:off x="1431853" y="2934977"/>
-            <a:ext cx="9328293" cy="2132633"/>
+            <a:off x="104552" y="2524591"/>
+            <a:ext cx="11982896" cy="2739528"/>
           </a:xfrm>
           <a:prstGeom prst="rect">
             <a:avLst/>
@@ -16685,8 +16760,8 @@
         </p:blipFill>
         <p:spPr>
           <a:xfrm>
-            <a:off x="3638207" y="2353239"/>
-            <a:ext cx="4915586" cy="3296110"/>
+            <a:off x="2979085" y="1338975"/>
+            <a:ext cx="6233830" cy="4180049"/>
           </a:xfrm>
         </p:spPr>
       </p:pic>
@@ -16907,8 +16982,8 @@
         </p:blipFill>
         <p:spPr>
           <a:xfrm>
-            <a:off x="1413809" y="1991238"/>
-            <a:ext cx="9364382" cy="4020111"/>
+            <a:off x="838200" y="1358537"/>
+            <a:ext cx="10826015" cy="4647587"/>
           </a:xfrm>
         </p:spPr>
       </p:pic>
@@ -17030,8 +17105,8 @@
         </p:blipFill>
         <p:spPr>
           <a:xfrm>
-            <a:off x="3348037" y="2119312"/>
-            <a:ext cx="5495925" cy="2619375"/>
+            <a:off x="2674634" y="1798366"/>
+            <a:ext cx="6842732" cy="3261267"/>
           </a:xfrm>
           <a:prstGeom prst="rect">
             <a:avLst/>
@@ -18632,39 +18707,99 @@
           <a:bodyPr anchor="t"/>
           <a:lstStyle/>
           <a:p>
-            <a:pPr marL="0" indent="0">
-              <a:buNone/>
-            </a:pPr>
-            <a:r>
-              <a:rPr lang="en-US" dirty="0"/>
-              <a:t>(</a:t>
+            <a:r>
+              <a:rPr lang="en-US" dirty="0"/>
+              <a:t>(articles + java samples) Terse </a:t>
             </a:r>
             <a:r>
               <a:rPr lang="en-US" dirty="0" err="1"/>
-              <a:t>youtube</a:t>
-            </a:r>
-            <a:r>
-              <a:rPr lang="en-US" dirty="0"/>
-              <a:t>) </a:t>
+              <a:t>logback</a:t>
+            </a:r>
+            <a:r>
+              <a:rPr lang="en-US" dirty="0"/>
+              <a:t>: </a:t>
             </a:r>
             <a:r>
               <a:rPr lang="en-US" dirty="0">
                 <a:hlinkClick r:id="rId3"/>
               </a:rPr>
-              <a:t>Serverless to speed-up servers</a:t>
+              <a:t>github</a:t>
+            </a:r>
+            <a:r>
+              <a:rPr lang="en-US" dirty="0"/>
+              <a:t> and </a:t>
+            </a:r>
+            <a:r>
+              <a:rPr lang="en-US" dirty="0">
+                <a:hlinkClick r:id="rId4"/>
+              </a:rPr>
+              <a:t>webpage</a:t>
             </a:r>
             <a:endParaRPr lang="en-US" dirty="0"/>
           </a:p>
           <a:p>
-            <a:pPr marL="0" indent="0">
-              <a:buNone/>
-            </a:pPr>
-            <a:endParaRPr lang="en-US" dirty="0"/>
-          </a:p>
-          <a:p>
-            <a:pPr marL="0" indent="0">
-              <a:buNone/>
-            </a:pPr>
+            <a:r>
+              <a:rPr lang="en-US" dirty="0"/>
+              <a:t>(article)</a:t>
+            </a:r>
+            <a:r>
+              <a:rPr lang="en-US" b="0" i="0" dirty="0">
+                <a:solidFill>
+                  <a:srgbClr val="202124"/>
+                </a:solidFill>
+                <a:effectLst/>
+                <a:latin typeface="Google Sans"/>
+              </a:rPr>
+              <a:t> </a:t>
+            </a:r>
+            <a:r>
+              <a:rPr lang="en-US" b="0" i="0" dirty="0">
+                <a:solidFill>
+                  <a:srgbClr val="202124"/>
+                </a:solidFill>
+                <a:effectLst/>
+                <a:latin typeface="Google Sans"/>
+                <a:hlinkClick r:id="rId5"/>
+              </a:rPr>
+              <a:t>SRE fundamentals: SLIs, SLAs and SLOs</a:t>
+            </a:r>
+            <a:endParaRPr lang="en-US" b="0" i="0" dirty="0">
+              <a:solidFill>
+                <a:srgbClr val="202124"/>
+              </a:solidFill>
+              <a:effectLst/>
+              <a:latin typeface="Google Sans"/>
+            </a:endParaRPr>
+          </a:p>
+          <a:p>
+            <a:r>
+              <a:rPr lang="en-US" dirty="0">
+                <a:solidFill>
+                  <a:srgbClr val="202124"/>
+                </a:solidFill>
+                <a:latin typeface="Google Sans"/>
+              </a:rPr>
+              <a:t>(article) </a:t>
+            </a:r>
+            <a:r>
+              <a:rPr lang="en-US" dirty="0">
+                <a:solidFill>
+                  <a:srgbClr val="202124"/>
+                </a:solidFill>
+                <a:latin typeface="Google Sans"/>
+                <a:hlinkClick r:id="rId6"/>
+              </a:rPr>
+              <a:t>Distributed Tracing</a:t>
+            </a:r>
+            <a:endParaRPr lang="en-US" b="0" i="0" dirty="0">
+              <a:solidFill>
+                <a:srgbClr val="202124"/>
+              </a:solidFill>
+              <a:effectLst/>
+              <a:latin typeface="Google Sans"/>
+            </a:endParaRPr>
+          </a:p>
+          <a:p>
             <a:endParaRPr lang="en-US" dirty="0"/>
           </a:p>
         </p:txBody>
@@ -18672,7 +18807,7 @@
     </p:spTree>
     <p:extLst>
       <p:ext uri="{BB962C8B-B14F-4D97-AF65-F5344CB8AC3E}">
-        <p14:creationId xmlns:p14="http://schemas.microsoft.com/office/powerpoint/2010/main" val="2670700373"/>
+        <p14:creationId xmlns:p14="http://schemas.microsoft.com/office/powerpoint/2010/main" val="3298806870"/>
       </p:ext>
     </p:extLst>
   </p:cSld>
@@ -18748,107 +18883,40 @@
           <a:bodyPr anchor="t"/>
           <a:lstStyle/>
           <a:p>
-            <a:r>
-              <a:rPr lang="en-US" dirty="0"/>
-              <a:t>(articles + java samples) Terse </a:t>
-            </a:r>
-            <a:r>
-              <a:rPr lang="en-US" dirty="0" err="1"/>
-              <a:t>logback</a:t>
-            </a:r>
-            <a:r>
-              <a:rPr lang="en-US" dirty="0"/>
-              <a:t>: </a:t>
+            <a:pPr marL="0" indent="0">
+              <a:buNone/>
+            </a:pPr>
+            <a:r>
+              <a:rPr lang="en-US" dirty="0"/>
+              <a:t>(course summary </a:t>
+            </a:r>
+            <a:r>
+              <a:rPr lang="en-US" dirty="0">
+                <a:sym typeface="Wingdings" panose="05000000000000000000" pitchFamily="2" charset="2"/>
+              </a:rPr>
+              <a:t>)</a:t>
+            </a:r>
+            <a:r>
+              <a:rPr lang="en-US" dirty="0"/>
+              <a:t> </a:t>
             </a:r>
             <a:r>
               <a:rPr lang="en-US" dirty="0">
                 <a:hlinkClick r:id="rId3"/>
               </a:rPr>
-              <a:t>github</a:t>
-            </a:r>
-            <a:r>
-              <a:rPr lang="en-US" dirty="0"/>
-              <a:t> and </a:t>
-            </a:r>
-            <a:r>
-              <a:rPr lang="en-US" dirty="0">
-                <a:hlinkClick r:id="rId4"/>
-              </a:rPr>
-              <a:t>webpage</a:t>
-            </a:r>
-            <a:endParaRPr lang="en-US" dirty="0"/>
-          </a:p>
-          <a:p>
-            <a:r>
-              <a:rPr lang="en-US" dirty="0"/>
-              <a:t>(article)</a:t>
-            </a:r>
-            <a:r>
-              <a:rPr lang="en-US" b="0" i="0" dirty="0">
-                <a:solidFill>
-                  <a:srgbClr val="202124"/>
-                </a:solidFill>
-                <a:effectLst/>
-                <a:latin typeface="Google Sans"/>
-              </a:rPr>
+              <a:t>Serverless to speed-up observability servers</a:t>
+            </a:r>
+            <a:r>
+              <a:rPr lang="en-US" dirty="0"/>
               <a:t> </a:t>
             </a:r>
-            <a:r>
-              <a:rPr lang="en-US" b="0" i="0" dirty="0">
-                <a:solidFill>
-                  <a:srgbClr val="202124"/>
-                </a:solidFill>
-                <a:effectLst/>
-                <a:latin typeface="Google Sans"/>
-                <a:hlinkClick r:id="rId5"/>
-              </a:rPr>
-              <a:t>SRE fundamentals: SLIs, SLAs and SLOs</a:t>
-            </a:r>
-            <a:endParaRPr lang="en-US" b="0" i="0" dirty="0">
-              <a:solidFill>
-                <a:srgbClr val="202124"/>
-              </a:solidFill>
-              <a:effectLst/>
-              <a:latin typeface="Google Sans"/>
-            </a:endParaRPr>
-          </a:p>
-          <a:p>
-            <a:r>
-              <a:rPr lang="en-US" dirty="0">
-                <a:solidFill>
-                  <a:srgbClr val="202124"/>
-                </a:solidFill>
-                <a:latin typeface="Google Sans"/>
-              </a:rPr>
-              <a:t>(article) </a:t>
-            </a:r>
-            <a:r>
-              <a:rPr lang="en-US" dirty="0">
-                <a:solidFill>
-                  <a:srgbClr val="202124"/>
-                </a:solidFill>
-                <a:latin typeface="Google Sans"/>
-                <a:hlinkClick r:id="rId6"/>
-              </a:rPr>
-              <a:t>Distributed Tracing</a:t>
-            </a:r>
-            <a:endParaRPr lang="en-US" b="0" i="0" dirty="0">
-              <a:solidFill>
-                <a:srgbClr val="202124"/>
-              </a:solidFill>
-              <a:effectLst/>
-              <a:latin typeface="Google Sans"/>
-            </a:endParaRPr>
-          </a:p>
-          <a:p>
-            <a:endParaRPr lang="en-US" dirty="0"/>
           </a:p>
         </p:txBody>
       </p:sp>
     </p:spTree>
     <p:extLst>
       <p:ext uri="{BB962C8B-B14F-4D97-AF65-F5344CB8AC3E}">
-        <p14:creationId xmlns:p14="http://schemas.microsoft.com/office/powerpoint/2010/main" val="3298806870"/>
+        <p14:creationId xmlns:p14="http://schemas.microsoft.com/office/powerpoint/2010/main" val="2670700373"/>
       </p:ext>
     </p:extLst>
   </p:cSld>
